--- a/Presentation Assignment.pptx
+++ b/Presentation Assignment.pptx
@@ -7,19 +7,20 @@
   <p:sldIdLst>
     <p:sldId id="256" r:id="rId2"/>
     <p:sldId id="259" r:id="rId3"/>
-    <p:sldId id="257" r:id="rId4"/>
-    <p:sldId id="258" r:id="rId5"/>
-    <p:sldId id="260" r:id="rId6"/>
-    <p:sldId id="262" r:id="rId7"/>
-    <p:sldId id="263" r:id="rId8"/>
-    <p:sldId id="264" r:id="rId9"/>
-    <p:sldId id="265" r:id="rId10"/>
-    <p:sldId id="266" r:id="rId11"/>
-    <p:sldId id="267" r:id="rId12"/>
-    <p:sldId id="268" r:id="rId13"/>
-    <p:sldId id="269" r:id="rId14"/>
-    <p:sldId id="270" r:id="rId15"/>
-    <p:sldId id="271" r:id="rId16"/>
+    <p:sldId id="260" r:id="rId4"/>
+    <p:sldId id="262" r:id="rId5"/>
+    <p:sldId id="264" r:id="rId6"/>
+    <p:sldId id="265" r:id="rId7"/>
+    <p:sldId id="266" r:id="rId8"/>
+    <p:sldId id="267" r:id="rId9"/>
+    <p:sldId id="273" r:id="rId10"/>
+    <p:sldId id="268" r:id="rId11"/>
+    <p:sldId id="274" r:id="rId12"/>
+    <p:sldId id="269" r:id="rId13"/>
+    <p:sldId id="275" r:id="rId14"/>
+    <p:sldId id="276" r:id="rId15"/>
+    <p:sldId id="270" r:id="rId16"/>
+    <p:sldId id="271" r:id="rId17"/>
   </p:sldIdLst>
   <p:sldSz cx="9144000" cy="6858000" type="screen4x3"/>
   <p:notesSz cx="6858000" cy="9144000"/>
@@ -3695,6 +3696,18 @@
           <a:bodyPr/>
           <a:lstStyle/>
           <a:p>
+            <a:pPr algn="r"/>
+            <a:r>
+              <a:rPr lang="en-US" dirty="0" smtClean="0"/>
+              <a:t>Presented by,</a:t>
+            </a:r>
+            <a:br>
+              <a:rPr lang="en-US" dirty="0" smtClean="0"/>
+            </a:br>
+            <a:r>
+              <a:rPr lang="en-US" dirty="0" smtClean="0"/>
+              <a:t>Rose Mary Thomas</a:t>
+            </a:r>
             <a:endParaRPr lang="en-US" dirty="0"/>
           </a:p>
         </p:txBody>
@@ -3714,6 +3727,10 @@
           <a:bodyPr/>
           <a:lstStyle/>
           <a:p>
+            <a:r>
+              <a:rPr smtClean="0"/>
+              <a:t>Training Presentation</a:t>
+            </a:r>
             <a:endParaRPr lang="en-US" dirty="0"/>
           </a:p>
         </p:txBody>
@@ -3759,92 +3776,127 @@
           <a:lstStyle/>
           <a:p>
             <a:r>
-              <a:rPr lang="en-US" dirty="0" smtClean="0"/>
-              <a:t>Bootstrap</a:t>
-            </a:r>
-            <a:endParaRPr lang="en-US" dirty="0"/>
-          </a:p>
-        </p:txBody>
-      </p:sp>
-      <p:sp>
-        <p:nvSpPr>
-          <p:cNvPr id="3" name="Content Placeholder 2"/>
-          <p:cNvSpPr>
-            <a:spLocks noGrp="1"/>
-          </p:cNvSpPr>
-          <p:nvPr>
-            <p:ph sz="quarter" idx="1"/>
-          </p:nvPr>
-        </p:nvSpPr>
-        <p:spPr/>
-        <p:txBody>
-          <a:bodyPr/>
-          <a:lstStyle/>
-          <a:p>
-            <a:r>
-              <a:rPr lang="en-US" dirty="0" smtClean="0"/>
-              <a:t>Simple home page and login</a:t>
-            </a:r>
-          </a:p>
-          <a:p>
-            <a:r>
-              <a:rPr lang="en-US" dirty="0" smtClean="0"/>
-              <a:t>Contain </a:t>
+              <a:rPr lang="en-US" dirty="0" err="1" smtClean="0"/>
+              <a:t>Vue</a:t>
+            </a:r>
+            <a:r>
+              <a:rPr lang="en-US" dirty="0" smtClean="0"/>
+              <a:t> </a:t>
             </a:r>
             <a:r>
               <a:rPr lang="en-US" dirty="0" err="1" smtClean="0"/>
               <a:t>js</a:t>
             </a:r>
-            <a:r>
-              <a:rPr lang="en-US" dirty="0" smtClean="0"/>
-              <a:t> </a:t>
-            </a:r>
-            <a:r>
-              <a:rPr lang="en-US" dirty="0" err="1" smtClean="0"/>
-              <a:t>ts</a:t>
-            </a:r>
-            <a:r>
-              <a:rPr lang="en-US" dirty="0" smtClean="0"/>
-              <a:t> and bootstrap</a:t>
-            </a:r>
-          </a:p>
-          <a:p>
-            <a:r>
-              <a:rPr lang="en-US" dirty="0" smtClean="0"/>
-              <a:t>Introduction to </a:t>
-            </a:r>
-            <a:r>
-              <a:rPr lang="en-US" dirty="0" err="1" smtClean="0"/>
-              <a:t>BootStrap</a:t>
-            </a:r>
-            <a:r>
-              <a:rPr lang="en-US" dirty="0" smtClean="0"/>
-              <a:t>.</a:t>
-            </a:r>
-          </a:p>
-          <a:p>
-            <a:r>
-              <a:rPr lang="en-US" dirty="0" smtClean="0"/>
-              <a:t>What is Bootstrap</a:t>
-            </a:r>
-          </a:p>
-          <a:p>
-            <a:r>
-              <a:rPr lang="en-US" dirty="0" smtClean="0"/>
-              <a:t>Features and capabilities of Bootstrap</a:t>
-            </a:r>
-          </a:p>
-          <a:p>
-            <a:r>
-              <a:rPr lang="en-US" dirty="0" smtClean="0"/>
-              <a:t>Limitations of Bootstrap</a:t>
-            </a:r>
-          </a:p>
-          <a:p>
-            <a:r>
-              <a:rPr lang="en-US" dirty="0" smtClean="0"/>
-              <a:t>How to use Bootstrap in applications.</a:t>
-            </a:r>
+            <a:endParaRPr lang="en-US" dirty="0"/>
+          </a:p>
+        </p:txBody>
+      </p:sp>
+      <p:sp>
+        <p:nvSpPr>
+          <p:cNvPr id="3" name="Content Placeholder 2"/>
+          <p:cNvSpPr>
+            <a:spLocks noGrp="1"/>
+          </p:cNvSpPr>
+          <p:nvPr>
+            <p:ph sz="quarter" idx="1"/>
+          </p:nvPr>
+        </p:nvSpPr>
+        <p:spPr/>
+        <p:txBody>
+          <a:bodyPr>
+            <a:normAutofit/>
+          </a:bodyPr>
+          <a:lstStyle/>
+          <a:p>
+            <a:r>
+              <a:rPr lang="en-US" b="1" dirty="0" smtClean="0"/>
+              <a:t>Introduction to Vue.js</a:t>
+            </a:r>
+          </a:p>
+          <a:p>
+            <a:pPr lvl="1"/>
+            <a:r>
+              <a:rPr lang="en-US" dirty="0" smtClean="0"/>
+              <a:t>Progressive JavaScript framework for building user interfaces</a:t>
+            </a:r>
+          </a:p>
+          <a:p>
+            <a:pPr lvl="1"/>
+            <a:r>
+              <a:rPr lang="en-US" dirty="0" smtClean="0"/>
+              <a:t>Lightweight, reactive, and component-based</a:t>
+            </a:r>
+          </a:p>
+          <a:p>
+            <a:pPr lvl="1"/>
+            <a:r>
+              <a:rPr lang="en-US" dirty="0" smtClean="0"/>
+              <a:t>Supports both </a:t>
+            </a:r>
+            <a:r>
+              <a:rPr lang="en-US" b="1" dirty="0" smtClean="0"/>
+              <a:t>Options API</a:t>
+            </a:r>
+            <a:r>
+              <a:rPr lang="en-US" dirty="0" smtClean="0"/>
+              <a:t> and </a:t>
+            </a:r>
+            <a:r>
+              <a:rPr lang="en-US" b="1" dirty="0" smtClean="0"/>
+              <a:t>Composition API</a:t>
+            </a:r>
+            <a:endParaRPr lang="en-US" dirty="0" smtClean="0"/>
+          </a:p>
+          <a:p>
+            <a:r>
+              <a:rPr lang="en-US" b="1" dirty="0" err="1" smtClean="0"/>
+              <a:t>Vue</a:t>
+            </a:r>
+            <a:r>
+              <a:rPr lang="en-US" b="1" dirty="0" smtClean="0"/>
+              <a:t> Directives</a:t>
+            </a:r>
+          </a:p>
+          <a:p>
+            <a:pPr lvl="1"/>
+            <a:r>
+              <a:rPr lang="en-US" dirty="0" smtClean="0"/>
+              <a:t>Built-in directives to manipulate DOM</a:t>
+            </a:r>
+          </a:p>
+          <a:p>
+            <a:pPr lvl="1"/>
+            <a:r>
+              <a:rPr lang="en-US" dirty="0" smtClean="0"/>
+              <a:t>Prefixed with </a:t>
+            </a:r>
+            <a:r>
+              <a:rPr lang="en-US" dirty="0" smtClean="0"/>
+              <a:t>v-</a:t>
+            </a:r>
+          </a:p>
+          <a:p>
+            <a:r>
+              <a:rPr lang="en-US" b="1" dirty="0" smtClean="0"/>
+              <a:t>Components</a:t>
+            </a:r>
+          </a:p>
+          <a:p>
+            <a:pPr lvl="1"/>
+            <a:r>
+              <a:rPr lang="en-US" dirty="0" smtClean="0"/>
+              <a:t>Reusable building blocks</a:t>
+            </a:r>
+          </a:p>
+          <a:p>
+            <a:pPr lvl="1"/>
+            <a:r>
+              <a:rPr lang="en-US" dirty="0" smtClean="0"/>
+              <a:t>Each component has its own logic, template, and styles</a:t>
+            </a:r>
+          </a:p>
+          <a:p>
+            <a:endParaRPr lang="en-US" b="1" dirty="0" smtClean="0"/>
           </a:p>
         </p:txBody>
       </p:sp>
@@ -3890,7 +3942,15 @@
           <a:p>
             <a:r>
               <a:rPr lang="en-US" dirty="0" err="1" smtClean="0"/>
-              <a:t>Mongodb</a:t>
+              <a:t>Vue</a:t>
+            </a:r>
+            <a:r>
+              <a:rPr lang="en-US" dirty="0" smtClean="0"/>
+              <a:t> </a:t>
+            </a:r>
+            <a:r>
+              <a:rPr lang="en-US" dirty="0" err="1" smtClean="0"/>
+              <a:t>js</a:t>
             </a:r>
             <a:endParaRPr lang="en-US" dirty="0"/>
           </a:p>
@@ -3908,49 +3968,140 @@
         </p:nvSpPr>
         <p:spPr/>
         <p:txBody>
-          <a:bodyPr/>
-          <a:lstStyle/>
-          <a:p>
-            <a:r>
-              <a:rPr lang="en-US" dirty="0" smtClean="0"/>
-              <a:t>Querying </a:t>
-            </a:r>
-            <a:endParaRPr lang="en-US" dirty="0" smtClean="0"/>
-          </a:p>
-          <a:p>
-            <a:r>
-              <a:rPr lang="en-US" dirty="0" smtClean="0"/>
-              <a:t>Aggregation Pipeline </a:t>
-            </a:r>
-            <a:endParaRPr lang="en-US" dirty="0" smtClean="0"/>
-          </a:p>
-          <a:p>
-            <a:r>
-              <a:rPr lang="en-US" dirty="0" smtClean="0"/>
-              <a:t>Indexing</a:t>
-            </a:r>
-          </a:p>
-          <a:p>
-            <a:r>
-              <a:rPr lang="en-US" dirty="0" smtClean="0"/>
-              <a:t>Backup and Security</a:t>
-            </a:r>
-          </a:p>
-          <a:p>
-            <a:r>
-              <a:rPr lang="en-US" dirty="0" smtClean="0"/>
-              <a:t>Replication and </a:t>
-            </a:r>
+          <a:bodyPr>
+            <a:normAutofit fontScale="92500" lnSpcReduction="20000"/>
+          </a:bodyPr>
+          <a:lstStyle/>
+          <a:p>
+            <a:r>
+              <a:rPr lang="en-US" b="1" dirty="0" smtClean="0"/>
+              <a:t>Event Handling</a:t>
+            </a:r>
+          </a:p>
+          <a:p>
+            <a:pPr lvl="1"/>
+            <a:r>
+              <a:rPr lang="en-US" dirty="0" smtClean="0"/>
+              <a:t>Use v-on </a:t>
+            </a:r>
+            <a:r>
+              <a:rPr lang="en-US" dirty="0" smtClean="0"/>
+              <a:t>or </a:t>
+            </a:r>
+            <a:r>
+              <a:rPr lang="en-US" dirty="0" smtClean="0"/>
+              <a:t>@ to listen to DOM events</a:t>
+            </a:r>
+          </a:p>
+          <a:p>
+            <a:r>
+              <a:rPr lang="en-US" b="1" dirty="0" smtClean="0"/>
+              <a:t>Props &amp; Events</a:t>
+            </a:r>
+          </a:p>
+          <a:p>
+            <a:pPr lvl="1"/>
+            <a:r>
+              <a:rPr lang="en-US" b="1" dirty="0" smtClean="0"/>
+              <a:t>Props (from parent to child</a:t>
+            </a:r>
+            <a:r>
+              <a:rPr lang="en-US" b="1" dirty="0" smtClean="0"/>
+              <a:t>)</a:t>
+            </a:r>
+          </a:p>
+          <a:p>
+            <a:pPr lvl="1"/>
+            <a:r>
+              <a:rPr lang="en-US" dirty="0" smtClean="0"/>
+              <a:t>Events (child to parent</a:t>
+            </a:r>
+            <a:r>
+              <a:rPr lang="en-US" dirty="0" smtClean="0"/>
+              <a:t>)</a:t>
+            </a:r>
+          </a:p>
+          <a:p>
+            <a:r>
+              <a:rPr lang="en-US" b="1" dirty="0" smtClean="0"/>
+              <a:t>Slots</a:t>
+            </a:r>
+          </a:p>
+          <a:p>
+            <a:pPr lvl="1"/>
+            <a:r>
+              <a:rPr lang="en-US" dirty="0" smtClean="0"/>
+              <a:t>Allow content projection into </a:t>
+            </a:r>
+            <a:r>
+              <a:rPr lang="en-US" dirty="0" smtClean="0"/>
+              <a:t>components</a:t>
+            </a:r>
+          </a:p>
+          <a:p>
+            <a:r>
+              <a:rPr lang="en-US" dirty="0" smtClean="0"/>
+              <a:t>Computed </a:t>
+            </a:r>
+            <a:r>
+              <a:rPr lang="en-US" dirty="0" smtClean="0"/>
+              <a:t>&amp; </a:t>
+            </a:r>
+            <a:r>
+              <a:rPr lang="en-US" dirty="0" smtClean="0"/>
+              <a:t>Watchers</a:t>
+            </a:r>
+          </a:p>
+          <a:p>
+            <a:r>
+              <a:rPr lang="en-US" dirty="0" smtClean="0"/>
+              <a:t>Lifecycle </a:t>
+            </a:r>
+            <a:r>
+              <a:rPr lang="en-US" dirty="0" smtClean="0"/>
+              <a:t>Hooks</a:t>
+            </a:r>
+          </a:p>
+          <a:p>
             <a:r>
               <a:rPr lang="en-US" dirty="0" err="1" smtClean="0"/>
-              <a:t>Sharding</a:t>
-            </a:r>
-            <a:endParaRPr lang="en-US" dirty="0" smtClean="0"/>
-          </a:p>
-          <a:p>
-            <a:r>
-              <a:rPr lang="en-US" dirty="0" smtClean="0"/>
-              <a:t>Performance Tuning</a:t>
+              <a:t>Vue</a:t>
+            </a:r>
+            <a:r>
+              <a:rPr lang="en-US" dirty="0" smtClean="0"/>
+              <a:t> </a:t>
+            </a:r>
+            <a:r>
+              <a:rPr lang="en-US" dirty="0" smtClean="0"/>
+              <a:t>Router</a:t>
+            </a:r>
+          </a:p>
+          <a:p>
+            <a:r>
+              <a:rPr lang="en-US" dirty="0" err="1" smtClean="0"/>
+              <a:t>VeeValidate</a:t>
+            </a:r>
+            <a:r>
+              <a:rPr lang="en-US" dirty="0" smtClean="0"/>
+              <a:t> (Form Validation</a:t>
+            </a:r>
+            <a:r>
+              <a:rPr lang="en-US" dirty="0" smtClean="0"/>
+              <a:t>)</a:t>
+            </a:r>
+          </a:p>
+          <a:p>
+            <a:r>
+              <a:rPr lang="en-US" dirty="0" smtClean="0"/>
+              <a:t>Unit Testing </a:t>
+            </a:r>
+            <a:r>
+              <a:rPr lang="en-US" dirty="0" err="1" smtClean="0"/>
+              <a:t>Vue</a:t>
+            </a:r>
+            <a:r>
+              <a:rPr lang="en-US" dirty="0" smtClean="0"/>
+              <a:t> Components</a:t>
             </a:r>
             <a:endParaRPr lang="en-US" dirty="0"/>
           </a:p>
@@ -3997,140 +4148,146 @@
           <a:lstStyle/>
           <a:p>
             <a:r>
+              <a:rPr lang="en-US" dirty="0" smtClean="0"/>
+              <a:t>Asp.net core</a:t>
+            </a:r>
+            <a:endParaRPr lang="en-US" dirty="0"/>
+          </a:p>
+        </p:txBody>
+      </p:sp>
+      <p:sp>
+        <p:nvSpPr>
+          <p:cNvPr id="3" name="Content Placeholder 2"/>
+          <p:cNvSpPr>
+            <a:spLocks noGrp="1"/>
+          </p:cNvSpPr>
+          <p:nvPr>
+            <p:ph sz="quarter" idx="1"/>
+          </p:nvPr>
+        </p:nvSpPr>
+        <p:spPr/>
+        <p:txBody>
+          <a:bodyPr>
+            <a:normAutofit/>
+          </a:bodyPr>
+          <a:lstStyle/>
+          <a:p>
+            <a:r>
+              <a:rPr lang="en-US" dirty="0" smtClean="0"/>
+              <a:t>Cross-platform, open-source runtime from Microsoft</a:t>
+            </a:r>
+          </a:p>
+          <a:p>
+            <a:r>
+              <a:rPr lang="en-US" dirty="0" smtClean="0"/>
+              <a:t>Supports Web, Desktop, Cloud, Mobile, </a:t>
+            </a:r>
+            <a:r>
               <a:rPr lang="en-US" dirty="0" err="1" smtClean="0"/>
-              <a:t>Vue</a:t>
-            </a:r>
-            <a:r>
-              <a:rPr lang="en-US" dirty="0" smtClean="0"/>
-              <a:t> </a:t>
+              <a:t>Microservices</a:t>
+            </a:r>
+            <a:endParaRPr lang="en-US" dirty="0" smtClean="0"/>
+          </a:p>
+          <a:p>
+            <a:r>
+              <a:rPr lang="en-US" dirty="0" smtClean="0"/>
+              <a:t>Fast performance and modular</a:t>
+            </a:r>
+          </a:p>
+          <a:p>
+            <a:r>
+              <a:rPr lang="en-US" b="1" dirty="0" smtClean="0"/>
+              <a:t>Dependency Injection in ASP.NET Core</a:t>
+            </a:r>
+          </a:p>
+          <a:p>
+            <a:pPr lvl="1"/>
+            <a:r>
+              <a:rPr lang="en-US" dirty="0" smtClean="0"/>
+              <a:t>DI is </a:t>
+            </a:r>
+            <a:r>
+              <a:rPr lang="en-US" b="1" dirty="0" smtClean="0"/>
+              <a:t>built-in</a:t>
+            </a:r>
+            <a:r>
+              <a:rPr lang="en-US" dirty="0" smtClean="0"/>
+              <a:t> to ASP.NET Core</a:t>
+            </a:r>
+          </a:p>
+          <a:p>
+            <a:r>
+              <a:rPr lang="en-US" b="1" dirty="0" smtClean="0"/>
+              <a:t>Built-in </a:t>
+            </a:r>
+            <a:r>
+              <a:rPr lang="en-US" b="1" dirty="0" err="1" smtClean="0"/>
+              <a:t>IoC</a:t>
+            </a:r>
+            <a:r>
+              <a:rPr lang="en-US" b="1" dirty="0" smtClean="0"/>
+              <a:t> Container</a:t>
+            </a:r>
+          </a:p>
+          <a:p>
+            <a:pPr lvl="1"/>
+            <a:r>
+              <a:rPr lang="en-US" dirty="0" smtClean="0"/>
+              <a:t>Register lifetimes: </a:t>
             </a:r>
             <a:r>
               <a:rPr lang="en-US" dirty="0" err="1" smtClean="0"/>
-              <a:t>js</a:t>
-            </a:r>
-            <a:endParaRPr lang="en-US" dirty="0"/>
-          </a:p>
-        </p:txBody>
-      </p:sp>
-      <p:sp>
-        <p:nvSpPr>
-          <p:cNvPr id="3" name="Content Placeholder 2"/>
-          <p:cNvSpPr>
-            <a:spLocks noGrp="1"/>
-          </p:cNvSpPr>
-          <p:nvPr>
-            <p:ph sz="quarter" idx="1"/>
-          </p:nvPr>
-        </p:nvSpPr>
-        <p:spPr/>
-        <p:txBody>
-          <a:bodyPr>
-            <a:normAutofit fontScale="92500" lnSpcReduction="20000"/>
-          </a:bodyPr>
-          <a:lstStyle/>
-          <a:p>
-            <a:r>
-              <a:rPr lang="en-US" dirty="0" smtClean="0"/>
-              <a:t>Who pays bill assignment</a:t>
-            </a:r>
-          </a:p>
-          <a:p>
-            <a:r>
-              <a:rPr lang="en-US" dirty="0" smtClean="0"/>
-              <a:t>Directives</a:t>
-            </a:r>
-          </a:p>
-          <a:p>
-            <a:r>
-              <a:rPr lang="en-US" dirty="0" smtClean="0"/>
-              <a:t>Components</a:t>
-            </a:r>
-          </a:p>
-          <a:p>
-            <a:r>
-              <a:rPr lang="en-US" dirty="0" smtClean="0"/>
-              <a:t>Directives</a:t>
-            </a:r>
-          </a:p>
-          <a:p>
-            <a:r>
-              <a:rPr lang="en-US" dirty="0" smtClean="0"/>
-              <a:t>Components</a:t>
-            </a:r>
-          </a:p>
-          <a:p>
-            <a:r>
-              <a:rPr lang="en-US" dirty="0" smtClean="0"/>
-              <a:t>Slots</a:t>
-            </a:r>
-          </a:p>
-          <a:p>
-            <a:r>
-              <a:rPr lang="en-US" dirty="0" smtClean="0"/>
-              <a:t>Computed and </a:t>
-            </a:r>
-            <a:r>
-              <a:rPr lang="en-US" dirty="0" smtClean="0"/>
-              <a:t>Watchers</a:t>
-            </a:r>
-          </a:p>
-          <a:p>
-            <a:r>
-              <a:rPr lang="en-US" dirty="0" smtClean="0"/>
-              <a:t>Lifecycle </a:t>
-            </a:r>
-            <a:r>
-              <a:rPr lang="en-US" dirty="0" smtClean="0"/>
-              <a:t>Hooks</a:t>
-            </a:r>
-          </a:p>
-          <a:p>
-            <a:r>
-              <a:rPr lang="en-US" dirty="0" smtClean="0"/>
-              <a:t>Routing</a:t>
-            </a:r>
-          </a:p>
-          <a:p>
+              <a:t>AddSingleton</a:t>
+            </a:r>
+            <a:r>
+              <a:rPr lang="en-US" dirty="0" smtClean="0"/>
+              <a:t>, </a:t>
+            </a:r>
             <a:r>
               <a:rPr lang="en-US" dirty="0" err="1" smtClean="0"/>
-              <a:t>Vee</a:t>
-            </a:r>
-            <a:r>
-              <a:rPr lang="en-US" dirty="0" smtClean="0"/>
-              <a:t> Validate</a:t>
-            </a:r>
-          </a:p>
-          <a:p>
-            <a:r>
-              <a:rPr lang="en-US" dirty="0" smtClean="0"/>
-              <a:t>Unit test case writing </a:t>
+              <a:t>AddScoped</a:t>
+            </a:r>
+            <a:r>
+              <a:rPr lang="en-US" dirty="0" smtClean="0"/>
+              <a:t>, </a:t>
+            </a:r>
+            <a:r>
+              <a:rPr lang="en-US" dirty="0" err="1" smtClean="0"/>
+              <a:t>AddTransient</a:t>
             </a:r>
             <a:endParaRPr lang="en-US" dirty="0" smtClean="0"/>
           </a:p>
           <a:p>
+            <a:pPr lvl="1"/>
+            <a:r>
+              <a:rPr lang="en-US" dirty="0" smtClean="0"/>
+              <a:t>Minimal </a:t>
+            </a:r>
             <a:r>
               <a:rPr lang="en-US" dirty="0" err="1" smtClean="0"/>
-              <a:t>Revv</a:t>
-            </a:r>
-            <a:r>
-              <a:rPr lang="en-US" dirty="0" smtClean="0"/>
-              <a:t> cars html convert to </a:t>
+              <a:t>config</a:t>
+            </a:r>
+            <a:r>
+              <a:rPr lang="en-US" dirty="0" smtClean="0"/>
+              <a:t> needed</a:t>
+            </a:r>
+          </a:p>
+          <a:p>
+            <a:pPr lvl="1"/>
+            <a:r>
+              <a:rPr lang="en-US" dirty="0" smtClean="0"/>
+              <a:t>Supports custom containers like </a:t>
             </a:r>
             <a:r>
               <a:rPr lang="en-US" dirty="0" err="1" smtClean="0"/>
-              <a:t>vue</a:t>
-            </a:r>
-            <a:r>
-              <a:rPr lang="en-US" dirty="0" smtClean="0"/>
-              <a:t> </a:t>
-            </a:r>
-            <a:r>
-              <a:rPr lang="en-US" dirty="0" err="1" smtClean="0"/>
-              <a:t>js</a:t>
+              <a:t>Autofac</a:t>
             </a:r>
             <a:endParaRPr lang="en-US" dirty="0" smtClean="0"/>
           </a:p>
           <a:p>
+            <a:pPr>
+              <a:buNone/>
+            </a:pPr>
             <a:endParaRPr lang="en-US" dirty="0"/>
           </a:p>
         </p:txBody>
@@ -4196,84 +4353,120 @@
         <p:spPr/>
         <p:txBody>
           <a:bodyPr>
-            <a:normAutofit lnSpcReduction="10000"/>
+            <a:normAutofit/>
           </a:bodyPr>
           <a:lstStyle/>
           <a:p>
             <a:r>
+              <a:rPr lang="en-US" b="1" dirty="0" smtClean="0"/>
+              <a:t>Working with Middleware</a:t>
+            </a:r>
+          </a:p>
+          <a:p>
+            <a:pPr lvl="1"/>
+            <a:r>
+              <a:rPr lang="en-US" dirty="0" smtClean="0"/>
+              <a:t>Middleware = request pipeline </a:t>
+            </a:r>
+            <a:r>
+              <a:rPr lang="en-US" dirty="0" smtClean="0"/>
+              <a:t>components</a:t>
+            </a:r>
+          </a:p>
+          <a:p>
+            <a:pPr lvl="1"/>
+            <a:r>
+              <a:rPr lang="en-US" dirty="0" smtClean="0"/>
+              <a:t>Custom </a:t>
+            </a:r>
+            <a:r>
+              <a:rPr lang="en-US" dirty="0" smtClean="0"/>
+              <a:t>Middleware</a:t>
+            </a:r>
+          </a:p>
+          <a:p>
+            <a:pPr lvl="1"/>
+            <a:r>
               <a:rPr lang="en-US" dirty="0" err="1" smtClean="0"/>
-              <a:t>Revv</a:t>
-            </a:r>
-            <a:r>
-              <a:rPr lang="en-US" dirty="0" smtClean="0"/>
-              <a:t> used mongo db and </a:t>
-            </a:r>
-          </a:p>
-          <a:p>
-            <a:r>
-              <a:rPr lang="en-US" dirty="0" smtClean="0"/>
-              <a:t>User register login </a:t>
+              <a:t>app.UseMiddleware</a:t>
+            </a:r>
+            <a:r>
+              <a:rPr lang="en-US" dirty="0" smtClean="0"/>
+              <a:t>&lt;</a:t>
             </a:r>
             <a:r>
               <a:rPr lang="en-US" dirty="0" err="1" smtClean="0"/>
-              <a:t>jwt</a:t>
+              <a:t>MyMiddleware</a:t>
+            </a:r>
+            <a:r>
+              <a:rPr lang="en-US" dirty="0" smtClean="0"/>
+              <a:t>&gt;();</a:t>
             </a:r>
             <a:endParaRPr lang="en-US" dirty="0" smtClean="0"/>
           </a:p>
           <a:p>
             <a:r>
-              <a:rPr lang="en-US" dirty="0" smtClean="0"/>
-              <a:t>Cars crud </a:t>
+              <a:rPr lang="en-US" b="1" dirty="0" smtClean="0"/>
+              <a:t>Serving Static Files</a:t>
+            </a:r>
+          </a:p>
+          <a:p>
+            <a:pPr lvl="1"/>
+            <a:r>
+              <a:rPr lang="en-US" dirty="0" smtClean="0"/>
+              <a:t>Serve from </a:t>
             </a:r>
             <a:r>
               <a:rPr lang="en-US" dirty="0" err="1" smtClean="0"/>
-              <a:t>operatoins</a:t>
+              <a:t>wwwroot</a:t>
+            </a:r>
+            <a:r>
+              <a:rPr lang="en-US" dirty="0" smtClean="0"/>
+              <a:t>:</a:t>
+            </a:r>
+          </a:p>
+          <a:p>
+            <a:pPr lvl="1"/>
+            <a:r>
+              <a:rPr lang="en-US" dirty="0" err="1" smtClean="0"/>
+              <a:t>app.UseStaticFiles</a:t>
+            </a:r>
+            <a:r>
+              <a:rPr lang="en-US" dirty="0" smtClean="0"/>
+              <a:t>();</a:t>
+            </a:r>
+          </a:p>
+          <a:p>
+            <a:r>
+              <a:rPr lang="en-US" b="1" dirty="0" smtClean="0"/>
+              <a:t>Exception Handling in ASP.NET Core</a:t>
+            </a:r>
+          </a:p>
+          <a:p>
+            <a:r>
+              <a:rPr lang="en-US" b="1" dirty="0" smtClean="0"/>
+              <a:t>Logging in .NET Core</a:t>
+            </a:r>
+          </a:p>
+          <a:p>
+            <a:pPr lvl="1"/>
+            <a:r>
+              <a:rPr lang="en-US" dirty="0" smtClean="0"/>
+              <a:t>Built-in logging providers: Console, Debug, </a:t>
+            </a:r>
+            <a:r>
+              <a:rPr lang="en-US" dirty="0" err="1" smtClean="0"/>
+              <a:t>EventLog</a:t>
+            </a:r>
+            <a:r>
+              <a:rPr lang="en-US" dirty="0" smtClean="0"/>
+              <a:t>, etc</a:t>
+            </a:r>
+            <a:r>
+              <a:rPr lang="en-US" dirty="0" smtClean="0"/>
+              <a:t>.</a:t>
             </a:r>
             <a:endParaRPr lang="en-US" dirty="0" smtClean="0"/>
-          </a:p>
-          <a:p>
-            <a:r>
-              <a:rPr lang="en-US" dirty="0" smtClean="0"/>
-              <a:t>Integrate front end and back end</a:t>
-            </a:r>
-          </a:p>
-          <a:p>
-            <a:r>
-              <a:rPr lang="en-US" dirty="0" smtClean="0"/>
-              <a:t>Added middleware</a:t>
-            </a:r>
-          </a:p>
-          <a:p>
-            <a:r>
-              <a:rPr lang="en-US" dirty="0" smtClean="0"/>
-              <a:t>Exception filter</a:t>
-            </a:r>
-          </a:p>
-          <a:p>
-            <a:r>
-              <a:rPr lang="en-US" dirty="0" err="1" smtClean="0"/>
-              <a:t>Cqrs</a:t>
-            </a:r>
-            <a:endParaRPr lang="en-US" dirty="0" smtClean="0"/>
-          </a:p>
-          <a:p>
-            <a:r>
-              <a:rPr lang="en-US" dirty="0" smtClean="0"/>
-              <a:t>Onion architecture</a:t>
-            </a:r>
-          </a:p>
-          <a:p>
-            <a:r>
-              <a:rPr lang="en-US" dirty="0" smtClean="0"/>
-              <a:t>Logging</a:t>
-            </a:r>
-          </a:p>
-          <a:p>
-            <a:r>
-              <a:rPr lang="en-US" dirty="0" smtClean="0"/>
-              <a:t>Static files</a:t>
-            </a:r>
-            <a:endParaRPr lang="en-US" dirty="0"/>
           </a:p>
         </p:txBody>
       </p:sp>
@@ -4317,11 +4510,7 @@
           <a:bodyPr/>
           <a:lstStyle/>
           <a:p>
-            <a:r>
-              <a:rPr lang="en-US" dirty="0" smtClean="0"/>
-              <a:t>Software testing</a:t>
-            </a:r>
-            <a:endParaRPr lang="en-US" dirty="0"/>
+            <a:endParaRPr lang="en-US"/>
           </a:p>
         </p:txBody>
       </p:sp>
@@ -4340,7 +4529,73 @@
           <a:bodyPr/>
           <a:lstStyle/>
           <a:p>
-            <a:endParaRPr lang="en-US"/>
+            <a:r>
+              <a:rPr lang="en-US" b="1" dirty="0" smtClean="0"/>
+              <a:t>Loosely Coupled with </a:t>
+            </a:r>
+            <a:r>
+              <a:rPr lang="en-US" b="1" dirty="0" err="1" smtClean="0"/>
+              <a:t>MediatR</a:t>
+            </a:r>
+            <a:r>
+              <a:rPr lang="en-US" b="1" dirty="0" smtClean="0"/>
+              <a:t> (CQRS)</a:t>
+            </a:r>
+          </a:p>
+          <a:p>
+            <a:pPr lvl="1"/>
+            <a:r>
+              <a:rPr lang="en-US" b="1" dirty="0" smtClean="0"/>
+              <a:t>CQRS</a:t>
+            </a:r>
+            <a:r>
+              <a:rPr lang="en-US" dirty="0" smtClean="0"/>
+              <a:t>: Command-Query Responsibility Segregation</a:t>
+            </a:r>
+          </a:p>
+          <a:p>
+            <a:pPr lvl="1"/>
+            <a:r>
+              <a:rPr lang="en-US" b="1" dirty="0" err="1" smtClean="0"/>
+              <a:t>MediatR</a:t>
+            </a:r>
+            <a:r>
+              <a:rPr lang="en-US" dirty="0" smtClean="0"/>
+              <a:t> for in-process messaging:</a:t>
+            </a:r>
+          </a:p>
+          <a:p>
+            <a:r>
+              <a:rPr lang="en-US" b="1" dirty="0" smtClean="0"/>
+              <a:t>Onion Architecture</a:t>
+            </a:r>
+          </a:p>
+          <a:p>
+            <a:pPr lvl="1"/>
+            <a:r>
+              <a:rPr lang="en-US" b="1" dirty="0" smtClean="0"/>
+              <a:t>Layers</a:t>
+            </a:r>
+            <a:r>
+              <a:rPr lang="en-US" dirty="0" smtClean="0"/>
+              <a:t>: Core, Application, Infrastructure, UI</a:t>
+            </a:r>
+          </a:p>
+          <a:p>
+            <a:pPr lvl="1"/>
+            <a:r>
+              <a:rPr lang="en-US" b="1" dirty="0" smtClean="0"/>
+              <a:t>Dependency Rule</a:t>
+            </a:r>
+            <a:r>
+              <a:rPr lang="en-US" dirty="0" smtClean="0"/>
+              <a:t>: Inner layers know nothing about outer </a:t>
+            </a:r>
+            <a:r>
+              <a:rPr lang="en-US" dirty="0" smtClean="0"/>
+              <a:t>ones</a:t>
+            </a:r>
+            <a:endParaRPr lang="en-US" dirty="0" smtClean="0"/>
           </a:p>
         </p:txBody>
       </p:sp>
@@ -4385,6 +4640,85 @@
           <a:lstStyle/>
           <a:p>
             <a:r>
+              <a:rPr lang="en-US" dirty="0" smtClean="0"/>
+              <a:t>Software testing</a:t>
+            </a:r>
+            <a:endParaRPr lang="en-US" dirty="0"/>
+          </a:p>
+        </p:txBody>
+      </p:sp>
+      <p:sp>
+        <p:nvSpPr>
+          <p:cNvPr id="3" name="Content Placeholder 2"/>
+          <p:cNvSpPr>
+            <a:spLocks noGrp="1"/>
+          </p:cNvSpPr>
+          <p:nvPr>
+            <p:ph sz="quarter" idx="1"/>
+          </p:nvPr>
+        </p:nvSpPr>
+        <p:spPr/>
+        <p:txBody>
+          <a:bodyPr/>
+          <a:lstStyle/>
+          <a:p>
+            <a:r>
+              <a:rPr lang="en-US" dirty="0" smtClean="0"/>
+              <a:t>Test Scenarios </a:t>
+            </a:r>
+            <a:r>
+              <a:rPr lang="en-US" dirty="0" smtClean="0"/>
+              <a:t>Test </a:t>
+            </a:r>
+            <a:r>
+              <a:rPr lang="en-US" dirty="0" smtClean="0"/>
+              <a:t>Cases</a:t>
+            </a:r>
+            <a:endParaRPr lang="en-US" dirty="0"/>
+          </a:p>
+        </p:txBody>
+      </p:sp>
+    </p:spTree>
+  </p:cSld>
+  <p:clrMapOvr>
+    <a:masterClrMapping/>
+  </p:clrMapOvr>
+</p:sld>
+</file>
+
+<file path=ppt/slides/slide16.xml><?xml version="1.0" encoding="utf-8"?>
+<p:sld xmlns:a="http://schemas.openxmlformats.org/drawingml/2006/main" xmlns:r="http://schemas.openxmlformats.org/officeDocument/2006/relationships" xmlns:p="http://schemas.openxmlformats.org/presentationml/2006/main">
+  <p:cSld>
+    <p:spTree>
+      <p:nvGrpSpPr>
+        <p:cNvPr id="1" name=""/>
+        <p:cNvGrpSpPr/>
+        <p:nvPr/>
+      </p:nvGrpSpPr>
+      <p:grpSpPr>
+        <a:xfrm>
+          <a:off x="0" y="0"/>
+          <a:ext cx="0" cy="0"/>
+          <a:chOff x="0" y="0"/>
+          <a:chExt cx="0" cy="0"/>
+        </a:xfrm>
+      </p:grpSpPr>
+      <p:sp>
+        <p:nvSpPr>
+          <p:cNvPr id="2" name="Title 1"/>
+          <p:cNvSpPr>
+            <a:spLocks noGrp="1"/>
+          </p:cNvSpPr>
+          <p:nvPr>
+            <p:ph type="title"/>
+          </p:nvPr>
+        </p:nvSpPr>
+        <p:spPr/>
+        <p:txBody>
+          <a:bodyPr/>
+          <a:lstStyle/>
+          <a:p>
+            <a:r>
               <a:rPr lang="en-US" dirty="0" err="1" smtClean="0"/>
               <a:t>Revv</a:t>
             </a:r>
@@ -4455,6 +4789,10 @@
           <a:bodyPr/>
           <a:lstStyle/>
           <a:p>
+            <a:r>
+              <a:rPr lang="en-US" dirty="0" smtClean="0"/>
+              <a:t>Contents</a:t>
+            </a:r>
             <a:endParaRPr lang="en-US" dirty="0"/>
           </a:p>
         </p:txBody>
@@ -4472,26 +4810,57 @@
         <p:spPr/>
         <p:txBody>
           <a:bodyPr>
-            <a:normAutofit fontScale="85000" lnSpcReduction="20000"/>
+            <a:normAutofit/>
           </a:bodyPr>
           <a:lstStyle/>
           <a:p>
             <a:r>
-              <a:rPr lang="en-US" dirty="0" smtClean="0"/>
-              <a:t>KOTT</a:t>
-            </a:r>
-          </a:p>
-          <a:p>
-            <a:r>
-              <a:rPr lang="en-US" dirty="0" smtClean="0"/>
-              <a:t>Training</a:t>
-            </a:r>
-          </a:p>
-          <a:p>
-            <a:r>
-              <a:rPr lang="en-US" dirty="0" smtClean="0"/>
-              <a:t>Java</a:t>
-            </a:r>
+              <a:rPr lang="en-US" dirty="0" err="1" smtClean="0"/>
+              <a:t>Javascript</a:t>
+            </a:r>
+            <a:r>
+              <a:rPr lang="en-US" dirty="0" smtClean="0"/>
+              <a:t> Typescript and Bootstrap</a:t>
+            </a:r>
+          </a:p>
+          <a:p>
+            <a:r>
+              <a:rPr lang="en-US" dirty="0" err="1" smtClean="0"/>
+              <a:t>Mongodb</a:t>
+            </a:r>
+            <a:endParaRPr lang="en-US" dirty="0" smtClean="0"/>
+          </a:p>
+          <a:p>
+            <a:r>
+              <a:rPr lang="en-US" dirty="0" err="1" smtClean="0"/>
+              <a:t>Vue</a:t>
+            </a:r>
+            <a:r>
+              <a:rPr lang="en-US" dirty="0" smtClean="0"/>
+              <a:t> </a:t>
+            </a:r>
+            <a:r>
+              <a:rPr lang="en-US" dirty="0" err="1" smtClean="0"/>
+              <a:t>js</a:t>
+            </a:r>
+            <a:endParaRPr lang="en-US" dirty="0" smtClean="0"/>
+          </a:p>
+          <a:p>
+            <a:r>
+              <a:rPr lang="en-US" dirty="0" smtClean="0"/>
+              <a:t>Asp.net core</a:t>
+            </a:r>
+          </a:p>
+          <a:p>
+            <a:r>
+              <a:rPr lang="en-US" smtClean="0"/>
+              <a:t>Software </a:t>
+            </a:r>
+            <a:r>
+              <a:rPr lang="en-US" smtClean="0"/>
+              <a:t>testing</a:t>
+            </a:r>
+            <a:endParaRPr lang="en-US" dirty="0" smtClean="0"/>
           </a:p>
           <a:p>
             <a:r>
@@ -4500,85 +4869,7 @@
             </a:r>
             <a:r>
               <a:rPr lang="en-US" dirty="0" smtClean="0"/>
-              <a:t>- asp.net</a:t>
-            </a:r>
-          </a:p>
-          <a:p>
-            <a:r>
-              <a:rPr lang="en-US" dirty="0" err="1" smtClean="0"/>
-              <a:t>Devops</a:t>
-            </a:r>
-            <a:endParaRPr lang="en-US" dirty="0" smtClean="0"/>
-          </a:p>
-          <a:p>
-            <a:r>
-              <a:rPr lang="en-US" dirty="0" err="1" smtClean="0"/>
-              <a:t>Javascript</a:t>
-            </a:r>
-            <a:r>
-              <a:rPr lang="en-US" dirty="0" smtClean="0"/>
-              <a:t> html </a:t>
-            </a:r>
-            <a:r>
-              <a:rPr lang="en-US" dirty="0" err="1" smtClean="0"/>
-              <a:t>css</a:t>
-            </a:r>
-            <a:endParaRPr lang="en-US" dirty="0" smtClean="0"/>
-          </a:p>
-          <a:p>
-            <a:r>
-              <a:rPr lang="en-US" dirty="0" smtClean="0"/>
-              <a:t>Typescript</a:t>
-            </a:r>
-          </a:p>
-          <a:p>
-            <a:r>
-              <a:rPr lang="en-US" dirty="0" smtClean="0"/>
-              <a:t>Bootstrap</a:t>
-            </a:r>
-          </a:p>
-          <a:p>
-            <a:r>
-              <a:rPr lang="en-US" dirty="0" err="1" smtClean="0"/>
-              <a:t>Mongodb</a:t>
-            </a:r>
-            <a:endParaRPr lang="en-US" dirty="0" smtClean="0"/>
-          </a:p>
-          <a:p>
-            <a:r>
-              <a:rPr lang="en-US" dirty="0" err="1" smtClean="0"/>
-              <a:t>Vue</a:t>
-            </a:r>
-            <a:r>
-              <a:rPr lang="en-US" dirty="0" smtClean="0"/>
-              <a:t> </a:t>
-            </a:r>
-            <a:r>
-              <a:rPr lang="en-US" dirty="0" err="1" smtClean="0"/>
-              <a:t>js</a:t>
-            </a:r>
-            <a:endParaRPr lang="en-US" dirty="0" smtClean="0"/>
-          </a:p>
-          <a:p>
-            <a:r>
-              <a:rPr lang="en-US" dirty="0" smtClean="0"/>
-              <a:t>Asp.net core</a:t>
-            </a:r>
-          </a:p>
-          <a:p>
-            <a:r>
-              <a:rPr lang="en-US" dirty="0" err="1" smtClean="0"/>
-              <a:t>Revv</a:t>
-            </a:r>
-            <a:r>
-              <a:rPr lang="en-US" dirty="0" smtClean="0"/>
               <a:t> domain</a:t>
-            </a:r>
-          </a:p>
-          <a:p>
-            <a:r>
-              <a:rPr lang="en-US" dirty="0" smtClean="0"/>
-              <a:t>Software testing</a:t>
             </a:r>
           </a:p>
           <a:p>
@@ -4629,6 +4920,10 @@
           <a:bodyPr/>
           <a:lstStyle/>
           <a:p>
+            <a:r>
+              <a:rPr lang="en-US" dirty="0" smtClean="0"/>
+              <a:t>java</a:t>
+            </a:r>
             <a:endParaRPr lang="en-US" dirty="0"/>
           </a:p>
         </p:txBody>
@@ -4647,18 +4942,6 @@
         <p:txBody>
           <a:bodyPr/>
           <a:lstStyle/>
-          <a:p>
-            <a:r>
-              <a:rPr lang="en-US" dirty="0" smtClean="0"/>
-              <a:t>Mission</a:t>
-            </a:r>
-          </a:p>
-          <a:p>
-            <a:r>
-              <a:rPr lang="en-US" dirty="0" smtClean="0"/>
-              <a:t>To provide state-of-the-art Information Technology products and services to global markets and to enable our customers to optimize their business resources using Information Technology for market leadership and global competitiveness.</a:t>
-            </a:r>
-          </a:p>
           <a:p>
             <a:endParaRPr lang="en-US" dirty="0"/>
           </a:p>
@@ -4691,12 +4974,31 @@
       </p:grpSpPr>
       <p:sp>
         <p:nvSpPr>
+          <p:cNvPr id="3" name="Subtitle 2"/>
+          <p:cNvSpPr>
+            <a:spLocks noGrp="1"/>
+          </p:cNvSpPr>
+          <p:nvPr>
+            <p:ph type="subTitle" idx="1"/>
+          </p:nvPr>
+        </p:nvSpPr>
+        <p:spPr/>
+        <p:txBody>
+          <a:bodyPr/>
+          <a:lstStyle/>
+          <a:p>
+            <a:endParaRPr lang="en-US" dirty="0"/>
+          </a:p>
+        </p:txBody>
+      </p:sp>
+      <p:sp>
+        <p:nvSpPr>
           <p:cNvPr id="2" name="Title 1"/>
           <p:cNvSpPr>
             <a:spLocks noGrp="1"/>
           </p:cNvSpPr>
           <p:nvPr>
-            <p:ph type="title"/>
+            <p:ph type="ctrTitle"/>
           </p:nvPr>
         </p:nvSpPr>
         <p:spPr/>
@@ -4704,129 +5006,10 @@
           <a:bodyPr/>
           <a:lstStyle/>
           <a:p>
-            <a:endParaRPr lang="en-US"/>
-          </a:p>
-        </p:txBody>
-      </p:sp>
-      <p:sp>
-        <p:nvSpPr>
-          <p:cNvPr id="3" name="Content Placeholder 2"/>
-          <p:cNvSpPr>
-            <a:spLocks noGrp="1"/>
-          </p:cNvSpPr>
-          <p:nvPr>
-            <p:ph sz="quarter" idx="1"/>
-          </p:nvPr>
-        </p:nvSpPr>
-        <p:spPr/>
-        <p:txBody>
-          <a:bodyPr>
-            <a:normAutofit fontScale="62500" lnSpcReduction="20000"/>
-          </a:bodyPr>
-          <a:lstStyle/>
-          <a:p>
-            <a:r>
-              <a:rPr lang="en-US" dirty="0" smtClean="0"/>
-              <a:t>History &amp; Management</a:t>
-            </a:r>
-          </a:p>
-          <a:p>
-            <a:r>
-              <a:rPr lang="en-US" dirty="0" err="1" smtClean="0"/>
-              <a:t>Kott</a:t>
-            </a:r>
-            <a:r>
-              <a:rPr lang="en-US" dirty="0" smtClean="0"/>
-              <a:t> Software is a part of South India based business group called </a:t>
-            </a:r>
-            <a:r>
-              <a:rPr lang="en-US" dirty="0" err="1" smtClean="0"/>
-              <a:t>Kottukapally</a:t>
-            </a:r>
-            <a:r>
-              <a:rPr lang="en-US" dirty="0" smtClean="0"/>
-              <a:t> Group of companies (</a:t>
-            </a:r>
-            <a:r>
-              <a:rPr lang="en-US" dirty="0" err="1" smtClean="0"/>
-              <a:t>Kott</a:t>
-            </a:r>
-            <a:r>
-              <a:rPr lang="en-US" dirty="0" smtClean="0"/>
-              <a:t> Group of Companies) which has been successfully operating businesses over 110 years. The </a:t>
-            </a:r>
-            <a:r>
-              <a:rPr lang="en-US" dirty="0" err="1" smtClean="0"/>
-              <a:t>Kottukapally</a:t>
-            </a:r>
-            <a:r>
-              <a:rPr lang="en-US" dirty="0" smtClean="0"/>
-              <a:t> group has business interests in Rubber Plantations, Manufacturing, Real Estate, Food Processing, Confectionery and Information Technology. The group continues to hold the first rubber plantation in India, which was established in the year 1902.</a:t>
-            </a:r>
-          </a:p>
-          <a:p>
-            <a:r>
-              <a:rPr lang="en-US" dirty="0" smtClean="0"/>
-              <a:t>The pioneering leader of the family was Late </a:t>
-            </a:r>
-            <a:r>
-              <a:rPr lang="en-US" dirty="0" err="1" smtClean="0"/>
-              <a:t>Mr.George</a:t>
-            </a:r>
-            <a:r>
-              <a:rPr lang="en-US" dirty="0" smtClean="0"/>
-              <a:t> Thomas </a:t>
-            </a:r>
-            <a:r>
-              <a:rPr lang="en-US" dirty="0" err="1" smtClean="0"/>
-              <a:t>Kottukapally</a:t>
-            </a:r>
-            <a:r>
-              <a:rPr lang="en-US" dirty="0" smtClean="0"/>
-              <a:t>, a well-known Member of Indian Parliament, United Nations representative, businessman, philanthropist and social worker. The group is widely recognized in the business circle for its goodwill, integrity and ethical business practices.</a:t>
-            </a:r>
-          </a:p>
-          <a:p>
-            <a:r>
-              <a:rPr lang="en-US" dirty="0" err="1" smtClean="0"/>
-              <a:t>Kott</a:t>
-            </a:r>
-            <a:r>
-              <a:rPr lang="en-US" dirty="0" smtClean="0"/>
-              <a:t> Software is currently owned and managed by family members who are the third generation of the </a:t>
-            </a:r>
-            <a:r>
-              <a:rPr lang="en-US" dirty="0" err="1" smtClean="0"/>
-              <a:t>Kottukapally</a:t>
-            </a:r>
-            <a:r>
-              <a:rPr lang="en-US" dirty="0" smtClean="0"/>
-              <a:t> business group who have over two decades of experience in information technology and business. The executive management and leadership is committed to making </a:t>
-            </a:r>
-            <a:r>
-              <a:rPr lang="en-US" dirty="0" err="1" smtClean="0"/>
-              <a:t>Kott</a:t>
-            </a:r>
-            <a:r>
-              <a:rPr lang="en-US" dirty="0" smtClean="0"/>
-              <a:t> Software a prominent player in the global IT industry with niche products and services and generating value for its employees, customers and society.</a:t>
-            </a:r>
-          </a:p>
-          <a:p>
-            <a:r>
-              <a:rPr lang="en-US" dirty="0" smtClean="0"/>
-              <a:t>The group made its foray into Information Technology in 1993 with software training and later diversified in 1997 to software development with the creation of </a:t>
-            </a:r>
-            <a:r>
-              <a:rPr lang="en-US" dirty="0" err="1" smtClean="0"/>
-              <a:t>Kott</a:t>
-            </a:r>
-            <a:r>
-              <a:rPr lang="en-US" dirty="0" smtClean="0"/>
-              <a:t> Software as a separate entity. The company has since then being growing rapidly and establishing milestones in terms of innovation, revenue, people, process knowledge and projects delivered. The group expanded its clientele and operations to North America in 1999 and Europe in 2003 and currently provides software solutions to global majors.</a:t>
-            </a:r>
-          </a:p>
-          <a:p>
+            <a:r>
+              <a:rPr smtClean="0"/>
+              <a:t>Revv</a:t>
+            </a:r>
             <a:endParaRPr lang="en-US" dirty="0"/>
           </a:p>
         </p:txBody>
@@ -4873,7 +5056,7 @@
           <a:p>
             <a:r>
               <a:rPr lang="en-US" dirty="0" smtClean="0"/>
-              <a:t>java</a:t>
+              <a:t>JavaScript</a:t>
             </a:r>
             <a:endParaRPr lang="en-US" dirty="0"/>
           </a:p>
@@ -4891,8 +5074,134 @@
         </p:nvSpPr>
         <p:spPr/>
         <p:txBody>
-          <a:bodyPr/>
-          <a:lstStyle/>
+          <a:bodyPr>
+            <a:normAutofit fontScale="85000" lnSpcReduction="20000"/>
+          </a:bodyPr>
+          <a:lstStyle/>
+          <a:p>
+            <a:r>
+              <a:rPr lang="en-US" b="1" dirty="0" smtClean="0"/>
+              <a:t>HTML:</a:t>
+            </a:r>
+            <a:r>
+              <a:rPr lang="en-US" dirty="0" smtClean="0"/>
+              <a:t> Structure of the webpage (headings, paragraphs, links, etc.)</a:t>
+            </a:r>
+          </a:p>
+          <a:p>
+            <a:r>
+              <a:rPr lang="en-US" b="1" dirty="0" smtClean="0"/>
+              <a:t>CSS:</a:t>
+            </a:r>
+            <a:r>
+              <a:rPr lang="en-US" dirty="0" smtClean="0"/>
+              <a:t> Styling the HTML (colors, layout, fonts)</a:t>
+            </a:r>
+          </a:p>
+          <a:p>
+            <a:r>
+              <a:rPr lang="en-US" b="1" dirty="0" smtClean="0"/>
+              <a:t>JavaScript:</a:t>
+            </a:r>
+            <a:r>
+              <a:rPr lang="en-US" dirty="0" smtClean="0"/>
+              <a:t> Interactivity and dynamic </a:t>
+            </a:r>
+            <a:r>
+              <a:rPr lang="en-US" dirty="0" smtClean="0"/>
+              <a:t>behavior</a:t>
+            </a:r>
+          </a:p>
+          <a:p>
+            <a:pPr lvl="2"/>
+            <a:r>
+              <a:rPr lang="en-US" dirty="0" smtClean="0"/>
+              <a:t>Scripting language of the web</a:t>
+            </a:r>
+          </a:p>
+          <a:p>
+            <a:pPr lvl="2"/>
+            <a:r>
+              <a:rPr lang="en-US" dirty="0" smtClean="0"/>
+              <a:t>Runs on the browser (client-side)</a:t>
+            </a:r>
+          </a:p>
+          <a:p>
+            <a:pPr lvl="2"/>
+            <a:r>
+              <a:rPr lang="en-US" dirty="0" smtClean="0"/>
+              <a:t>Handles logic, interactivity, DOM, API calls</a:t>
+            </a:r>
+          </a:p>
+          <a:p>
+            <a:r>
+              <a:rPr lang="en-US" dirty="0" smtClean="0"/>
+              <a:t>JavaScript Functions &amp; </a:t>
+            </a:r>
+            <a:r>
+              <a:rPr lang="en-US" dirty="0" smtClean="0"/>
+              <a:t>Scope</a:t>
+            </a:r>
+          </a:p>
+          <a:p>
+            <a:r>
+              <a:rPr lang="en-US" dirty="0" smtClean="0"/>
+              <a:t>Objects &amp; Arrays</a:t>
+            </a:r>
+          </a:p>
+          <a:p>
+            <a:r>
+              <a:rPr lang="en-US" dirty="0" smtClean="0"/>
+              <a:t>ES6+ </a:t>
+            </a:r>
+            <a:r>
+              <a:rPr lang="en-US" dirty="0" smtClean="0"/>
+              <a:t>Features</a:t>
+            </a:r>
+          </a:p>
+          <a:p>
+            <a:pPr lvl="2"/>
+            <a:r>
+              <a:rPr lang="en-US" dirty="0" smtClean="0"/>
+              <a:t>let, const</a:t>
+            </a:r>
+          </a:p>
+          <a:p>
+            <a:pPr lvl="2"/>
+            <a:r>
+              <a:rPr lang="en-US" dirty="0" smtClean="0"/>
+              <a:t>Arrow functions</a:t>
+            </a:r>
+          </a:p>
+          <a:p>
+            <a:pPr lvl="2"/>
+            <a:r>
+              <a:rPr lang="en-US" dirty="0" smtClean="0"/>
+              <a:t>Template literals</a:t>
+            </a:r>
+          </a:p>
+          <a:p>
+            <a:pPr lvl="2"/>
+            <a:r>
+              <a:rPr lang="en-US" dirty="0" err="1" smtClean="0"/>
+              <a:t>Destructuring</a:t>
+            </a:r>
+            <a:endParaRPr lang="en-US" dirty="0" smtClean="0"/>
+          </a:p>
+          <a:p>
+            <a:pPr lvl="2"/>
+            <a:r>
+              <a:rPr lang="en-US" dirty="0" smtClean="0"/>
+              <a:t>Spread/rest operators</a:t>
+            </a:r>
+          </a:p>
+          <a:p>
+            <a:pPr lvl="2"/>
+            <a:r>
+              <a:rPr lang="en-US" dirty="0" smtClean="0"/>
+              <a:t>Modules (import/export)</a:t>
+            </a:r>
+          </a:p>
           <a:p>
             <a:endParaRPr lang="en-US" dirty="0"/>
           </a:p>
@@ -4925,12 +5234,12 @@
       </p:grpSpPr>
       <p:sp>
         <p:nvSpPr>
-          <p:cNvPr id="3" name="Subtitle 2"/>
-          <p:cNvSpPr>
-            <a:spLocks noGrp="1"/>
-          </p:cNvSpPr>
-          <p:nvPr>
-            <p:ph type="subTitle" idx="1"/>
+          <p:cNvPr id="2" name="Title 1"/>
+          <p:cNvSpPr>
+            <a:spLocks noGrp="1"/>
+          </p:cNvSpPr>
+          <p:nvPr>
+            <p:ph type="title"/>
           </p:nvPr>
         </p:nvSpPr>
         <p:spPr/>
@@ -4938,30 +5247,139 @@
           <a:bodyPr/>
           <a:lstStyle/>
           <a:p>
+            <a:r>
+              <a:rPr lang="en-US" dirty="0" smtClean="0"/>
+              <a:t>Typescript</a:t>
+            </a:r>
             <a:endParaRPr lang="en-US" dirty="0"/>
           </a:p>
         </p:txBody>
       </p:sp>
       <p:sp>
         <p:nvSpPr>
-          <p:cNvPr id="2" name="Title 1"/>
-          <p:cNvSpPr>
-            <a:spLocks noGrp="1"/>
-          </p:cNvSpPr>
-          <p:nvPr>
-            <p:ph type="ctrTitle"/>
+          <p:cNvPr id="3" name="Content Placeholder 2"/>
+          <p:cNvSpPr>
+            <a:spLocks noGrp="1"/>
+          </p:cNvSpPr>
+          <p:nvPr>
+            <p:ph sz="quarter" idx="1"/>
           </p:nvPr>
         </p:nvSpPr>
         <p:spPr/>
         <p:txBody>
-          <a:bodyPr/>
-          <a:lstStyle/>
-          <a:p>
-            <a:r>
-              <a:rPr smtClean="0"/>
-              <a:t>Revv</a:t>
-            </a:r>
-            <a:endParaRPr lang="en-US" dirty="0"/>
+          <a:bodyPr>
+            <a:normAutofit lnSpcReduction="10000"/>
+          </a:bodyPr>
+          <a:lstStyle/>
+          <a:p>
+            <a:pPr lvl="1"/>
+            <a:r>
+              <a:rPr lang="en-US" dirty="0" smtClean="0"/>
+              <a:t>Superset </a:t>
+            </a:r>
+            <a:r>
+              <a:rPr lang="en-US" dirty="0" smtClean="0"/>
+              <a:t>of JavaScript</a:t>
+            </a:r>
+          </a:p>
+          <a:p>
+            <a:pPr lvl="1"/>
+            <a:r>
+              <a:rPr lang="en-US" dirty="0" smtClean="0"/>
+              <a:t>Adds static typing</a:t>
+            </a:r>
+          </a:p>
+          <a:p>
+            <a:pPr lvl="1"/>
+            <a:r>
+              <a:rPr lang="en-US" dirty="0" smtClean="0"/>
+              <a:t>Helps catch errors </a:t>
+            </a:r>
+            <a:r>
+              <a:rPr lang="en-US" dirty="0" smtClean="0"/>
+              <a:t>early</a:t>
+            </a:r>
+          </a:p>
+          <a:p>
+            <a:r>
+              <a:rPr lang="en-US" dirty="0" smtClean="0"/>
+              <a:t>Interfaces</a:t>
+            </a:r>
+          </a:p>
+          <a:p>
+            <a:r>
+              <a:rPr lang="en-US" dirty="0" smtClean="0"/>
+              <a:t>Generics</a:t>
+            </a:r>
+          </a:p>
+          <a:p>
+            <a:r>
+              <a:rPr lang="en-US" dirty="0" err="1" smtClean="0"/>
+              <a:t>Enums</a:t>
+            </a:r>
+            <a:endParaRPr lang="en-US" dirty="0" smtClean="0"/>
+          </a:p>
+          <a:p>
+            <a:r>
+              <a:rPr lang="en-US" b="1" dirty="0" err="1" smtClean="0"/>
+              <a:t>TypeScript</a:t>
+            </a:r>
+            <a:r>
+              <a:rPr lang="en-US" b="1" dirty="0" smtClean="0"/>
+              <a:t> &amp; JavaScript Interoperability</a:t>
+            </a:r>
+          </a:p>
+          <a:p>
+            <a:pPr lvl="2"/>
+            <a:r>
+              <a:rPr lang="en-US" dirty="0" err="1" smtClean="0"/>
+              <a:t>TypeScript</a:t>
+            </a:r>
+            <a:r>
+              <a:rPr lang="en-US" dirty="0" smtClean="0"/>
+              <a:t> compiles to JavaScript</a:t>
+            </a:r>
+          </a:p>
+          <a:p>
+            <a:pPr lvl="2"/>
+            <a:r>
+              <a:rPr lang="en-US" dirty="0" smtClean="0"/>
+              <a:t>Can use .</a:t>
+            </a:r>
+            <a:r>
+              <a:rPr lang="en-US" dirty="0" err="1" smtClean="0"/>
+              <a:t>js</a:t>
+            </a:r>
+            <a:r>
+              <a:rPr lang="en-US" dirty="0" smtClean="0"/>
+              <a:t> libraries inside .</a:t>
+            </a:r>
+            <a:r>
+              <a:rPr lang="en-US" dirty="0" err="1" smtClean="0"/>
+              <a:t>ts</a:t>
+            </a:r>
+            <a:r>
+              <a:rPr lang="en-US" dirty="0" smtClean="0"/>
+              <a:t> code</a:t>
+            </a:r>
+          </a:p>
+          <a:p>
+            <a:pPr lvl="2"/>
+            <a:r>
+              <a:rPr lang="en-US" dirty="0" smtClean="0"/>
+              <a:t>Helps teams gradually migrate</a:t>
+            </a:r>
+          </a:p>
+          <a:p>
+            <a:r>
+              <a:rPr lang="en-US" b="1" dirty="0" smtClean="0"/>
+              <a:t>Working with Modules &amp; </a:t>
+            </a:r>
+            <a:r>
+              <a:rPr lang="en-US" b="1" dirty="0" smtClean="0"/>
+              <a:t>Namespaces</a:t>
+            </a:r>
+            <a:endParaRPr lang="en-US" b="1" dirty="0" smtClean="0"/>
           </a:p>
         </p:txBody>
       </p:sp>
@@ -5006,29 +5424,108 @@
           <a:lstStyle/>
           <a:p>
             <a:r>
+              <a:rPr lang="en-US" dirty="0" smtClean="0"/>
+              <a:t>Bootstrap</a:t>
+            </a:r>
+            <a:endParaRPr lang="en-US" dirty="0"/>
+          </a:p>
+        </p:txBody>
+      </p:sp>
+      <p:sp>
+        <p:nvSpPr>
+          <p:cNvPr id="3" name="Content Placeholder 2"/>
+          <p:cNvSpPr>
+            <a:spLocks noGrp="1"/>
+          </p:cNvSpPr>
+          <p:nvPr>
+            <p:ph sz="quarter" idx="1"/>
+          </p:nvPr>
+        </p:nvSpPr>
+        <p:spPr/>
+        <p:txBody>
+          <a:bodyPr>
+            <a:normAutofit/>
+          </a:bodyPr>
+          <a:lstStyle/>
+          <a:p>
+            <a:pPr lvl="1"/>
+            <a:r>
+              <a:rPr lang="en-US" dirty="0" smtClean="0"/>
+              <a:t>Popular CSS framework</a:t>
+            </a:r>
+          </a:p>
+          <a:p>
+            <a:pPr lvl="1"/>
+            <a:r>
+              <a:rPr lang="en-US" dirty="0" smtClean="0"/>
+              <a:t>Helps build responsive websites</a:t>
+            </a:r>
+          </a:p>
+          <a:p>
+            <a:pPr lvl="1"/>
+            <a:r>
+              <a:rPr lang="en-US" dirty="0" smtClean="0"/>
+              <a:t>Pre-built components and utility classes</a:t>
+            </a:r>
+          </a:p>
+          <a:p>
+            <a:pPr lvl="1"/>
+            <a:r>
+              <a:rPr lang="en-US" dirty="0" smtClean="0"/>
+              <a:t>Responsive grid system</a:t>
+            </a:r>
+          </a:p>
+          <a:p>
+            <a:pPr lvl="1"/>
+            <a:r>
+              <a:rPr lang="en-US" dirty="0" smtClean="0"/>
+              <a:t>UI components: </a:t>
+            </a:r>
+            <a:r>
               <a:rPr lang="en-US" dirty="0" err="1" smtClean="0"/>
-              <a:t>Devops</a:t>
-            </a:r>
-            <a:endParaRPr lang="en-US" dirty="0"/>
-          </a:p>
-        </p:txBody>
-      </p:sp>
-      <p:sp>
-        <p:nvSpPr>
-          <p:cNvPr id="3" name="Content Placeholder 2"/>
-          <p:cNvSpPr>
-            <a:spLocks noGrp="1"/>
-          </p:cNvSpPr>
-          <p:nvPr>
-            <p:ph sz="quarter" idx="1"/>
-          </p:nvPr>
-        </p:nvSpPr>
-        <p:spPr/>
-        <p:txBody>
-          <a:bodyPr/>
-          <a:lstStyle/>
-          <a:p>
-            <a:endParaRPr lang="en-US" dirty="0"/>
+              <a:t>Navbars</a:t>
+            </a:r>
+            <a:r>
+              <a:rPr lang="en-US" dirty="0" smtClean="0"/>
+              <a:t>, Cards, Buttons, Alerts</a:t>
+            </a:r>
+          </a:p>
+          <a:p>
+            <a:pPr lvl="1"/>
+            <a:r>
+              <a:rPr lang="en-US" dirty="0" smtClean="0"/>
+              <a:t>Utility classes: Margin, Padding, Display, etc.</a:t>
+            </a:r>
+          </a:p>
+          <a:p>
+            <a:r>
+              <a:rPr lang="en-US" b="1" dirty="0" smtClean="0"/>
+              <a:t>Limitations of Bootstrap</a:t>
+            </a:r>
+          </a:p>
+          <a:p>
+            <a:pPr lvl="1"/>
+            <a:r>
+              <a:rPr lang="en-US" dirty="0" smtClean="0"/>
+              <a:t>Overuse leads to similar-looking websites</a:t>
+            </a:r>
+          </a:p>
+          <a:p>
+            <a:pPr lvl="1"/>
+            <a:r>
+              <a:rPr lang="en-US" dirty="0" smtClean="0"/>
+              <a:t>May override custom designs</a:t>
+            </a:r>
+          </a:p>
+          <a:p>
+            <a:pPr lvl="1"/>
+            <a:r>
+              <a:rPr lang="en-US" dirty="0" smtClean="0"/>
+              <a:t>Requires some learning for grid/layout system</a:t>
+            </a:r>
+          </a:p>
+          <a:p>
+            <a:endParaRPr lang="en-US" dirty="0" smtClean="0"/>
           </a:p>
         </p:txBody>
       </p:sp>
@@ -5073,8 +5570,8 @@
           <a:lstStyle/>
           <a:p>
             <a:r>
-              <a:rPr lang="en-US" dirty="0" smtClean="0"/>
-              <a:t>JavaScript</a:t>
+              <a:rPr lang="en-US" dirty="0" err="1" smtClean="0"/>
+              <a:t>Mongodb</a:t>
             </a:r>
             <a:endParaRPr lang="en-US" dirty="0"/>
           </a:p>
@@ -5092,14 +5589,183 @@
         </p:nvSpPr>
         <p:spPr/>
         <p:txBody>
-          <a:bodyPr/>
-          <a:lstStyle/>
-          <a:p>
-            <a:r>
-              <a:rPr lang="en-US" dirty="0" smtClean="0"/>
-              <a:t>Functions, ES6</a:t>
-            </a:r>
-            <a:endParaRPr lang="en-US" dirty="0"/>
+          <a:bodyPr>
+            <a:normAutofit fontScale="92500" lnSpcReduction="20000"/>
+          </a:bodyPr>
+          <a:lstStyle/>
+          <a:p>
+            <a:r>
+              <a:rPr lang="en-US" dirty="0" smtClean="0"/>
+              <a:t>Querying in </a:t>
+            </a:r>
+            <a:r>
+              <a:rPr lang="en-US" dirty="0" err="1" smtClean="0"/>
+              <a:t>MongoDB</a:t>
+            </a:r>
+            <a:endParaRPr lang="en-US" dirty="0" smtClean="0"/>
+          </a:p>
+          <a:p>
+            <a:pPr lvl="2"/>
+            <a:r>
+              <a:rPr lang="en-US" b="1" dirty="0" smtClean="0"/>
+              <a:t>Common Operations:</a:t>
+            </a:r>
+            <a:endParaRPr lang="en-US" dirty="0" smtClean="0"/>
+          </a:p>
+          <a:p>
+            <a:pPr lvl="2"/>
+            <a:r>
+              <a:rPr lang="en-US" b="1" dirty="0" smtClean="0"/>
+              <a:t>Filtering:</a:t>
+            </a:r>
+            <a:r>
+              <a:rPr lang="en-US" dirty="0" smtClean="0"/>
+              <a:t> { field: value }, $</a:t>
+            </a:r>
+            <a:r>
+              <a:rPr lang="en-US" dirty="0" err="1" smtClean="0"/>
+              <a:t>gt</a:t>
+            </a:r>
+            <a:r>
+              <a:rPr lang="en-US" dirty="0" smtClean="0"/>
+              <a:t>, $</a:t>
+            </a:r>
+            <a:r>
+              <a:rPr lang="en-US" dirty="0" err="1" smtClean="0"/>
+              <a:t>lt</a:t>
+            </a:r>
+            <a:r>
+              <a:rPr lang="en-US" dirty="0" smtClean="0"/>
+              <a:t>, $in, $and, $or</a:t>
+            </a:r>
+          </a:p>
+          <a:p>
+            <a:pPr lvl="2"/>
+            <a:r>
+              <a:rPr lang="en-US" b="1" dirty="0" smtClean="0"/>
+              <a:t>Projection:</a:t>
+            </a:r>
+            <a:r>
+              <a:rPr lang="en-US" dirty="0" smtClean="0"/>
+              <a:t> Select specific fields to return</a:t>
+            </a:r>
+          </a:p>
+          <a:p>
+            <a:pPr lvl="2"/>
+            <a:r>
+              <a:rPr lang="en-US" b="1" dirty="0" smtClean="0"/>
+              <a:t>Sorting:</a:t>
+            </a:r>
+            <a:r>
+              <a:rPr lang="en-US" dirty="0" smtClean="0"/>
+              <a:t> .sort({ field: 1/-1 </a:t>
+            </a:r>
+            <a:r>
+              <a:rPr lang="en-US" dirty="0" smtClean="0"/>
+              <a:t>})</a:t>
+            </a:r>
+            <a:endParaRPr lang="en-US" dirty="0" smtClean="0"/>
+          </a:p>
+          <a:p>
+            <a:r>
+              <a:rPr lang="en-US" dirty="0" smtClean="0"/>
+              <a:t>Aggregation </a:t>
+            </a:r>
+            <a:r>
+              <a:rPr lang="en-US" dirty="0" smtClean="0"/>
+              <a:t>Pipeline </a:t>
+            </a:r>
+            <a:endParaRPr lang="en-US" dirty="0" smtClean="0"/>
+          </a:p>
+          <a:p>
+            <a:pPr lvl="1"/>
+            <a:r>
+              <a:rPr lang="en-US" dirty="0" smtClean="0"/>
+              <a:t>A </a:t>
+            </a:r>
+            <a:r>
+              <a:rPr lang="en-US" b="1" dirty="0" smtClean="0"/>
+              <a:t>powerful data processing framework</a:t>
+            </a:r>
+            <a:endParaRPr lang="en-US" dirty="0" smtClean="0"/>
+          </a:p>
+          <a:p>
+            <a:pPr lvl="1"/>
+            <a:r>
+              <a:rPr lang="en-US" dirty="0" smtClean="0"/>
+              <a:t>Chain of stages that transform </a:t>
+            </a:r>
+            <a:r>
+              <a:rPr lang="en-US" dirty="0" smtClean="0"/>
+              <a:t>data</a:t>
+            </a:r>
+          </a:p>
+          <a:p>
+            <a:pPr lvl="1"/>
+            <a:r>
+              <a:rPr lang="en-US" dirty="0" smtClean="0"/>
+              <a:t>Aggregation </a:t>
+            </a:r>
+            <a:r>
+              <a:rPr lang="en-US" dirty="0" smtClean="0"/>
+              <a:t>Stages</a:t>
+            </a:r>
+          </a:p>
+          <a:p>
+            <a:pPr lvl="2"/>
+            <a:r>
+              <a:rPr lang="en-US" dirty="0" smtClean="0"/>
+              <a:t>$match, $group, $project , $sort, $limit, $</a:t>
+            </a:r>
+            <a:r>
+              <a:rPr lang="en-US" dirty="0" err="1" smtClean="0"/>
+              <a:t>lookup,$</a:t>
+            </a:r>
+            <a:r>
+              <a:rPr lang="en-US" dirty="0" err="1" smtClean="0"/>
+              <a:t>facet</a:t>
+            </a:r>
+            <a:r>
+              <a:rPr lang="en-US" dirty="0" smtClean="0"/>
+              <a:t>, $switch </a:t>
+            </a:r>
+            <a:endParaRPr lang="en-US" dirty="0" smtClean="0"/>
+          </a:p>
+          <a:p>
+            <a:r>
+              <a:rPr lang="en-US" dirty="0" smtClean="0"/>
+              <a:t>Indexing</a:t>
+            </a:r>
+          </a:p>
+          <a:p>
+            <a:pPr lvl="1"/>
+            <a:r>
+              <a:rPr lang="en-US" dirty="0" smtClean="0"/>
+              <a:t>Speeds up read operations</a:t>
+            </a:r>
+          </a:p>
+          <a:p>
+            <a:pPr lvl="1"/>
+            <a:r>
+              <a:rPr lang="en-US" b="1" dirty="0" smtClean="0"/>
+              <a:t>Types:</a:t>
+            </a:r>
+            <a:r>
+              <a:rPr lang="en-US" dirty="0" smtClean="0"/>
+              <a:t> Single field, compound, text, hashed, geo</a:t>
+            </a:r>
+          </a:p>
+          <a:p>
+            <a:pPr lvl="1"/>
+            <a:r>
+              <a:rPr lang="en-US" dirty="0" smtClean="0"/>
+              <a:t>Use .explain() to analyze </a:t>
+            </a:r>
+            <a:r>
+              <a:rPr lang="en-US" dirty="0" smtClean="0"/>
+              <a:t>queries</a:t>
+            </a:r>
+            <a:endParaRPr lang="en-US" dirty="0" smtClean="0"/>
           </a:p>
         </p:txBody>
       </p:sp>
@@ -5138,64 +5804,338 @@
             <p:ph type="title"/>
           </p:nvPr>
         </p:nvSpPr>
-        <p:spPr/>
+        <p:spPr>
+          <a:xfrm>
+            <a:off x="914400" y="274638"/>
+            <a:ext cx="7772400" cy="792162"/>
+          </a:xfrm>
+        </p:spPr>
         <p:txBody>
           <a:bodyPr/>
           <a:lstStyle/>
           <a:p>
             <a:r>
-              <a:rPr lang="en-US" dirty="0" smtClean="0"/>
-              <a:t>Typescript</a:t>
+              <a:rPr lang="en-US" dirty="0" err="1" smtClean="0"/>
+              <a:t>Mongodb</a:t>
             </a:r>
             <a:endParaRPr lang="en-US" dirty="0"/>
           </a:p>
         </p:txBody>
       </p:sp>
-      <p:sp>
-        <p:nvSpPr>
-          <p:cNvPr id="3" name="Content Placeholder 2"/>
-          <p:cNvSpPr>
-            <a:spLocks noGrp="1"/>
-          </p:cNvSpPr>
+      <p:graphicFrame>
+        <p:nvGraphicFramePr>
+          <p:cNvPr id="6" name="Content Placeholder 5"/>
+          <p:cNvGraphicFramePr>
+            <a:graphicFrameLocks noGrp="1"/>
+          </p:cNvGraphicFramePr>
           <p:nvPr>
             <p:ph sz="quarter" idx="1"/>
           </p:nvPr>
-        </p:nvSpPr>
-        <p:spPr/>
-        <p:txBody>
-          <a:bodyPr/>
-          <a:lstStyle/>
-          <a:p>
-            <a:r>
-              <a:rPr lang="en-US" dirty="0" smtClean="0"/>
-              <a:t>Intro</a:t>
-            </a:r>
-          </a:p>
-          <a:p>
-            <a:r>
-              <a:rPr lang="en-US" dirty="0" smtClean="0"/>
-              <a:t>Object oriented typescript</a:t>
-            </a:r>
-          </a:p>
-          <a:p>
-            <a:r>
-              <a:rPr lang="en-US" dirty="0" smtClean="0"/>
-              <a:t>Js and </a:t>
-            </a:r>
-            <a:r>
-              <a:rPr lang="en-US" dirty="0" err="1" smtClean="0"/>
-              <a:t>ts</a:t>
-            </a:r>
-            <a:endParaRPr lang="en-US" dirty="0" smtClean="0"/>
-          </a:p>
-          <a:p>
-            <a:r>
-              <a:rPr lang="en-US" dirty="0" smtClean="0"/>
-              <a:t>Module and namespace</a:t>
-            </a:r>
-          </a:p>
-        </p:txBody>
-      </p:sp>
+        </p:nvGraphicFramePr>
+        <p:xfrm>
+          <a:off x="381000" y="1391996"/>
+          <a:ext cx="8305800" cy="5085004"/>
+        </p:xfrm>
+        <a:graphic>
+          <a:graphicData uri="http://schemas.openxmlformats.org/drawingml/2006/table">
+            <a:tbl>
+              <a:tblPr firstRow="1" bandRow="1">
+                <a:tableStyleId>{BC89EF96-8CEA-46FF-86C4-4CE0E7609802}</a:tableStyleId>
+              </a:tblPr>
+              <a:tblGrid>
+                <a:gridCol w="4152900"/>
+                <a:gridCol w="4152900"/>
+              </a:tblGrid>
+              <a:tr h="1555764">
+                <a:tc>
+                  <a:txBody>
+                    <a:bodyPr/>
+                    <a:lstStyle/>
+                    <a:p>
+                      <a:r>
+                        <a:rPr lang="en-US" b="1" dirty="0" smtClean="0"/>
+                        <a:t>Security:</a:t>
+                      </a:r>
+                    </a:p>
+                    <a:p>
+                      <a:pPr lvl="1"/>
+                      <a:r>
+                        <a:rPr lang="en-US" b="1" dirty="0" smtClean="0"/>
+                        <a:t>Authentication</a:t>
+                      </a:r>
+                      <a:r>
+                        <a:rPr lang="en-US" dirty="0" smtClean="0"/>
+                        <a:t> – users, roles</a:t>
+                      </a:r>
+                    </a:p>
+                    <a:p>
+                      <a:pPr lvl="1"/>
+                      <a:r>
+                        <a:rPr lang="en-US" b="1" dirty="0" smtClean="0"/>
+                        <a:t>Authorization</a:t>
+                      </a:r>
+                      <a:r>
+                        <a:rPr lang="en-US" dirty="0" smtClean="0"/>
+                        <a:t> – role-based access</a:t>
+                      </a:r>
+                    </a:p>
+                    <a:p>
+                      <a:pPr lvl="1"/>
+                      <a:r>
+                        <a:rPr lang="en-US" b="1" dirty="0" smtClean="0"/>
+                        <a:t>Network</a:t>
+                      </a:r>
+                      <a:r>
+                        <a:rPr lang="en-US" dirty="0" smtClean="0"/>
+                        <a:t> – firewall, TLS</a:t>
+                      </a:r>
+                    </a:p>
+                  </a:txBody>
+                  <a:tcPr/>
+                </a:tc>
+                <a:tc>
+                  <a:txBody>
+                    <a:bodyPr/>
+                    <a:lstStyle/>
+                    <a:p>
+                      <a:r>
+                        <a:rPr lang="en-US" b="1" dirty="0" smtClean="0"/>
+                        <a:t>Backup:</a:t>
+                      </a:r>
+                    </a:p>
+                    <a:p>
+                      <a:pPr lvl="1"/>
+                      <a:r>
+                        <a:rPr lang="en-US" b="1" dirty="0" err="1" smtClean="0"/>
+                        <a:t>mongodump</a:t>
+                      </a:r>
+                      <a:r>
+                        <a:rPr lang="en-US" b="1" dirty="0" smtClean="0"/>
+                        <a:t>/</a:t>
+                      </a:r>
+                      <a:r>
+                        <a:rPr lang="en-US" b="1" dirty="0" err="1" smtClean="0"/>
+                        <a:t>mongorestore</a:t>
+                      </a:r>
+                      <a:endParaRPr lang="en-US" dirty="0" smtClean="0"/>
+                    </a:p>
+                    <a:p>
+                      <a:pPr lvl="1"/>
+                      <a:r>
+                        <a:rPr lang="en-US" b="1" dirty="0" smtClean="0"/>
+                        <a:t>Atlas Backup</a:t>
+                      </a:r>
+                      <a:endParaRPr lang="en-US" dirty="0" smtClean="0"/>
+                    </a:p>
+                    <a:p>
+                      <a:pPr lvl="1"/>
+                      <a:r>
+                        <a:rPr lang="en-US" b="1" dirty="0" smtClean="0"/>
+                        <a:t>File system snapshots</a:t>
+                      </a:r>
+                      <a:endParaRPr lang="en-US" dirty="0" smtClean="0"/>
+                    </a:p>
+                  </a:txBody>
+                  <a:tcPr/>
+                </a:tc>
+              </a:tr>
+              <a:tr h="1866918">
+                <a:tc>
+                  <a:txBody>
+                    <a:bodyPr/>
+                    <a:lstStyle/>
+                    <a:p>
+                      <a:r>
+                        <a:rPr lang="en-US" b="1" dirty="0" smtClean="0"/>
+                        <a:t>Replication</a:t>
+                      </a:r>
+                    </a:p>
+                    <a:p>
+                      <a:pPr lvl="1"/>
+                      <a:r>
+                        <a:rPr lang="en-US" b="1" dirty="0" smtClean="0"/>
+                        <a:t>Replica Set</a:t>
+                      </a:r>
+                      <a:r>
+                        <a:rPr lang="en-US" dirty="0" smtClean="0"/>
+                        <a:t> = Primary + </a:t>
+                      </a:r>
+                      <a:r>
+                        <a:rPr lang="en-US" dirty="0" err="1" smtClean="0"/>
+                        <a:t>Secondaries</a:t>
+                      </a:r>
+                      <a:endParaRPr lang="en-US" dirty="0" smtClean="0"/>
+                    </a:p>
+                    <a:p>
+                      <a:pPr lvl="1"/>
+                      <a:r>
+                        <a:rPr lang="en-US" dirty="0" smtClean="0"/>
+                        <a:t>High availability and failover</a:t>
+                      </a:r>
+                    </a:p>
+                    <a:p>
+                      <a:pPr lvl="1"/>
+                      <a:r>
+                        <a:rPr lang="en-US" dirty="0" smtClean="0"/>
+                        <a:t>Read from secondary (read preference)</a:t>
+                      </a:r>
+                    </a:p>
+                  </a:txBody>
+                  <a:tcPr/>
+                </a:tc>
+                <a:tc>
+                  <a:txBody>
+                    <a:bodyPr/>
+                    <a:lstStyle/>
+                    <a:p>
+                      <a:r>
+                        <a:rPr lang="en-US" b="1" dirty="0" err="1" smtClean="0"/>
+                        <a:t>Sharding</a:t>
+                      </a:r>
+                      <a:endParaRPr lang="en-US" b="1" dirty="0" smtClean="0"/>
+                    </a:p>
+                    <a:p>
+                      <a:pPr lvl="1"/>
+                      <a:r>
+                        <a:rPr lang="en-US" b="1" dirty="0" smtClean="0"/>
+                        <a:t>Horizontal scaling</a:t>
+                      </a:r>
+                      <a:r>
+                        <a:rPr lang="en-US" dirty="0" smtClean="0"/>
+                        <a:t> for big data</a:t>
+                      </a:r>
+                    </a:p>
+                    <a:p>
+                      <a:pPr lvl="1"/>
+                      <a:r>
+                        <a:rPr lang="en-US" dirty="0" smtClean="0"/>
+                        <a:t>Data distributed across shards</a:t>
+                      </a:r>
+                    </a:p>
+                    <a:p>
+                      <a:pPr lvl="1"/>
+                      <a:r>
+                        <a:rPr lang="en-US" dirty="0" smtClean="0"/>
+                        <a:t>Requires </a:t>
+                      </a:r>
+                      <a:r>
+                        <a:rPr lang="en-US" b="1" dirty="0" smtClean="0"/>
+                        <a:t>shard key</a:t>
+                      </a:r>
+                      <a:endParaRPr lang="en-US" dirty="0" smtClean="0"/>
+                    </a:p>
+                    <a:p>
+                      <a:endParaRPr lang="en-US" dirty="0"/>
+                    </a:p>
+                  </a:txBody>
+                  <a:tcPr/>
+                </a:tc>
+              </a:tr>
+              <a:tr h="1662322">
+                <a:tc>
+                  <a:txBody>
+                    <a:bodyPr/>
+                    <a:lstStyle/>
+                    <a:p>
+                      <a:r>
+                        <a:rPr lang="en-US" b="1" dirty="0" smtClean="0"/>
+                        <a:t>Performance Tuning</a:t>
+                      </a:r>
+                    </a:p>
+                    <a:p>
+                      <a:pPr lvl="1"/>
+                      <a:r>
+                        <a:rPr lang="en-US" b="1" dirty="0" smtClean="0"/>
+                        <a:t>Slow Query Analysis</a:t>
+                      </a:r>
+                      <a:r>
+                        <a:rPr lang="en-US" dirty="0" smtClean="0"/>
+                        <a:t> – use explain()</a:t>
+                      </a:r>
+                    </a:p>
+                    <a:p>
+                      <a:pPr lvl="1"/>
+                      <a:r>
+                        <a:rPr lang="en-US" b="1" dirty="0" smtClean="0"/>
+                        <a:t>Optimize Aggregations</a:t>
+                      </a:r>
+                      <a:r>
+                        <a:rPr lang="en-US" dirty="0" smtClean="0"/>
+                        <a:t> – limit data early</a:t>
+                      </a:r>
+                    </a:p>
+                    <a:p>
+                      <a:endParaRPr lang="en-US" dirty="0"/>
+                    </a:p>
+                  </a:txBody>
+                  <a:tcPr/>
+                </a:tc>
+                <a:tc>
+                  <a:txBody>
+                    <a:bodyPr/>
+                    <a:lstStyle/>
+                    <a:p>
+                      <a:pPr marL="0" marR="0" indent="0" algn="l" defTabSz="914400" rtl="0" eaLnBrk="1" fontAlgn="auto" latinLnBrk="0" hangingPunct="1">
+                        <a:lnSpc>
+                          <a:spcPct val="100000"/>
+                        </a:lnSpc>
+                        <a:spcBef>
+                          <a:spcPts val="0"/>
+                        </a:spcBef>
+                        <a:spcAft>
+                          <a:spcPts val="0"/>
+                        </a:spcAft>
+                        <a:buClrTx/>
+                        <a:buSzTx/>
+                        <a:buFontTx/>
+                        <a:buNone/>
+                        <a:tabLst/>
+                        <a:defRPr/>
+                      </a:pPr>
+                      <a:r>
+                        <a:rPr lang="en-US" b="1" dirty="0" smtClean="0"/>
+                        <a:t>Performance Tuning</a:t>
+                      </a:r>
+                    </a:p>
+                    <a:p>
+                      <a:pPr lvl="1"/>
+                      <a:r>
+                        <a:rPr lang="en-US" b="1" dirty="0" smtClean="0"/>
+                        <a:t>Use Indexes Wisely</a:t>
+                      </a:r>
+                      <a:endParaRPr lang="en-US" dirty="0" smtClean="0"/>
+                    </a:p>
+                    <a:p>
+                      <a:pPr lvl="1"/>
+                      <a:r>
+                        <a:rPr lang="en-US" b="1" dirty="0" smtClean="0"/>
+                        <a:t>Avoid Unbounded $group, $lookup</a:t>
+                      </a:r>
+                      <a:endParaRPr lang="en-US" dirty="0" smtClean="0"/>
+                    </a:p>
+                    <a:p>
+                      <a:pPr lvl="1"/>
+                      <a:r>
+                        <a:rPr lang="en-US" dirty="0" smtClean="0"/>
+                        <a:t>Monitor with Atlas Profiler or </a:t>
+                      </a:r>
+                      <a:r>
+                        <a:rPr lang="en-US" dirty="0" err="1" smtClean="0"/>
+                        <a:t>mongostat</a:t>
+                      </a:r>
+                      <a:endParaRPr lang="en-US" dirty="0" smtClean="0"/>
+                    </a:p>
+                    <a:p>
+                      <a:endParaRPr lang="en-US" dirty="0"/>
+                    </a:p>
+                  </a:txBody>
+                  <a:tcPr/>
+                </a:tc>
+              </a:tr>
+            </a:tbl>
+          </a:graphicData>
+        </a:graphic>
+      </p:graphicFrame>
     </p:spTree>
   </p:cSld>
   <p:clrMapOvr>

--- a/Presentation Assignment.pptx
+++ b/Presentation Assignment.pptx
@@ -12,8 +12,8 @@
     <p:sldId id="284" r:id="rId6"/>
     <p:sldId id="285" r:id="rId7"/>
     <p:sldId id="287" r:id="rId8"/>
-    <p:sldId id="290" r:id="rId9"/>
-    <p:sldId id="291" r:id="rId10"/>
+    <p:sldId id="294" r:id="rId9"/>
+    <p:sldId id="293" r:id="rId10"/>
     <p:sldId id="278" r:id="rId11"/>
     <p:sldId id="279" r:id="rId12"/>
     <p:sldId id="267" r:id="rId13"/>
@@ -22112,9 +22112,57 @@
           <a:chExt cx="0" cy="0"/>
         </a:xfrm>
       </p:grpSpPr>
+      <p:sp>
+        <p:nvSpPr>
+          <p:cNvPr id="2" name="Title 1"/>
+          <p:cNvSpPr>
+            <a:spLocks noGrp="1"/>
+          </p:cNvSpPr>
+          <p:nvPr>
+            <p:ph type="title"/>
+          </p:nvPr>
+        </p:nvSpPr>
+        <p:spPr/>
+        <p:txBody>
+          <a:bodyPr>
+            <a:normAutofit fontScale="90000"/>
+          </a:bodyPr>
+          <a:lstStyle/>
+          <a:p>
+            <a:r>
+              <a:rPr lang="en-US" dirty="0" smtClean="0"/>
+              <a:t>ES6+ Features</a:t>
+            </a:r>
+            <a:r>
+              <a:rPr lang="en-IN" dirty="0" smtClean="0">
+                <a:solidFill>
+                  <a:schemeClr val="tx1">
+                    <a:lumMod val="65000"/>
+                    <a:lumOff val="35000"/>
+                  </a:schemeClr>
+                </a:solidFill>
+                <a:latin typeface="Arial" panose="020B0604020202020204" pitchFamily="34" charset="0"/>
+              </a:rPr>
+              <a:t/>
+            </a:r>
+            <a:br>
+              <a:rPr lang="en-IN" dirty="0" smtClean="0">
+                <a:solidFill>
+                  <a:schemeClr val="tx1">
+                    <a:lumMod val="65000"/>
+                    <a:lumOff val="35000"/>
+                  </a:schemeClr>
+                </a:solidFill>
+                <a:latin typeface="Arial" panose="020B0604020202020204" pitchFamily="34" charset="0"/>
+              </a:rPr>
+            </a:br>
+            <a:endParaRPr lang="en-US" dirty="0"/>
+          </a:p>
+        </p:txBody>
+      </p:sp>
       <p:grpSp>
         <p:nvGrpSpPr>
-          <p:cNvPr id="2" name="Group 1">
+          <p:cNvPr id="4" name="Group 3">
             <a:extLst>
               <a:ext uri="{FF2B5EF4-FFF2-40B4-BE49-F238E27FC236}">
                 <a16:creationId xmlns:a16="http://schemas.microsoft.com/office/drawing/2014/main" xmlns="" id="{A6D62462-B17C-4091-B2EB-65C81D0F314F}"/>
@@ -22126,8 +22174,8 @@
         </p:nvGrpSpPr>
         <p:grpSpPr>
           <a:xfrm>
-            <a:off x="558800" y="990600"/>
-            <a:ext cx="8026400" cy="7368195"/>
+            <a:off x="228600" y="1066800"/>
+            <a:ext cx="8610600" cy="6248401"/>
             <a:chOff x="361245" y="786543"/>
             <a:chExt cx="11469511" cy="7896714"/>
           </a:xfrm>
@@ -22489,7 +22537,7 @@
         </p:sp>
         <p:sp>
           <p:nvSpPr>
-            <p:cNvPr id="13" name="Arrow: Pentagon 12">
+            <p:cNvPr id="12" name="Arrow: Pentagon 12">
               <a:extLst>
                 <a:ext uri="{FF2B5EF4-FFF2-40B4-BE49-F238E27FC236}">
                   <a16:creationId xmlns:a16="http://schemas.microsoft.com/office/drawing/2014/main" xmlns="" id="{63126B60-08E1-407F-AC24-79C8B508263D}"/>
@@ -22540,7 +22588,7 @@
         </p:sp>
         <p:sp>
           <p:nvSpPr>
-            <p:cNvPr id="17" name="Arrow: Pentagon 16">
+            <p:cNvPr id="13" name="Arrow: Pentagon 16">
               <a:extLst>
                 <a:ext uri="{FF2B5EF4-FFF2-40B4-BE49-F238E27FC236}">
                   <a16:creationId xmlns:a16="http://schemas.microsoft.com/office/drawing/2014/main" xmlns="" id="{F51A2311-5ACE-4033-A163-7D77899DA657}"/>
@@ -22594,7 +22642,7 @@
         </p:sp>
         <p:sp>
           <p:nvSpPr>
-            <p:cNvPr id="18" name="Arrow: Pentagon 17">
+            <p:cNvPr id="14" name="Arrow: Pentagon 17">
               <a:extLst>
                 <a:ext uri="{FF2B5EF4-FFF2-40B4-BE49-F238E27FC236}">
                   <a16:creationId xmlns:a16="http://schemas.microsoft.com/office/drawing/2014/main" xmlns="" id="{546DB512-F214-4B87-AB0D-BEA135DE5D90}"/>
@@ -22648,7 +22696,7 @@
         </p:sp>
         <p:sp>
           <p:nvSpPr>
-            <p:cNvPr id="19" name="Arrow: Pentagon 18">
+            <p:cNvPr id="15" name="Arrow: Pentagon 18">
               <a:extLst>
                 <a:ext uri="{FF2B5EF4-FFF2-40B4-BE49-F238E27FC236}">
                   <a16:creationId xmlns:a16="http://schemas.microsoft.com/office/drawing/2014/main" xmlns="" id="{AA3935F0-9624-40E5-B417-2AEA69A66CAD}"/>
@@ -22702,7 +22750,7 @@
         </p:sp>
         <p:sp>
           <p:nvSpPr>
-            <p:cNvPr id="20" name="Arrow: Pentagon 19">
+            <p:cNvPr id="16" name="Arrow: Pentagon 19">
               <a:extLst>
                 <a:ext uri="{FF2B5EF4-FFF2-40B4-BE49-F238E27FC236}">
                   <a16:creationId xmlns:a16="http://schemas.microsoft.com/office/drawing/2014/main" xmlns="" id="{48A8FF9E-0E90-4E5D-9C04-EA9D97AD4A9D}"/>
@@ -22756,7 +22804,7 @@
         </p:sp>
         <p:sp>
           <p:nvSpPr>
-            <p:cNvPr id="21" name="Arrow: Pentagon 20">
+            <p:cNvPr id="17" name="Arrow: Pentagon 20">
               <a:extLst>
                 <a:ext uri="{FF2B5EF4-FFF2-40B4-BE49-F238E27FC236}">
                   <a16:creationId xmlns:a16="http://schemas.microsoft.com/office/drawing/2014/main" xmlns="" id="{2821C155-0604-4581-970D-CD678F52CD2C}"/>
@@ -22810,7 +22858,7 @@
         </p:sp>
         <p:grpSp>
           <p:nvGrpSpPr>
-            <p:cNvPr id="3" name="Group 24">
+            <p:cNvPr id="18" name="Group 24">
               <a:extLst>
                 <a:ext uri="{FF2B5EF4-FFF2-40B4-BE49-F238E27FC236}">
                   <a16:creationId xmlns:a16="http://schemas.microsoft.com/office/drawing/2014/main" xmlns="" id="{DC0C20EC-A31E-4D49-8CC4-808CBB8C163C}"/>
@@ -22830,7 +22878,7 @@
           </p:grpSpPr>
           <p:sp>
             <p:nvSpPr>
-              <p:cNvPr id="23" name="Rectangle 22">
+              <p:cNvPr id="34" name="Rectangle 22">
                 <a:extLst>
                   <a:ext uri="{FF2B5EF4-FFF2-40B4-BE49-F238E27FC236}">
                     <a16:creationId xmlns:a16="http://schemas.microsoft.com/office/drawing/2014/main" xmlns="" id="{8B5F6082-F05E-4CED-93F8-12EECE624DC3}"/>
@@ -22969,7 +23017,7 @@
           </p:sp>
           <p:sp>
             <p:nvSpPr>
-              <p:cNvPr id="24" name="Rectangle 23">
+              <p:cNvPr id="35" name="Rectangle 23">
                 <a:extLst>
                   <a:ext uri="{FF2B5EF4-FFF2-40B4-BE49-F238E27FC236}">
                     <a16:creationId xmlns:a16="http://schemas.microsoft.com/office/drawing/2014/main" xmlns="" id="{9ACC436B-B613-42F7-8D86-552CB01C13BE}"/>
@@ -23012,7 +23060,7 @@
         </p:grpSp>
         <p:grpSp>
           <p:nvGrpSpPr>
-            <p:cNvPr id="4" name="Group 25">
+            <p:cNvPr id="19" name="Group 25">
               <a:extLst>
                 <a:ext uri="{FF2B5EF4-FFF2-40B4-BE49-F238E27FC236}">
                   <a16:creationId xmlns:a16="http://schemas.microsoft.com/office/drawing/2014/main" xmlns="" id="{D36E9184-58F9-47A0-8643-7597CE09BD51}"/>
@@ -23032,7 +23080,7 @@
           </p:grpSpPr>
           <p:sp>
             <p:nvSpPr>
-              <p:cNvPr id="27" name="Rectangle 26">
+              <p:cNvPr id="32" name="Rectangle 31">
                 <a:extLst>
                   <a:ext uri="{FF2B5EF4-FFF2-40B4-BE49-F238E27FC236}">
                     <a16:creationId xmlns:a16="http://schemas.microsoft.com/office/drawing/2014/main" xmlns="" id="{36915A37-EE07-4948-B024-78EA9AE8E8F3}"/>
@@ -23091,7 +23139,7 @@
           </p:sp>
           <p:sp>
             <p:nvSpPr>
-              <p:cNvPr id="28" name="Rectangle 27">
+              <p:cNvPr id="33" name="Rectangle 32">
                 <a:extLst>
                   <a:ext uri="{FF2B5EF4-FFF2-40B4-BE49-F238E27FC236}">
                     <a16:creationId xmlns:a16="http://schemas.microsoft.com/office/drawing/2014/main" xmlns="" id="{8A6DC1B2-EF6C-449A-9077-16F532B4248D}"/>
@@ -23134,7 +23182,7 @@
         </p:grpSp>
         <p:grpSp>
           <p:nvGrpSpPr>
-            <p:cNvPr id="12" name="Group 28">
+            <p:cNvPr id="20" name="Group 28">
               <a:extLst>
                 <a:ext uri="{FF2B5EF4-FFF2-40B4-BE49-F238E27FC236}">
                   <a16:creationId xmlns:a16="http://schemas.microsoft.com/office/drawing/2014/main" xmlns="" id="{51A55141-57FD-43FF-BD4C-3B1235716130}"/>
@@ -23287,7 +23335,7 @@
         </p:grpSp>
         <p:grpSp>
           <p:nvGrpSpPr>
-            <p:cNvPr id="14" name="Group 31">
+            <p:cNvPr id="21" name="Group 31">
               <a:extLst>
                 <a:ext uri="{FF2B5EF4-FFF2-40B4-BE49-F238E27FC236}">
                   <a16:creationId xmlns:a16="http://schemas.microsoft.com/office/drawing/2014/main" xmlns="" id="{82AE5B18-9EA4-4035-AC51-844314DA7BE1}"/>
@@ -23307,7 +23355,7 @@
           </p:grpSpPr>
           <p:sp>
             <p:nvSpPr>
-              <p:cNvPr id="33" name="Rectangle 32">
+              <p:cNvPr id="28" name="Rectangle 27">
                 <a:extLst>
                   <a:ext uri="{FF2B5EF4-FFF2-40B4-BE49-F238E27FC236}">
                     <a16:creationId xmlns:a16="http://schemas.microsoft.com/office/drawing/2014/main" xmlns="" id="{73F38FA8-A50F-4FF1-B0B5-BD61D30B19BA}"/>
@@ -23384,7 +23432,7 @@
           </p:sp>
           <p:sp>
             <p:nvSpPr>
-              <p:cNvPr id="34" name="Rectangle 33">
+              <p:cNvPr id="29" name="Rectangle 28">
                 <a:extLst>
                   <a:ext uri="{FF2B5EF4-FFF2-40B4-BE49-F238E27FC236}">
                     <a16:creationId xmlns:a16="http://schemas.microsoft.com/office/drawing/2014/main" xmlns="" id="{C11C529A-9E5F-4F3F-8866-5B6B137BE271}"/>
@@ -23427,7 +23475,7 @@
         </p:grpSp>
         <p:grpSp>
           <p:nvGrpSpPr>
-            <p:cNvPr id="15" name="Group 34">
+            <p:cNvPr id="22" name="Group 34">
               <a:extLst>
                 <a:ext uri="{FF2B5EF4-FFF2-40B4-BE49-F238E27FC236}">
                   <a16:creationId xmlns:a16="http://schemas.microsoft.com/office/drawing/2014/main" xmlns="" id="{24CE12B5-57CA-4407-90E7-810A38E93CEC}"/>
@@ -23447,7 +23495,7 @@
           </p:grpSpPr>
           <p:sp>
             <p:nvSpPr>
-              <p:cNvPr id="36" name="Rectangle 35">
+              <p:cNvPr id="26" name="Rectangle 25">
                 <a:extLst>
                   <a:ext uri="{FF2B5EF4-FFF2-40B4-BE49-F238E27FC236}">
                     <a16:creationId xmlns:a16="http://schemas.microsoft.com/office/drawing/2014/main" xmlns="" id="{0A82D3B5-F381-4CA9-8FE1-BF438E9E0327}"/>
@@ -23522,7 +23570,7 @@
           </p:sp>
           <p:sp>
             <p:nvSpPr>
-              <p:cNvPr id="37" name="Rectangle 36">
+              <p:cNvPr id="27" name="Rectangle 26">
                 <a:extLst>
                   <a:ext uri="{FF2B5EF4-FFF2-40B4-BE49-F238E27FC236}">
                     <a16:creationId xmlns:a16="http://schemas.microsoft.com/office/drawing/2014/main" xmlns="" id="{856593DD-A563-4633-961C-FB743399B08C}"/>
@@ -23565,7 +23613,7 @@
         </p:grpSp>
         <p:grpSp>
           <p:nvGrpSpPr>
-            <p:cNvPr id="16" name="Group 37">
+            <p:cNvPr id="23" name="Group 37">
               <a:extLst>
                 <a:ext uri="{FF2B5EF4-FFF2-40B4-BE49-F238E27FC236}">
                   <a16:creationId xmlns:a16="http://schemas.microsoft.com/office/drawing/2014/main" xmlns="" id="{91451FE3-865B-4997-B2F7-F7D3A5D56CAD}"/>
@@ -23585,7 +23633,7 @@
           </p:grpSpPr>
           <p:sp>
             <p:nvSpPr>
-              <p:cNvPr id="39" name="Rectangle 38">
+              <p:cNvPr id="24" name="Rectangle 23">
                 <a:extLst>
                   <a:ext uri="{FF2B5EF4-FFF2-40B4-BE49-F238E27FC236}">
                     <a16:creationId xmlns:a16="http://schemas.microsoft.com/office/drawing/2014/main" xmlns="" id="{244FCDA9-C402-456D-BF70-ADE4999118E7}"/>
@@ -23706,7 +23754,7 @@
           </p:sp>
           <p:sp>
             <p:nvSpPr>
-              <p:cNvPr id="40" name="Rectangle 39">
+              <p:cNvPr id="25" name="Rectangle 24">
                 <a:extLst>
                   <a:ext uri="{FF2B5EF4-FFF2-40B4-BE49-F238E27FC236}">
                     <a16:creationId xmlns:a16="http://schemas.microsoft.com/office/drawing/2014/main" xmlns="" id="{2D500606-DBEE-4C12-973D-1931D506B210}"/>
@@ -23752,99 +23800,7 @@
           </p:sp>
         </p:grpSp>
       </p:grpSp>
-      <p:sp>
-        <p:nvSpPr>
-          <p:cNvPr id="57" name="Rectangle 56">
-            <a:extLst>
-              <a:ext uri="{FF2B5EF4-FFF2-40B4-BE49-F238E27FC236}">
-                <a16:creationId xmlns:a16="http://schemas.microsoft.com/office/drawing/2014/main" xmlns="" id="{43F46C2E-1FEA-4AD9-9389-F3422907F3F4}"/>
-              </a:ext>
-            </a:extLst>
-          </p:cNvPr>
-          <p:cNvSpPr/>
-          <p:nvPr/>
-        </p:nvSpPr>
-        <p:spPr>
-          <a:xfrm>
-            <a:off x="2188031" y="0"/>
-            <a:ext cx="2349233" cy="584775"/>
-          </a:xfrm>
-          <a:prstGeom prst="rect">
-            <a:avLst/>
-          </a:prstGeom>
-        </p:spPr>
-        <p:txBody>
-          <a:bodyPr wrap="none">
-            <a:spAutoFit/>
-          </a:bodyPr>
-          <a:lstStyle/>
-          <a:p>
-            <a:r>
-              <a:rPr lang="en-US" sz="3200" dirty="0" smtClean="0"/>
-              <a:t>ES6+ Features</a:t>
-            </a:r>
-            <a:endParaRPr lang="en-IN" sz="3200" dirty="0">
-              <a:solidFill>
-                <a:schemeClr val="tx1">
-                  <a:lumMod val="65000"/>
-                  <a:lumOff val="35000"/>
-                </a:schemeClr>
-              </a:solidFill>
-              <a:latin typeface="Arial" panose="020B0604020202020204" pitchFamily="34" charset="0"/>
-              <a:cs typeface="Arial" panose="020B0604020202020204" pitchFamily="34" charset="0"/>
-            </a:endParaRPr>
-          </a:p>
-        </p:txBody>
-      </p:sp>
-      <p:cxnSp>
-        <p:nvCxnSpPr>
-          <p:cNvPr id="59" name="Straight Connector 58">
-            <a:extLst>
-              <a:ext uri="{FF2B5EF4-FFF2-40B4-BE49-F238E27FC236}">
-                <a16:creationId xmlns:a16="http://schemas.microsoft.com/office/drawing/2014/main" xmlns="" id="{38D759BC-BBA4-4C11-BCAE-96B87DD886E4}"/>
-              </a:ext>
-            </a:extLst>
-          </p:cNvPr>
-          <p:cNvCxnSpPr/>
-          <p:nvPr/>
-        </p:nvCxnSpPr>
-        <p:spPr>
-          <a:xfrm>
-            <a:off x="2188031" y="537027"/>
-            <a:ext cx="4767940" cy="0"/>
-          </a:xfrm>
-          <a:prstGeom prst="line">
-            <a:avLst/>
-          </a:prstGeom>
-          <a:ln>
-            <a:solidFill>
-              <a:schemeClr val="bg1">
-                <a:lumMod val="75000"/>
-              </a:schemeClr>
-            </a:solidFill>
-          </a:ln>
-        </p:spPr>
-        <p:style>
-          <a:lnRef idx="1">
-            <a:schemeClr val="accent1"/>
-          </a:lnRef>
-          <a:fillRef idx="0">
-            <a:schemeClr val="accent1"/>
-          </a:fillRef>
-          <a:effectRef idx="0">
-            <a:schemeClr val="accent1"/>
-          </a:effectRef>
-          <a:fontRef idx="minor">
-            <a:schemeClr val="tx1"/>
-          </a:fontRef>
-        </p:style>
-      </p:cxnSp>
     </p:spTree>
-    <p:extLst>
-      <p:ext uri="{BB962C8B-B14F-4D97-AF65-F5344CB8AC3E}">
-        <p14:creationId xmlns:p14="http://schemas.microsoft.com/office/powerpoint/2010/main" xmlns="" val="400971373"/>
-      </p:ext>
-    </p:extLst>
   </p:cSld>
   <p:clrMapOvr>
     <a:masterClrMapping/>
@@ -23869,9 +23825,59 @@
           <a:chExt cx="0" cy="0"/>
         </a:xfrm>
       </p:grpSpPr>
+      <p:sp>
+        <p:nvSpPr>
+          <p:cNvPr id="2" name="Title 1"/>
+          <p:cNvSpPr>
+            <a:spLocks noGrp="1"/>
+          </p:cNvSpPr>
+          <p:nvPr>
+            <p:ph type="title"/>
+          </p:nvPr>
+        </p:nvSpPr>
+        <p:spPr/>
+        <p:txBody>
+          <a:bodyPr>
+            <a:normAutofit fontScale="90000"/>
+          </a:bodyPr>
+          <a:lstStyle/>
+          <a:p>
+            <a:r>
+              <a:rPr lang="en-US" dirty="0" smtClean="0"/>
+              <a:t>ES6+ Features</a:t>
+            </a:r>
+            <a:r>
+              <a:rPr lang="en-IN" dirty="0" smtClean="0">
+                <a:solidFill>
+                  <a:schemeClr val="tx1">
+                    <a:lumMod val="65000"/>
+                    <a:lumOff val="35000"/>
+                  </a:schemeClr>
+                </a:solidFill>
+                <a:latin typeface="Arial" panose="020B0604020202020204" pitchFamily="34" charset="0"/>
+                <a:cs typeface="Arial" panose="020B0604020202020204" pitchFamily="34" charset="0"/>
+              </a:rPr>
+              <a:t/>
+            </a:r>
+            <a:br>
+              <a:rPr lang="en-IN" dirty="0" smtClean="0">
+                <a:solidFill>
+                  <a:schemeClr val="tx1">
+                    <a:lumMod val="65000"/>
+                    <a:lumOff val="35000"/>
+                  </a:schemeClr>
+                </a:solidFill>
+                <a:latin typeface="Arial" panose="020B0604020202020204" pitchFamily="34" charset="0"/>
+                <a:cs typeface="Arial" panose="020B0604020202020204" pitchFamily="34" charset="0"/>
+              </a:rPr>
+            </a:br>
+            <a:endParaRPr lang="en-US" dirty="0"/>
+          </a:p>
+        </p:txBody>
+      </p:sp>
       <p:grpSp>
         <p:nvGrpSpPr>
-          <p:cNvPr id="2" name="Group 1">
+          <p:cNvPr id="4" name="Group 3">
             <a:extLst>
               <a:ext uri="{FF2B5EF4-FFF2-40B4-BE49-F238E27FC236}">
                 <a16:creationId xmlns:a16="http://schemas.microsoft.com/office/drawing/2014/main" xmlns="" id="{A6D62462-B17C-4091-B2EB-65C81D0F314F}"/>
@@ -24246,7 +24252,7 @@
         </p:sp>
         <p:sp>
           <p:nvSpPr>
-            <p:cNvPr id="13" name="Arrow: Pentagon 12">
+            <p:cNvPr id="12" name="Arrow: Pentagon 12">
               <a:extLst>
                 <a:ext uri="{FF2B5EF4-FFF2-40B4-BE49-F238E27FC236}">
                   <a16:creationId xmlns:a16="http://schemas.microsoft.com/office/drawing/2014/main" xmlns="" id="{63126B60-08E1-407F-AC24-79C8B508263D}"/>
@@ -24297,7 +24303,7 @@
         </p:sp>
         <p:sp>
           <p:nvSpPr>
-            <p:cNvPr id="17" name="Arrow: Pentagon 16">
+            <p:cNvPr id="13" name="Arrow: Pentagon 16">
               <a:extLst>
                 <a:ext uri="{FF2B5EF4-FFF2-40B4-BE49-F238E27FC236}">
                   <a16:creationId xmlns:a16="http://schemas.microsoft.com/office/drawing/2014/main" xmlns="" id="{F51A2311-5ACE-4033-A163-7D77899DA657}"/>
@@ -24351,7 +24357,7 @@
         </p:sp>
         <p:sp>
           <p:nvSpPr>
-            <p:cNvPr id="18" name="Arrow: Pentagon 17">
+            <p:cNvPr id="14" name="Arrow: Pentagon 17">
               <a:extLst>
                 <a:ext uri="{FF2B5EF4-FFF2-40B4-BE49-F238E27FC236}">
                   <a16:creationId xmlns:a16="http://schemas.microsoft.com/office/drawing/2014/main" xmlns="" id="{546DB512-F214-4B87-AB0D-BEA135DE5D90}"/>
@@ -24405,7 +24411,7 @@
         </p:sp>
         <p:sp>
           <p:nvSpPr>
-            <p:cNvPr id="19" name="Arrow: Pentagon 18">
+            <p:cNvPr id="15" name="Arrow: Pentagon 18">
               <a:extLst>
                 <a:ext uri="{FF2B5EF4-FFF2-40B4-BE49-F238E27FC236}">
                   <a16:creationId xmlns:a16="http://schemas.microsoft.com/office/drawing/2014/main" xmlns="" id="{AA3935F0-9624-40E5-B417-2AEA69A66CAD}"/>
@@ -24459,7 +24465,7 @@
         </p:sp>
         <p:sp>
           <p:nvSpPr>
-            <p:cNvPr id="20" name="Arrow: Pentagon 19">
+            <p:cNvPr id="16" name="Arrow: Pentagon 19">
               <a:extLst>
                 <a:ext uri="{FF2B5EF4-FFF2-40B4-BE49-F238E27FC236}">
                   <a16:creationId xmlns:a16="http://schemas.microsoft.com/office/drawing/2014/main" xmlns="" id="{48A8FF9E-0E90-4E5D-9C04-EA9D97AD4A9D}"/>
@@ -24513,7 +24519,7 @@
         </p:sp>
         <p:sp>
           <p:nvSpPr>
-            <p:cNvPr id="21" name="Arrow: Pentagon 20">
+            <p:cNvPr id="17" name="Arrow: Pentagon 20">
               <a:extLst>
                 <a:ext uri="{FF2B5EF4-FFF2-40B4-BE49-F238E27FC236}">
                   <a16:creationId xmlns:a16="http://schemas.microsoft.com/office/drawing/2014/main" xmlns="" id="{2821C155-0604-4581-970D-CD678F52CD2C}"/>
@@ -24567,7 +24573,7 @@
         </p:sp>
         <p:grpSp>
           <p:nvGrpSpPr>
-            <p:cNvPr id="3" name="Group 24">
+            <p:cNvPr id="18" name="Group 24">
               <a:extLst>
                 <a:ext uri="{FF2B5EF4-FFF2-40B4-BE49-F238E27FC236}">
                   <a16:creationId xmlns:a16="http://schemas.microsoft.com/office/drawing/2014/main" xmlns="" id="{DC0C20EC-A31E-4D49-8CC4-808CBB8C163C}"/>
@@ -24587,7 +24593,7 @@
           </p:grpSpPr>
           <p:sp>
             <p:nvSpPr>
-              <p:cNvPr id="23" name="Rectangle 22">
+              <p:cNvPr id="34" name="Rectangle 22">
                 <a:extLst>
                   <a:ext uri="{FF2B5EF4-FFF2-40B4-BE49-F238E27FC236}">
                     <a16:creationId xmlns:a16="http://schemas.microsoft.com/office/drawing/2014/main" xmlns="" id="{8B5F6082-F05E-4CED-93F8-12EECE624DC3}"/>
@@ -24693,7 +24699,7 @@
           </p:sp>
           <p:sp>
             <p:nvSpPr>
-              <p:cNvPr id="24" name="Rectangle 23">
+              <p:cNvPr id="35" name="Rectangle 23">
                 <a:extLst>
                   <a:ext uri="{FF2B5EF4-FFF2-40B4-BE49-F238E27FC236}">
                     <a16:creationId xmlns:a16="http://schemas.microsoft.com/office/drawing/2014/main" xmlns="" id="{9ACC436B-B613-42F7-8D86-552CB01C13BE}"/>
@@ -24740,7 +24746,7 @@
         </p:grpSp>
         <p:grpSp>
           <p:nvGrpSpPr>
-            <p:cNvPr id="4" name="Group 25">
+            <p:cNvPr id="19" name="Group 25">
               <a:extLst>
                 <a:ext uri="{FF2B5EF4-FFF2-40B4-BE49-F238E27FC236}">
                   <a16:creationId xmlns:a16="http://schemas.microsoft.com/office/drawing/2014/main" xmlns="" id="{D36E9184-58F9-47A0-8643-7597CE09BD51}"/>
@@ -24760,7 +24766,7 @@
           </p:grpSpPr>
           <p:sp>
             <p:nvSpPr>
-              <p:cNvPr id="27" name="Rectangle 26">
+              <p:cNvPr id="32" name="Rectangle 31">
                 <a:extLst>
                   <a:ext uri="{FF2B5EF4-FFF2-40B4-BE49-F238E27FC236}">
                     <a16:creationId xmlns:a16="http://schemas.microsoft.com/office/drawing/2014/main" xmlns="" id="{36915A37-EE07-4948-B024-78EA9AE8E8F3}"/>
@@ -24889,7 +24895,7 @@
           </p:sp>
           <p:sp>
             <p:nvSpPr>
-              <p:cNvPr id="28" name="Rectangle 27">
+              <p:cNvPr id="33" name="Rectangle 32">
                 <a:extLst>
                   <a:ext uri="{FF2B5EF4-FFF2-40B4-BE49-F238E27FC236}">
                     <a16:creationId xmlns:a16="http://schemas.microsoft.com/office/drawing/2014/main" xmlns="" id="{8A6DC1B2-EF6C-449A-9077-16F532B4248D}"/>
@@ -24936,7 +24942,7 @@
         </p:grpSp>
         <p:grpSp>
           <p:nvGrpSpPr>
-            <p:cNvPr id="12" name="Group 28">
+            <p:cNvPr id="20" name="Group 28">
               <a:extLst>
                 <a:ext uri="{FF2B5EF4-FFF2-40B4-BE49-F238E27FC236}">
                   <a16:creationId xmlns:a16="http://schemas.microsoft.com/office/drawing/2014/main" xmlns="" id="{51A55141-57FD-43FF-BD4C-3B1235716130}"/>
@@ -25119,7 +25125,7 @@
         </p:grpSp>
         <p:grpSp>
           <p:nvGrpSpPr>
-            <p:cNvPr id="14" name="Group 31">
+            <p:cNvPr id="21" name="Group 31">
               <a:extLst>
                 <a:ext uri="{FF2B5EF4-FFF2-40B4-BE49-F238E27FC236}">
                   <a16:creationId xmlns:a16="http://schemas.microsoft.com/office/drawing/2014/main" xmlns="" id="{82AE5B18-9EA4-4035-AC51-844314DA7BE1}"/>
@@ -25139,7 +25145,7 @@
           </p:grpSpPr>
           <p:sp>
             <p:nvSpPr>
-              <p:cNvPr id="33" name="Rectangle 32">
+              <p:cNvPr id="28" name="Rectangle 27">
                 <a:extLst>
                   <a:ext uri="{FF2B5EF4-FFF2-40B4-BE49-F238E27FC236}">
                     <a16:creationId xmlns:a16="http://schemas.microsoft.com/office/drawing/2014/main" xmlns="" id="{73F38FA8-A50F-4FF1-B0B5-BD61D30B19BA}"/>
@@ -25255,7 +25261,7 @@
           </p:sp>
           <p:sp>
             <p:nvSpPr>
-              <p:cNvPr id="34" name="Rectangle 33">
+              <p:cNvPr id="29" name="Rectangle 28">
                 <a:extLst>
                   <a:ext uri="{FF2B5EF4-FFF2-40B4-BE49-F238E27FC236}">
                     <a16:creationId xmlns:a16="http://schemas.microsoft.com/office/drawing/2014/main" xmlns="" id="{C11C529A-9E5F-4F3F-8866-5B6B137BE271}"/>
@@ -25302,7 +25308,7 @@
         </p:grpSp>
         <p:grpSp>
           <p:nvGrpSpPr>
-            <p:cNvPr id="15" name="Group 34">
+            <p:cNvPr id="22" name="Group 34">
               <a:extLst>
                 <a:ext uri="{FF2B5EF4-FFF2-40B4-BE49-F238E27FC236}">
                   <a16:creationId xmlns:a16="http://schemas.microsoft.com/office/drawing/2014/main" xmlns="" id="{24CE12B5-57CA-4407-90E7-810A38E93CEC}"/>
@@ -25322,7 +25328,7 @@
           </p:grpSpPr>
           <p:sp>
             <p:nvSpPr>
-              <p:cNvPr id="36" name="Rectangle 35">
+              <p:cNvPr id="26" name="Rectangle 25">
                 <a:extLst>
                   <a:ext uri="{FF2B5EF4-FFF2-40B4-BE49-F238E27FC236}">
                     <a16:creationId xmlns:a16="http://schemas.microsoft.com/office/drawing/2014/main" xmlns="" id="{0A82D3B5-F381-4CA9-8FE1-BF438E9E0327}"/>
@@ -25432,7 +25438,7 @@
           </p:sp>
           <p:sp>
             <p:nvSpPr>
-              <p:cNvPr id="37" name="Rectangle 36">
+              <p:cNvPr id="27" name="Rectangle 26">
                 <a:extLst>
                   <a:ext uri="{FF2B5EF4-FFF2-40B4-BE49-F238E27FC236}">
                     <a16:creationId xmlns:a16="http://schemas.microsoft.com/office/drawing/2014/main" xmlns="" id="{856593DD-A563-4633-961C-FB743399B08C}"/>
@@ -25479,7 +25485,7 @@
         </p:grpSp>
         <p:grpSp>
           <p:nvGrpSpPr>
-            <p:cNvPr id="16" name="Group 37">
+            <p:cNvPr id="23" name="Group 37">
               <a:extLst>
                 <a:ext uri="{FF2B5EF4-FFF2-40B4-BE49-F238E27FC236}">
                   <a16:creationId xmlns:a16="http://schemas.microsoft.com/office/drawing/2014/main" xmlns="" id="{91451FE3-865B-4997-B2F7-F7D3A5D56CAD}"/>
@@ -25499,7 +25505,7 @@
           </p:grpSpPr>
           <p:sp>
             <p:nvSpPr>
-              <p:cNvPr id="39" name="Rectangle 38">
+              <p:cNvPr id="24" name="Rectangle 23">
                 <a:extLst>
                   <a:ext uri="{FF2B5EF4-FFF2-40B4-BE49-F238E27FC236}">
                     <a16:creationId xmlns:a16="http://schemas.microsoft.com/office/drawing/2014/main" xmlns="" id="{244FCDA9-C402-456D-BF70-ADE4999118E7}"/>
@@ -25602,7 +25608,7 @@
           </p:sp>
           <p:sp>
             <p:nvSpPr>
-              <p:cNvPr id="40" name="Rectangle 39">
+              <p:cNvPr id="25" name="Rectangle 24">
                 <a:extLst>
                   <a:ext uri="{FF2B5EF4-FFF2-40B4-BE49-F238E27FC236}">
                     <a16:creationId xmlns:a16="http://schemas.microsoft.com/office/drawing/2014/main" xmlns="" id="{2D500606-DBEE-4C12-973D-1931D506B210}"/>
@@ -25648,99 +25654,7 @@
           </p:sp>
         </p:grpSp>
       </p:grpSp>
-      <p:sp>
-        <p:nvSpPr>
-          <p:cNvPr id="57" name="Rectangle 56">
-            <a:extLst>
-              <a:ext uri="{FF2B5EF4-FFF2-40B4-BE49-F238E27FC236}">
-                <a16:creationId xmlns:a16="http://schemas.microsoft.com/office/drawing/2014/main" xmlns="" id="{43F46C2E-1FEA-4AD9-9389-F3422907F3F4}"/>
-              </a:ext>
-            </a:extLst>
-          </p:cNvPr>
-          <p:cNvSpPr/>
-          <p:nvPr/>
-        </p:nvSpPr>
-        <p:spPr>
-          <a:xfrm>
-            <a:off x="2188031" y="0"/>
-            <a:ext cx="2349233" cy="584775"/>
-          </a:xfrm>
-          <a:prstGeom prst="rect">
-            <a:avLst/>
-          </a:prstGeom>
-        </p:spPr>
-        <p:txBody>
-          <a:bodyPr wrap="none">
-            <a:spAutoFit/>
-          </a:bodyPr>
-          <a:lstStyle/>
-          <a:p>
-            <a:r>
-              <a:rPr lang="en-US" sz="3200" dirty="0" smtClean="0"/>
-              <a:t>ES6+ Features</a:t>
-            </a:r>
-            <a:endParaRPr lang="en-IN" sz="3200" dirty="0">
-              <a:solidFill>
-                <a:schemeClr val="tx1">
-                  <a:lumMod val="65000"/>
-                  <a:lumOff val="35000"/>
-                </a:schemeClr>
-              </a:solidFill>
-              <a:latin typeface="Arial" panose="020B0604020202020204" pitchFamily="34" charset="0"/>
-              <a:cs typeface="Arial" panose="020B0604020202020204" pitchFamily="34" charset="0"/>
-            </a:endParaRPr>
-          </a:p>
-        </p:txBody>
-      </p:sp>
-      <p:cxnSp>
-        <p:nvCxnSpPr>
-          <p:cNvPr id="59" name="Straight Connector 58">
-            <a:extLst>
-              <a:ext uri="{FF2B5EF4-FFF2-40B4-BE49-F238E27FC236}">
-                <a16:creationId xmlns:a16="http://schemas.microsoft.com/office/drawing/2014/main" xmlns="" id="{38D759BC-BBA4-4C11-BCAE-96B87DD886E4}"/>
-              </a:ext>
-            </a:extLst>
-          </p:cNvPr>
-          <p:cNvCxnSpPr/>
-          <p:nvPr/>
-        </p:nvCxnSpPr>
-        <p:spPr>
-          <a:xfrm>
-            <a:off x="2188031" y="537027"/>
-            <a:ext cx="4767940" cy="0"/>
-          </a:xfrm>
-          <a:prstGeom prst="line">
-            <a:avLst/>
-          </a:prstGeom>
-          <a:ln>
-            <a:solidFill>
-              <a:schemeClr val="bg1">
-                <a:lumMod val="75000"/>
-              </a:schemeClr>
-            </a:solidFill>
-          </a:ln>
-        </p:spPr>
-        <p:style>
-          <a:lnRef idx="1">
-            <a:schemeClr val="accent1"/>
-          </a:lnRef>
-          <a:fillRef idx="0">
-            <a:schemeClr val="accent1"/>
-          </a:fillRef>
-          <a:effectRef idx="0">
-            <a:schemeClr val="accent1"/>
-          </a:effectRef>
-          <a:fontRef idx="minor">
-            <a:schemeClr val="tx1"/>
-          </a:fontRef>
-        </p:style>
-      </p:cxnSp>
     </p:spTree>
-    <p:extLst>
-      <p:ext uri="{BB962C8B-B14F-4D97-AF65-F5344CB8AC3E}">
-        <p14:creationId xmlns:p14="http://schemas.microsoft.com/office/powerpoint/2010/main" xmlns="" val="400971373"/>
-      </p:ext>
-    </p:extLst>
   </p:cSld>
   <p:clrMapOvr>
     <a:masterClrMapping/>

--- a/Presentation Assignment.pptx
+++ b/Presentation Assignment.pptx
@@ -4,6 +4,9 @@
   <p:sldMasterIdLst>
     <p:sldMasterId id="2147483924" r:id="rId1"/>
   </p:sldMasterIdLst>
+  <p:notesMasterIdLst>
+    <p:notesMasterId r:id="rId28"/>
+  </p:notesMasterIdLst>
   <p:sldIdLst>
     <p:sldId id="256" r:id="rId2"/>
     <p:sldId id="259" r:id="rId3"/>
@@ -15,17 +18,22 @@
     <p:sldId id="294" r:id="rId9"/>
     <p:sldId id="293" r:id="rId10"/>
     <p:sldId id="278" r:id="rId11"/>
-    <p:sldId id="279" r:id="rId12"/>
-    <p:sldId id="267" r:id="rId13"/>
-    <p:sldId id="280" r:id="rId14"/>
-    <p:sldId id="283" r:id="rId15"/>
-    <p:sldId id="281" r:id="rId16"/>
-    <p:sldId id="282" r:id="rId17"/>
-    <p:sldId id="269" r:id="rId18"/>
-    <p:sldId id="275" r:id="rId19"/>
-    <p:sldId id="276" r:id="rId20"/>
-    <p:sldId id="270" r:id="rId21"/>
-    <p:sldId id="271" r:id="rId22"/>
+    <p:sldId id="296" r:id="rId12"/>
+    <p:sldId id="297" r:id="rId13"/>
+    <p:sldId id="279" r:id="rId14"/>
+    <p:sldId id="267" r:id="rId15"/>
+    <p:sldId id="299" r:id="rId16"/>
+    <p:sldId id="304" r:id="rId17"/>
+    <p:sldId id="305" r:id="rId18"/>
+    <p:sldId id="298" r:id="rId19"/>
+    <p:sldId id="280" r:id="rId20"/>
+    <p:sldId id="283" r:id="rId21"/>
+    <p:sldId id="281" r:id="rId22"/>
+    <p:sldId id="282" r:id="rId23"/>
+    <p:sldId id="269" r:id="rId24"/>
+    <p:sldId id="275" r:id="rId25"/>
+    <p:sldId id="276" r:id="rId26"/>
+    <p:sldId id="271" r:id="rId27"/>
   </p:sldIdLst>
   <p:sldSz cx="9144000" cy="6858000" type="screen4x3"/>
   <p:notesSz cx="6858000" cy="9144000"/>
@@ -125,6 +133,561 @@
     </a:lvl9pPr>
   </p:defaultTextStyle>
 </p:presentation>
+</file>
+
+<file path=ppt/notesMasters/notesMaster1.xml><?xml version="1.0" encoding="utf-8"?>
+<p:notesMaster xmlns:a="http://schemas.openxmlformats.org/drawingml/2006/main" xmlns:r="http://schemas.openxmlformats.org/officeDocument/2006/relationships" xmlns:p="http://schemas.openxmlformats.org/presentationml/2006/main">
+  <p:cSld>
+    <p:bg>
+      <p:bgRef idx="1001">
+        <a:schemeClr val="bg1"/>
+      </p:bgRef>
+    </p:bg>
+    <p:spTree>
+      <p:nvGrpSpPr>
+        <p:cNvPr id="1" name=""/>
+        <p:cNvGrpSpPr/>
+        <p:nvPr/>
+      </p:nvGrpSpPr>
+      <p:grpSpPr>
+        <a:xfrm>
+          <a:off x="0" y="0"/>
+          <a:ext cx="0" cy="0"/>
+          <a:chOff x="0" y="0"/>
+          <a:chExt cx="0" cy="0"/>
+        </a:xfrm>
+      </p:grpSpPr>
+      <p:sp>
+        <p:nvSpPr>
+          <p:cNvPr id="2" name="Header Placeholder 1"/>
+          <p:cNvSpPr>
+            <a:spLocks noGrp="1"/>
+          </p:cNvSpPr>
+          <p:nvPr>
+            <p:ph type="hdr" sz="quarter"/>
+          </p:nvPr>
+        </p:nvSpPr>
+        <p:spPr>
+          <a:xfrm>
+            <a:off x="0" y="0"/>
+            <a:ext cx="2971800" cy="457200"/>
+          </a:xfrm>
+          <a:prstGeom prst="rect">
+            <a:avLst/>
+          </a:prstGeom>
+        </p:spPr>
+        <p:txBody>
+          <a:bodyPr vert="horz" lIns="91440" tIns="45720" rIns="91440" bIns="45720" rtlCol="0"/>
+          <a:lstStyle>
+            <a:lvl1pPr algn="l">
+              <a:defRPr sz="1200"/>
+            </a:lvl1pPr>
+          </a:lstStyle>
+          <a:p>
+            <a:endParaRPr lang="en-US"/>
+          </a:p>
+        </p:txBody>
+      </p:sp>
+      <p:sp>
+        <p:nvSpPr>
+          <p:cNvPr id="3" name="Date Placeholder 2"/>
+          <p:cNvSpPr>
+            <a:spLocks noGrp="1"/>
+          </p:cNvSpPr>
+          <p:nvPr>
+            <p:ph type="dt" idx="1"/>
+          </p:nvPr>
+        </p:nvSpPr>
+        <p:spPr>
+          <a:xfrm>
+            <a:off x="3884613" y="0"/>
+            <a:ext cx="2971800" cy="457200"/>
+          </a:xfrm>
+          <a:prstGeom prst="rect">
+            <a:avLst/>
+          </a:prstGeom>
+        </p:spPr>
+        <p:txBody>
+          <a:bodyPr vert="horz" lIns="91440" tIns="45720" rIns="91440" bIns="45720" rtlCol="0"/>
+          <a:lstStyle>
+            <a:lvl1pPr algn="r">
+              <a:defRPr sz="1200"/>
+            </a:lvl1pPr>
+          </a:lstStyle>
+          <a:p>
+            <a:fld id="{D160685C-7729-4F71-928E-BA968E8E0147}" type="datetimeFigureOut">
+              <a:rPr lang="en-US" smtClean="0"/>
+              <a:t>7/25/2025</a:t>
+            </a:fld>
+            <a:endParaRPr lang="en-US"/>
+          </a:p>
+        </p:txBody>
+      </p:sp>
+      <p:sp>
+        <p:nvSpPr>
+          <p:cNvPr id="4" name="Slide Image Placeholder 3"/>
+          <p:cNvSpPr>
+            <a:spLocks noGrp="1" noRot="1" noChangeAspect="1"/>
+          </p:cNvSpPr>
+          <p:nvPr>
+            <p:ph type="sldImg" idx="2"/>
+          </p:nvPr>
+        </p:nvSpPr>
+        <p:spPr>
+          <a:xfrm>
+            <a:off x="1143000" y="685800"/>
+            <a:ext cx="4572000" cy="3429000"/>
+          </a:xfrm>
+          <a:prstGeom prst="rect">
+            <a:avLst/>
+          </a:prstGeom>
+          <a:noFill/>
+          <a:ln w="12700">
+            <a:solidFill>
+              <a:prstClr val="black"/>
+            </a:solidFill>
+          </a:ln>
+        </p:spPr>
+        <p:txBody>
+          <a:bodyPr vert="horz" lIns="91440" tIns="45720" rIns="91440" bIns="45720" rtlCol="0" anchor="ctr"/>
+          <a:lstStyle/>
+          <a:p>
+            <a:endParaRPr lang="en-US"/>
+          </a:p>
+        </p:txBody>
+      </p:sp>
+      <p:sp>
+        <p:nvSpPr>
+          <p:cNvPr id="5" name="Notes Placeholder 4"/>
+          <p:cNvSpPr>
+            <a:spLocks noGrp="1"/>
+          </p:cNvSpPr>
+          <p:nvPr>
+            <p:ph type="body" sz="quarter" idx="3"/>
+          </p:nvPr>
+        </p:nvSpPr>
+        <p:spPr>
+          <a:xfrm>
+            <a:off x="685800" y="4343400"/>
+            <a:ext cx="5486400" cy="4114800"/>
+          </a:xfrm>
+          <a:prstGeom prst="rect">
+            <a:avLst/>
+          </a:prstGeom>
+        </p:spPr>
+        <p:txBody>
+          <a:bodyPr vert="horz" lIns="91440" tIns="45720" rIns="91440" bIns="45720" rtlCol="0">
+            <a:normAutofit/>
+          </a:bodyPr>
+          <a:lstStyle/>
+          <a:p>
+            <a:pPr lvl="0"/>
+            <a:r>
+              <a:rPr lang="en-US" smtClean="0"/>
+              <a:t>Click to edit Master text styles</a:t>
+            </a:r>
+          </a:p>
+          <a:p>
+            <a:pPr lvl="1"/>
+            <a:r>
+              <a:rPr lang="en-US" smtClean="0"/>
+              <a:t>Second level</a:t>
+            </a:r>
+          </a:p>
+          <a:p>
+            <a:pPr lvl="2"/>
+            <a:r>
+              <a:rPr lang="en-US" smtClean="0"/>
+              <a:t>Third level</a:t>
+            </a:r>
+          </a:p>
+          <a:p>
+            <a:pPr lvl="3"/>
+            <a:r>
+              <a:rPr lang="en-US" smtClean="0"/>
+              <a:t>Fourth level</a:t>
+            </a:r>
+          </a:p>
+          <a:p>
+            <a:pPr lvl="4"/>
+            <a:r>
+              <a:rPr lang="en-US" smtClean="0"/>
+              <a:t>Fifth level</a:t>
+            </a:r>
+            <a:endParaRPr lang="en-US"/>
+          </a:p>
+        </p:txBody>
+      </p:sp>
+      <p:sp>
+        <p:nvSpPr>
+          <p:cNvPr id="6" name="Footer Placeholder 5"/>
+          <p:cNvSpPr>
+            <a:spLocks noGrp="1"/>
+          </p:cNvSpPr>
+          <p:nvPr>
+            <p:ph type="ftr" sz="quarter" idx="4"/>
+          </p:nvPr>
+        </p:nvSpPr>
+        <p:spPr>
+          <a:xfrm>
+            <a:off x="0" y="8685213"/>
+            <a:ext cx="2971800" cy="457200"/>
+          </a:xfrm>
+          <a:prstGeom prst="rect">
+            <a:avLst/>
+          </a:prstGeom>
+        </p:spPr>
+        <p:txBody>
+          <a:bodyPr vert="horz" lIns="91440" tIns="45720" rIns="91440" bIns="45720" rtlCol="0" anchor="b"/>
+          <a:lstStyle>
+            <a:lvl1pPr algn="l">
+              <a:defRPr sz="1200"/>
+            </a:lvl1pPr>
+          </a:lstStyle>
+          <a:p>
+            <a:endParaRPr lang="en-US"/>
+          </a:p>
+        </p:txBody>
+      </p:sp>
+      <p:sp>
+        <p:nvSpPr>
+          <p:cNvPr id="7" name="Slide Number Placeholder 6"/>
+          <p:cNvSpPr>
+            <a:spLocks noGrp="1"/>
+          </p:cNvSpPr>
+          <p:nvPr>
+            <p:ph type="sldNum" sz="quarter" idx="5"/>
+          </p:nvPr>
+        </p:nvSpPr>
+        <p:spPr>
+          <a:xfrm>
+            <a:off x="3884613" y="8685213"/>
+            <a:ext cx="2971800" cy="457200"/>
+          </a:xfrm>
+          <a:prstGeom prst="rect">
+            <a:avLst/>
+          </a:prstGeom>
+        </p:spPr>
+        <p:txBody>
+          <a:bodyPr vert="horz" lIns="91440" tIns="45720" rIns="91440" bIns="45720" rtlCol="0" anchor="b"/>
+          <a:lstStyle>
+            <a:lvl1pPr algn="r">
+              <a:defRPr sz="1200"/>
+            </a:lvl1pPr>
+          </a:lstStyle>
+          <a:p>
+            <a:fld id="{BFD3F272-2CAA-4ADE-8207-BC28B799C8EF}" type="slidenum">
+              <a:rPr lang="en-US" smtClean="0"/>
+              <a:t>‹#›</a:t>
+            </a:fld>
+            <a:endParaRPr lang="en-US"/>
+          </a:p>
+        </p:txBody>
+      </p:sp>
+    </p:spTree>
+  </p:cSld>
+  <p:clrMap bg1="lt1" tx1="dk1" bg2="lt2" tx2="dk2" accent1="accent1" accent2="accent2" accent3="accent3" accent4="accent4" accent5="accent5" accent6="accent6" hlink="hlink" folHlink="folHlink"/>
+  <p:notesStyle>
+    <a:lvl1pPr marL="0" algn="l" defTabSz="914400" rtl="0" eaLnBrk="1" latinLnBrk="0" hangingPunct="1">
+      <a:defRPr sz="1200" kern="1200">
+        <a:solidFill>
+          <a:schemeClr val="tx1"/>
+        </a:solidFill>
+        <a:latin typeface="+mn-lt"/>
+        <a:ea typeface="+mn-ea"/>
+        <a:cs typeface="+mn-cs"/>
+      </a:defRPr>
+    </a:lvl1pPr>
+    <a:lvl2pPr marL="457200" algn="l" defTabSz="914400" rtl="0" eaLnBrk="1" latinLnBrk="0" hangingPunct="1">
+      <a:defRPr sz="1200" kern="1200">
+        <a:solidFill>
+          <a:schemeClr val="tx1"/>
+        </a:solidFill>
+        <a:latin typeface="+mn-lt"/>
+        <a:ea typeface="+mn-ea"/>
+        <a:cs typeface="+mn-cs"/>
+      </a:defRPr>
+    </a:lvl2pPr>
+    <a:lvl3pPr marL="914400" algn="l" defTabSz="914400" rtl="0" eaLnBrk="1" latinLnBrk="0" hangingPunct="1">
+      <a:defRPr sz="1200" kern="1200">
+        <a:solidFill>
+          <a:schemeClr val="tx1"/>
+        </a:solidFill>
+        <a:latin typeface="+mn-lt"/>
+        <a:ea typeface="+mn-ea"/>
+        <a:cs typeface="+mn-cs"/>
+      </a:defRPr>
+    </a:lvl3pPr>
+    <a:lvl4pPr marL="1371600" algn="l" defTabSz="914400" rtl="0" eaLnBrk="1" latinLnBrk="0" hangingPunct="1">
+      <a:defRPr sz="1200" kern="1200">
+        <a:solidFill>
+          <a:schemeClr val="tx1"/>
+        </a:solidFill>
+        <a:latin typeface="+mn-lt"/>
+        <a:ea typeface="+mn-ea"/>
+        <a:cs typeface="+mn-cs"/>
+      </a:defRPr>
+    </a:lvl4pPr>
+    <a:lvl5pPr marL="1828800" algn="l" defTabSz="914400" rtl="0" eaLnBrk="1" latinLnBrk="0" hangingPunct="1">
+      <a:defRPr sz="1200" kern="1200">
+        <a:solidFill>
+          <a:schemeClr val="tx1"/>
+        </a:solidFill>
+        <a:latin typeface="+mn-lt"/>
+        <a:ea typeface="+mn-ea"/>
+        <a:cs typeface="+mn-cs"/>
+      </a:defRPr>
+    </a:lvl5pPr>
+    <a:lvl6pPr marL="2286000" algn="l" defTabSz="914400" rtl="0" eaLnBrk="1" latinLnBrk="0" hangingPunct="1">
+      <a:defRPr sz="1200" kern="1200">
+        <a:solidFill>
+          <a:schemeClr val="tx1"/>
+        </a:solidFill>
+        <a:latin typeface="+mn-lt"/>
+        <a:ea typeface="+mn-ea"/>
+        <a:cs typeface="+mn-cs"/>
+      </a:defRPr>
+    </a:lvl6pPr>
+    <a:lvl7pPr marL="2743200" algn="l" defTabSz="914400" rtl="0" eaLnBrk="1" latinLnBrk="0" hangingPunct="1">
+      <a:defRPr sz="1200" kern="1200">
+        <a:solidFill>
+          <a:schemeClr val="tx1"/>
+        </a:solidFill>
+        <a:latin typeface="+mn-lt"/>
+        <a:ea typeface="+mn-ea"/>
+        <a:cs typeface="+mn-cs"/>
+      </a:defRPr>
+    </a:lvl7pPr>
+    <a:lvl8pPr marL="3200400" algn="l" defTabSz="914400" rtl="0" eaLnBrk="1" latinLnBrk="0" hangingPunct="1">
+      <a:defRPr sz="1200" kern="1200">
+        <a:solidFill>
+          <a:schemeClr val="tx1"/>
+        </a:solidFill>
+        <a:latin typeface="+mn-lt"/>
+        <a:ea typeface="+mn-ea"/>
+        <a:cs typeface="+mn-cs"/>
+      </a:defRPr>
+    </a:lvl8pPr>
+    <a:lvl9pPr marL="3657600" algn="l" defTabSz="914400" rtl="0" eaLnBrk="1" latinLnBrk="0" hangingPunct="1">
+      <a:defRPr sz="1200" kern="1200">
+        <a:solidFill>
+          <a:schemeClr val="tx1"/>
+        </a:solidFill>
+        <a:latin typeface="+mn-lt"/>
+        <a:ea typeface="+mn-ea"/>
+        <a:cs typeface="+mn-cs"/>
+      </a:defRPr>
+    </a:lvl9pPr>
+  </p:notesStyle>
+</p:notesMaster>
+</file>
+
+<file path=ppt/notesSlides/notesSlide1.xml><?xml version="1.0" encoding="utf-8"?>
+<p:notes xmlns:a="http://schemas.openxmlformats.org/drawingml/2006/main" xmlns:r="http://schemas.openxmlformats.org/officeDocument/2006/relationships" xmlns:p="http://schemas.openxmlformats.org/presentationml/2006/main" showMasterSp="0" showMasterPhAnim="0">
+  <p:cSld>
+    <p:spTree>
+      <p:nvGrpSpPr>
+        <p:cNvPr id="1" name="Shape 349"/>
+        <p:cNvGrpSpPr/>
+        <p:nvPr/>
+      </p:nvGrpSpPr>
+      <p:grpSpPr>
+        <a:xfrm>
+          <a:off x="0" y="0"/>
+          <a:ext cx="0" cy="0"/>
+          <a:chOff x="0" y="0"/>
+          <a:chExt cx="0" cy="0"/>
+        </a:xfrm>
+      </p:grpSpPr>
+      <p:sp>
+        <p:nvSpPr>
+          <p:cNvPr id="350" name="Google Shape;350;g9016165c4b_2_59:notes"/>
+          <p:cNvSpPr>
+            <a:spLocks noGrp="1" noRot="1" noChangeAspect="1"/>
+          </p:cNvSpPr>
+          <p:nvPr>
+            <p:ph type="sldImg" idx="2"/>
+          </p:nvPr>
+        </p:nvSpPr>
+        <p:spPr>
+          <a:xfrm>
+            <a:off x="1143000" y="685800"/>
+            <a:ext cx="4572000" cy="3429000"/>
+          </a:xfrm>
+          <a:custGeom>
+            <a:avLst/>
+            <a:gdLst/>
+            <a:ahLst/>
+            <a:cxnLst/>
+            <a:rect l="l" t="t" r="r" b="b"/>
+            <a:pathLst>
+              <a:path w="120000" h="120000" extrusionOk="0">
+                <a:moveTo>
+                  <a:pt x="0" y="0"/>
+                </a:moveTo>
+                <a:lnTo>
+                  <a:pt x="120000" y="0"/>
+                </a:lnTo>
+                <a:lnTo>
+                  <a:pt x="120000" y="120000"/>
+                </a:lnTo>
+                <a:lnTo>
+                  <a:pt x="0" y="120000"/>
+                </a:lnTo>
+                <a:close/>
+              </a:path>
+            </a:pathLst>
+          </a:custGeom>
+        </p:spPr>
+      </p:sp>
+      <p:sp>
+        <p:nvSpPr>
+          <p:cNvPr id="351" name="Google Shape;351;g9016165c4b_2_59:notes"/>
+          <p:cNvSpPr txBox="1">
+            <a:spLocks noGrp="1"/>
+          </p:cNvSpPr>
+          <p:nvPr>
+            <p:ph type="body" idx="1"/>
+          </p:nvPr>
+        </p:nvSpPr>
+        <p:spPr>
+          <a:xfrm>
+            <a:off x="685800" y="4343400"/>
+            <a:ext cx="5486400" cy="4114800"/>
+          </a:xfrm>
+          <a:prstGeom prst="rect">
+            <a:avLst/>
+          </a:prstGeom>
+        </p:spPr>
+        <p:txBody>
+          <a:bodyPr spcFirstLastPara="1" wrap="square" lIns="91425" tIns="91425" rIns="91425" bIns="91425" anchor="t" anchorCtr="0">
+            <a:noAutofit/>
+          </a:bodyPr>
+          <a:lstStyle/>
+          <a:p>
+            <a:pPr marL="0" lvl="0" indent="0" algn="l" rtl="0">
+              <a:spcBef>
+                <a:spcPts val="0"/>
+              </a:spcBef>
+              <a:spcAft>
+                <a:spcPts val="0"/>
+              </a:spcAft>
+              <a:buNone/>
+            </a:pPr>
+            <a:endParaRPr/>
+          </a:p>
+        </p:txBody>
+      </p:sp>
+    </p:spTree>
+  </p:cSld>
+  <p:clrMapOvr>
+    <a:masterClrMapping/>
+  </p:clrMapOvr>
+</p:notes>
+</file>
+
+<file path=ppt/notesSlides/notesSlide2.xml><?xml version="1.0" encoding="utf-8"?>
+<p:notes xmlns:a="http://schemas.openxmlformats.org/drawingml/2006/main" xmlns:r="http://schemas.openxmlformats.org/officeDocument/2006/relationships" xmlns:p="http://schemas.openxmlformats.org/presentationml/2006/main" showMasterSp="0" showMasterPhAnim="0">
+  <p:cSld>
+    <p:spTree>
+      <p:nvGrpSpPr>
+        <p:cNvPr id="1" name="Shape 349"/>
+        <p:cNvGrpSpPr/>
+        <p:nvPr/>
+      </p:nvGrpSpPr>
+      <p:grpSpPr>
+        <a:xfrm>
+          <a:off x="0" y="0"/>
+          <a:ext cx="0" cy="0"/>
+          <a:chOff x="0" y="0"/>
+          <a:chExt cx="0" cy="0"/>
+        </a:xfrm>
+      </p:grpSpPr>
+      <p:sp>
+        <p:nvSpPr>
+          <p:cNvPr id="350" name="Google Shape;350;g9016165c4b_2_59:notes"/>
+          <p:cNvSpPr>
+            <a:spLocks noGrp="1" noRot="1" noChangeAspect="1"/>
+          </p:cNvSpPr>
+          <p:nvPr>
+            <p:ph type="sldImg" idx="2"/>
+          </p:nvPr>
+        </p:nvSpPr>
+        <p:spPr>
+          <a:xfrm>
+            <a:off x="1143000" y="685800"/>
+            <a:ext cx="4572000" cy="3429000"/>
+          </a:xfrm>
+          <a:custGeom>
+            <a:avLst/>
+            <a:gdLst/>
+            <a:ahLst/>
+            <a:cxnLst/>
+            <a:rect l="l" t="t" r="r" b="b"/>
+            <a:pathLst>
+              <a:path w="120000" h="120000" extrusionOk="0">
+                <a:moveTo>
+                  <a:pt x="0" y="0"/>
+                </a:moveTo>
+                <a:lnTo>
+                  <a:pt x="120000" y="0"/>
+                </a:lnTo>
+                <a:lnTo>
+                  <a:pt x="120000" y="120000"/>
+                </a:lnTo>
+                <a:lnTo>
+                  <a:pt x="0" y="120000"/>
+                </a:lnTo>
+                <a:close/>
+              </a:path>
+            </a:pathLst>
+          </a:custGeom>
+        </p:spPr>
+      </p:sp>
+      <p:sp>
+        <p:nvSpPr>
+          <p:cNvPr id="351" name="Google Shape;351;g9016165c4b_2_59:notes"/>
+          <p:cNvSpPr txBox="1">
+            <a:spLocks noGrp="1"/>
+          </p:cNvSpPr>
+          <p:nvPr>
+            <p:ph type="body" idx="1"/>
+          </p:nvPr>
+        </p:nvSpPr>
+        <p:spPr>
+          <a:xfrm>
+            <a:off x="685800" y="4343400"/>
+            <a:ext cx="5486400" cy="4114800"/>
+          </a:xfrm>
+          <a:prstGeom prst="rect">
+            <a:avLst/>
+          </a:prstGeom>
+        </p:spPr>
+        <p:txBody>
+          <a:bodyPr spcFirstLastPara="1" wrap="square" lIns="91425" tIns="91425" rIns="91425" bIns="91425" anchor="t" anchorCtr="0">
+            <a:noAutofit/>
+          </a:bodyPr>
+          <a:lstStyle/>
+          <a:p>
+            <a:pPr marL="0" lvl="0" indent="0" algn="l" rtl="0">
+              <a:spcBef>
+                <a:spcPts val="0"/>
+              </a:spcBef>
+              <a:spcAft>
+                <a:spcPts val="0"/>
+              </a:spcAft>
+              <a:buNone/>
+            </a:pPr>
+            <a:endParaRPr/>
+          </a:p>
+        </p:txBody>
+      </p:sp>
+    </p:spTree>
+  </p:cSld>
+  <p:clrMapOvr>
+    <a:masterClrMapping/>
+  </p:clrMapOvr>
+</p:notes>
 </file>
 
 <file path=ppt/slideLayouts/slideLayout1.xml><?xml version="1.0" encoding="utf-8"?>
@@ -4676,14 +5239,6 @@
             <a:bodyPr lIns="180000" rIns="180000" rtlCol="0" anchor="ctr"/>
             <a:lstStyle/>
             <a:p>
-              <a:r>
-                <a:rPr lang="en-US" b="1" dirty="0" smtClean="0"/>
-                <a:t>Interfaces, Generics, </a:t>
-              </a:r>
-              <a:r>
-                <a:rPr lang="en-US" b="1" dirty="0" err="1" smtClean="0"/>
-                <a:t>Enums</a:t>
-              </a:r>
               <a:endParaRPr lang="en-US" b="1" dirty="0" smtClean="0"/>
             </a:p>
           </p:txBody>
@@ -4775,10 +5330,7 @@
             <a:bodyPr lIns="180000" rIns="180000" rtlCol="0" anchor="ctr"/>
             <a:lstStyle/>
             <a:p>
-              <a:r>
-                <a:rPr lang="en-US" b="1" dirty="0" smtClean="0"/>
-                <a:t>Working with Modules &amp; Namespaces</a:t>
-              </a:r>
+              <a:endParaRPr lang="en-US" b="1" dirty="0" smtClean="0"/>
             </a:p>
           </p:txBody>
         </p:sp>
@@ -4894,6 +5446,76 @@
           </a:p>
         </p:txBody>
       </p:sp>
+      <p:sp>
+        <p:nvSpPr>
+          <p:cNvPr id="28" name="Rectangle 27"/>
+          <p:cNvSpPr/>
+          <p:nvPr/>
+        </p:nvSpPr>
+        <p:spPr>
+          <a:xfrm>
+            <a:off x="5029200" y="5334000"/>
+            <a:ext cx="2667000" cy="369332"/>
+          </a:xfrm>
+          <a:prstGeom prst="rect">
+            <a:avLst/>
+          </a:prstGeom>
+        </p:spPr>
+        <p:txBody>
+          <a:bodyPr wrap="square">
+            <a:spAutoFit/>
+          </a:bodyPr>
+          <a:lstStyle/>
+          <a:p>
+            <a:r>
+              <a:rPr lang="en-US" dirty="0" smtClean="0"/>
+              <a:t>Object-Oriented </a:t>
+            </a:r>
+            <a:r>
+              <a:rPr lang="en-US" dirty="0" err="1" smtClean="0"/>
+              <a:t>TypeScript</a:t>
+            </a:r>
+            <a:endParaRPr lang="en-US" dirty="0"/>
+          </a:p>
+        </p:txBody>
+      </p:sp>
+      <p:sp>
+        <p:nvSpPr>
+          <p:cNvPr id="29" name="Rectangle 28"/>
+          <p:cNvSpPr/>
+          <p:nvPr/>
+        </p:nvSpPr>
+        <p:spPr>
+          <a:xfrm>
+            <a:off x="5562600" y="2514600"/>
+            <a:ext cx="2657779" cy="369332"/>
+          </a:xfrm>
+          <a:prstGeom prst="rect">
+            <a:avLst/>
+          </a:prstGeom>
+        </p:spPr>
+        <p:txBody>
+          <a:bodyPr wrap="none">
+            <a:spAutoFit/>
+          </a:bodyPr>
+          <a:lstStyle/>
+          <a:p>
+            <a:r>
+              <a:rPr lang="en-US" dirty="0" smtClean="0"/>
+              <a:t>Advanced </a:t>
+            </a:r>
+            <a:r>
+              <a:rPr lang="en-US" dirty="0" err="1" smtClean="0"/>
+              <a:t>TypeScript</a:t>
+            </a:r>
+            <a:r>
+              <a:rPr lang="en-US" dirty="0" smtClean="0"/>
+              <a:t> Features</a:t>
+            </a:r>
+            <a:endParaRPr lang="en-US" dirty="0"/>
+          </a:p>
+        </p:txBody>
+      </p:sp>
     </p:spTree>
   </p:cSld>
   <p:clrMapOvr>
@@ -4903,6 +5525,1974 @@
 </file>
 
 <file path=ppt/slides/slide11.xml><?xml version="1.0" encoding="utf-8"?>
+<p:sld xmlns:a="http://schemas.openxmlformats.org/drawingml/2006/main" xmlns:r="http://schemas.openxmlformats.org/officeDocument/2006/relationships" xmlns:p="http://schemas.openxmlformats.org/presentationml/2006/main">
+  <p:cSld>
+    <p:spTree>
+      <p:nvGrpSpPr>
+        <p:cNvPr id="1" name=""/>
+        <p:cNvGrpSpPr/>
+        <p:nvPr/>
+      </p:nvGrpSpPr>
+      <p:grpSpPr>
+        <a:xfrm>
+          <a:off x="0" y="0"/>
+          <a:ext cx="0" cy="0"/>
+          <a:chOff x="0" y="0"/>
+          <a:chExt cx="0" cy="0"/>
+        </a:xfrm>
+      </p:grpSpPr>
+      <p:grpSp>
+        <p:nvGrpSpPr>
+          <p:cNvPr id="2" name="Group 50">
+            <a:extLst>
+              <a:ext uri="{FF2B5EF4-FFF2-40B4-BE49-F238E27FC236}">
+                <a16:creationId xmlns:a16="http://schemas.microsoft.com/office/drawing/2014/main" xmlns="" id="{5027BEFB-8A79-855D-742D-84EDA3025239}"/>
+              </a:ext>
+            </a:extLst>
+          </p:cNvPr>
+          <p:cNvGrpSpPr/>
+          <p:nvPr/>
+        </p:nvGrpSpPr>
+        <p:grpSpPr>
+          <a:xfrm>
+            <a:off x="228600" y="1143000"/>
+            <a:ext cx="8574281" cy="5252562"/>
+            <a:chOff x="582622" y="1460235"/>
+            <a:chExt cx="8328347" cy="5010360"/>
+          </a:xfrm>
+        </p:grpSpPr>
+        <p:sp>
+          <p:nvSpPr>
+            <p:cNvPr id="39" name="Rectangle: Rounded Corners 38">
+              <a:extLst>
+                <a:ext uri="{FF2B5EF4-FFF2-40B4-BE49-F238E27FC236}">
+                  <a16:creationId xmlns:a16="http://schemas.microsoft.com/office/drawing/2014/main" xmlns="" id="{1D305874-4998-B916-D3D4-9992B6EE9C42}"/>
+                </a:ext>
+              </a:extLst>
+            </p:cNvPr>
+            <p:cNvSpPr/>
+            <p:nvPr/>
+          </p:nvSpPr>
+          <p:spPr>
+            <a:xfrm>
+              <a:off x="582622" y="1678294"/>
+              <a:ext cx="341209" cy="923306"/>
+            </a:xfrm>
+            <a:prstGeom prst="roundRect">
+              <a:avLst/>
+            </a:prstGeom>
+            <a:solidFill>
+              <a:schemeClr val="accent5">
+                <a:lumMod val="75000"/>
+              </a:schemeClr>
+            </a:solidFill>
+            <a:ln>
+              <a:noFill/>
+            </a:ln>
+          </p:spPr>
+          <p:style>
+            <a:lnRef idx="2">
+              <a:schemeClr val="accent1">
+                <a:shade val="50000"/>
+              </a:schemeClr>
+            </a:lnRef>
+            <a:fillRef idx="1">
+              <a:schemeClr val="accent1"/>
+            </a:fillRef>
+            <a:effectRef idx="0">
+              <a:schemeClr val="accent1"/>
+            </a:effectRef>
+            <a:fontRef idx="minor">
+              <a:schemeClr val="lt1"/>
+            </a:fontRef>
+          </p:style>
+          <p:txBody>
+            <a:bodyPr rtlCol="0" anchor="ctr"/>
+            <a:lstStyle/>
+            <a:p>
+              <a:pPr algn="ctr"/>
+              <a:endParaRPr lang="en-US">
+                <a:latin typeface="Lora" pitchFamily="2" charset="0"/>
+              </a:endParaRPr>
+            </a:p>
+          </p:txBody>
+        </p:sp>
+        <p:sp>
+          <p:nvSpPr>
+            <p:cNvPr id="41" name="Rectangle: Rounded Corners 40">
+              <a:extLst>
+                <a:ext uri="{FF2B5EF4-FFF2-40B4-BE49-F238E27FC236}">
+                  <a16:creationId xmlns:a16="http://schemas.microsoft.com/office/drawing/2014/main" xmlns="" id="{E35CDF5F-E835-4D85-E25A-164A6C92C5D6}"/>
+                </a:ext>
+              </a:extLst>
+            </p:cNvPr>
+            <p:cNvSpPr/>
+            <p:nvPr/>
+          </p:nvSpPr>
+          <p:spPr>
+            <a:xfrm>
+              <a:off x="6429758" y="1661529"/>
+              <a:ext cx="341209" cy="923306"/>
+            </a:xfrm>
+            <a:prstGeom prst="roundRect">
+              <a:avLst/>
+            </a:prstGeom>
+            <a:solidFill>
+              <a:schemeClr val="accent1">
+                <a:lumMod val="75000"/>
+              </a:schemeClr>
+            </a:solidFill>
+            <a:ln>
+              <a:noFill/>
+            </a:ln>
+          </p:spPr>
+          <p:style>
+            <a:lnRef idx="2">
+              <a:schemeClr val="accent1">
+                <a:shade val="50000"/>
+              </a:schemeClr>
+            </a:lnRef>
+            <a:fillRef idx="1">
+              <a:schemeClr val="accent1"/>
+            </a:fillRef>
+            <a:effectRef idx="0">
+              <a:schemeClr val="accent1"/>
+            </a:effectRef>
+            <a:fontRef idx="minor">
+              <a:schemeClr val="lt1"/>
+            </a:fontRef>
+          </p:style>
+          <p:txBody>
+            <a:bodyPr rtlCol="0" anchor="ctr"/>
+            <a:lstStyle/>
+            <a:p>
+              <a:pPr algn="ctr"/>
+              <a:endParaRPr lang="en-US">
+                <a:latin typeface="Lora" pitchFamily="2" charset="0"/>
+              </a:endParaRPr>
+            </a:p>
+          </p:txBody>
+        </p:sp>
+        <p:grpSp>
+          <p:nvGrpSpPr>
+            <p:cNvPr id="4" name="Group 37">
+              <a:extLst>
+                <a:ext uri="{FF2B5EF4-FFF2-40B4-BE49-F238E27FC236}">
+                  <a16:creationId xmlns:a16="http://schemas.microsoft.com/office/drawing/2014/main" xmlns="" id="{CFD25908-2759-804D-3654-08ECCC4B12EC}"/>
+                </a:ext>
+              </a:extLst>
+            </p:cNvPr>
+            <p:cNvGrpSpPr/>
+            <p:nvPr/>
+          </p:nvGrpSpPr>
+          <p:grpSpPr>
+            <a:xfrm>
+              <a:off x="656636" y="1460235"/>
+              <a:ext cx="8254333" cy="4986249"/>
+              <a:chOff x="656636" y="1460235"/>
+              <a:chExt cx="8254333" cy="4986249"/>
+            </a:xfrm>
+          </p:grpSpPr>
+          <p:grpSp>
+            <p:nvGrpSpPr>
+              <p:cNvPr id="6" name="Google Shape;834;p25">
+                <a:extLst>
+                  <a:ext uri="{FF2B5EF4-FFF2-40B4-BE49-F238E27FC236}">
+                    <a16:creationId xmlns:a16="http://schemas.microsoft.com/office/drawing/2014/main" xmlns="" id="{E58689CA-0E69-E8F6-41D5-9DEB4F68393D}"/>
+                  </a:ext>
+                </a:extLst>
+              </p:cNvPr>
+              <p:cNvGrpSpPr/>
+              <p:nvPr/>
+            </p:nvGrpSpPr>
+            <p:grpSpPr>
+              <a:xfrm>
+                <a:off x="656636" y="1460235"/>
+                <a:ext cx="2481212" cy="4986249"/>
+                <a:chOff x="741690" y="1214500"/>
+                <a:chExt cx="1749600" cy="3516000"/>
+              </a:xfrm>
+            </p:grpSpPr>
+            <p:sp>
+              <p:nvSpPr>
+                <p:cNvPr id="3" name="Google Shape;835;p25">
+                  <a:extLst>
+                    <a:ext uri="{FF2B5EF4-FFF2-40B4-BE49-F238E27FC236}">
+                      <a16:creationId xmlns:a16="http://schemas.microsoft.com/office/drawing/2014/main" xmlns="" id="{637BD73E-2268-048A-8BEF-A172BB2F47F1}"/>
+                    </a:ext>
+                  </a:extLst>
+                </p:cNvPr>
+                <p:cNvSpPr/>
+                <p:nvPr/>
+              </p:nvSpPr>
+              <p:spPr>
+                <a:xfrm>
+                  <a:off x="809799" y="1214500"/>
+                  <a:ext cx="1654175" cy="3516000"/>
+                </a:xfrm>
+                <a:prstGeom prst="roundRect">
+                  <a:avLst>
+                    <a:gd name="adj" fmla="val 16667"/>
+                  </a:avLst>
+                </a:prstGeom>
+                <a:solidFill>
+                  <a:schemeClr val="bg2">
+                    <a:lumMod val="90000"/>
+                  </a:schemeClr>
+                </a:solidFill>
+                <a:ln>
+                  <a:noFill/>
+                </a:ln>
+              </p:spPr>
+              <p:txBody>
+                <a:bodyPr spcFirstLastPara="1" wrap="square" lIns="91425" tIns="91425" rIns="91425" bIns="91425" anchor="ctr" anchorCtr="0">
+                  <a:noAutofit/>
+                </a:bodyPr>
+                <a:lstStyle/>
+                <a:p>
+                  <a:pPr marL="0" lvl="0" indent="0" algn="l" rtl="0">
+                    <a:spcBef>
+                      <a:spcPts val="0"/>
+                    </a:spcBef>
+                    <a:spcAft>
+                      <a:spcPts val="0"/>
+                    </a:spcAft>
+                    <a:buNone/>
+                  </a:pPr>
+                  <a:endParaRPr dirty="0">
+                    <a:latin typeface="Lora" pitchFamily="2" charset="0"/>
+                  </a:endParaRPr>
+                </a:p>
+              </p:txBody>
+            </p:sp>
+            <p:sp>
+              <p:nvSpPr>
+                <p:cNvPr id="7" name="Google Shape;841;p25">
+                  <a:extLst>
+                    <a:ext uri="{FF2B5EF4-FFF2-40B4-BE49-F238E27FC236}">
+                      <a16:creationId xmlns:a16="http://schemas.microsoft.com/office/drawing/2014/main" xmlns="" id="{F861D418-825D-CA51-D18C-0856AC73DC53}"/>
+                    </a:ext>
+                  </a:extLst>
+                </p:cNvPr>
+                <p:cNvSpPr/>
+                <p:nvPr/>
+              </p:nvSpPr>
+              <p:spPr>
+                <a:xfrm>
+                  <a:off x="741690" y="1522024"/>
+                  <a:ext cx="1749600" cy="422400"/>
+                </a:xfrm>
+                <a:prstGeom prst="homePlate">
+                  <a:avLst>
+                    <a:gd name="adj" fmla="val 50000"/>
+                  </a:avLst>
+                </a:prstGeom>
+                <a:solidFill>
+                  <a:schemeClr val="accent5"/>
+                </a:solidFill>
+                <a:ln w="38100" cap="flat" cmpd="sng">
+                  <a:noFill/>
+                  <a:prstDash val="solid"/>
+                  <a:round/>
+                  <a:headEnd type="none" w="sm" len="sm"/>
+                  <a:tailEnd type="none" w="sm" len="sm"/>
+                </a:ln>
+              </p:spPr>
+              <p:txBody>
+                <a:bodyPr spcFirstLastPara="1" wrap="square" lIns="91425" tIns="91425" rIns="91425" bIns="91425" anchor="ctr" anchorCtr="0">
+                  <a:noAutofit/>
+                </a:bodyPr>
+                <a:lstStyle/>
+                <a:p>
+                  <a:pPr lvl="0" algn="ctr"/>
+                  <a:r>
+                    <a:rPr lang="en-US" sz="2400" b="1" dirty="0" smtClean="0">
+                      <a:solidFill>
+                        <a:schemeClr val="bg1"/>
+                      </a:solidFill>
+                      <a:latin typeface="Lora" pitchFamily="2" charset="0"/>
+                    </a:rPr>
+                    <a:t>Union</a:t>
+                  </a:r>
+                  <a:r>
+                    <a:rPr lang="en-US" sz="2400" b="1" dirty="0" smtClean="0"/>
+                    <a:t> </a:t>
+                  </a:r>
+                  <a:endParaRPr sz="2400" b="1" dirty="0">
+                    <a:solidFill>
+                      <a:schemeClr val="bg1"/>
+                    </a:solidFill>
+                    <a:latin typeface="Lora" pitchFamily="2" charset="0"/>
+                  </a:endParaRPr>
+                </a:p>
+              </p:txBody>
+            </p:sp>
+          </p:grpSp>
+          <p:grpSp>
+            <p:nvGrpSpPr>
+              <p:cNvPr id="8" name="Google Shape;834;p25">
+                <a:extLst>
+                  <a:ext uri="{FF2B5EF4-FFF2-40B4-BE49-F238E27FC236}">
+                    <a16:creationId xmlns:a16="http://schemas.microsoft.com/office/drawing/2014/main" xmlns="" id="{47ECE785-C8B5-6E74-1486-01BC230FB749}"/>
+                  </a:ext>
+                </a:extLst>
+              </p:cNvPr>
+              <p:cNvGrpSpPr/>
+              <p:nvPr/>
+            </p:nvGrpSpPr>
+            <p:grpSpPr>
+              <a:xfrm>
+                <a:off x="3617211" y="1460235"/>
+                <a:ext cx="2481212" cy="4986249"/>
+                <a:chOff x="776401" y="1214500"/>
+                <a:chExt cx="1749600" cy="3516000"/>
+              </a:xfrm>
+            </p:grpSpPr>
+            <p:sp>
+              <p:nvSpPr>
+                <p:cNvPr id="12" name="Google Shape;835;p25">
+                  <a:extLst>
+                    <a:ext uri="{FF2B5EF4-FFF2-40B4-BE49-F238E27FC236}">
+                      <a16:creationId xmlns:a16="http://schemas.microsoft.com/office/drawing/2014/main" xmlns="" id="{187392CF-CA02-192A-576E-7269988A74E0}"/>
+                    </a:ext>
+                  </a:extLst>
+                </p:cNvPr>
+                <p:cNvSpPr/>
+                <p:nvPr/>
+              </p:nvSpPr>
+              <p:spPr>
+                <a:xfrm>
+                  <a:off x="809799" y="1214500"/>
+                  <a:ext cx="1688886" cy="3516000"/>
+                </a:xfrm>
+                <a:prstGeom prst="roundRect">
+                  <a:avLst>
+                    <a:gd name="adj" fmla="val 16667"/>
+                  </a:avLst>
+                </a:prstGeom>
+                <a:solidFill>
+                  <a:schemeClr val="bg2">
+                    <a:lumMod val="90000"/>
+                  </a:schemeClr>
+                </a:solidFill>
+                <a:ln>
+                  <a:noFill/>
+                </a:ln>
+              </p:spPr>
+              <p:txBody>
+                <a:bodyPr spcFirstLastPara="1" wrap="square" lIns="91425" tIns="91425" rIns="91425" bIns="91425" anchor="ctr" anchorCtr="0">
+                  <a:noAutofit/>
+                </a:bodyPr>
+                <a:lstStyle/>
+                <a:p>
+                  <a:pPr marL="0" lvl="0" indent="0" algn="l" rtl="0">
+                    <a:spcBef>
+                      <a:spcPts val="0"/>
+                    </a:spcBef>
+                    <a:spcAft>
+                      <a:spcPts val="0"/>
+                    </a:spcAft>
+                    <a:buNone/>
+                  </a:pPr>
+                  <a:endParaRPr>
+                    <a:latin typeface="Lora" pitchFamily="2" charset="0"/>
+                  </a:endParaRPr>
+                </a:p>
+              </p:txBody>
+            </p:sp>
+            <p:sp>
+              <p:nvSpPr>
+                <p:cNvPr id="36" name="Google Shape;841;p25">
+                  <a:extLst>
+                    <a:ext uri="{FF2B5EF4-FFF2-40B4-BE49-F238E27FC236}">
+                      <a16:creationId xmlns:a16="http://schemas.microsoft.com/office/drawing/2014/main" xmlns="" id="{B31450F9-5B6D-7D88-4414-4DDE34C369DC}"/>
+                    </a:ext>
+                  </a:extLst>
+                </p:cNvPr>
+                <p:cNvSpPr/>
+                <p:nvPr/>
+              </p:nvSpPr>
+              <p:spPr>
+                <a:xfrm>
+                  <a:off x="776401" y="1470770"/>
+                  <a:ext cx="1749600" cy="422400"/>
+                </a:xfrm>
+                <a:prstGeom prst="homePlate">
+                  <a:avLst>
+                    <a:gd name="adj" fmla="val 50000"/>
+                  </a:avLst>
+                </a:prstGeom>
+                <a:solidFill>
+                  <a:schemeClr val="accent3"/>
+                </a:solidFill>
+                <a:ln w="38100" cap="flat" cmpd="sng">
+                  <a:noFill/>
+                  <a:prstDash val="solid"/>
+                  <a:round/>
+                  <a:headEnd type="none" w="sm" len="sm"/>
+                  <a:tailEnd type="none" w="sm" len="sm"/>
+                </a:ln>
+              </p:spPr>
+              <p:txBody>
+                <a:bodyPr spcFirstLastPara="1" wrap="square" lIns="91425" tIns="91425" rIns="91425" bIns="91425" anchor="ctr" anchorCtr="0">
+                  <a:noAutofit/>
+                </a:bodyPr>
+                <a:lstStyle/>
+                <a:p>
+                  <a:pPr lvl="0" algn="ctr"/>
+                  <a:r>
+                    <a:rPr lang="en-US" sz="2400" b="1" dirty="0" smtClean="0">
+                      <a:solidFill>
+                        <a:schemeClr val="bg1"/>
+                      </a:solidFill>
+                      <a:latin typeface="Lora" pitchFamily="2" charset="0"/>
+                    </a:rPr>
+                    <a:t>Intersection</a:t>
+                  </a:r>
+                  <a:r>
+                    <a:rPr lang="en-US" sz="2400" b="1" dirty="0" smtClean="0"/>
+                    <a:t> </a:t>
+                  </a:r>
+                  <a:endParaRPr sz="2400" b="1" dirty="0">
+                    <a:solidFill>
+                      <a:schemeClr val="bg1"/>
+                    </a:solidFill>
+                    <a:latin typeface="Lora" pitchFamily="2" charset="0"/>
+                  </a:endParaRPr>
+                </a:p>
+              </p:txBody>
+            </p:sp>
+          </p:grpSp>
+          <p:grpSp>
+            <p:nvGrpSpPr>
+              <p:cNvPr id="9" name="Google Shape;834;p25">
+                <a:extLst>
+                  <a:ext uri="{FF2B5EF4-FFF2-40B4-BE49-F238E27FC236}">
+                    <a16:creationId xmlns:a16="http://schemas.microsoft.com/office/drawing/2014/main" xmlns="" id="{9B48EE92-EBD0-CBBB-23EF-64FFFF1F944A}"/>
+                  </a:ext>
+                </a:extLst>
+              </p:cNvPr>
+              <p:cNvGrpSpPr/>
+              <p:nvPr/>
+            </p:nvGrpSpPr>
+            <p:grpSpPr>
+              <a:xfrm>
+                <a:off x="6429757" y="1460235"/>
+                <a:ext cx="2481212" cy="4986249"/>
+                <a:chOff x="706730" y="1214500"/>
+                <a:chExt cx="1749600" cy="3516000"/>
+              </a:xfrm>
+            </p:grpSpPr>
+            <p:sp>
+              <p:nvSpPr>
+                <p:cNvPr id="21" name="Google Shape;835;p25">
+                  <a:extLst>
+                    <a:ext uri="{FF2B5EF4-FFF2-40B4-BE49-F238E27FC236}">
+                      <a16:creationId xmlns:a16="http://schemas.microsoft.com/office/drawing/2014/main" xmlns="" id="{C9D2F8AF-86D7-62DC-5BA6-F5DC83D8A515}"/>
+                    </a:ext>
+                  </a:extLst>
+                </p:cNvPr>
+                <p:cNvSpPr/>
+                <p:nvPr/>
+              </p:nvSpPr>
+              <p:spPr>
+                <a:xfrm>
+                  <a:off x="809800" y="1214500"/>
+                  <a:ext cx="1619215" cy="3516000"/>
+                </a:xfrm>
+                <a:prstGeom prst="roundRect">
+                  <a:avLst>
+                    <a:gd name="adj" fmla="val 16667"/>
+                  </a:avLst>
+                </a:prstGeom>
+                <a:solidFill>
+                  <a:schemeClr val="bg2">
+                    <a:lumMod val="90000"/>
+                  </a:schemeClr>
+                </a:solidFill>
+                <a:ln>
+                  <a:noFill/>
+                </a:ln>
+              </p:spPr>
+              <p:txBody>
+                <a:bodyPr spcFirstLastPara="1" wrap="square" lIns="91425" tIns="91425" rIns="91425" bIns="91425" anchor="ctr" anchorCtr="0">
+                  <a:noAutofit/>
+                </a:bodyPr>
+                <a:lstStyle/>
+                <a:p>
+                  <a:pPr marL="0" lvl="0" indent="0" algn="l" rtl="0">
+                    <a:spcBef>
+                      <a:spcPts val="0"/>
+                    </a:spcBef>
+                    <a:spcAft>
+                      <a:spcPts val="0"/>
+                    </a:spcAft>
+                    <a:buNone/>
+                  </a:pPr>
+                  <a:endParaRPr>
+                    <a:latin typeface="Lora" pitchFamily="2" charset="0"/>
+                  </a:endParaRPr>
+                </a:p>
+              </p:txBody>
+            </p:sp>
+            <p:sp>
+              <p:nvSpPr>
+                <p:cNvPr id="25" name="Google Shape;841;p25">
+                  <a:extLst>
+                    <a:ext uri="{FF2B5EF4-FFF2-40B4-BE49-F238E27FC236}">
+                      <a16:creationId xmlns:a16="http://schemas.microsoft.com/office/drawing/2014/main" xmlns="" id="{F52E2E98-1C3C-7BC4-46EB-8AAA120DCA58}"/>
+                    </a:ext>
+                  </a:extLst>
+                </p:cNvPr>
+                <p:cNvSpPr/>
+                <p:nvPr/>
+              </p:nvSpPr>
+              <p:spPr>
+                <a:xfrm>
+                  <a:off x="706730" y="1470770"/>
+                  <a:ext cx="1749600" cy="422400"/>
+                </a:xfrm>
+                <a:prstGeom prst="homePlate">
+                  <a:avLst>
+                    <a:gd name="adj" fmla="val 50000"/>
+                  </a:avLst>
+                </a:prstGeom>
+                <a:solidFill>
+                  <a:schemeClr val="accent1"/>
+                </a:solidFill>
+                <a:ln w="38100" cap="flat" cmpd="sng">
+                  <a:noFill/>
+                  <a:prstDash val="solid"/>
+                  <a:round/>
+                  <a:headEnd type="none" w="sm" len="sm"/>
+                  <a:tailEnd type="none" w="sm" len="sm"/>
+                </a:ln>
+              </p:spPr>
+              <p:txBody>
+                <a:bodyPr spcFirstLastPara="1" wrap="square" lIns="91425" tIns="91425" rIns="91425" bIns="91425" anchor="ctr" anchorCtr="0">
+                  <a:noAutofit/>
+                </a:bodyPr>
+                <a:lstStyle/>
+                <a:p>
+                  <a:pPr lvl="0" algn="ctr"/>
+                  <a:r>
+                    <a:rPr lang="en-US" sz="2400" b="1" dirty="0" smtClean="0">
+                      <a:solidFill>
+                        <a:schemeClr val="bg1"/>
+                      </a:solidFill>
+                      <a:latin typeface="Lora" pitchFamily="2" charset="0"/>
+                    </a:rPr>
+                    <a:t>Mapped</a:t>
+                  </a:r>
+                  <a:r>
+                    <a:rPr lang="en-US" sz="2400" b="1" dirty="0" smtClean="0"/>
+                    <a:t> </a:t>
+                  </a:r>
+                  <a:endParaRPr sz="2400" b="1" dirty="0">
+                    <a:solidFill>
+                      <a:schemeClr val="bg1"/>
+                    </a:solidFill>
+                    <a:latin typeface="Lora" pitchFamily="2" charset="0"/>
+                  </a:endParaRPr>
+                </a:p>
+              </p:txBody>
+            </p:sp>
+          </p:grpSp>
+        </p:grpSp>
+        <p:sp>
+          <p:nvSpPr>
+            <p:cNvPr id="48" name="Rectangle 47">
+              <a:extLst>
+                <a:ext uri="{FF2B5EF4-FFF2-40B4-BE49-F238E27FC236}">
+                  <a16:creationId xmlns:a16="http://schemas.microsoft.com/office/drawing/2014/main" xmlns="" id="{BD4B8461-6BC1-973A-6121-3F596C491DA2}"/>
+                </a:ext>
+              </a:extLst>
+            </p:cNvPr>
+            <p:cNvSpPr/>
+            <p:nvPr/>
+          </p:nvSpPr>
+          <p:spPr>
+            <a:xfrm>
+              <a:off x="6581679" y="2477844"/>
+              <a:ext cx="2134404" cy="3992751"/>
+            </a:xfrm>
+            <a:prstGeom prst="rect">
+              <a:avLst/>
+            </a:prstGeom>
+          </p:spPr>
+          <p:txBody>
+            <a:bodyPr wrap="square">
+              <a:spAutoFit/>
+            </a:bodyPr>
+            <a:lstStyle/>
+            <a:p>
+              <a:r>
+                <a:rPr lang="en-US" sz="1400" dirty="0" smtClean="0"/>
+                <a:t>Create new types by transforming properties of existing types</a:t>
+              </a:r>
+            </a:p>
+            <a:p>
+              <a:r>
+                <a:rPr lang="en-US" sz="1400" dirty="0" smtClean="0"/>
+                <a:t>Common for making properties </a:t>
+              </a:r>
+              <a:r>
+                <a:rPr lang="en-US" sz="1400" dirty="0" err="1" smtClean="0"/>
+                <a:t>readonly</a:t>
+              </a:r>
+              <a:r>
+                <a:rPr lang="en-US" sz="1400" dirty="0" smtClean="0"/>
+                <a:t>, optional, etc.</a:t>
+              </a:r>
+            </a:p>
+            <a:p>
+              <a:r>
+                <a:rPr lang="en-US" sz="1400" dirty="0" smtClean="0"/>
+                <a:t>type </a:t>
+              </a:r>
+              <a:r>
+                <a:rPr lang="en-US" sz="1400" dirty="0" err="1" smtClean="0"/>
+                <a:t>Readonly</a:t>
+              </a:r>
+              <a:r>
+                <a:rPr lang="en-US" sz="1400" dirty="0" smtClean="0"/>
+                <a:t>&lt;T&gt; = {</a:t>
+              </a:r>
+            </a:p>
+            <a:p>
+              <a:r>
+                <a:rPr lang="en-US" sz="1400" dirty="0" smtClean="0"/>
+                <a:t>  </a:t>
+              </a:r>
+              <a:r>
+                <a:rPr lang="en-US" sz="1400" dirty="0" err="1" smtClean="0"/>
+                <a:t>readonly</a:t>
+              </a:r>
+              <a:r>
+                <a:rPr lang="en-US" sz="1400" dirty="0" smtClean="0"/>
+                <a:t> [K in </a:t>
+              </a:r>
+              <a:r>
+                <a:rPr lang="en-US" sz="1400" dirty="0" err="1" smtClean="0"/>
+                <a:t>keyof</a:t>
+              </a:r>
+              <a:r>
+                <a:rPr lang="en-US" sz="1400" dirty="0" smtClean="0"/>
+                <a:t> T]: T[K];</a:t>
+              </a:r>
+            </a:p>
+            <a:p>
+              <a:r>
+                <a:rPr lang="en-US" sz="1400" dirty="0" smtClean="0"/>
+                <a:t>};</a:t>
+              </a:r>
+              <a:endParaRPr lang="en-US" sz="1400" dirty="0" smtClean="0"/>
+            </a:p>
+            <a:p>
+              <a:r>
+                <a:rPr lang="en-US" sz="1400" dirty="0" smtClean="0"/>
+                <a:t>interface User {</a:t>
+              </a:r>
+            </a:p>
+            <a:p>
+              <a:r>
+                <a:rPr lang="en-US" sz="1400" dirty="0" smtClean="0"/>
+                <a:t>  name: string;</a:t>
+              </a:r>
+            </a:p>
+            <a:p>
+              <a:r>
+                <a:rPr lang="en-US" sz="1400" dirty="0" smtClean="0"/>
+                <a:t>  age: number;</a:t>
+              </a:r>
+            </a:p>
+            <a:p>
+              <a:r>
+                <a:rPr lang="en-US" sz="1400" dirty="0" smtClean="0"/>
+                <a:t>}</a:t>
+              </a:r>
+              <a:endParaRPr lang="en-US" sz="1400" dirty="0" smtClean="0"/>
+            </a:p>
+            <a:p>
+              <a:r>
+                <a:rPr lang="en-US" sz="1400" dirty="0" smtClean="0"/>
+                <a:t>const </a:t>
+              </a:r>
+              <a:r>
+                <a:rPr lang="en-US" sz="1400" dirty="0" err="1" smtClean="0"/>
+                <a:t>readonlyUser</a:t>
+              </a:r>
+              <a:r>
+                <a:rPr lang="en-US" sz="1400" dirty="0" smtClean="0"/>
+                <a:t>: </a:t>
+              </a:r>
+              <a:r>
+                <a:rPr lang="en-US" sz="1400" dirty="0" err="1" smtClean="0"/>
+                <a:t>Readonly</a:t>
+              </a:r>
+              <a:r>
+                <a:rPr lang="en-US" sz="1400" dirty="0" smtClean="0"/>
+                <a:t>&lt;User&gt; = { name: "John", age: 30 };</a:t>
+              </a:r>
+            </a:p>
+            <a:p>
+              <a:r>
+                <a:rPr lang="en-US" sz="1400" dirty="0" smtClean="0"/>
+                <a:t>// </a:t>
+              </a:r>
+              <a:r>
+                <a:rPr lang="en-US" sz="1400" dirty="0" err="1" smtClean="0"/>
+                <a:t>readonlyUser.age</a:t>
+              </a:r>
+              <a:r>
+                <a:rPr lang="en-US" sz="1400" dirty="0" smtClean="0"/>
+                <a:t> = 31; ❌ Error: Cannot assign to 'age'</a:t>
+              </a:r>
+            </a:p>
+            <a:p>
+              <a:endParaRPr lang="en-US" sz="1400" dirty="0"/>
+            </a:p>
+          </p:txBody>
+        </p:sp>
+        <p:sp>
+          <p:nvSpPr>
+            <p:cNvPr id="38" name="Rectangle: Rounded Corners 39">
+              <a:extLst>
+                <a:ext uri="{FF2B5EF4-FFF2-40B4-BE49-F238E27FC236}">
+                  <a16:creationId xmlns:a16="http://schemas.microsoft.com/office/drawing/2014/main" xmlns="" id="{90ACD414-60C4-A622-7CA7-A12C42383452}"/>
+                </a:ext>
+              </a:extLst>
+            </p:cNvPr>
+            <p:cNvSpPr/>
+            <p:nvPr/>
+          </p:nvSpPr>
+          <p:spPr>
+            <a:xfrm>
+              <a:off x="3469182" y="1638887"/>
+              <a:ext cx="341209" cy="923306"/>
+            </a:xfrm>
+            <a:prstGeom prst="roundRect">
+              <a:avLst/>
+            </a:prstGeom>
+            <a:solidFill>
+              <a:schemeClr val="accent3">
+                <a:lumMod val="75000"/>
+              </a:schemeClr>
+            </a:solidFill>
+            <a:ln>
+              <a:noFill/>
+            </a:ln>
+          </p:spPr>
+          <p:style>
+            <a:lnRef idx="2">
+              <a:schemeClr val="accent1">
+                <a:shade val="50000"/>
+              </a:schemeClr>
+            </a:lnRef>
+            <a:fillRef idx="1">
+              <a:schemeClr val="accent1"/>
+            </a:fillRef>
+            <a:effectRef idx="0">
+              <a:schemeClr val="accent1"/>
+            </a:effectRef>
+            <a:fontRef idx="minor">
+              <a:schemeClr val="lt1"/>
+            </a:fontRef>
+          </p:style>
+          <p:txBody>
+            <a:bodyPr rtlCol="0" anchor="ctr"/>
+            <a:lstStyle/>
+            <a:p>
+              <a:pPr algn="ctr"/>
+              <a:endParaRPr lang="en-US">
+                <a:latin typeface="Lora" pitchFamily="2" charset="0"/>
+              </a:endParaRPr>
+            </a:p>
+          </p:txBody>
+        </p:sp>
+      </p:grpSp>
+      <p:sp>
+        <p:nvSpPr>
+          <p:cNvPr id="33" name="Title 1"/>
+          <p:cNvSpPr txBox="1">
+            <a:spLocks/>
+          </p:cNvSpPr>
+          <p:nvPr/>
+        </p:nvSpPr>
+        <p:spPr>
+          <a:xfrm>
+            <a:off x="914400" y="274638"/>
+            <a:ext cx="7772400" cy="1143000"/>
+          </a:xfrm>
+          <a:prstGeom prst="rect">
+            <a:avLst/>
+          </a:prstGeom>
+        </p:spPr>
+        <p:txBody>
+          <a:bodyPr/>
+          <a:lstStyle/>
+          <a:p>
+            <a:r>
+              <a:rPr lang="en-US" sz="4000" dirty="0" smtClean="0"/>
+              <a:t>Advanced </a:t>
+            </a:r>
+            <a:r>
+              <a:rPr lang="en-US" sz="4000" dirty="0" err="1" smtClean="0"/>
+              <a:t>TypeScript</a:t>
+            </a:r>
+            <a:r>
+              <a:rPr lang="en-US" sz="4000" dirty="0" smtClean="0"/>
+              <a:t> Features</a:t>
+            </a:r>
+            <a:endParaRPr lang="en-US" sz="4000" dirty="0"/>
+          </a:p>
+        </p:txBody>
+      </p:sp>
+      <p:sp>
+        <p:nvSpPr>
+          <p:cNvPr id="51" name="Rectangle 50">
+            <a:extLst>
+              <a:ext uri="{FF2B5EF4-FFF2-40B4-BE49-F238E27FC236}">
+                <a16:creationId xmlns:a16="http://schemas.microsoft.com/office/drawing/2014/main" xmlns="" id="{E048FFF9-8472-A562-0742-B45B57D0BAD3}"/>
+              </a:ext>
+            </a:extLst>
+          </p:cNvPr>
+          <p:cNvSpPr/>
+          <p:nvPr/>
+        </p:nvSpPr>
+        <p:spPr>
+          <a:xfrm>
+            <a:off x="404242" y="2286001"/>
+            <a:ext cx="2197432" cy="2462213"/>
+          </a:xfrm>
+          <a:prstGeom prst="rect">
+            <a:avLst/>
+          </a:prstGeom>
+        </p:spPr>
+        <p:txBody>
+          <a:bodyPr wrap="square">
+            <a:spAutoFit/>
+          </a:bodyPr>
+          <a:lstStyle/>
+          <a:p>
+            <a:r>
+              <a:rPr lang="en-US" sz="1400" dirty="0" smtClean="0"/>
+              <a:t>A union type allows a value to be one of several types. It's useful when a variable could hold different types of values</a:t>
+            </a:r>
+            <a:r>
+              <a:rPr lang="en-US" sz="1400" dirty="0" smtClean="0"/>
+              <a:t>.</a:t>
+            </a:r>
+          </a:p>
+          <a:p>
+            <a:r>
+              <a:rPr lang="en-US" sz="1400" dirty="0" smtClean="0"/>
+              <a:t>function </a:t>
+            </a:r>
+            <a:r>
+              <a:rPr lang="en-US" sz="1400" dirty="0" err="1" smtClean="0"/>
+              <a:t>printId</a:t>
+            </a:r>
+            <a:r>
+              <a:rPr lang="en-US" sz="1400" dirty="0" smtClean="0"/>
+              <a:t>(id: number | string) {</a:t>
+            </a:r>
+          </a:p>
+          <a:p>
+            <a:r>
+              <a:rPr lang="en-US" sz="1400" dirty="0" smtClean="0"/>
+              <a:t>  console.log("ID: " + id);</a:t>
+            </a:r>
+          </a:p>
+          <a:p>
+            <a:r>
+              <a:rPr lang="en-US" sz="1400" dirty="0" smtClean="0"/>
+              <a:t>}</a:t>
+            </a:r>
+          </a:p>
+          <a:p>
+            <a:r>
+              <a:rPr lang="en-US" sz="1400" dirty="0" smtClean="0"/>
+              <a:t> </a:t>
+            </a:r>
+          </a:p>
+          <a:p>
+            <a:r>
+              <a:rPr lang="en-US" sz="1400" dirty="0" err="1" smtClean="0"/>
+              <a:t>printId</a:t>
+            </a:r>
+            <a:r>
+              <a:rPr lang="en-US" sz="1400" dirty="0" smtClean="0"/>
+              <a:t>(101);</a:t>
+            </a:r>
+          </a:p>
+          <a:p>
+            <a:r>
+              <a:rPr lang="en-US" sz="1400" dirty="0" err="1" smtClean="0"/>
+              <a:t>printId</a:t>
+            </a:r>
+            <a:r>
+              <a:rPr lang="en-US" sz="1400" dirty="0" smtClean="0"/>
+              <a:t>("A102</a:t>
+            </a:r>
+            <a:r>
+              <a:rPr lang="en-US" sz="1400" dirty="0" smtClean="0"/>
+              <a:t>");</a:t>
+            </a:r>
+            <a:endParaRPr lang="en-US" sz="1400" dirty="0" smtClean="0"/>
+          </a:p>
+        </p:txBody>
+      </p:sp>
+      <p:sp>
+        <p:nvSpPr>
+          <p:cNvPr id="52" name="Rectangle 51">
+            <a:extLst>
+              <a:ext uri="{FF2B5EF4-FFF2-40B4-BE49-F238E27FC236}">
+                <a16:creationId xmlns:a16="http://schemas.microsoft.com/office/drawing/2014/main" xmlns="" id="{554FE737-6CE8-841A-174E-18F96242AA08}"/>
+              </a:ext>
+            </a:extLst>
+          </p:cNvPr>
+          <p:cNvSpPr/>
+          <p:nvPr/>
+        </p:nvSpPr>
+        <p:spPr>
+          <a:xfrm>
+            <a:off x="3530374" y="2209801"/>
+            <a:ext cx="1945734" cy="5047536"/>
+          </a:xfrm>
+          <a:prstGeom prst="rect">
+            <a:avLst/>
+          </a:prstGeom>
+        </p:spPr>
+        <p:txBody>
+          <a:bodyPr wrap="square">
+            <a:spAutoFit/>
+          </a:bodyPr>
+          <a:lstStyle/>
+          <a:p>
+            <a:r>
+              <a:rPr lang="en-US" sz="1400" dirty="0" smtClean="0"/>
+              <a:t>An intersection type combines multiple types into one. It represents a type that satisfies all the combined types</a:t>
+            </a:r>
+            <a:r>
+              <a:rPr lang="en-US" sz="1400" dirty="0" smtClean="0"/>
+              <a:t>.</a:t>
+            </a:r>
+          </a:p>
+          <a:p>
+            <a:r>
+              <a:rPr lang="en-US" sz="1400" dirty="0" smtClean="0"/>
+              <a:t>type Admin = {</a:t>
+            </a:r>
+          </a:p>
+          <a:p>
+            <a:r>
+              <a:rPr lang="en-US" sz="1400" dirty="0" smtClean="0"/>
+              <a:t>  name: string;</a:t>
+            </a:r>
+          </a:p>
+          <a:p>
+            <a:r>
+              <a:rPr lang="en-US" sz="1400" dirty="0" smtClean="0"/>
+              <a:t>  privileges: string[];</a:t>
+            </a:r>
+          </a:p>
+          <a:p>
+            <a:r>
+              <a:rPr lang="en-US" sz="1400" dirty="0" smtClean="0"/>
+              <a:t>};</a:t>
+            </a:r>
+            <a:endParaRPr lang="en-US" sz="1400" dirty="0" smtClean="0"/>
+          </a:p>
+          <a:p>
+            <a:r>
+              <a:rPr lang="en-US" sz="1400" dirty="0" smtClean="0"/>
+              <a:t>type Employee = {</a:t>
+            </a:r>
+          </a:p>
+          <a:p>
+            <a:r>
+              <a:rPr lang="en-US" sz="1400" dirty="0" smtClean="0"/>
+              <a:t>  name: string;</a:t>
+            </a:r>
+          </a:p>
+          <a:p>
+            <a:r>
+              <a:rPr lang="en-US" sz="1400" dirty="0" smtClean="0"/>
+              <a:t>  </a:t>
+            </a:r>
+            <a:r>
+              <a:rPr lang="en-US" sz="1400" dirty="0" err="1" smtClean="0"/>
+              <a:t>startDate</a:t>
+            </a:r>
+            <a:r>
+              <a:rPr lang="en-US" sz="1400" dirty="0" smtClean="0"/>
+              <a:t>: Date;</a:t>
+            </a:r>
+          </a:p>
+          <a:p>
+            <a:r>
+              <a:rPr lang="en-US" sz="1400" dirty="0" smtClean="0"/>
+              <a:t>};</a:t>
+            </a:r>
+            <a:endParaRPr lang="en-US" sz="1400" dirty="0" smtClean="0"/>
+          </a:p>
+          <a:p>
+            <a:r>
+              <a:rPr lang="en-US" sz="1400" dirty="0" smtClean="0"/>
+              <a:t>type </a:t>
+            </a:r>
+            <a:r>
+              <a:rPr lang="en-US" sz="1400" dirty="0" err="1" smtClean="0"/>
+              <a:t>AdminEmployee</a:t>
+            </a:r>
+            <a:r>
+              <a:rPr lang="en-US" sz="1400" dirty="0" smtClean="0"/>
+              <a:t> = Admin &amp; Employee</a:t>
+            </a:r>
+            <a:r>
+              <a:rPr lang="en-US" sz="1400" dirty="0" smtClean="0"/>
+              <a:t>;</a:t>
+            </a:r>
+            <a:endParaRPr lang="en-US" sz="1400" dirty="0" smtClean="0"/>
+          </a:p>
+          <a:p>
+            <a:r>
+              <a:rPr lang="en-US" sz="1400" dirty="0" smtClean="0"/>
+              <a:t>const user: </a:t>
+            </a:r>
+            <a:r>
+              <a:rPr lang="en-US" sz="1400" dirty="0" err="1" smtClean="0"/>
+              <a:t>AdminEmployee</a:t>
+            </a:r>
+            <a:r>
+              <a:rPr lang="en-US" sz="1400" dirty="0" smtClean="0"/>
+              <a:t> = {</a:t>
+            </a:r>
+          </a:p>
+          <a:p>
+            <a:r>
+              <a:rPr lang="en-US" sz="1400" dirty="0" smtClean="0"/>
+              <a:t>  name: "Rose",</a:t>
+            </a:r>
+          </a:p>
+          <a:p>
+            <a:r>
+              <a:rPr lang="en-US" sz="1400" dirty="0" smtClean="0"/>
+              <a:t>  privileges: ["edit", "delete"],</a:t>
+            </a:r>
+          </a:p>
+          <a:p>
+            <a:r>
+              <a:rPr lang="en-US" sz="1400" dirty="0" smtClean="0"/>
+              <a:t>  </a:t>
+            </a:r>
+            <a:r>
+              <a:rPr lang="en-US" sz="1400" dirty="0" err="1" smtClean="0"/>
+              <a:t>startDate</a:t>
+            </a:r>
+            <a:r>
+              <a:rPr lang="en-US" sz="1400" dirty="0" smtClean="0"/>
+              <a:t>: new Date()</a:t>
+            </a:r>
+          </a:p>
+          <a:p>
+            <a:r>
+              <a:rPr lang="en-US" sz="1400" dirty="0" smtClean="0"/>
+              <a:t>};</a:t>
+            </a:r>
+          </a:p>
+          <a:p>
+            <a:endParaRPr lang="en-US" sz="1400" dirty="0"/>
+          </a:p>
+        </p:txBody>
+      </p:sp>
+    </p:spTree>
+    <p:extLst>
+      <p:ext uri="{BB962C8B-B14F-4D97-AF65-F5344CB8AC3E}">
+        <p14:creationId xmlns:p14="http://schemas.microsoft.com/office/powerpoint/2010/main" xmlns="" val="3821939369"/>
+      </p:ext>
+    </p:extLst>
+  </p:cSld>
+  <p:clrMapOvr>
+    <a:masterClrMapping/>
+  </p:clrMapOvr>
+</p:sld>
+</file>
+
+<file path=ppt/slides/slide12.xml><?xml version="1.0" encoding="utf-8"?>
+<p:sld xmlns:a="http://schemas.openxmlformats.org/drawingml/2006/main" xmlns:r="http://schemas.openxmlformats.org/officeDocument/2006/relationships" xmlns:p="http://schemas.openxmlformats.org/presentationml/2006/main">
+  <p:cSld>
+    <p:spTree>
+      <p:nvGrpSpPr>
+        <p:cNvPr id="1" name=""/>
+        <p:cNvGrpSpPr/>
+        <p:nvPr/>
+      </p:nvGrpSpPr>
+      <p:grpSpPr>
+        <a:xfrm>
+          <a:off x="0" y="0"/>
+          <a:ext cx="0" cy="0"/>
+          <a:chOff x="0" y="0"/>
+          <a:chExt cx="0" cy="0"/>
+        </a:xfrm>
+      </p:grpSpPr>
+      <p:grpSp>
+        <p:nvGrpSpPr>
+          <p:cNvPr id="2" name="Group 50">
+            <a:extLst>
+              <a:ext uri="{FF2B5EF4-FFF2-40B4-BE49-F238E27FC236}">
+                <a16:creationId xmlns:a16="http://schemas.microsoft.com/office/drawing/2014/main" xmlns="" id="{5027BEFB-8A79-855D-742D-84EDA3025239}"/>
+              </a:ext>
+            </a:extLst>
+          </p:cNvPr>
+          <p:cNvGrpSpPr/>
+          <p:nvPr/>
+        </p:nvGrpSpPr>
+        <p:grpSpPr>
+          <a:xfrm>
+            <a:off x="228600" y="1143000"/>
+            <a:ext cx="8574281" cy="5227284"/>
+            <a:chOff x="582622" y="1460235"/>
+            <a:chExt cx="8328347" cy="4986249"/>
+          </a:xfrm>
+        </p:grpSpPr>
+        <p:sp>
+          <p:nvSpPr>
+            <p:cNvPr id="39" name="Rectangle: Rounded Corners 38">
+              <a:extLst>
+                <a:ext uri="{FF2B5EF4-FFF2-40B4-BE49-F238E27FC236}">
+                  <a16:creationId xmlns:a16="http://schemas.microsoft.com/office/drawing/2014/main" xmlns="" id="{1D305874-4998-B916-D3D4-9992B6EE9C42}"/>
+                </a:ext>
+              </a:extLst>
+            </p:cNvPr>
+            <p:cNvSpPr/>
+            <p:nvPr/>
+          </p:nvSpPr>
+          <p:spPr>
+            <a:xfrm>
+              <a:off x="582622" y="1678294"/>
+              <a:ext cx="341209" cy="923306"/>
+            </a:xfrm>
+            <a:prstGeom prst="roundRect">
+              <a:avLst/>
+            </a:prstGeom>
+            <a:solidFill>
+              <a:schemeClr val="accent5">
+                <a:lumMod val="75000"/>
+              </a:schemeClr>
+            </a:solidFill>
+            <a:ln>
+              <a:noFill/>
+            </a:ln>
+          </p:spPr>
+          <p:style>
+            <a:lnRef idx="2">
+              <a:schemeClr val="accent1">
+                <a:shade val="50000"/>
+              </a:schemeClr>
+            </a:lnRef>
+            <a:fillRef idx="1">
+              <a:schemeClr val="accent1"/>
+            </a:fillRef>
+            <a:effectRef idx="0">
+              <a:schemeClr val="accent1"/>
+            </a:effectRef>
+            <a:fontRef idx="minor">
+              <a:schemeClr val="lt1"/>
+            </a:fontRef>
+          </p:style>
+          <p:txBody>
+            <a:bodyPr rtlCol="0" anchor="ctr"/>
+            <a:lstStyle/>
+            <a:p>
+              <a:pPr algn="ctr"/>
+              <a:endParaRPr lang="en-US">
+                <a:latin typeface="Lora" pitchFamily="2" charset="0"/>
+              </a:endParaRPr>
+            </a:p>
+          </p:txBody>
+        </p:sp>
+        <p:sp>
+          <p:nvSpPr>
+            <p:cNvPr id="41" name="Rectangle: Rounded Corners 40">
+              <a:extLst>
+                <a:ext uri="{FF2B5EF4-FFF2-40B4-BE49-F238E27FC236}">
+                  <a16:creationId xmlns:a16="http://schemas.microsoft.com/office/drawing/2014/main" xmlns="" id="{E35CDF5F-E835-4D85-E25A-164A6C92C5D6}"/>
+                </a:ext>
+              </a:extLst>
+            </p:cNvPr>
+            <p:cNvSpPr/>
+            <p:nvPr/>
+          </p:nvSpPr>
+          <p:spPr>
+            <a:xfrm>
+              <a:off x="6429758" y="1661529"/>
+              <a:ext cx="341209" cy="923306"/>
+            </a:xfrm>
+            <a:prstGeom prst="roundRect">
+              <a:avLst/>
+            </a:prstGeom>
+            <a:solidFill>
+              <a:schemeClr val="accent1">
+                <a:lumMod val="75000"/>
+              </a:schemeClr>
+            </a:solidFill>
+            <a:ln>
+              <a:noFill/>
+            </a:ln>
+          </p:spPr>
+          <p:style>
+            <a:lnRef idx="2">
+              <a:schemeClr val="accent1">
+                <a:shade val="50000"/>
+              </a:schemeClr>
+            </a:lnRef>
+            <a:fillRef idx="1">
+              <a:schemeClr val="accent1"/>
+            </a:fillRef>
+            <a:effectRef idx="0">
+              <a:schemeClr val="accent1"/>
+            </a:effectRef>
+            <a:fontRef idx="minor">
+              <a:schemeClr val="lt1"/>
+            </a:fontRef>
+          </p:style>
+          <p:txBody>
+            <a:bodyPr rtlCol="0" anchor="ctr"/>
+            <a:lstStyle/>
+            <a:p>
+              <a:pPr algn="ctr"/>
+              <a:endParaRPr lang="en-US">
+                <a:latin typeface="Lora" pitchFamily="2" charset="0"/>
+              </a:endParaRPr>
+            </a:p>
+          </p:txBody>
+        </p:sp>
+        <p:grpSp>
+          <p:nvGrpSpPr>
+            <p:cNvPr id="4" name="Group 37">
+              <a:extLst>
+                <a:ext uri="{FF2B5EF4-FFF2-40B4-BE49-F238E27FC236}">
+                  <a16:creationId xmlns:a16="http://schemas.microsoft.com/office/drawing/2014/main" xmlns="" id="{CFD25908-2759-804D-3654-08ECCC4B12EC}"/>
+                </a:ext>
+              </a:extLst>
+            </p:cNvPr>
+            <p:cNvGrpSpPr/>
+            <p:nvPr/>
+          </p:nvGrpSpPr>
+          <p:grpSpPr>
+            <a:xfrm>
+              <a:off x="656636" y="1460235"/>
+              <a:ext cx="8254333" cy="4986249"/>
+              <a:chOff x="656636" y="1460235"/>
+              <a:chExt cx="8254333" cy="4986249"/>
+            </a:xfrm>
+          </p:grpSpPr>
+          <p:grpSp>
+            <p:nvGrpSpPr>
+              <p:cNvPr id="5" name="Google Shape;834;p25">
+                <a:extLst>
+                  <a:ext uri="{FF2B5EF4-FFF2-40B4-BE49-F238E27FC236}">
+                    <a16:creationId xmlns:a16="http://schemas.microsoft.com/office/drawing/2014/main" xmlns="" id="{E58689CA-0E69-E8F6-41D5-9DEB4F68393D}"/>
+                  </a:ext>
+                </a:extLst>
+              </p:cNvPr>
+              <p:cNvGrpSpPr/>
+              <p:nvPr/>
+            </p:nvGrpSpPr>
+            <p:grpSpPr>
+              <a:xfrm>
+                <a:off x="656636" y="1460235"/>
+                <a:ext cx="2481212" cy="4986249"/>
+                <a:chOff x="741690" y="1214500"/>
+                <a:chExt cx="1749600" cy="3516000"/>
+              </a:xfrm>
+            </p:grpSpPr>
+            <p:sp>
+              <p:nvSpPr>
+                <p:cNvPr id="3" name="Google Shape;835;p25">
+                  <a:extLst>
+                    <a:ext uri="{FF2B5EF4-FFF2-40B4-BE49-F238E27FC236}">
+                      <a16:creationId xmlns:a16="http://schemas.microsoft.com/office/drawing/2014/main" xmlns="" id="{637BD73E-2268-048A-8BEF-A172BB2F47F1}"/>
+                    </a:ext>
+                  </a:extLst>
+                </p:cNvPr>
+                <p:cNvSpPr/>
+                <p:nvPr/>
+              </p:nvSpPr>
+              <p:spPr>
+                <a:xfrm>
+                  <a:off x="809799" y="1214500"/>
+                  <a:ext cx="1654175" cy="3516000"/>
+                </a:xfrm>
+                <a:prstGeom prst="roundRect">
+                  <a:avLst>
+                    <a:gd name="adj" fmla="val 16667"/>
+                  </a:avLst>
+                </a:prstGeom>
+                <a:solidFill>
+                  <a:schemeClr val="bg2">
+                    <a:lumMod val="90000"/>
+                  </a:schemeClr>
+                </a:solidFill>
+                <a:ln>
+                  <a:noFill/>
+                </a:ln>
+              </p:spPr>
+              <p:txBody>
+                <a:bodyPr spcFirstLastPara="1" wrap="square" lIns="91425" tIns="91425" rIns="91425" bIns="91425" anchor="ctr" anchorCtr="0">
+                  <a:noAutofit/>
+                </a:bodyPr>
+                <a:lstStyle/>
+                <a:p>
+                  <a:pPr marL="0" lvl="0" indent="0" algn="l" rtl="0">
+                    <a:spcBef>
+                      <a:spcPts val="0"/>
+                    </a:spcBef>
+                    <a:spcAft>
+                      <a:spcPts val="0"/>
+                    </a:spcAft>
+                    <a:buNone/>
+                  </a:pPr>
+                  <a:endParaRPr dirty="0">
+                    <a:latin typeface="Lora" pitchFamily="2" charset="0"/>
+                  </a:endParaRPr>
+                </a:p>
+              </p:txBody>
+            </p:sp>
+            <p:sp>
+              <p:nvSpPr>
+                <p:cNvPr id="7" name="Google Shape;841;p25">
+                  <a:extLst>
+                    <a:ext uri="{FF2B5EF4-FFF2-40B4-BE49-F238E27FC236}">
+                      <a16:creationId xmlns:a16="http://schemas.microsoft.com/office/drawing/2014/main" xmlns="" id="{F861D418-825D-CA51-D18C-0856AC73DC53}"/>
+                    </a:ext>
+                  </a:extLst>
+                </p:cNvPr>
+                <p:cNvSpPr/>
+                <p:nvPr/>
+              </p:nvSpPr>
+              <p:spPr>
+                <a:xfrm>
+                  <a:off x="741690" y="1522024"/>
+                  <a:ext cx="1749600" cy="422400"/>
+                </a:xfrm>
+                <a:prstGeom prst="homePlate">
+                  <a:avLst>
+                    <a:gd name="adj" fmla="val 50000"/>
+                  </a:avLst>
+                </a:prstGeom>
+                <a:solidFill>
+                  <a:schemeClr val="accent5"/>
+                </a:solidFill>
+                <a:ln w="38100" cap="flat" cmpd="sng">
+                  <a:noFill/>
+                  <a:prstDash val="solid"/>
+                  <a:round/>
+                  <a:headEnd type="none" w="sm" len="sm"/>
+                  <a:tailEnd type="none" w="sm" len="sm"/>
+                </a:ln>
+              </p:spPr>
+              <p:txBody>
+                <a:bodyPr spcFirstLastPara="1" wrap="square" lIns="91425" tIns="91425" rIns="91425" bIns="91425" anchor="ctr" anchorCtr="0">
+                  <a:noAutofit/>
+                </a:bodyPr>
+                <a:lstStyle/>
+                <a:p>
+                  <a:pPr lvl="0" algn="ctr"/>
+                  <a:r>
+                    <a:rPr lang="en-US" sz="2400" b="1" dirty="0" smtClean="0">
+                      <a:solidFill>
+                        <a:schemeClr val="bg1"/>
+                      </a:solidFill>
+                      <a:latin typeface="Lora" pitchFamily="2" charset="0"/>
+                    </a:rPr>
+                    <a:t>Conditional</a:t>
+                  </a:r>
+                  <a:endParaRPr lang="en-US" sz="2400" b="1" dirty="0">
+                    <a:solidFill>
+                      <a:schemeClr val="bg1"/>
+                    </a:solidFill>
+                    <a:latin typeface="Lora" pitchFamily="2" charset="0"/>
+                  </a:endParaRPr>
+                </a:p>
+              </p:txBody>
+            </p:sp>
+          </p:grpSp>
+          <p:grpSp>
+            <p:nvGrpSpPr>
+              <p:cNvPr id="6" name="Google Shape;834;p25">
+                <a:extLst>
+                  <a:ext uri="{FF2B5EF4-FFF2-40B4-BE49-F238E27FC236}">
+                    <a16:creationId xmlns:a16="http://schemas.microsoft.com/office/drawing/2014/main" xmlns="" id="{47ECE785-C8B5-6E74-1486-01BC230FB749}"/>
+                  </a:ext>
+                </a:extLst>
+              </p:cNvPr>
+              <p:cNvGrpSpPr/>
+              <p:nvPr/>
+            </p:nvGrpSpPr>
+            <p:grpSpPr>
+              <a:xfrm>
+                <a:off x="3617211" y="1460235"/>
+                <a:ext cx="2481212" cy="4986249"/>
+                <a:chOff x="776401" y="1214500"/>
+                <a:chExt cx="1749600" cy="3516000"/>
+              </a:xfrm>
+            </p:grpSpPr>
+            <p:sp>
+              <p:nvSpPr>
+                <p:cNvPr id="12" name="Google Shape;835;p25">
+                  <a:extLst>
+                    <a:ext uri="{FF2B5EF4-FFF2-40B4-BE49-F238E27FC236}">
+                      <a16:creationId xmlns:a16="http://schemas.microsoft.com/office/drawing/2014/main" xmlns="" id="{187392CF-CA02-192A-576E-7269988A74E0}"/>
+                    </a:ext>
+                  </a:extLst>
+                </p:cNvPr>
+                <p:cNvSpPr/>
+                <p:nvPr/>
+              </p:nvSpPr>
+              <p:spPr>
+                <a:xfrm>
+                  <a:off x="809799" y="1214500"/>
+                  <a:ext cx="1688886" cy="3516000"/>
+                </a:xfrm>
+                <a:prstGeom prst="roundRect">
+                  <a:avLst>
+                    <a:gd name="adj" fmla="val 16667"/>
+                  </a:avLst>
+                </a:prstGeom>
+                <a:solidFill>
+                  <a:schemeClr val="bg2">
+                    <a:lumMod val="90000"/>
+                  </a:schemeClr>
+                </a:solidFill>
+                <a:ln>
+                  <a:noFill/>
+                </a:ln>
+              </p:spPr>
+              <p:txBody>
+                <a:bodyPr spcFirstLastPara="1" wrap="square" lIns="91425" tIns="91425" rIns="91425" bIns="91425" anchor="ctr" anchorCtr="0">
+                  <a:noAutofit/>
+                </a:bodyPr>
+                <a:lstStyle/>
+                <a:p>
+                  <a:pPr marL="0" lvl="0" indent="0" algn="l" rtl="0">
+                    <a:spcBef>
+                      <a:spcPts val="0"/>
+                    </a:spcBef>
+                    <a:spcAft>
+                      <a:spcPts val="0"/>
+                    </a:spcAft>
+                    <a:buNone/>
+                  </a:pPr>
+                  <a:endParaRPr>
+                    <a:latin typeface="Lora" pitchFamily="2" charset="0"/>
+                  </a:endParaRPr>
+                </a:p>
+              </p:txBody>
+            </p:sp>
+            <p:sp>
+              <p:nvSpPr>
+                <p:cNvPr id="36" name="Google Shape;841;p25">
+                  <a:extLst>
+                    <a:ext uri="{FF2B5EF4-FFF2-40B4-BE49-F238E27FC236}">
+                      <a16:creationId xmlns:a16="http://schemas.microsoft.com/office/drawing/2014/main" xmlns="" id="{B31450F9-5B6D-7D88-4414-4DDE34C369DC}"/>
+                    </a:ext>
+                  </a:extLst>
+                </p:cNvPr>
+                <p:cNvSpPr/>
+                <p:nvPr/>
+              </p:nvSpPr>
+              <p:spPr>
+                <a:xfrm>
+                  <a:off x="776401" y="1470770"/>
+                  <a:ext cx="1749600" cy="422400"/>
+                </a:xfrm>
+                <a:prstGeom prst="homePlate">
+                  <a:avLst>
+                    <a:gd name="adj" fmla="val 50000"/>
+                  </a:avLst>
+                </a:prstGeom>
+                <a:solidFill>
+                  <a:schemeClr val="accent3"/>
+                </a:solidFill>
+                <a:ln w="38100" cap="flat" cmpd="sng">
+                  <a:noFill/>
+                  <a:prstDash val="solid"/>
+                  <a:round/>
+                  <a:headEnd type="none" w="sm" len="sm"/>
+                  <a:tailEnd type="none" w="sm" len="sm"/>
+                </a:ln>
+              </p:spPr>
+              <p:txBody>
+                <a:bodyPr spcFirstLastPara="1" wrap="square" lIns="91425" tIns="91425" rIns="91425" bIns="91425" anchor="ctr" anchorCtr="0">
+                  <a:noAutofit/>
+                </a:bodyPr>
+                <a:lstStyle/>
+                <a:p>
+                  <a:pPr lvl="0" algn="ctr"/>
+                  <a:r>
+                    <a:rPr lang="en-US" sz="2400" dirty="0" smtClean="0"/>
+                    <a:t>Literal</a:t>
+                  </a:r>
+                  <a:endParaRPr sz="2400" b="1" dirty="0">
+                    <a:solidFill>
+                      <a:schemeClr val="bg1"/>
+                    </a:solidFill>
+                    <a:latin typeface="Lora" pitchFamily="2" charset="0"/>
+                  </a:endParaRPr>
+                </a:p>
+              </p:txBody>
+            </p:sp>
+          </p:grpSp>
+          <p:grpSp>
+            <p:nvGrpSpPr>
+              <p:cNvPr id="8" name="Google Shape;834;p25">
+                <a:extLst>
+                  <a:ext uri="{FF2B5EF4-FFF2-40B4-BE49-F238E27FC236}">
+                    <a16:creationId xmlns:a16="http://schemas.microsoft.com/office/drawing/2014/main" xmlns="" id="{9B48EE92-EBD0-CBBB-23EF-64FFFF1F944A}"/>
+                  </a:ext>
+                </a:extLst>
+              </p:cNvPr>
+              <p:cNvGrpSpPr/>
+              <p:nvPr/>
+            </p:nvGrpSpPr>
+            <p:grpSpPr>
+              <a:xfrm>
+                <a:off x="6429757" y="1460235"/>
+                <a:ext cx="2481212" cy="4986249"/>
+                <a:chOff x="706730" y="1214500"/>
+                <a:chExt cx="1749600" cy="3516000"/>
+              </a:xfrm>
+            </p:grpSpPr>
+            <p:sp>
+              <p:nvSpPr>
+                <p:cNvPr id="21" name="Google Shape;835;p25">
+                  <a:extLst>
+                    <a:ext uri="{FF2B5EF4-FFF2-40B4-BE49-F238E27FC236}">
+                      <a16:creationId xmlns:a16="http://schemas.microsoft.com/office/drawing/2014/main" xmlns="" id="{C9D2F8AF-86D7-62DC-5BA6-F5DC83D8A515}"/>
+                    </a:ext>
+                  </a:extLst>
+                </p:cNvPr>
+                <p:cNvSpPr/>
+                <p:nvPr/>
+              </p:nvSpPr>
+              <p:spPr>
+                <a:xfrm>
+                  <a:off x="809800" y="1214500"/>
+                  <a:ext cx="1619215" cy="3516000"/>
+                </a:xfrm>
+                <a:prstGeom prst="roundRect">
+                  <a:avLst>
+                    <a:gd name="adj" fmla="val 16667"/>
+                  </a:avLst>
+                </a:prstGeom>
+                <a:solidFill>
+                  <a:schemeClr val="bg2">
+                    <a:lumMod val="90000"/>
+                  </a:schemeClr>
+                </a:solidFill>
+                <a:ln>
+                  <a:noFill/>
+                </a:ln>
+              </p:spPr>
+              <p:txBody>
+                <a:bodyPr spcFirstLastPara="1" wrap="square" lIns="91425" tIns="91425" rIns="91425" bIns="91425" anchor="ctr" anchorCtr="0">
+                  <a:noAutofit/>
+                </a:bodyPr>
+                <a:lstStyle/>
+                <a:p>
+                  <a:pPr marL="0" lvl="0" indent="0" algn="l" rtl="0">
+                    <a:spcBef>
+                      <a:spcPts val="0"/>
+                    </a:spcBef>
+                    <a:spcAft>
+                      <a:spcPts val="0"/>
+                    </a:spcAft>
+                    <a:buNone/>
+                  </a:pPr>
+                  <a:endParaRPr>
+                    <a:latin typeface="Lora" pitchFamily="2" charset="0"/>
+                  </a:endParaRPr>
+                </a:p>
+              </p:txBody>
+            </p:sp>
+            <p:sp>
+              <p:nvSpPr>
+                <p:cNvPr id="25" name="Google Shape;841;p25">
+                  <a:extLst>
+                    <a:ext uri="{FF2B5EF4-FFF2-40B4-BE49-F238E27FC236}">
+                      <a16:creationId xmlns:a16="http://schemas.microsoft.com/office/drawing/2014/main" xmlns="" id="{F52E2E98-1C3C-7BC4-46EB-8AAA120DCA58}"/>
+                    </a:ext>
+                  </a:extLst>
+                </p:cNvPr>
+                <p:cNvSpPr/>
+                <p:nvPr/>
+              </p:nvSpPr>
+              <p:spPr>
+                <a:xfrm>
+                  <a:off x="706730" y="1470770"/>
+                  <a:ext cx="1749600" cy="422400"/>
+                </a:xfrm>
+                <a:prstGeom prst="homePlate">
+                  <a:avLst>
+                    <a:gd name="adj" fmla="val 50000"/>
+                  </a:avLst>
+                </a:prstGeom>
+                <a:solidFill>
+                  <a:schemeClr val="accent1"/>
+                </a:solidFill>
+                <a:ln w="38100" cap="flat" cmpd="sng">
+                  <a:noFill/>
+                  <a:prstDash val="solid"/>
+                  <a:round/>
+                  <a:headEnd type="none" w="sm" len="sm"/>
+                  <a:tailEnd type="none" w="sm" len="sm"/>
+                </a:ln>
+              </p:spPr>
+              <p:txBody>
+                <a:bodyPr spcFirstLastPara="1" wrap="square" lIns="91425" tIns="91425" rIns="91425" bIns="91425" anchor="ctr" anchorCtr="0">
+                  <a:noAutofit/>
+                </a:bodyPr>
+                <a:lstStyle/>
+                <a:p>
+                  <a:pPr lvl="0" algn="ctr"/>
+                  <a:r>
+                    <a:rPr lang="en-US" sz="2400" dirty="0" smtClean="0"/>
+                    <a:t>Advanced Generics</a:t>
+                  </a:r>
+                  <a:endParaRPr sz="2400" b="1" dirty="0">
+                    <a:solidFill>
+                      <a:schemeClr val="bg1"/>
+                    </a:solidFill>
+                    <a:latin typeface="Lora" pitchFamily="2" charset="0"/>
+                  </a:endParaRPr>
+                </a:p>
+              </p:txBody>
+            </p:sp>
+          </p:grpSp>
+        </p:grpSp>
+        <p:sp>
+          <p:nvSpPr>
+            <p:cNvPr id="44" name="Rectangle 43">
+              <a:extLst>
+                <a:ext uri="{FF2B5EF4-FFF2-40B4-BE49-F238E27FC236}">
+                  <a16:creationId xmlns:a16="http://schemas.microsoft.com/office/drawing/2014/main" xmlns="" id="{554FE737-6CE8-841A-174E-18F96242AA08}"/>
+                </a:ext>
+              </a:extLst>
+            </p:cNvPr>
+            <p:cNvSpPr/>
+            <p:nvPr/>
+          </p:nvSpPr>
+          <p:spPr>
+            <a:xfrm>
+              <a:off x="3789692" y="2477845"/>
+              <a:ext cx="1889925" cy="2143168"/>
+            </a:xfrm>
+            <a:prstGeom prst="rect">
+              <a:avLst/>
+            </a:prstGeom>
+          </p:spPr>
+          <p:txBody>
+            <a:bodyPr wrap="square">
+              <a:spAutoFit/>
+            </a:bodyPr>
+            <a:lstStyle/>
+            <a:p>
+              <a:r>
+                <a:rPr lang="en-US" sz="1400" dirty="0" smtClean="0"/>
+                <a:t>Restrict variables to specific allowed string or number values </a:t>
+              </a:r>
+              <a:endParaRPr lang="en-US" sz="1400" dirty="0" smtClean="0"/>
+            </a:p>
+            <a:p>
+              <a:endParaRPr lang="en-US" sz="1400" dirty="0" smtClean="0"/>
+            </a:p>
+            <a:p>
+              <a:r>
+                <a:rPr lang="en-US" sz="1400" dirty="0" smtClean="0"/>
+                <a:t>let direction: "up" | "down" | "left" | "right";</a:t>
+              </a:r>
+            </a:p>
+            <a:p>
+              <a:r>
+                <a:rPr lang="en-US" sz="1400" dirty="0" smtClean="0"/>
+                <a:t>direction = "up";    // ✅</a:t>
+              </a:r>
+            </a:p>
+            <a:p>
+              <a:r>
+                <a:rPr lang="en-US" sz="1400" dirty="0" smtClean="0"/>
+                <a:t>direction = "back";  // ❌ Error</a:t>
+              </a:r>
+            </a:p>
+            <a:p>
+              <a:endParaRPr lang="en-US" sz="1400" dirty="0"/>
+            </a:p>
+          </p:txBody>
+        </p:sp>
+        <p:sp>
+          <p:nvSpPr>
+            <p:cNvPr id="46" name="Rectangle 45">
+              <a:extLst>
+                <a:ext uri="{FF2B5EF4-FFF2-40B4-BE49-F238E27FC236}">
+                  <a16:creationId xmlns:a16="http://schemas.microsoft.com/office/drawing/2014/main" xmlns="" id="{E048FFF9-8472-A562-0742-B45B57D0BAD3}"/>
+                </a:ext>
+              </a:extLst>
+            </p:cNvPr>
+            <p:cNvSpPr/>
+            <p:nvPr/>
+          </p:nvSpPr>
+          <p:spPr>
+            <a:xfrm>
+              <a:off x="753226" y="2550531"/>
+              <a:ext cx="2134404" cy="2554186"/>
+            </a:xfrm>
+            <a:prstGeom prst="rect">
+              <a:avLst/>
+            </a:prstGeom>
+          </p:spPr>
+          <p:txBody>
+            <a:bodyPr wrap="square">
+              <a:spAutoFit/>
+            </a:bodyPr>
+            <a:lstStyle/>
+            <a:p>
+              <a:r>
+                <a:rPr lang="en-US" sz="1400" dirty="0" smtClean="0"/>
+                <a:t>Apply types based on conditions (type logic)</a:t>
+              </a:r>
+            </a:p>
+            <a:p>
+              <a:r>
+                <a:rPr lang="en-US" sz="1400" dirty="0" smtClean="0"/>
+                <a:t>Works like ternary operator at the type level</a:t>
+              </a:r>
+            </a:p>
+            <a:p>
+              <a:endParaRPr lang="en-US" sz="1400" dirty="0" smtClean="0"/>
+            </a:p>
+            <a:p>
+              <a:r>
+                <a:rPr lang="en-US" sz="1400" dirty="0" smtClean="0"/>
+                <a:t>type </a:t>
+              </a:r>
+              <a:r>
+                <a:rPr lang="en-US" sz="1400" dirty="0" err="1" smtClean="0"/>
+                <a:t>IsString</a:t>
+              </a:r>
+              <a:r>
+                <a:rPr lang="en-US" sz="1400" dirty="0" smtClean="0"/>
+                <a:t>&lt;T&gt; = T extends string ? "Yes" : "No";</a:t>
+              </a:r>
+            </a:p>
+            <a:p>
+              <a:endParaRPr lang="en-US" sz="1400" dirty="0" smtClean="0"/>
+            </a:p>
+            <a:p>
+              <a:r>
+                <a:rPr lang="en-US" sz="1400" dirty="0" smtClean="0"/>
+                <a:t>type Test1 = </a:t>
+              </a:r>
+              <a:r>
+                <a:rPr lang="en-US" sz="1400" dirty="0" err="1" smtClean="0"/>
+                <a:t>IsString</a:t>
+              </a:r>
+              <a:r>
+                <a:rPr lang="en-US" sz="1400" dirty="0" smtClean="0"/>
+                <a:t>&lt;string&gt;;  // "Yes"</a:t>
+              </a:r>
+            </a:p>
+            <a:p>
+              <a:r>
+                <a:rPr lang="en-US" sz="1400" dirty="0" smtClean="0"/>
+                <a:t>type Test2 = </a:t>
+              </a:r>
+              <a:r>
+                <a:rPr lang="en-US" sz="1400" dirty="0" err="1" smtClean="0"/>
+                <a:t>IsString</a:t>
+              </a:r>
+              <a:r>
+                <a:rPr lang="en-US" sz="1400" dirty="0" smtClean="0"/>
+                <a:t>&lt;number&gt;;  // "No"</a:t>
+              </a:r>
+            </a:p>
+          </p:txBody>
+        </p:sp>
+        <p:sp>
+          <p:nvSpPr>
+            <p:cNvPr id="48" name="Rectangle 47">
+              <a:extLst>
+                <a:ext uri="{FF2B5EF4-FFF2-40B4-BE49-F238E27FC236}">
+                  <a16:creationId xmlns:a16="http://schemas.microsoft.com/office/drawing/2014/main" xmlns="" id="{BD4B8461-6BC1-973A-6121-3F596C491DA2}"/>
+                </a:ext>
+              </a:extLst>
+            </p:cNvPr>
+            <p:cNvSpPr/>
+            <p:nvPr/>
+          </p:nvSpPr>
+          <p:spPr>
+            <a:xfrm>
+              <a:off x="6651801" y="2405158"/>
+              <a:ext cx="2134404" cy="1937659"/>
+            </a:xfrm>
+            <a:prstGeom prst="rect">
+              <a:avLst/>
+            </a:prstGeom>
+          </p:spPr>
+          <p:txBody>
+            <a:bodyPr wrap="square">
+              <a:spAutoFit/>
+            </a:bodyPr>
+            <a:lstStyle/>
+            <a:p>
+              <a:r>
+                <a:rPr lang="en-US" sz="1400" b="1" dirty="0" smtClean="0"/>
+                <a:t>Generic Functions</a:t>
+              </a:r>
+            </a:p>
+            <a:p>
+              <a:r>
+                <a:rPr lang="en-US" sz="1400" dirty="0" smtClean="0"/>
+                <a:t>Create flexible, reusable type-safe </a:t>
+              </a:r>
+              <a:r>
+                <a:rPr lang="en-US" sz="1400" dirty="0" smtClean="0"/>
+                <a:t>functions</a:t>
+              </a:r>
+            </a:p>
+            <a:p>
+              <a:r>
+                <a:rPr lang="en-US" sz="1400" b="1" dirty="0" smtClean="0"/>
+                <a:t>Generic Constraints</a:t>
+              </a:r>
+            </a:p>
+            <a:p>
+              <a:r>
+                <a:rPr lang="en-US" sz="1400" dirty="0" smtClean="0"/>
+                <a:t>Restrict generic types to those meeting specific conditions</a:t>
+              </a:r>
+            </a:p>
+            <a:p>
+              <a:endParaRPr lang="en-US" sz="1400" dirty="0" smtClean="0"/>
+            </a:p>
+            <a:p>
+              <a:endParaRPr lang="en-US" sz="1400" dirty="0" smtClean="0"/>
+            </a:p>
+            <a:p>
+              <a:endParaRPr lang="en-US" sz="1400" dirty="0"/>
+            </a:p>
+          </p:txBody>
+        </p:sp>
+        <p:sp>
+          <p:nvSpPr>
+            <p:cNvPr id="38" name="Rectangle: Rounded Corners 39">
+              <a:extLst>
+                <a:ext uri="{FF2B5EF4-FFF2-40B4-BE49-F238E27FC236}">
+                  <a16:creationId xmlns:a16="http://schemas.microsoft.com/office/drawing/2014/main" xmlns="" id="{90ACD414-60C4-A622-7CA7-A12C42383452}"/>
+                </a:ext>
+              </a:extLst>
+            </p:cNvPr>
+            <p:cNvSpPr/>
+            <p:nvPr/>
+          </p:nvSpPr>
+          <p:spPr>
+            <a:xfrm>
+              <a:off x="3469182" y="1638887"/>
+              <a:ext cx="341209" cy="923306"/>
+            </a:xfrm>
+            <a:prstGeom prst="roundRect">
+              <a:avLst/>
+            </a:prstGeom>
+            <a:solidFill>
+              <a:schemeClr val="accent3">
+                <a:lumMod val="75000"/>
+              </a:schemeClr>
+            </a:solidFill>
+            <a:ln>
+              <a:noFill/>
+            </a:ln>
+          </p:spPr>
+          <p:style>
+            <a:lnRef idx="2">
+              <a:schemeClr val="accent1">
+                <a:shade val="50000"/>
+              </a:schemeClr>
+            </a:lnRef>
+            <a:fillRef idx="1">
+              <a:schemeClr val="accent1"/>
+            </a:fillRef>
+            <a:effectRef idx="0">
+              <a:schemeClr val="accent1"/>
+            </a:effectRef>
+            <a:fontRef idx="minor">
+              <a:schemeClr val="lt1"/>
+            </a:fontRef>
+          </p:style>
+          <p:txBody>
+            <a:bodyPr rtlCol="0" anchor="ctr"/>
+            <a:lstStyle/>
+            <a:p>
+              <a:pPr algn="ctr"/>
+              <a:endParaRPr lang="en-US">
+                <a:latin typeface="Lora" pitchFamily="2" charset="0"/>
+              </a:endParaRPr>
+            </a:p>
+          </p:txBody>
+        </p:sp>
+      </p:grpSp>
+      <p:sp>
+        <p:nvSpPr>
+          <p:cNvPr id="33" name="Title 1"/>
+          <p:cNvSpPr txBox="1">
+            <a:spLocks/>
+          </p:cNvSpPr>
+          <p:nvPr/>
+        </p:nvSpPr>
+        <p:spPr>
+          <a:xfrm>
+            <a:off x="914400" y="274638"/>
+            <a:ext cx="7772400" cy="1143000"/>
+          </a:xfrm>
+          <a:prstGeom prst="rect">
+            <a:avLst/>
+          </a:prstGeom>
+        </p:spPr>
+        <p:txBody>
+          <a:bodyPr/>
+          <a:lstStyle/>
+          <a:p>
+            <a:r>
+              <a:rPr lang="en-US" sz="4000" dirty="0" smtClean="0"/>
+              <a:t>Advanced </a:t>
+            </a:r>
+            <a:r>
+              <a:rPr lang="en-US" sz="4000" dirty="0" err="1" smtClean="0"/>
+              <a:t>TypeScript</a:t>
+            </a:r>
+            <a:r>
+              <a:rPr lang="en-US" sz="4000" dirty="0" smtClean="0"/>
+              <a:t> Features</a:t>
+            </a:r>
+            <a:endParaRPr lang="en-US" sz="4000" dirty="0"/>
+          </a:p>
+        </p:txBody>
+      </p:sp>
+    </p:spTree>
+    <p:extLst>
+      <p:ext uri="{BB962C8B-B14F-4D97-AF65-F5344CB8AC3E}">
+        <p14:creationId xmlns:p14="http://schemas.microsoft.com/office/powerpoint/2010/main" xmlns="" val="3821939369"/>
+      </p:ext>
+    </p:extLst>
+  </p:cSld>
+  <p:clrMapOvr>
+    <a:masterClrMapping/>
+  </p:clrMapOvr>
+</p:sld>
+</file>
+
+<file path=ppt/slides/slide13.xml><?xml version="1.0" encoding="utf-8"?>
 <p:sld xmlns:a="http://schemas.openxmlformats.org/drawingml/2006/main" xmlns:r="http://schemas.openxmlformats.org/officeDocument/2006/relationships" xmlns:p="http://schemas.openxmlformats.org/presentationml/2006/main">
   <p:cSld>
     <p:spTree>
@@ -6010,7 +8600,7 @@
 </p:sld>
 </file>
 
-<file path=ppt/slides/slide12.xml><?xml version="1.0" encoding="utf-8"?>
+<file path=ppt/slides/slide14.xml><?xml version="1.0" encoding="utf-8"?>
 <p:sld xmlns:a="http://schemas.openxmlformats.org/drawingml/2006/main" xmlns:r="http://schemas.openxmlformats.org/officeDocument/2006/relationships" xmlns:p="http://schemas.openxmlformats.org/presentationml/2006/main">
   <p:cSld>
     <p:spTree>
@@ -6250,7 +8840,4887 @@
 </p:sld>
 </file>
 
-<file path=ppt/slides/slide13.xml><?xml version="1.0" encoding="utf-8"?>
+<file path=ppt/slides/slide15.xml><?xml version="1.0" encoding="utf-8"?>
+<p:sld xmlns:a="http://schemas.openxmlformats.org/drawingml/2006/main" xmlns:r="http://schemas.openxmlformats.org/officeDocument/2006/relationships" xmlns:p="http://schemas.openxmlformats.org/presentationml/2006/main">
+  <p:cSld>
+    <p:spTree>
+      <p:nvGrpSpPr>
+        <p:cNvPr id="1" name=""/>
+        <p:cNvGrpSpPr/>
+        <p:nvPr/>
+      </p:nvGrpSpPr>
+      <p:grpSpPr>
+        <a:xfrm>
+          <a:off x="0" y="0"/>
+          <a:ext cx="0" cy="0"/>
+          <a:chOff x="0" y="0"/>
+          <a:chExt cx="0" cy="0"/>
+        </a:xfrm>
+      </p:grpSpPr>
+      <p:sp>
+        <p:nvSpPr>
+          <p:cNvPr id="2" name="Title 1"/>
+          <p:cNvSpPr>
+            <a:spLocks noGrp="1"/>
+          </p:cNvSpPr>
+          <p:nvPr>
+            <p:ph type="title"/>
+          </p:nvPr>
+        </p:nvSpPr>
+        <p:spPr>
+          <a:xfrm>
+            <a:off x="838200" y="0"/>
+            <a:ext cx="7772400" cy="1143000"/>
+          </a:xfrm>
+        </p:spPr>
+        <p:txBody>
+          <a:bodyPr/>
+          <a:lstStyle/>
+          <a:p>
+            <a:r>
+              <a:rPr lang="en-US" b="1" dirty="0" smtClean="0"/>
+              <a:t>Object-Oriented </a:t>
+            </a:r>
+            <a:r>
+              <a:rPr lang="en-US" b="1" dirty="0" err="1" smtClean="0"/>
+              <a:t>TypeScript</a:t>
+            </a:r>
+            <a:r>
+              <a:rPr lang="en-US" b="1" dirty="0" smtClean="0"/>
+              <a:t> (OOP)</a:t>
+            </a:r>
+            <a:endParaRPr lang="en-US" dirty="0"/>
+          </a:p>
+        </p:txBody>
+      </p:sp>
+      <p:graphicFrame>
+        <p:nvGraphicFramePr>
+          <p:cNvPr id="4" name="Table 3"/>
+          <p:cNvGraphicFramePr>
+            <a:graphicFrameLocks noGrp="1"/>
+          </p:cNvGraphicFramePr>
+          <p:nvPr/>
+        </p:nvGraphicFramePr>
+        <p:xfrm>
+          <a:off x="228600" y="1066801"/>
+          <a:ext cx="8763000" cy="5410201"/>
+        </p:xfrm>
+        <a:graphic>
+          <a:graphicData uri="http://schemas.openxmlformats.org/drawingml/2006/table">
+            <a:tbl>
+              <a:tblPr>
+                <a:tableStyleId>{5C22544A-7EE6-4342-B048-85BDC9FD1C3A}</a:tableStyleId>
+              </a:tblPr>
+              <a:tblGrid>
+                <a:gridCol w="2921000"/>
+                <a:gridCol w="2921000"/>
+                <a:gridCol w="2921000"/>
+              </a:tblGrid>
+              <a:tr h="372536">
+                <a:tc>
+                  <a:txBody>
+                    <a:bodyPr/>
+                    <a:lstStyle/>
+                    <a:p>
+                      <a:pPr marL="0" marR="0" algn="ctr">
+                        <a:lnSpc>
+                          <a:spcPct val="115000"/>
+                        </a:lnSpc>
+                        <a:spcBef>
+                          <a:spcPts val="0"/>
+                        </a:spcBef>
+                        <a:spcAft>
+                          <a:spcPts val="0"/>
+                        </a:spcAft>
+                      </a:pPr>
+                      <a:r>
+                        <a:rPr lang="en-US" sz="1800" b="1" dirty="0"/>
+                        <a:t>Feature</a:t>
+                      </a:r>
+                      <a:endParaRPr lang="en-US" sz="1400" b="1" dirty="0">
+                        <a:latin typeface="Calibri"/>
+                        <a:ea typeface="Calibri"/>
+                        <a:cs typeface="Times New Roman"/>
+                      </a:endParaRPr>
+                    </a:p>
+                  </a:txBody>
+                  <a:tcPr marL="8907" marR="8907" marT="8907" marB="8907" anchor="ctr"/>
+                </a:tc>
+                <a:tc>
+                  <a:txBody>
+                    <a:bodyPr/>
+                    <a:lstStyle/>
+                    <a:p>
+                      <a:pPr marL="0" marR="0" algn="ctr">
+                        <a:lnSpc>
+                          <a:spcPct val="115000"/>
+                        </a:lnSpc>
+                        <a:spcBef>
+                          <a:spcPts val="0"/>
+                        </a:spcBef>
+                        <a:spcAft>
+                          <a:spcPts val="0"/>
+                        </a:spcAft>
+                      </a:pPr>
+                      <a:r>
+                        <a:rPr lang="en-US" sz="1800" b="1" dirty="0"/>
+                        <a:t>Description</a:t>
+                      </a:r>
+                      <a:endParaRPr lang="en-US" sz="1400" b="1" dirty="0">
+                        <a:latin typeface="Calibri"/>
+                        <a:ea typeface="Calibri"/>
+                        <a:cs typeface="Times New Roman"/>
+                      </a:endParaRPr>
+                    </a:p>
+                  </a:txBody>
+                  <a:tcPr marL="8907" marR="8907" marT="8907" marB="8907" anchor="ctr"/>
+                </a:tc>
+                <a:tc>
+                  <a:txBody>
+                    <a:bodyPr/>
+                    <a:lstStyle/>
+                    <a:p>
+                      <a:pPr marL="0" marR="0" algn="ctr">
+                        <a:lnSpc>
+                          <a:spcPct val="115000"/>
+                        </a:lnSpc>
+                        <a:spcBef>
+                          <a:spcPts val="0"/>
+                        </a:spcBef>
+                        <a:spcAft>
+                          <a:spcPts val="0"/>
+                        </a:spcAft>
+                      </a:pPr>
+                      <a:r>
+                        <a:rPr lang="en-US" sz="1800" b="1" dirty="0"/>
+                        <a:t>Example</a:t>
+                      </a:r>
+                      <a:endParaRPr lang="en-US" sz="1400" b="1" dirty="0">
+                        <a:latin typeface="Calibri"/>
+                        <a:ea typeface="Calibri"/>
+                        <a:cs typeface="Times New Roman"/>
+                      </a:endParaRPr>
+                    </a:p>
+                  </a:txBody>
+                  <a:tcPr marL="8907" marR="8907" marT="8907" marB="8907" anchor="ctr"/>
+                </a:tc>
+              </a:tr>
+              <a:tr h="372536">
+                <a:tc>
+                  <a:txBody>
+                    <a:bodyPr/>
+                    <a:lstStyle/>
+                    <a:p>
+                      <a:pPr marL="0" marR="0" algn="ctr">
+                        <a:lnSpc>
+                          <a:spcPct val="115000"/>
+                        </a:lnSpc>
+                        <a:spcBef>
+                          <a:spcPts val="0"/>
+                        </a:spcBef>
+                        <a:spcAft>
+                          <a:spcPts val="0"/>
+                        </a:spcAft>
+                      </a:pPr>
+                      <a:r>
+                        <a:rPr lang="en-US" sz="1800" dirty="0"/>
+                        <a:t>Class</a:t>
+                      </a:r>
+                      <a:endParaRPr lang="en-US" sz="1400" dirty="0">
+                        <a:latin typeface="Calibri"/>
+                        <a:ea typeface="Calibri"/>
+                        <a:cs typeface="Times New Roman"/>
+                      </a:endParaRPr>
+                    </a:p>
+                  </a:txBody>
+                  <a:tcPr marL="8907" marR="8907" marT="8907" marB="8907" anchor="ctr"/>
+                </a:tc>
+                <a:tc>
+                  <a:txBody>
+                    <a:bodyPr/>
+                    <a:lstStyle/>
+                    <a:p>
+                      <a:pPr marL="0" marR="0" algn="just">
+                        <a:lnSpc>
+                          <a:spcPct val="115000"/>
+                        </a:lnSpc>
+                        <a:spcBef>
+                          <a:spcPts val="0"/>
+                        </a:spcBef>
+                        <a:spcAft>
+                          <a:spcPts val="0"/>
+                        </a:spcAft>
+                      </a:pPr>
+                      <a:r>
+                        <a:rPr lang="en-US" sz="1800" dirty="0"/>
+                        <a:t>Blueprint for creating objects.</a:t>
+                      </a:r>
+                      <a:endParaRPr lang="en-US" sz="1400" dirty="0">
+                        <a:latin typeface="Calibri"/>
+                        <a:ea typeface="Calibri"/>
+                        <a:cs typeface="Times New Roman"/>
+                      </a:endParaRPr>
+                    </a:p>
+                  </a:txBody>
+                  <a:tcPr marL="8907" marR="8907" marT="8907" marB="8907" anchor="ctr"/>
+                </a:tc>
+                <a:tc>
+                  <a:txBody>
+                    <a:bodyPr/>
+                    <a:lstStyle/>
+                    <a:p>
+                      <a:pPr marL="0" marR="0" algn="ctr">
+                        <a:lnSpc>
+                          <a:spcPct val="115000"/>
+                        </a:lnSpc>
+                        <a:spcBef>
+                          <a:spcPts val="0"/>
+                        </a:spcBef>
+                        <a:spcAft>
+                          <a:spcPts val="0"/>
+                        </a:spcAft>
+                      </a:pPr>
+                      <a:r>
+                        <a:rPr kumimoji="0" lang="en-US" sz="1800" kern="1200" dirty="0">
+                          <a:solidFill>
+                            <a:schemeClr val="dk1"/>
+                          </a:solidFill>
+                          <a:latin typeface="+mn-lt"/>
+                          <a:ea typeface="+mn-ea"/>
+                          <a:cs typeface="+mn-cs"/>
+                        </a:rPr>
+                        <a:t>class </a:t>
+                      </a:r>
+                      <a:r>
+                        <a:rPr kumimoji="0" lang="en-US" sz="1800" kern="1200" dirty="0" err="1">
+                          <a:solidFill>
+                            <a:schemeClr val="dk1"/>
+                          </a:solidFill>
+                          <a:latin typeface="+mn-lt"/>
+                          <a:ea typeface="+mn-ea"/>
+                          <a:cs typeface="+mn-cs"/>
+                        </a:rPr>
+                        <a:t>MyClass</a:t>
+                      </a:r>
+                      <a:r>
+                        <a:rPr kumimoji="0" lang="en-US" sz="1800" kern="1200" dirty="0">
+                          <a:solidFill>
+                            <a:schemeClr val="dk1"/>
+                          </a:solidFill>
+                          <a:latin typeface="+mn-lt"/>
+                          <a:ea typeface="+mn-ea"/>
+                          <a:cs typeface="+mn-cs"/>
+                        </a:rPr>
+                        <a:t> {...}</a:t>
+                      </a:r>
+                    </a:p>
+                  </a:txBody>
+                  <a:tcPr marL="8907" marR="8907" marT="8907" marB="8907" anchor="ctr"/>
+                </a:tc>
+              </a:tr>
+              <a:tr h="486818">
+                <a:tc>
+                  <a:txBody>
+                    <a:bodyPr/>
+                    <a:lstStyle/>
+                    <a:p>
+                      <a:pPr marL="0" marR="0" algn="ctr">
+                        <a:lnSpc>
+                          <a:spcPct val="115000"/>
+                        </a:lnSpc>
+                        <a:spcBef>
+                          <a:spcPts val="0"/>
+                        </a:spcBef>
+                        <a:spcAft>
+                          <a:spcPts val="0"/>
+                        </a:spcAft>
+                      </a:pPr>
+                      <a:r>
+                        <a:rPr lang="en-US" sz="1800" dirty="0"/>
+                        <a:t>Interface</a:t>
+                      </a:r>
+                      <a:endParaRPr lang="en-US" sz="1400" dirty="0">
+                        <a:latin typeface="Calibri"/>
+                        <a:ea typeface="Calibri"/>
+                        <a:cs typeface="Times New Roman"/>
+                      </a:endParaRPr>
+                    </a:p>
+                  </a:txBody>
+                  <a:tcPr marL="8907" marR="8907" marT="8907" marB="8907" anchor="ctr"/>
+                </a:tc>
+                <a:tc>
+                  <a:txBody>
+                    <a:bodyPr/>
+                    <a:lstStyle/>
+                    <a:p>
+                      <a:pPr marL="0" marR="0" algn="just">
+                        <a:lnSpc>
+                          <a:spcPct val="115000"/>
+                        </a:lnSpc>
+                        <a:spcBef>
+                          <a:spcPts val="0"/>
+                        </a:spcBef>
+                        <a:spcAft>
+                          <a:spcPts val="0"/>
+                        </a:spcAft>
+                      </a:pPr>
+                      <a:r>
+                        <a:rPr lang="en-US" sz="1800" dirty="0"/>
+                        <a:t>Defines a contract for objects.</a:t>
+                      </a:r>
+                      <a:endParaRPr lang="en-US" sz="1400" dirty="0">
+                        <a:latin typeface="Calibri"/>
+                        <a:ea typeface="Calibri"/>
+                        <a:cs typeface="Times New Roman"/>
+                      </a:endParaRPr>
+                    </a:p>
+                  </a:txBody>
+                  <a:tcPr marL="8907" marR="8907" marT="8907" marB="8907" anchor="ctr"/>
+                </a:tc>
+                <a:tc>
+                  <a:txBody>
+                    <a:bodyPr/>
+                    <a:lstStyle/>
+                    <a:p>
+                      <a:pPr marL="0" marR="0" algn="ctr">
+                        <a:lnSpc>
+                          <a:spcPct val="115000"/>
+                        </a:lnSpc>
+                        <a:spcBef>
+                          <a:spcPts val="0"/>
+                        </a:spcBef>
+                        <a:spcAft>
+                          <a:spcPts val="0"/>
+                        </a:spcAft>
+                      </a:pPr>
+                      <a:r>
+                        <a:rPr kumimoji="0" lang="en-US" sz="1800" kern="1200" dirty="0">
+                          <a:solidFill>
+                            <a:schemeClr val="dk1"/>
+                          </a:solidFill>
+                          <a:latin typeface="+mn-lt"/>
+                          <a:ea typeface="+mn-ea"/>
+                          <a:cs typeface="+mn-cs"/>
+                        </a:rPr>
+                        <a:t>interface </a:t>
+                      </a:r>
+                      <a:r>
+                        <a:rPr kumimoji="0" lang="en-US" sz="1800" kern="1200" dirty="0" err="1">
+                          <a:solidFill>
+                            <a:schemeClr val="dk1"/>
+                          </a:solidFill>
+                          <a:latin typeface="+mn-lt"/>
+                          <a:ea typeface="+mn-ea"/>
+                          <a:cs typeface="+mn-cs"/>
+                        </a:rPr>
+                        <a:t>MyInterface</a:t>
+                      </a:r>
+                      <a:r>
+                        <a:rPr kumimoji="0" lang="en-US" sz="1800" kern="1200" dirty="0">
+                          <a:solidFill>
+                            <a:schemeClr val="dk1"/>
+                          </a:solidFill>
+                          <a:latin typeface="+mn-lt"/>
+                          <a:ea typeface="+mn-ea"/>
+                          <a:cs typeface="+mn-cs"/>
+                        </a:rPr>
+                        <a:t> {...}</a:t>
+                      </a:r>
+                    </a:p>
+                  </a:txBody>
+                  <a:tcPr marL="8907" marR="8907" marT="8907" marB="8907" anchor="ctr"/>
+                </a:tc>
+              </a:tr>
+              <a:tr h="714132">
+                <a:tc>
+                  <a:txBody>
+                    <a:bodyPr/>
+                    <a:lstStyle/>
+                    <a:p>
+                      <a:pPr marL="0" marR="0" algn="ctr">
+                        <a:lnSpc>
+                          <a:spcPct val="115000"/>
+                        </a:lnSpc>
+                        <a:spcBef>
+                          <a:spcPts val="0"/>
+                        </a:spcBef>
+                        <a:spcAft>
+                          <a:spcPts val="0"/>
+                        </a:spcAft>
+                      </a:pPr>
+                      <a:r>
+                        <a:rPr lang="en-US" sz="1800" dirty="0"/>
+                        <a:t>Inheritance</a:t>
+                      </a:r>
+                      <a:endParaRPr lang="en-US" sz="1400" dirty="0">
+                        <a:latin typeface="Calibri"/>
+                        <a:ea typeface="Calibri"/>
+                        <a:cs typeface="Times New Roman"/>
+                      </a:endParaRPr>
+                    </a:p>
+                  </a:txBody>
+                  <a:tcPr marL="8907" marR="8907" marT="8907" marB="8907" anchor="ctr"/>
+                </a:tc>
+                <a:tc>
+                  <a:txBody>
+                    <a:bodyPr/>
+                    <a:lstStyle/>
+                    <a:p>
+                      <a:pPr marL="0" marR="0" algn="just">
+                        <a:lnSpc>
+                          <a:spcPct val="115000"/>
+                        </a:lnSpc>
+                        <a:spcBef>
+                          <a:spcPts val="0"/>
+                        </a:spcBef>
+                        <a:spcAft>
+                          <a:spcPts val="0"/>
+                        </a:spcAft>
+                      </a:pPr>
+                      <a:r>
+                        <a:rPr lang="en-US" sz="1800" dirty="0"/>
+                        <a:t>Enables a class to inherit from another class.</a:t>
+                      </a:r>
+                      <a:endParaRPr lang="en-US" sz="1400" dirty="0">
+                        <a:latin typeface="Calibri"/>
+                        <a:ea typeface="Calibri"/>
+                        <a:cs typeface="Times New Roman"/>
+                      </a:endParaRPr>
+                    </a:p>
+                  </a:txBody>
+                  <a:tcPr marL="8907" marR="8907" marT="8907" marB="8907" anchor="ctr"/>
+                </a:tc>
+                <a:tc>
+                  <a:txBody>
+                    <a:bodyPr/>
+                    <a:lstStyle/>
+                    <a:p>
+                      <a:pPr marL="0" marR="0" algn="ctr">
+                        <a:lnSpc>
+                          <a:spcPct val="115000"/>
+                        </a:lnSpc>
+                        <a:spcBef>
+                          <a:spcPts val="0"/>
+                        </a:spcBef>
+                        <a:spcAft>
+                          <a:spcPts val="0"/>
+                        </a:spcAft>
+                      </a:pPr>
+                      <a:r>
+                        <a:rPr kumimoji="0" lang="en-US" sz="1800" kern="1200" dirty="0">
+                          <a:solidFill>
+                            <a:schemeClr val="dk1"/>
+                          </a:solidFill>
+                          <a:latin typeface="+mn-lt"/>
+                          <a:ea typeface="+mn-ea"/>
+                          <a:cs typeface="+mn-cs"/>
+                        </a:rPr>
+                        <a:t>class Child extends Parent {...}</a:t>
+                      </a:r>
+                    </a:p>
+                  </a:txBody>
+                  <a:tcPr marL="8907" marR="8907" marT="8907" marB="8907" anchor="ctr"/>
+                </a:tc>
+              </a:tr>
+              <a:tr h="714132">
+                <a:tc>
+                  <a:txBody>
+                    <a:bodyPr/>
+                    <a:lstStyle/>
+                    <a:p>
+                      <a:pPr marL="0" marR="0" algn="ctr">
+                        <a:lnSpc>
+                          <a:spcPct val="115000"/>
+                        </a:lnSpc>
+                        <a:spcBef>
+                          <a:spcPts val="0"/>
+                        </a:spcBef>
+                        <a:spcAft>
+                          <a:spcPts val="0"/>
+                        </a:spcAft>
+                      </a:pPr>
+                      <a:r>
+                        <a:rPr lang="en-US" sz="1800" dirty="0"/>
+                        <a:t>Access Modifiers</a:t>
+                      </a:r>
+                      <a:endParaRPr lang="en-US" sz="1400" dirty="0">
+                        <a:latin typeface="Calibri"/>
+                        <a:ea typeface="Calibri"/>
+                        <a:cs typeface="Times New Roman"/>
+                      </a:endParaRPr>
+                    </a:p>
+                  </a:txBody>
+                  <a:tcPr marL="8907" marR="8907" marT="8907" marB="8907" anchor="ctr"/>
+                </a:tc>
+                <a:tc>
+                  <a:txBody>
+                    <a:bodyPr/>
+                    <a:lstStyle/>
+                    <a:p>
+                      <a:pPr marL="0" marR="0" algn="just">
+                        <a:lnSpc>
+                          <a:spcPct val="115000"/>
+                        </a:lnSpc>
+                        <a:spcBef>
+                          <a:spcPts val="0"/>
+                        </a:spcBef>
+                        <a:spcAft>
+                          <a:spcPts val="0"/>
+                        </a:spcAft>
+                      </a:pPr>
+                      <a:r>
+                        <a:rPr lang="en-US" sz="1800" dirty="0"/>
+                        <a:t>Restricts visibility of class members.</a:t>
+                      </a:r>
+                      <a:endParaRPr lang="en-US" sz="1400" dirty="0">
+                        <a:latin typeface="Calibri"/>
+                        <a:ea typeface="Calibri"/>
+                        <a:cs typeface="Times New Roman"/>
+                      </a:endParaRPr>
+                    </a:p>
+                  </a:txBody>
+                  <a:tcPr marL="8907" marR="8907" marT="8907" marB="8907" anchor="ctr"/>
+                </a:tc>
+                <a:tc>
+                  <a:txBody>
+                    <a:bodyPr/>
+                    <a:lstStyle/>
+                    <a:p>
+                      <a:pPr marL="0" marR="0" algn="ctr">
+                        <a:lnSpc>
+                          <a:spcPct val="115000"/>
+                        </a:lnSpc>
+                        <a:spcBef>
+                          <a:spcPts val="0"/>
+                        </a:spcBef>
+                        <a:spcAft>
+                          <a:spcPts val="0"/>
+                        </a:spcAft>
+                      </a:pPr>
+                      <a:r>
+                        <a:rPr kumimoji="0" lang="en-US" sz="1800" kern="1200" dirty="0">
+                          <a:solidFill>
+                            <a:schemeClr val="dk1"/>
+                          </a:solidFill>
+                          <a:latin typeface="+mn-lt"/>
+                          <a:ea typeface="+mn-ea"/>
+                          <a:cs typeface="+mn-cs"/>
+                        </a:rPr>
+                        <a:t>public, private, protected</a:t>
+                      </a:r>
+                    </a:p>
+                  </a:txBody>
+                  <a:tcPr marL="8907" marR="8907" marT="8907" marB="8907" anchor="ctr"/>
+                </a:tc>
+              </a:tr>
+              <a:tr h="714132">
+                <a:tc>
+                  <a:txBody>
+                    <a:bodyPr/>
+                    <a:lstStyle/>
+                    <a:p>
+                      <a:pPr marL="0" marR="0" algn="ctr">
+                        <a:lnSpc>
+                          <a:spcPct val="115000"/>
+                        </a:lnSpc>
+                        <a:spcBef>
+                          <a:spcPts val="0"/>
+                        </a:spcBef>
+                        <a:spcAft>
+                          <a:spcPts val="0"/>
+                        </a:spcAft>
+                      </a:pPr>
+                      <a:r>
+                        <a:rPr lang="en-US" sz="1800" dirty="0"/>
+                        <a:t>Abstract Classes</a:t>
+                      </a:r>
+                      <a:endParaRPr lang="en-US" sz="1400" dirty="0">
+                        <a:latin typeface="Calibri"/>
+                        <a:ea typeface="Calibri"/>
+                        <a:cs typeface="Times New Roman"/>
+                      </a:endParaRPr>
+                    </a:p>
+                  </a:txBody>
+                  <a:tcPr marL="8907" marR="8907" marT="8907" marB="8907" anchor="ctr"/>
+                </a:tc>
+                <a:tc>
+                  <a:txBody>
+                    <a:bodyPr/>
+                    <a:lstStyle/>
+                    <a:p>
+                      <a:pPr marL="0" marR="0" algn="just">
+                        <a:lnSpc>
+                          <a:spcPct val="115000"/>
+                        </a:lnSpc>
+                        <a:spcBef>
+                          <a:spcPts val="0"/>
+                        </a:spcBef>
+                        <a:spcAft>
+                          <a:spcPts val="0"/>
+                        </a:spcAft>
+                      </a:pPr>
+                      <a:r>
+                        <a:rPr lang="en-US" sz="1800" dirty="0"/>
+                        <a:t>Base class for other classes. Can't be instantiated.</a:t>
+                      </a:r>
+                      <a:endParaRPr lang="en-US" sz="1400" dirty="0">
+                        <a:latin typeface="Calibri"/>
+                        <a:ea typeface="Calibri"/>
+                        <a:cs typeface="Times New Roman"/>
+                      </a:endParaRPr>
+                    </a:p>
+                  </a:txBody>
+                  <a:tcPr marL="8907" marR="8907" marT="8907" marB="8907" anchor="ctr"/>
+                </a:tc>
+                <a:tc>
+                  <a:txBody>
+                    <a:bodyPr/>
+                    <a:lstStyle/>
+                    <a:p>
+                      <a:pPr marL="0" marR="0" algn="ctr">
+                        <a:lnSpc>
+                          <a:spcPct val="115000"/>
+                        </a:lnSpc>
+                        <a:spcBef>
+                          <a:spcPts val="0"/>
+                        </a:spcBef>
+                        <a:spcAft>
+                          <a:spcPts val="0"/>
+                        </a:spcAft>
+                      </a:pPr>
+                      <a:r>
+                        <a:rPr kumimoji="0" lang="en-US" sz="1800" kern="1200" dirty="0">
+                          <a:solidFill>
+                            <a:schemeClr val="dk1"/>
+                          </a:solidFill>
+                          <a:latin typeface="+mn-lt"/>
+                          <a:ea typeface="+mn-ea"/>
+                          <a:cs typeface="+mn-cs"/>
+                        </a:rPr>
+                        <a:t>abstract class</a:t>
+                      </a:r>
+                    </a:p>
+                  </a:txBody>
+                  <a:tcPr marL="8907" marR="8907" marT="8907" marB="8907" anchor="ctr"/>
+                </a:tc>
+              </a:tr>
+              <a:tr h="623059">
+                <a:tc>
+                  <a:txBody>
+                    <a:bodyPr/>
+                    <a:lstStyle/>
+                    <a:p>
+                      <a:pPr marL="0" marR="0" algn="ctr">
+                        <a:lnSpc>
+                          <a:spcPct val="115000"/>
+                        </a:lnSpc>
+                        <a:spcBef>
+                          <a:spcPts val="0"/>
+                        </a:spcBef>
+                        <a:spcAft>
+                          <a:spcPts val="0"/>
+                        </a:spcAft>
+                      </a:pPr>
+                      <a:r>
+                        <a:rPr lang="en-US" sz="1800" dirty="0"/>
+                        <a:t>Static Members</a:t>
+                      </a:r>
+                      <a:endParaRPr lang="en-US" sz="1400" dirty="0">
+                        <a:latin typeface="Calibri"/>
+                        <a:ea typeface="Calibri"/>
+                        <a:cs typeface="Times New Roman"/>
+                      </a:endParaRPr>
+                    </a:p>
+                  </a:txBody>
+                  <a:tcPr marL="8907" marR="8907" marT="8907" marB="8907" anchor="ctr"/>
+                </a:tc>
+                <a:tc>
+                  <a:txBody>
+                    <a:bodyPr/>
+                    <a:lstStyle/>
+                    <a:p>
+                      <a:pPr marL="0" marR="0" algn="just">
+                        <a:lnSpc>
+                          <a:spcPct val="115000"/>
+                        </a:lnSpc>
+                        <a:spcBef>
+                          <a:spcPts val="0"/>
+                        </a:spcBef>
+                        <a:spcAft>
+                          <a:spcPts val="0"/>
+                        </a:spcAft>
+                      </a:pPr>
+                      <a:r>
+                        <a:rPr lang="en-US" sz="1800" dirty="0"/>
+                        <a:t>Belong to the class, not instances.</a:t>
+                      </a:r>
+                      <a:endParaRPr lang="en-US" sz="1400" dirty="0">
+                        <a:latin typeface="Calibri"/>
+                        <a:ea typeface="Calibri"/>
+                        <a:cs typeface="Times New Roman"/>
+                      </a:endParaRPr>
+                    </a:p>
+                  </a:txBody>
+                  <a:tcPr marL="8907" marR="8907" marT="8907" marB="8907" anchor="ctr"/>
+                </a:tc>
+                <a:tc>
+                  <a:txBody>
+                    <a:bodyPr/>
+                    <a:lstStyle/>
+                    <a:p>
+                      <a:pPr marL="0" marR="0" algn="ctr">
+                        <a:lnSpc>
+                          <a:spcPct val="115000"/>
+                        </a:lnSpc>
+                        <a:spcBef>
+                          <a:spcPts val="0"/>
+                        </a:spcBef>
+                        <a:spcAft>
+                          <a:spcPts val="0"/>
+                        </a:spcAft>
+                      </a:pPr>
+                      <a:r>
+                        <a:rPr kumimoji="0" lang="en-US" sz="1800" kern="1200" dirty="0">
+                          <a:solidFill>
+                            <a:schemeClr val="dk1"/>
+                          </a:solidFill>
+                          <a:latin typeface="+mn-lt"/>
+                          <a:ea typeface="+mn-ea"/>
+                          <a:cs typeface="+mn-cs"/>
+                        </a:rPr>
+                        <a:t>static </a:t>
+                      </a:r>
+                      <a:r>
+                        <a:rPr kumimoji="0" lang="en-US" sz="1800" kern="1200" dirty="0" err="1">
+                          <a:solidFill>
+                            <a:schemeClr val="dk1"/>
+                          </a:solidFill>
+                          <a:latin typeface="+mn-lt"/>
+                          <a:ea typeface="+mn-ea"/>
+                          <a:cs typeface="+mn-cs"/>
+                        </a:rPr>
+                        <a:t>myMethod</a:t>
+                      </a:r>
+                      <a:r>
+                        <a:rPr kumimoji="0" lang="en-US" sz="1800" kern="1200" dirty="0">
+                          <a:solidFill>
+                            <a:schemeClr val="dk1"/>
+                          </a:solidFill>
+                          <a:latin typeface="+mn-lt"/>
+                          <a:ea typeface="+mn-ea"/>
+                          <a:cs typeface="+mn-cs"/>
+                        </a:rPr>
+                        <a:t>()</a:t>
+                      </a:r>
+                    </a:p>
+                  </a:txBody>
+                  <a:tcPr marL="8907" marR="8907" marT="8907" marB="8907" anchor="ctr"/>
+                </a:tc>
+              </a:tr>
+              <a:tr h="698724">
+                <a:tc>
+                  <a:txBody>
+                    <a:bodyPr/>
+                    <a:lstStyle/>
+                    <a:p>
+                      <a:pPr marL="0" marR="0" algn="ctr">
+                        <a:lnSpc>
+                          <a:spcPct val="115000"/>
+                        </a:lnSpc>
+                        <a:spcBef>
+                          <a:spcPts val="0"/>
+                        </a:spcBef>
+                        <a:spcAft>
+                          <a:spcPts val="0"/>
+                        </a:spcAft>
+                      </a:pPr>
+                      <a:r>
+                        <a:rPr lang="en-US" sz="1800" dirty="0"/>
+                        <a:t>Encapsulation</a:t>
+                      </a:r>
+                      <a:endParaRPr lang="en-US" sz="1400" dirty="0">
+                        <a:latin typeface="Calibri"/>
+                        <a:ea typeface="Calibri"/>
+                        <a:cs typeface="Times New Roman"/>
+                      </a:endParaRPr>
+                    </a:p>
+                  </a:txBody>
+                  <a:tcPr marL="8907" marR="8907" marT="8907" marB="8907" anchor="ctr"/>
+                </a:tc>
+                <a:tc>
+                  <a:txBody>
+                    <a:bodyPr/>
+                    <a:lstStyle/>
+                    <a:p>
+                      <a:pPr marL="0" marR="0" algn="just">
+                        <a:lnSpc>
+                          <a:spcPct val="115000"/>
+                        </a:lnSpc>
+                        <a:spcBef>
+                          <a:spcPts val="0"/>
+                        </a:spcBef>
+                        <a:spcAft>
+                          <a:spcPts val="0"/>
+                        </a:spcAft>
+                      </a:pPr>
+                      <a:r>
+                        <a:rPr lang="en-US" sz="1800" dirty="0"/>
+                        <a:t>Restricts access to class properties.</a:t>
+                      </a:r>
+                      <a:endParaRPr lang="en-US" sz="1400" dirty="0">
+                        <a:latin typeface="Calibri"/>
+                        <a:ea typeface="Calibri"/>
+                        <a:cs typeface="Times New Roman"/>
+                      </a:endParaRPr>
+                    </a:p>
+                  </a:txBody>
+                  <a:tcPr marL="8907" marR="8907" marT="8907" marB="8907" anchor="ctr"/>
+                </a:tc>
+                <a:tc>
+                  <a:txBody>
+                    <a:bodyPr/>
+                    <a:lstStyle/>
+                    <a:p>
+                      <a:pPr marL="0" marR="0" algn="ctr">
+                        <a:lnSpc>
+                          <a:spcPct val="115000"/>
+                        </a:lnSpc>
+                        <a:spcBef>
+                          <a:spcPts val="0"/>
+                        </a:spcBef>
+                        <a:spcAft>
+                          <a:spcPts val="0"/>
+                        </a:spcAft>
+                      </a:pPr>
+                      <a:r>
+                        <a:rPr kumimoji="0" lang="en-US" sz="1800" kern="1200" dirty="0">
+                          <a:solidFill>
+                            <a:schemeClr val="dk1"/>
+                          </a:solidFill>
+                          <a:latin typeface="+mn-lt"/>
+                          <a:ea typeface="+mn-ea"/>
+                          <a:cs typeface="+mn-cs"/>
+                        </a:rPr>
+                        <a:t>Use private</a:t>
+                      </a:r>
+                    </a:p>
+                  </a:txBody>
+                  <a:tcPr marL="8907" marR="8907" marT="8907" marB="8907" anchor="ctr"/>
+                </a:tc>
+              </a:tr>
+              <a:tr h="714132">
+                <a:tc>
+                  <a:txBody>
+                    <a:bodyPr/>
+                    <a:lstStyle/>
+                    <a:p>
+                      <a:pPr marL="0" marR="0" algn="ctr">
+                        <a:lnSpc>
+                          <a:spcPct val="115000"/>
+                        </a:lnSpc>
+                        <a:spcBef>
+                          <a:spcPts val="0"/>
+                        </a:spcBef>
+                        <a:spcAft>
+                          <a:spcPts val="0"/>
+                        </a:spcAft>
+                      </a:pPr>
+                      <a:r>
+                        <a:rPr lang="en-US" sz="1800" dirty="0"/>
+                        <a:t>Polymorphism</a:t>
+                      </a:r>
+                      <a:endParaRPr lang="en-US" sz="1400" dirty="0">
+                        <a:latin typeface="Calibri"/>
+                        <a:ea typeface="Calibri"/>
+                        <a:cs typeface="Times New Roman"/>
+                      </a:endParaRPr>
+                    </a:p>
+                  </a:txBody>
+                  <a:tcPr marL="8907" marR="8907" marT="8907" marB="8907" anchor="ctr"/>
+                </a:tc>
+                <a:tc>
+                  <a:txBody>
+                    <a:bodyPr/>
+                    <a:lstStyle/>
+                    <a:p>
+                      <a:pPr marL="0" marR="0" algn="just">
+                        <a:lnSpc>
+                          <a:spcPct val="115000"/>
+                        </a:lnSpc>
+                        <a:spcBef>
+                          <a:spcPts val="0"/>
+                        </a:spcBef>
+                        <a:spcAft>
+                          <a:spcPts val="0"/>
+                        </a:spcAft>
+                      </a:pPr>
+                      <a:r>
+                        <a:rPr lang="en-US" sz="1800" dirty="0"/>
+                        <a:t>Allows different behaviors through a common interface.</a:t>
+                      </a:r>
+                      <a:endParaRPr lang="en-US" sz="1400" dirty="0">
+                        <a:latin typeface="Calibri"/>
+                        <a:ea typeface="Calibri"/>
+                        <a:cs typeface="Times New Roman"/>
+                      </a:endParaRPr>
+                    </a:p>
+                  </a:txBody>
+                  <a:tcPr marL="8907" marR="8907" marT="8907" marB="8907" anchor="ctr"/>
+                </a:tc>
+                <a:tc>
+                  <a:txBody>
+                    <a:bodyPr/>
+                    <a:lstStyle/>
+                    <a:p>
+                      <a:pPr marL="0" marR="0" algn="ctr">
+                        <a:lnSpc>
+                          <a:spcPct val="115000"/>
+                        </a:lnSpc>
+                        <a:spcBef>
+                          <a:spcPts val="0"/>
+                        </a:spcBef>
+                        <a:spcAft>
+                          <a:spcPts val="0"/>
+                        </a:spcAft>
+                      </a:pPr>
+                      <a:r>
+                        <a:rPr kumimoji="0" lang="en-US" sz="1800" kern="1200" dirty="0">
+                          <a:solidFill>
+                            <a:schemeClr val="dk1"/>
+                          </a:solidFill>
+                          <a:latin typeface="+mn-lt"/>
+                          <a:ea typeface="+mn-ea"/>
+                          <a:cs typeface="+mn-cs"/>
+                        </a:rPr>
+                        <a:t>Overriding methods</a:t>
+                      </a:r>
+                    </a:p>
+                  </a:txBody>
+                  <a:tcPr marL="8907" marR="8907" marT="8907" marB="8907" anchor="ctr"/>
+                </a:tc>
+              </a:tr>
+            </a:tbl>
+          </a:graphicData>
+        </a:graphic>
+      </p:graphicFrame>
+    </p:spTree>
+  </p:cSld>
+  <p:clrMapOvr>
+    <a:masterClrMapping/>
+  </p:clrMapOvr>
+</p:sld>
+</file>
+
+<file path=ppt/slides/slide16.xml><?xml version="1.0" encoding="utf-8"?>
+<p:sld xmlns:a="http://schemas.openxmlformats.org/drawingml/2006/main" xmlns:r="http://schemas.openxmlformats.org/officeDocument/2006/relationships" xmlns:p="http://schemas.openxmlformats.org/presentationml/2006/main">
+  <p:cSld>
+    <p:spTree>
+      <p:nvGrpSpPr>
+        <p:cNvPr id="1" name="Shape 352"/>
+        <p:cNvGrpSpPr/>
+        <p:nvPr/>
+      </p:nvGrpSpPr>
+      <p:grpSpPr>
+        <a:xfrm>
+          <a:off x="0" y="0"/>
+          <a:ext cx="0" cy="0"/>
+          <a:chOff x="0" y="0"/>
+          <a:chExt cx="0" cy="0"/>
+        </a:xfrm>
+      </p:grpSpPr>
+      <p:sp>
+        <p:nvSpPr>
+          <p:cNvPr id="353" name="Google Shape;353;p22"/>
+          <p:cNvSpPr txBox="1">
+            <a:spLocks noGrp="1"/>
+          </p:cNvSpPr>
+          <p:nvPr>
+            <p:ph type="title"/>
+          </p:nvPr>
+        </p:nvSpPr>
+        <p:spPr>
+          <a:xfrm>
+            <a:off x="609600" y="304800"/>
+            <a:ext cx="8534400" cy="596800"/>
+          </a:xfrm>
+          <a:prstGeom prst="rect">
+            <a:avLst/>
+          </a:prstGeom>
+        </p:spPr>
+        <p:txBody>
+          <a:bodyPr spcFirstLastPara="1" wrap="square" lIns="91425" tIns="91425" rIns="91425" bIns="91425" anchor="ctr" anchorCtr="0">
+            <a:noAutofit/>
+          </a:bodyPr>
+          <a:lstStyle/>
+          <a:p>
+            <a:pPr lvl="0">
+              <a:spcBef>
+                <a:spcPts val="0"/>
+              </a:spcBef>
+            </a:pPr>
+            <a:r>
+              <a:rPr lang="en-US" b="1" dirty="0" smtClean="0"/>
+              <a:t>Object-Oriented </a:t>
+            </a:r>
+            <a:r>
+              <a:rPr lang="en-US" b="1" dirty="0" err="1" smtClean="0"/>
+              <a:t>TypeScript</a:t>
+            </a:r>
+            <a:r>
+              <a:rPr lang="en-US" b="1" dirty="0" smtClean="0"/>
+              <a:t> (OOP)</a:t>
+            </a:r>
+            <a:endParaRPr/>
+          </a:p>
+        </p:txBody>
+      </p:sp>
+      <p:grpSp>
+        <p:nvGrpSpPr>
+          <p:cNvPr id="2" name="Google Shape;354;p22"/>
+          <p:cNvGrpSpPr/>
+          <p:nvPr/>
+        </p:nvGrpSpPr>
+        <p:grpSpPr>
+          <a:xfrm>
+            <a:off x="2215627" y="685800"/>
+            <a:ext cx="4712913" cy="1638521"/>
+            <a:chOff x="3557650" y="1238091"/>
+            <a:chExt cx="3507600" cy="416922"/>
+          </a:xfrm>
+        </p:grpSpPr>
+        <p:sp>
+          <p:nvSpPr>
+            <p:cNvPr id="355" name="Google Shape;355;p22"/>
+            <p:cNvSpPr/>
+            <p:nvPr/>
+          </p:nvSpPr>
+          <p:spPr>
+            <a:xfrm>
+              <a:off x="3557650" y="1304913"/>
+              <a:ext cx="3507600" cy="350100"/>
+            </a:xfrm>
+            <a:prstGeom prst="rect">
+              <a:avLst/>
+            </a:prstGeom>
+            <a:solidFill>
+              <a:schemeClr val="lt2"/>
+            </a:solidFill>
+            <a:ln>
+              <a:noFill/>
+            </a:ln>
+          </p:spPr>
+          <p:txBody>
+            <a:bodyPr spcFirstLastPara="1" wrap="square" lIns="91425" tIns="91425" rIns="91425" bIns="91425" anchor="ctr" anchorCtr="0">
+              <a:noAutofit/>
+            </a:bodyPr>
+            <a:lstStyle/>
+            <a:p>
+              <a:pPr marL="0" lvl="0" indent="0" algn="l" rtl="0">
+                <a:spcBef>
+                  <a:spcPts val="0"/>
+                </a:spcBef>
+                <a:spcAft>
+                  <a:spcPts val="0"/>
+                </a:spcAft>
+                <a:buNone/>
+              </a:pPr>
+              <a:endParaRPr/>
+            </a:p>
+          </p:txBody>
+        </p:sp>
+        <p:sp>
+          <p:nvSpPr>
+            <p:cNvPr id="356" name="Google Shape;356;p22"/>
+            <p:cNvSpPr txBox="1"/>
+            <p:nvPr/>
+          </p:nvSpPr>
+          <p:spPr>
+            <a:xfrm>
+              <a:off x="4460707" y="1238091"/>
+              <a:ext cx="1506255" cy="354600"/>
+            </a:xfrm>
+            <a:prstGeom prst="rect">
+              <a:avLst/>
+            </a:prstGeom>
+            <a:noFill/>
+            <a:ln>
+              <a:noFill/>
+            </a:ln>
+          </p:spPr>
+          <p:txBody>
+            <a:bodyPr spcFirstLastPara="1" wrap="square" lIns="91425" tIns="91425" rIns="91425" bIns="91425" anchor="ctr" anchorCtr="0">
+              <a:noAutofit/>
+            </a:bodyPr>
+            <a:lstStyle/>
+            <a:p>
+              <a:pPr algn="ctr">
+                <a:lnSpc>
+                  <a:spcPct val="115000"/>
+                </a:lnSpc>
+              </a:pPr>
+              <a:r>
+                <a:rPr lang="en-US" sz="2400" b="1" dirty="0" smtClean="0"/>
+                <a:t>Description</a:t>
+              </a:r>
+              <a:endParaRPr lang="en-US" sz="2400" b="1" dirty="0">
+                <a:latin typeface="Calibri"/>
+                <a:ea typeface="Calibri"/>
+                <a:cs typeface="Times New Roman"/>
+              </a:endParaRPr>
+            </a:p>
+          </p:txBody>
+        </p:sp>
+      </p:grpSp>
+      <p:grpSp>
+        <p:nvGrpSpPr>
+          <p:cNvPr id="3" name="Google Shape;357;p22"/>
+          <p:cNvGrpSpPr/>
+          <p:nvPr/>
+        </p:nvGrpSpPr>
+        <p:grpSpPr>
+          <a:xfrm>
+            <a:off x="1" y="841299"/>
+            <a:ext cx="2910599" cy="1483506"/>
+            <a:chOff x="1156557" y="1210604"/>
+            <a:chExt cx="1529856" cy="384800"/>
+          </a:xfrm>
+        </p:grpSpPr>
+        <p:sp>
+          <p:nvSpPr>
+            <p:cNvPr id="358" name="Google Shape;358;p22"/>
+            <p:cNvSpPr/>
+            <p:nvPr/>
+          </p:nvSpPr>
+          <p:spPr>
+            <a:xfrm>
+              <a:off x="1276713" y="1238104"/>
+              <a:ext cx="1409700" cy="357300"/>
+            </a:xfrm>
+            <a:prstGeom prst="rect">
+              <a:avLst/>
+            </a:prstGeom>
+            <a:solidFill>
+              <a:schemeClr val="lt2"/>
+            </a:solidFill>
+            <a:ln>
+              <a:noFill/>
+            </a:ln>
+          </p:spPr>
+          <p:txBody>
+            <a:bodyPr spcFirstLastPara="1" wrap="square" lIns="91425" tIns="91425" rIns="91425" bIns="91425" anchor="ctr" anchorCtr="0">
+              <a:noAutofit/>
+            </a:bodyPr>
+            <a:lstStyle/>
+            <a:p>
+              <a:pPr marL="0" lvl="0" indent="0" algn="l" rtl="0">
+                <a:spcBef>
+                  <a:spcPts val="0"/>
+                </a:spcBef>
+                <a:spcAft>
+                  <a:spcPts val="0"/>
+                </a:spcAft>
+                <a:buNone/>
+              </a:pPr>
+              <a:endParaRPr/>
+            </a:p>
+          </p:txBody>
+        </p:sp>
+        <p:sp>
+          <p:nvSpPr>
+            <p:cNvPr id="359" name="Google Shape;359;p22"/>
+            <p:cNvSpPr txBox="1"/>
+            <p:nvPr/>
+          </p:nvSpPr>
+          <p:spPr>
+            <a:xfrm>
+              <a:off x="1156557" y="1210604"/>
+              <a:ext cx="1220700" cy="361500"/>
+            </a:xfrm>
+            <a:prstGeom prst="rect">
+              <a:avLst/>
+            </a:prstGeom>
+            <a:noFill/>
+            <a:ln>
+              <a:noFill/>
+            </a:ln>
+          </p:spPr>
+          <p:txBody>
+            <a:bodyPr spcFirstLastPara="1" wrap="square" lIns="91425" tIns="91425" rIns="91425" bIns="91425" anchor="ctr" anchorCtr="0">
+              <a:noAutofit/>
+            </a:bodyPr>
+            <a:lstStyle/>
+            <a:p>
+              <a:pPr lvl="0" algn="ctr"/>
+              <a:r>
+                <a:rPr lang="en-US" sz="2400" b="1" dirty="0" smtClean="0"/>
+                <a:t>Feature</a:t>
+              </a:r>
+              <a:endParaRPr sz="2400">
+                <a:latin typeface="Fira Sans Extra Condensed Medium"/>
+                <a:ea typeface="Fira Sans Extra Condensed Medium"/>
+                <a:cs typeface="Fira Sans Extra Condensed Medium"/>
+                <a:sym typeface="Fira Sans Extra Condensed Medium"/>
+              </a:endParaRPr>
+            </a:p>
+          </p:txBody>
+        </p:sp>
+      </p:grpSp>
+      <p:grpSp>
+        <p:nvGrpSpPr>
+          <p:cNvPr id="4" name="Google Shape;360;p22"/>
+          <p:cNvGrpSpPr/>
+          <p:nvPr/>
+        </p:nvGrpSpPr>
+        <p:grpSpPr>
+          <a:xfrm>
+            <a:off x="6233431" y="682328"/>
+            <a:ext cx="2910569" cy="1645306"/>
+            <a:chOff x="6457613" y="1170759"/>
+            <a:chExt cx="1529857" cy="426769"/>
+          </a:xfrm>
+        </p:grpSpPr>
+        <p:sp>
+          <p:nvSpPr>
+            <p:cNvPr id="361" name="Google Shape;361;p22"/>
+            <p:cNvSpPr/>
+            <p:nvPr/>
+          </p:nvSpPr>
+          <p:spPr>
+            <a:xfrm>
+              <a:off x="6457613" y="1240228"/>
+              <a:ext cx="1409700" cy="357300"/>
+            </a:xfrm>
+            <a:prstGeom prst="rect">
+              <a:avLst/>
+            </a:prstGeom>
+            <a:solidFill>
+              <a:schemeClr val="lt2"/>
+            </a:solidFill>
+            <a:ln>
+              <a:noFill/>
+            </a:ln>
+          </p:spPr>
+          <p:txBody>
+            <a:bodyPr spcFirstLastPara="1" wrap="square" lIns="91425" tIns="91425" rIns="91425" bIns="91425" anchor="ctr" anchorCtr="0">
+              <a:noAutofit/>
+            </a:bodyPr>
+            <a:lstStyle/>
+            <a:p>
+              <a:pPr marL="0" lvl="0" indent="0" algn="l" rtl="0">
+                <a:spcBef>
+                  <a:spcPts val="0"/>
+                </a:spcBef>
+                <a:spcAft>
+                  <a:spcPts val="0"/>
+                </a:spcAft>
+                <a:buNone/>
+              </a:pPr>
+              <a:endParaRPr/>
+            </a:p>
+          </p:txBody>
+        </p:sp>
+        <p:sp>
+          <p:nvSpPr>
+            <p:cNvPr id="362" name="Google Shape;362;p22"/>
+            <p:cNvSpPr txBox="1"/>
+            <p:nvPr/>
+          </p:nvSpPr>
+          <p:spPr>
+            <a:xfrm>
+              <a:off x="6766770" y="1170759"/>
+              <a:ext cx="1220700" cy="361500"/>
+            </a:xfrm>
+            <a:prstGeom prst="rect">
+              <a:avLst/>
+            </a:prstGeom>
+            <a:noFill/>
+            <a:ln>
+              <a:noFill/>
+            </a:ln>
+          </p:spPr>
+          <p:txBody>
+            <a:bodyPr spcFirstLastPara="1" wrap="square" lIns="91425" tIns="91425" rIns="91425" bIns="91425" anchor="ctr" anchorCtr="0">
+              <a:noAutofit/>
+            </a:bodyPr>
+            <a:lstStyle/>
+            <a:p>
+              <a:pPr algn="ctr">
+                <a:lnSpc>
+                  <a:spcPct val="115000"/>
+                </a:lnSpc>
+              </a:pPr>
+              <a:r>
+                <a:rPr lang="en-US" sz="2400" b="1" dirty="0" smtClean="0"/>
+                <a:t>Example</a:t>
+              </a:r>
+              <a:endParaRPr lang="en-US" sz="2400" b="1" dirty="0">
+                <a:latin typeface="Calibri"/>
+                <a:ea typeface="Calibri"/>
+                <a:cs typeface="Times New Roman"/>
+              </a:endParaRPr>
+            </a:p>
+          </p:txBody>
+        </p:sp>
+      </p:grpSp>
+      <p:grpSp>
+        <p:nvGrpSpPr>
+          <p:cNvPr id="5" name="Google Shape;363;p22"/>
+          <p:cNvGrpSpPr/>
+          <p:nvPr/>
+        </p:nvGrpSpPr>
+        <p:grpSpPr>
+          <a:xfrm>
+            <a:off x="228600" y="1703278"/>
+            <a:ext cx="8686800" cy="1872467"/>
+            <a:chOff x="1276687" y="1664787"/>
+            <a:chExt cx="6590600" cy="720117"/>
+          </a:xfrm>
+        </p:grpSpPr>
+        <p:sp>
+          <p:nvSpPr>
+            <p:cNvPr id="364" name="Google Shape;364;p22"/>
+            <p:cNvSpPr/>
+            <p:nvPr/>
+          </p:nvSpPr>
+          <p:spPr>
+            <a:xfrm>
+              <a:off x="1276687" y="1673579"/>
+              <a:ext cx="1409700" cy="709200"/>
+            </a:xfrm>
+            <a:prstGeom prst="rect">
+              <a:avLst/>
+            </a:prstGeom>
+            <a:solidFill>
+              <a:schemeClr val="accent1"/>
+            </a:solidFill>
+            <a:ln>
+              <a:noFill/>
+            </a:ln>
+          </p:spPr>
+          <p:txBody>
+            <a:bodyPr spcFirstLastPara="1" wrap="square" lIns="91425" tIns="91425" rIns="91425" bIns="91425" anchor="ctr" anchorCtr="0">
+              <a:noAutofit/>
+            </a:bodyPr>
+            <a:lstStyle/>
+            <a:p>
+              <a:pPr marL="0" lvl="0" indent="0" algn="l" rtl="0">
+                <a:spcBef>
+                  <a:spcPts val="0"/>
+                </a:spcBef>
+                <a:spcAft>
+                  <a:spcPts val="0"/>
+                </a:spcAft>
+                <a:buNone/>
+              </a:pPr>
+              <a:endParaRPr/>
+            </a:p>
+          </p:txBody>
+        </p:sp>
+        <p:sp>
+          <p:nvSpPr>
+            <p:cNvPr id="365" name="Google Shape;365;p22"/>
+            <p:cNvSpPr txBox="1"/>
+            <p:nvPr/>
+          </p:nvSpPr>
+          <p:spPr>
+            <a:xfrm>
+              <a:off x="1469201" y="1831357"/>
+              <a:ext cx="1024800" cy="361500"/>
+            </a:xfrm>
+            <a:prstGeom prst="rect">
+              <a:avLst/>
+            </a:prstGeom>
+            <a:noFill/>
+            <a:ln>
+              <a:noFill/>
+            </a:ln>
+          </p:spPr>
+          <p:txBody>
+            <a:bodyPr spcFirstLastPara="1" wrap="square" lIns="91425" tIns="91425" rIns="91425" bIns="91425" anchor="ctr" anchorCtr="0">
+              <a:noAutofit/>
+            </a:bodyPr>
+            <a:lstStyle/>
+            <a:p>
+              <a:pPr algn="ctr"/>
+              <a:r>
+                <a:rPr lang="en-US" sz="2000" b="1" dirty="0" smtClean="0"/>
+                <a:t>Inheritance</a:t>
+              </a:r>
+              <a:endParaRPr lang="en-US" sz="2000" dirty="0" smtClean="0"/>
+            </a:p>
+            <a:p>
+              <a:pPr marL="0" lvl="0" indent="0" algn="ctr" rtl="0">
+                <a:spcBef>
+                  <a:spcPts val="0"/>
+                </a:spcBef>
+                <a:spcAft>
+                  <a:spcPts val="0"/>
+                </a:spcAft>
+                <a:buNone/>
+              </a:pPr>
+              <a:endParaRPr sz="2000">
+                <a:solidFill>
+                  <a:srgbClr val="FFFFFF"/>
+                </a:solidFill>
+                <a:latin typeface="Fira Sans Extra Condensed Medium"/>
+                <a:ea typeface="Fira Sans Extra Condensed Medium"/>
+                <a:cs typeface="Fira Sans Extra Condensed Medium"/>
+                <a:sym typeface="Fira Sans Extra Condensed Medium"/>
+              </a:endParaRPr>
+            </a:p>
+          </p:txBody>
+        </p:sp>
+        <p:sp>
+          <p:nvSpPr>
+            <p:cNvPr id="366" name="Google Shape;366;p22"/>
+            <p:cNvSpPr/>
+            <p:nvPr/>
+          </p:nvSpPr>
+          <p:spPr>
+            <a:xfrm>
+              <a:off x="2784227" y="1664787"/>
+              <a:ext cx="3575700" cy="708900"/>
+            </a:xfrm>
+            <a:prstGeom prst="rect">
+              <a:avLst/>
+            </a:prstGeom>
+            <a:solidFill>
+              <a:schemeClr val="accent1"/>
+            </a:solidFill>
+            <a:ln>
+              <a:noFill/>
+            </a:ln>
+          </p:spPr>
+          <p:txBody>
+            <a:bodyPr spcFirstLastPara="1" wrap="square" lIns="91425" tIns="91425" rIns="91425" bIns="91425" anchor="ctr" anchorCtr="0">
+              <a:noAutofit/>
+            </a:bodyPr>
+            <a:lstStyle/>
+            <a:p>
+              <a:pPr marL="0" lvl="0" indent="0" algn="l" rtl="0">
+                <a:spcBef>
+                  <a:spcPts val="0"/>
+                </a:spcBef>
+                <a:spcAft>
+                  <a:spcPts val="0"/>
+                </a:spcAft>
+                <a:buNone/>
+              </a:pPr>
+              <a:endParaRPr/>
+            </a:p>
+          </p:txBody>
+        </p:sp>
+        <p:sp>
+          <p:nvSpPr>
+            <p:cNvPr id="367" name="Google Shape;367;p22"/>
+            <p:cNvSpPr txBox="1"/>
+            <p:nvPr/>
+          </p:nvSpPr>
+          <p:spPr>
+            <a:xfrm>
+              <a:off x="2964508" y="1763032"/>
+              <a:ext cx="3215100" cy="530400"/>
+            </a:xfrm>
+            <a:prstGeom prst="rect">
+              <a:avLst/>
+            </a:prstGeom>
+            <a:noFill/>
+            <a:ln>
+              <a:noFill/>
+            </a:ln>
+          </p:spPr>
+          <p:txBody>
+            <a:bodyPr spcFirstLastPara="1" wrap="square" lIns="91425" tIns="91425" rIns="91425" bIns="91425" anchor="ctr" anchorCtr="0">
+              <a:noAutofit/>
+            </a:bodyPr>
+            <a:lstStyle/>
+            <a:p>
+              <a:pPr lvl="0" algn="ctr"/>
+              <a:r>
+                <a:rPr lang="en-US" sz="1200" dirty="0" smtClean="0"/>
+                <a:t>Enables a class to inherit from another class.</a:t>
+              </a:r>
+              <a:endParaRPr sz="1200">
+                <a:solidFill>
+                  <a:schemeClr val="lt1"/>
+                </a:solidFill>
+                <a:latin typeface="Roboto"/>
+                <a:ea typeface="Roboto"/>
+                <a:cs typeface="Roboto"/>
+                <a:sym typeface="Roboto"/>
+              </a:endParaRPr>
+            </a:p>
+          </p:txBody>
+        </p:sp>
+        <p:sp>
+          <p:nvSpPr>
+            <p:cNvPr id="368" name="Google Shape;368;p22"/>
+            <p:cNvSpPr/>
+            <p:nvPr/>
+          </p:nvSpPr>
+          <p:spPr>
+            <a:xfrm>
+              <a:off x="6457587" y="1675704"/>
+              <a:ext cx="1409700" cy="709200"/>
+            </a:xfrm>
+            <a:prstGeom prst="rect">
+              <a:avLst/>
+            </a:prstGeom>
+            <a:solidFill>
+              <a:schemeClr val="accent1"/>
+            </a:solidFill>
+            <a:ln>
+              <a:noFill/>
+            </a:ln>
+          </p:spPr>
+          <p:txBody>
+            <a:bodyPr spcFirstLastPara="1" wrap="square" lIns="91425" tIns="91425" rIns="91425" bIns="91425" anchor="ctr" anchorCtr="0">
+              <a:noAutofit/>
+            </a:bodyPr>
+            <a:lstStyle/>
+            <a:p>
+              <a:pPr marL="0" lvl="0" indent="0" algn="l" rtl="0">
+                <a:spcBef>
+                  <a:spcPts val="0"/>
+                </a:spcBef>
+                <a:spcAft>
+                  <a:spcPts val="0"/>
+                </a:spcAft>
+                <a:buNone/>
+              </a:pPr>
+              <a:endParaRPr/>
+            </a:p>
+          </p:txBody>
+        </p:sp>
+      </p:grpSp>
+      <p:grpSp>
+        <p:nvGrpSpPr>
+          <p:cNvPr id="7" name="Google Shape;372;p22"/>
+          <p:cNvGrpSpPr/>
+          <p:nvPr/>
+        </p:nvGrpSpPr>
+        <p:grpSpPr>
+          <a:xfrm>
+            <a:off x="228600" y="2754375"/>
+            <a:ext cx="8686800" cy="1864604"/>
+            <a:chOff x="1276687" y="2451484"/>
+            <a:chExt cx="6590600" cy="717093"/>
+          </a:xfrm>
+        </p:grpSpPr>
+        <p:sp>
+          <p:nvSpPr>
+            <p:cNvPr id="373" name="Google Shape;373;p22"/>
+            <p:cNvSpPr/>
+            <p:nvPr/>
+          </p:nvSpPr>
+          <p:spPr>
+            <a:xfrm>
+              <a:off x="1276687" y="2457252"/>
+              <a:ext cx="1409700" cy="709200"/>
+            </a:xfrm>
+            <a:prstGeom prst="rect">
+              <a:avLst/>
+            </a:prstGeom>
+            <a:solidFill>
+              <a:schemeClr val="accent2"/>
+            </a:solidFill>
+            <a:ln>
+              <a:noFill/>
+            </a:ln>
+          </p:spPr>
+          <p:txBody>
+            <a:bodyPr spcFirstLastPara="1" wrap="square" lIns="91425" tIns="91425" rIns="91425" bIns="91425" anchor="ctr" anchorCtr="0">
+              <a:noAutofit/>
+            </a:bodyPr>
+            <a:lstStyle/>
+            <a:p>
+              <a:pPr marL="0" lvl="0" indent="0" algn="l" rtl="0">
+                <a:spcBef>
+                  <a:spcPts val="0"/>
+                </a:spcBef>
+                <a:spcAft>
+                  <a:spcPts val="0"/>
+                </a:spcAft>
+                <a:buNone/>
+              </a:pPr>
+              <a:endParaRPr/>
+            </a:p>
+          </p:txBody>
+        </p:sp>
+        <p:sp>
+          <p:nvSpPr>
+            <p:cNvPr id="374" name="Google Shape;374;p22"/>
+            <p:cNvSpPr txBox="1"/>
+            <p:nvPr/>
+          </p:nvSpPr>
+          <p:spPr>
+            <a:xfrm>
+              <a:off x="1469201" y="2617926"/>
+              <a:ext cx="1024800" cy="361500"/>
+            </a:xfrm>
+            <a:prstGeom prst="rect">
+              <a:avLst/>
+            </a:prstGeom>
+            <a:noFill/>
+            <a:ln>
+              <a:noFill/>
+            </a:ln>
+          </p:spPr>
+          <p:txBody>
+            <a:bodyPr spcFirstLastPara="1" wrap="square" lIns="91425" tIns="91425" rIns="91425" bIns="91425" anchor="ctr" anchorCtr="0">
+              <a:noAutofit/>
+            </a:bodyPr>
+            <a:lstStyle/>
+            <a:p>
+              <a:pPr marL="0" lvl="0" indent="0" algn="ctr" rtl="0">
+                <a:spcBef>
+                  <a:spcPts val="0"/>
+                </a:spcBef>
+                <a:spcAft>
+                  <a:spcPts val="0"/>
+                </a:spcAft>
+                <a:buNone/>
+              </a:pPr>
+              <a:r>
+                <a:rPr lang="en" sz="2000">
+                  <a:solidFill>
+                    <a:srgbClr val="FFFFFF"/>
+                  </a:solidFill>
+                  <a:latin typeface="Fira Sans Extra Condensed Medium"/>
+                  <a:ea typeface="Fira Sans Extra Condensed Medium"/>
+                  <a:cs typeface="Fira Sans Extra Condensed Medium"/>
+                  <a:sym typeface="Fira Sans Extra Condensed Medium"/>
+                </a:rPr>
+                <a:t>Mars</a:t>
+              </a:r>
+              <a:endParaRPr sz="2000">
+                <a:solidFill>
+                  <a:srgbClr val="FFFFFF"/>
+                </a:solidFill>
+                <a:latin typeface="Fira Sans Extra Condensed Medium"/>
+                <a:ea typeface="Fira Sans Extra Condensed Medium"/>
+                <a:cs typeface="Fira Sans Extra Condensed Medium"/>
+                <a:sym typeface="Fira Sans Extra Condensed Medium"/>
+              </a:endParaRPr>
+            </a:p>
+          </p:txBody>
+        </p:sp>
+        <p:sp>
+          <p:nvSpPr>
+            <p:cNvPr id="375" name="Google Shape;375;p22"/>
+            <p:cNvSpPr/>
+            <p:nvPr/>
+          </p:nvSpPr>
+          <p:spPr>
+            <a:xfrm>
+              <a:off x="2784227" y="2451484"/>
+              <a:ext cx="3575700" cy="708900"/>
+            </a:xfrm>
+            <a:prstGeom prst="rect">
+              <a:avLst/>
+            </a:prstGeom>
+            <a:solidFill>
+              <a:schemeClr val="accent2"/>
+            </a:solidFill>
+            <a:ln>
+              <a:noFill/>
+            </a:ln>
+          </p:spPr>
+          <p:txBody>
+            <a:bodyPr spcFirstLastPara="1" wrap="square" lIns="91425" tIns="91425" rIns="91425" bIns="91425" anchor="ctr" anchorCtr="0">
+              <a:noAutofit/>
+            </a:bodyPr>
+            <a:lstStyle/>
+            <a:p>
+              <a:pPr marL="0" lvl="0" indent="0" algn="l" rtl="0">
+                <a:spcBef>
+                  <a:spcPts val="0"/>
+                </a:spcBef>
+                <a:spcAft>
+                  <a:spcPts val="0"/>
+                </a:spcAft>
+                <a:buNone/>
+              </a:pPr>
+              <a:endParaRPr/>
+            </a:p>
+          </p:txBody>
+        </p:sp>
+        <p:sp>
+          <p:nvSpPr>
+            <p:cNvPr id="376" name="Google Shape;376;p22"/>
+            <p:cNvSpPr txBox="1"/>
+            <p:nvPr/>
+          </p:nvSpPr>
+          <p:spPr>
+            <a:xfrm>
+              <a:off x="2964508" y="2540783"/>
+              <a:ext cx="3215100" cy="530400"/>
+            </a:xfrm>
+            <a:prstGeom prst="rect">
+              <a:avLst/>
+            </a:prstGeom>
+            <a:noFill/>
+            <a:ln>
+              <a:noFill/>
+            </a:ln>
+          </p:spPr>
+          <p:txBody>
+            <a:bodyPr spcFirstLastPara="1" wrap="square" lIns="91425" tIns="91425" rIns="91425" bIns="91425" anchor="ctr" anchorCtr="0">
+              <a:noAutofit/>
+            </a:bodyPr>
+            <a:lstStyle/>
+            <a:p>
+              <a:pPr marL="0" lvl="0" indent="0" algn="ctr" rtl="0">
+                <a:spcBef>
+                  <a:spcPts val="0"/>
+                </a:spcBef>
+                <a:spcAft>
+                  <a:spcPts val="0"/>
+                </a:spcAft>
+                <a:buNone/>
+              </a:pPr>
+              <a:r>
+                <a:rPr lang="en" sz="1200">
+                  <a:solidFill>
+                    <a:schemeClr val="lt1"/>
+                  </a:solidFill>
+                  <a:latin typeface="Roboto"/>
+                  <a:ea typeface="Roboto"/>
+                  <a:cs typeface="Roboto"/>
+                  <a:sym typeface="Roboto"/>
+                </a:rPr>
+                <a:t>Mars despite being red and also actually is a very cold place</a:t>
+              </a:r>
+              <a:endParaRPr sz="1200">
+                <a:solidFill>
+                  <a:schemeClr val="lt1"/>
+                </a:solidFill>
+                <a:latin typeface="Roboto"/>
+                <a:ea typeface="Roboto"/>
+                <a:cs typeface="Roboto"/>
+                <a:sym typeface="Roboto"/>
+              </a:endParaRPr>
+            </a:p>
+          </p:txBody>
+        </p:sp>
+        <p:sp>
+          <p:nvSpPr>
+            <p:cNvPr id="377" name="Google Shape;377;p22"/>
+            <p:cNvSpPr/>
+            <p:nvPr/>
+          </p:nvSpPr>
+          <p:spPr>
+            <a:xfrm>
+              <a:off x="6457587" y="2459377"/>
+              <a:ext cx="1409700" cy="709200"/>
+            </a:xfrm>
+            <a:prstGeom prst="rect">
+              <a:avLst/>
+            </a:prstGeom>
+            <a:solidFill>
+              <a:schemeClr val="accent2"/>
+            </a:solidFill>
+            <a:ln>
+              <a:noFill/>
+            </a:ln>
+          </p:spPr>
+          <p:txBody>
+            <a:bodyPr spcFirstLastPara="1" wrap="square" lIns="91425" tIns="91425" rIns="91425" bIns="91425" anchor="ctr" anchorCtr="0">
+              <a:noAutofit/>
+            </a:bodyPr>
+            <a:lstStyle/>
+            <a:p>
+              <a:pPr marL="0" lvl="0" indent="0" algn="l" rtl="0">
+                <a:spcBef>
+                  <a:spcPts val="0"/>
+                </a:spcBef>
+                <a:spcAft>
+                  <a:spcPts val="0"/>
+                </a:spcAft>
+                <a:buNone/>
+              </a:pPr>
+              <a:endParaRPr/>
+            </a:p>
+          </p:txBody>
+        </p:sp>
+        <p:grpSp>
+          <p:nvGrpSpPr>
+            <p:cNvPr id="8" name="Google Shape;378;p22"/>
+            <p:cNvGrpSpPr/>
+            <p:nvPr/>
+          </p:nvGrpSpPr>
+          <p:grpSpPr>
+            <a:xfrm>
+              <a:off x="6936154" y="2587635"/>
+              <a:ext cx="452700" cy="452700"/>
+              <a:chOff x="6936154" y="2587635"/>
+              <a:chExt cx="452700" cy="452700"/>
+            </a:xfrm>
+          </p:grpSpPr>
+          <p:sp>
+            <p:nvSpPr>
+              <p:cNvPr id="379" name="Google Shape;379;p22"/>
+              <p:cNvSpPr/>
+              <p:nvPr/>
+            </p:nvSpPr>
+            <p:spPr>
+              <a:xfrm>
+                <a:off x="6936154" y="2587635"/>
+                <a:ext cx="452700" cy="452700"/>
+              </a:xfrm>
+              <a:prstGeom prst="ellipse">
+                <a:avLst/>
+              </a:prstGeom>
+              <a:solidFill>
+                <a:schemeClr val="lt1"/>
+              </a:solidFill>
+              <a:ln>
+                <a:noFill/>
+              </a:ln>
+            </p:spPr>
+            <p:txBody>
+              <a:bodyPr spcFirstLastPara="1" wrap="square" lIns="91425" tIns="91425" rIns="91425" bIns="91425" anchor="ctr" anchorCtr="0">
+                <a:noAutofit/>
+              </a:bodyPr>
+              <a:lstStyle/>
+              <a:p>
+                <a:pPr marL="0" lvl="0" indent="0" algn="l" rtl="0">
+                  <a:spcBef>
+                    <a:spcPts val="0"/>
+                  </a:spcBef>
+                  <a:spcAft>
+                    <a:spcPts val="0"/>
+                  </a:spcAft>
+                  <a:buNone/>
+                </a:pPr>
+                <a:endParaRPr/>
+              </a:p>
+            </p:txBody>
+          </p:sp>
+          <p:sp>
+            <p:nvSpPr>
+              <p:cNvPr id="380" name="Google Shape;380;p22"/>
+              <p:cNvSpPr/>
+              <p:nvPr/>
+            </p:nvSpPr>
+            <p:spPr>
+              <a:xfrm>
+                <a:off x="7025281" y="2689448"/>
+                <a:ext cx="274532" cy="274551"/>
+              </a:xfrm>
+              <a:custGeom>
+                <a:avLst/>
+                <a:gdLst/>
+                <a:ahLst/>
+                <a:cxnLst/>
+                <a:rect l="l" t="t" r="r" b="b"/>
+                <a:pathLst>
+                  <a:path w="6239" h="6093" extrusionOk="0">
+                    <a:moveTo>
+                      <a:pt x="763" y="1"/>
+                    </a:moveTo>
+                    <a:cubicBezTo>
+                      <a:pt x="598" y="1"/>
+                      <a:pt x="430" y="60"/>
+                      <a:pt x="301" y="189"/>
+                    </a:cubicBezTo>
+                    <a:cubicBezTo>
+                      <a:pt x="34" y="422"/>
+                      <a:pt x="34" y="889"/>
+                      <a:pt x="301" y="1156"/>
+                    </a:cubicBezTo>
+                    <a:lnTo>
+                      <a:pt x="2169" y="3057"/>
+                    </a:lnTo>
+                    <a:lnTo>
+                      <a:pt x="268" y="4925"/>
+                    </a:lnTo>
+                    <a:cubicBezTo>
+                      <a:pt x="1" y="5192"/>
+                      <a:pt x="1" y="5593"/>
+                      <a:pt x="234" y="5859"/>
+                    </a:cubicBezTo>
+                    <a:cubicBezTo>
+                      <a:pt x="376" y="6001"/>
+                      <a:pt x="565" y="6077"/>
+                      <a:pt x="751" y="6077"/>
+                    </a:cubicBezTo>
+                    <a:cubicBezTo>
+                      <a:pt x="915" y="6077"/>
+                      <a:pt x="1076" y="6018"/>
+                      <a:pt x="1202" y="5893"/>
+                    </a:cubicBezTo>
+                    <a:lnTo>
+                      <a:pt x="3103" y="3991"/>
+                    </a:lnTo>
+                    <a:lnTo>
+                      <a:pt x="4971" y="5893"/>
+                    </a:lnTo>
+                    <a:cubicBezTo>
+                      <a:pt x="5104" y="6026"/>
+                      <a:pt x="5280" y="6093"/>
+                      <a:pt x="5455" y="6093"/>
+                    </a:cubicBezTo>
+                    <a:cubicBezTo>
+                      <a:pt x="5630" y="6093"/>
+                      <a:pt x="5805" y="6026"/>
+                      <a:pt x="5938" y="5893"/>
+                    </a:cubicBezTo>
+                    <a:cubicBezTo>
+                      <a:pt x="6205" y="5626"/>
+                      <a:pt x="6205" y="5192"/>
+                      <a:pt x="5938" y="4959"/>
+                    </a:cubicBezTo>
+                    <a:lnTo>
+                      <a:pt x="4070" y="3057"/>
+                    </a:lnTo>
+                    <a:lnTo>
+                      <a:pt x="5972" y="1189"/>
+                    </a:lnTo>
+                    <a:cubicBezTo>
+                      <a:pt x="6239" y="923"/>
+                      <a:pt x="6239" y="489"/>
+                      <a:pt x="5972" y="222"/>
+                    </a:cubicBezTo>
+                    <a:cubicBezTo>
+                      <a:pt x="5838" y="89"/>
+                      <a:pt x="5663" y="22"/>
+                      <a:pt x="5488" y="22"/>
+                    </a:cubicBezTo>
+                    <a:cubicBezTo>
+                      <a:pt x="5313" y="22"/>
+                      <a:pt x="5138" y="89"/>
+                      <a:pt x="5004" y="222"/>
+                    </a:cubicBezTo>
+                    <a:lnTo>
+                      <a:pt x="3136" y="2090"/>
+                    </a:lnTo>
+                    <a:lnTo>
+                      <a:pt x="1235" y="189"/>
+                    </a:lnTo>
+                    <a:cubicBezTo>
+                      <a:pt x="1114" y="68"/>
+                      <a:pt x="940" y="1"/>
+                      <a:pt x="763" y="1"/>
+                    </a:cubicBezTo>
+                    <a:close/>
+                  </a:path>
+                </a:pathLst>
+              </a:custGeom>
+              <a:solidFill>
+                <a:schemeClr val="accent2"/>
+              </a:solidFill>
+              <a:ln>
+                <a:noFill/>
+              </a:ln>
+            </p:spPr>
+            <p:txBody>
+              <a:bodyPr spcFirstLastPara="1" wrap="square" lIns="91425" tIns="91425" rIns="91425" bIns="91425" anchor="ctr" anchorCtr="0">
+                <a:noAutofit/>
+              </a:bodyPr>
+              <a:lstStyle/>
+              <a:p>
+                <a:pPr marL="0" lvl="0" indent="0" algn="l" rtl="0">
+                  <a:spcBef>
+                    <a:spcPts val="0"/>
+                  </a:spcBef>
+                  <a:spcAft>
+                    <a:spcPts val="0"/>
+                  </a:spcAft>
+                  <a:buNone/>
+                </a:pPr>
+                <a:endParaRPr/>
+              </a:p>
+            </p:txBody>
+          </p:sp>
+        </p:grpSp>
+      </p:grpSp>
+      <p:grpSp>
+        <p:nvGrpSpPr>
+          <p:cNvPr id="9" name="Google Shape;381;p22"/>
+          <p:cNvGrpSpPr/>
+          <p:nvPr/>
+        </p:nvGrpSpPr>
+        <p:grpSpPr>
+          <a:xfrm>
+            <a:off x="228600" y="3805471"/>
+            <a:ext cx="8686800" cy="1856741"/>
+            <a:chOff x="1276687" y="3238180"/>
+            <a:chExt cx="6590600" cy="714069"/>
+          </a:xfrm>
+        </p:grpSpPr>
+        <p:sp>
+          <p:nvSpPr>
+            <p:cNvPr id="382" name="Google Shape;382;p22"/>
+            <p:cNvSpPr/>
+            <p:nvPr/>
+          </p:nvSpPr>
+          <p:spPr>
+            <a:xfrm>
+              <a:off x="1276687" y="3240924"/>
+              <a:ext cx="1409700" cy="709200"/>
+            </a:xfrm>
+            <a:prstGeom prst="rect">
+              <a:avLst/>
+            </a:prstGeom>
+            <a:solidFill>
+              <a:schemeClr val="accent3"/>
+            </a:solidFill>
+            <a:ln>
+              <a:noFill/>
+            </a:ln>
+          </p:spPr>
+          <p:txBody>
+            <a:bodyPr spcFirstLastPara="1" wrap="square" lIns="91425" tIns="91425" rIns="91425" bIns="91425" anchor="ctr" anchorCtr="0">
+              <a:noAutofit/>
+            </a:bodyPr>
+            <a:lstStyle/>
+            <a:p>
+              <a:pPr marL="0" lvl="0" indent="0" algn="l" rtl="0">
+                <a:spcBef>
+                  <a:spcPts val="0"/>
+                </a:spcBef>
+                <a:spcAft>
+                  <a:spcPts val="0"/>
+                </a:spcAft>
+                <a:buNone/>
+              </a:pPr>
+              <a:endParaRPr/>
+            </a:p>
+          </p:txBody>
+        </p:sp>
+        <p:sp>
+          <p:nvSpPr>
+            <p:cNvPr id="383" name="Google Shape;383;p22"/>
+            <p:cNvSpPr txBox="1"/>
+            <p:nvPr/>
+          </p:nvSpPr>
+          <p:spPr>
+            <a:xfrm>
+              <a:off x="1469201" y="3404495"/>
+              <a:ext cx="1024800" cy="361500"/>
+            </a:xfrm>
+            <a:prstGeom prst="rect">
+              <a:avLst/>
+            </a:prstGeom>
+            <a:noFill/>
+            <a:ln>
+              <a:noFill/>
+            </a:ln>
+          </p:spPr>
+          <p:txBody>
+            <a:bodyPr spcFirstLastPara="1" wrap="square" lIns="91425" tIns="91425" rIns="91425" bIns="91425" anchor="ctr" anchorCtr="0">
+              <a:noAutofit/>
+            </a:bodyPr>
+            <a:lstStyle/>
+            <a:p>
+              <a:pPr marL="0" lvl="0" indent="0" algn="ctr" rtl="0">
+                <a:spcBef>
+                  <a:spcPts val="0"/>
+                </a:spcBef>
+                <a:spcAft>
+                  <a:spcPts val="0"/>
+                </a:spcAft>
+                <a:buNone/>
+              </a:pPr>
+              <a:r>
+                <a:rPr lang="en" sz="2000">
+                  <a:solidFill>
+                    <a:srgbClr val="FFFFFF"/>
+                  </a:solidFill>
+                  <a:latin typeface="Fira Sans Extra Condensed Medium"/>
+                  <a:ea typeface="Fira Sans Extra Condensed Medium"/>
+                  <a:cs typeface="Fira Sans Extra Condensed Medium"/>
+                  <a:sym typeface="Fira Sans Extra Condensed Medium"/>
+                </a:rPr>
+                <a:t>Jupiter</a:t>
+              </a:r>
+              <a:endParaRPr sz="2000">
+                <a:solidFill>
+                  <a:srgbClr val="FFFFFF"/>
+                </a:solidFill>
+                <a:latin typeface="Fira Sans Extra Condensed Medium"/>
+                <a:ea typeface="Fira Sans Extra Condensed Medium"/>
+                <a:cs typeface="Fira Sans Extra Condensed Medium"/>
+                <a:sym typeface="Fira Sans Extra Condensed Medium"/>
+              </a:endParaRPr>
+            </a:p>
+          </p:txBody>
+        </p:sp>
+        <p:sp>
+          <p:nvSpPr>
+            <p:cNvPr id="384" name="Google Shape;384;p22"/>
+            <p:cNvSpPr/>
+            <p:nvPr/>
+          </p:nvSpPr>
+          <p:spPr>
+            <a:xfrm>
+              <a:off x="2784227" y="3238180"/>
+              <a:ext cx="3575700" cy="708900"/>
+            </a:xfrm>
+            <a:prstGeom prst="rect">
+              <a:avLst/>
+            </a:prstGeom>
+            <a:solidFill>
+              <a:schemeClr val="accent3"/>
+            </a:solidFill>
+            <a:ln>
+              <a:noFill/>
+            </a:ln>
+          </p:spPr>
+          <p:txBody>
+            <a:bodyPr spcFirstLastPara="1" wrap="square" lIns="91425" tIns="91425" rIns="91425" bIns="91425" anchor="ctr" anchorCtr="0">
+              <a:noAutofit/>
+            </a:bodyPr>
+            <a:lstStyle/>
+            <a:p>
+              <a:pPr marL="0" lvl="0" indent="0" algn="l" rtl="0">
+                <a:spcBef>
+                  <a:spcPts val="0"/>
+                </a:spcBef>
+                <a:spcAft>
+                  <a:spcPts val="0"/>
+                </a:spcAft>
+                <a:buNone/>
+              </a:pPr>
+              <a:endParaRPr/>
+            </a:p>
+          </p:txBody>
+        </p:sp>
+        <p:sp>
+          <p:nvSpPr>
+            <p:cNvPr id="385" name="Google Shape;385;p22"/>
+            <p:cNvSpPr txBox="1"/>
+            <p:nvPr/>
+          </p:nvSpPr>
+          <p:spPr>
+            <a:xfrm flipH="1">
+              <a:off x="2964493" y="3327479"/>
+              <a:ext cx="3215100" cy="530400"/>
+            </a:xfrm>
+            <a:prstGeom prst="rect">
+              <a:avLst/>
+            </a:prstGeom>
+            <a:noFill/>
+            <a:ln>
+              <a:noFill/>
+            </a:ln>
+          </p:spPr>
+          <p:txBody>
+            <a:bodyPr spcFirstLastPara="1" wrap="square" lIns="91425" tIns="91425" rIns="91425" bIns="91425" anchor="ctr" anchorCtr="0">
+              <a:noAutofit/>
+            </a:bodyPr>
+            <a:lstStyle/>
+            <a:p>
+              <a:pPr marL="0" lvl="0" indent="0" algn="ctr" rtl="0">
+                <a:spcBef>
+                  <a:spcPts val="0"/>
+                </a:spcBef>
+                <a:spcAft>
+                  <a:spcPts val="0"/>
+                </a:spcAft>
+                <a:buNone/>
+              </a:pPr>
+              <a:r>
+                <a:rPr lang="en" sz="1200">
+                  <a:solidFill>
+                    <a:schemeClr val="lt1"/>
+                  </a:solidFill>
+                  <a:latin typeface="Roboto"/>
+                  <a:ea typeface="Roboto"/>
+                  <a:cs typeface="Roboto"/>
+                  <a:sym typeface="Roboto"/>
+                </a:rPr>
+                <a:t>Jupiter the biggest planet of the Solar System and is also a gas giant</a:t>
+              </a:r>
+              <a:endParaRPr sz="1200">
+                <a:solidFill>
+                  <a:schemeClr val="lt1"/>
+                </a:solidFill>
+                <a:latin typeface="Roboto"/>
+                <a:ea typeface="Roboto"/>
+                <a:cs typeface="Roboto"/>
+                <a:sym typeface="Roboto"/>
+              </a:endParaRPr>
+            </a:p>
+          </p:txBody>
+        </p:sp>
+        <p:sp>
+          <p:nvSpPr>
+            <p:cNvPr id="386" name="Google Shape;386;p22"/>
+            <p:cNvSpPr/>
+            <p:nvPr/>
+          </p:nvSpPr>
+          <p:spPr>
+            <a:xfrm>
+              <a:off x="6457587" y="3243049"/>
+              <a:ext cx="1409700" cy="709200"/>
+            </a:xfrm>
+            <a:prstGeom prst="rect">
+              <a:avLst/>
+            </a:prstGeom>
+            <a:solidFill>
+              <a:schemeClr val="accent3"/>
+            </a:solidFill>
+            <a:ln>
+              <a:noFill/>
+            </a:ln>
+          </p:spPr>
+          <p:txBody>
+            <a:bodyPr spcFirstLastPara="1" wrap="square" lIns="91425" tIns="91425" rIns="91425" bIns="91425" anchor="ctr" anchorCtr="0">
+              <a:noAutofit/>
+            </a:bodyPr>
+            <a:lstStyle/>
+            <a:p>
+              <a:pPr marL="0" lvl="0" indent="0" algn="l" rtl="0">
+                <a:spcBef>
+                  <a:spcPts val="0"/>
+                </a:spcBef>
+                <a:spcAft>
+                  <a:spcPts val="0"/>
+                </a:spcAft>
+                <a:buNone/>
+              </a:pPr>
+              <a:endParaRPr/>
+            </a:p>
+          </p:txBody>
+        </p:sp>
+        <p:grpSp>
+          <p:nvGrpSpPr>
+            <p:cNvPr id="10" name="Google Shape;387;p22"/>
+            <p:cNvGrpSpPr/>
+            <p:nvPr/>
+          </p:nvGrpSpPr>
+          <p:grpSpPr>
+            <a:xfrm>
+              <a:off x="6936141" y="3371307"/>
+              <a:ext cx="452700" cy="452700"/>
+              <a:chOff x="6936066" y="1831357"/>
+              <a:chExt cx="452700" cy="452700"/>
+            </a:xfrm>
+          </p:grpSpPr>
+          <p:sp>
+            <p:nvSpPr>
+              <p:cNvPr id="388" name="Google Shape;388;p22"/>
+              <p:cNvSpPr/>
+              <p:nvPr/>
+            </p:nvSpPr>
+            <p:spPr>
+              <a:xfrm>
+                <a:off x="6936066" y="1831357"/>
+                <a:ext cx="452700" cy="452700"/>
+              </a:xfrm>
+              <a:prstGeom prst="ellipse">
+                <a:avLst/>
+              </a:prstGeom>
+              <a:solidFill>
+                <a:schemeClr val="lt1"/>
+              </a:solidFill>
+              <a:ln>
+                <a:noFill/>
+              </a:ln>
+            </p:spPr>
+            <p:txBody>
+              <a:bodyPr spcFirstLastPara="1" wrap="square" lIns="91425" tIns="91425" rIns="91425" bIns="91425" anchor="ctr" anchorCtr="0">
+                <a:noAutofit/>
+              </a:bodyPr>
+              <a:lstStyle/>
+              <a:p>
+                <a:pPr marL="0" lvl="0" indent="0" algn="l" rtl="0">
+                  <a:spcBef>
+                    <a:spcPts val="0"/>
+                  </a:spcBef>
+                  <a:spcAft>
+                    <a:spcPts val="0"/>
+                  </a:spcAft>
+                  <a:buNone/>
+                </a:pPr>
+                <a:endParaRPr/>
+              </a:p>
+            </p:txBody>
+          </p:sp>
+          <p:sp>
+            <p:nvSpPr>
+              <p:cNvPr id="389" name="Google Shape;389;p22"/>
+              <p:cNvSpPr/>
+              <p:nvPr/>
+            </p:nvSpPr>
+            <p:spPr>
+              <a:xfrm>
+                <a:off x="7009649" y="1945777"/>
+                <a:ext cx="305669" cy="223995"/>
+              </a:xfrm>
+              <a:custGeom>
+                <a:avLst/>
+                <a:gdLst/>
+                <a:ahLst/>
+                <a:cxnLst/>
+                <a:rect l="l" t="t" r="r" b="b"/>
+                <a:pathLst>
+                  <a:path w="7439" h="5452" extrusionOk="0">
+                    <a:moveTo>
+                      <a:pt x="6688" y="0"/>
+                    </a:moveTo>
+                    <a:cubicBezTo>
+                      <a:pt x="6501" y="0"/>
+                      <a:pt x="6317" y="85"/>
+                      <a:pt x="6171" y="248"/>
+                    </a:cubicBezTo>
+                    <a:lnTo>
+                      <a:pt x="3103" y="3717"/>
+                    </a:lnTo>
+                    <a:lnTo>
+                      <a:pt x="1301" y="1349"/>
+                    </a:lnTo>
+                    <a:cubicBezTo>
+                      <a:pt x="1183" y="1171"/>
+                      <a:pt x="982" y="1075"/>
+                      <a:pt x="776" y="1075"/>
+                    </a:cubicBezTo>
+                    <a:cubicBezTo>
+                      <a:pt x="634" y="1075"/>
+                      <a:pt x="490" y="1120"/>
+                      <a:pt x="367" y="1215"/>
+                    </a:cubicBezTo>
+                    <a:cubicBezTo>
+                      <a:pt x="67" y="1415"/>
+                      <a:pt x="0" y="1849"/>
+                      <a:pt x="234" y="2149"/>
+                    </a:cubicBezTo>
+                    <a:lnTo>
+                      <a:pt x="2502" y="5185"/>
+                    </a:lnTo>
+                    <a:cubicBezTo>
+                      <a:pt x="2602" y="5352"/>
+                      <a:pt x="2802" y="5452"/>
+                      <a:pt x="3002" y="5452"/>
+                    </a:cubicBezTo>
+                    <a:lnTo>
+                      <a:pt x="3036" y="5452"/>
+                    </a:lnTo>
+                    <a:cubicBezTo>
+                      <a:pt x="3236" y="5452"/>
+                      <a:pt x="3436" y="5385"/>
+                      <a:pt x="3570" y="5251"/>
+                    </a:cubicBezTo>
+                    <a:lnTo>
+                      <a:pt x="7205" y="1149"/>
+                    </a:lnTo>
+                    <a:cubicBezTo>
+                      <a:pt x="7439" y="848"/>
+                      <a:pt x="7406" y="415"/>
+                      <a:pt x="7139" y="181"/>
+                    </a:cubicBezTo>
+                    <a:cubicBezTo>
+                      <a:pt x="7002" y="60"/>
+                      <a:pt x="6844" y="0"/>
+                      <a:pt x="6688" y="0"/>
+                    </a:cubicBezTo>
+                    <a:close/>
+                  </a:path>
+                </a:pathLst>
+              </a:custGeom>
+              <a:solidFill>
+                <a:schemeClr val="accent3"/>
+              </a:solidFill>
+              <a:ln>
+                <a:noFill/>
+              </a:ln>
+            </p:spPr>
+            <p:txBody>
+              <a:bodyPr spcFirstLastPara="1" wrap="square" lIns="91425" tIns="91425" rIns="91425" bIns="91425" anchor="ctr" anchorCtr="0">
+                <a:noAutofit/>
+              </a:bodyPr>
+              <a:lstStyle/>
+              <a:p>
+                <a:pPr marL="0" lvl="0" indent="0" algn="l" rtl="0">
+                  <a:spcBef>
+                    <a:spcPts val="0"/>
+                  </a:spcBef>
+                  <a:spcAft>
+                    <a:spcPts val="0"/>
+                  </a:spcAft>
+                  <a:buNone/>
+                </a:pPr>
+                <a:endParaRPr/>
+              </a:p>
+            </p:txBody>
+          </p:sp>
+        </p:grpSp>
+      </p:grpSp>
+      <p:grpSp>
+        <p:nvGrpSpPr>
+          <p:cNvPr id="11" name="Google Shape;390;p22"/>
+          <p:cNvGrpSpPr/>
+          <p:nvPr/>
+        </p:nvGrpSpPr>
+        <p:grpSpPr>
+          <a:xfrm>
+            <a:off x="228600" y="5366129"/>
+            <a:ext cx="8686800" cy="1339471"/>
+            <a:chOff x="1276687" y="4024596"/>
+            <a:chExt cx="6590600" cy="711325"/>
+          </a:xfrm>
+        </p:grpSpPr>
+        <p:sp>
+          <p:nvSpPr>
+            <p:cNvPr id="391" name="Google Shape;391;p22"/>
+            <p:cNvSpPr/>
+            <p:nvPr/>
+          </p:nvSpPr>
+          <p:spPr>
+            <a:xfrm>
+              <a:off x="1276687" y="4024596"/>
+              <a:ext cx="1409700" cy="709200"/>
+            </a:xfrm>
+            <a:prstGeom prst="rect">
+              <a:avLst/>
+            </a:prstGeom>
+            <a:solidFill>
+              <a:schemeClr val="accent4"/>
+            </a:solidFill>
+            <a:ln>
+              <a:noFill/>
+            </a:ln>
+          </p:spPr>
+          <p:txBody>
+            <a:bodyPr spcFirstLastPara="1" wrap="square" lIns="91425" tIns="91425" rIns="91425" bIns="91425" anchor="ctr" anchorCtr="0">
+              <a:noAutofit/>
+            </a:bodyPr>
+            <a:lstStyle/>
+            <a:p>
+              <a:pPr marL="0" lvl="0" indent="0" algn="l" rtl="0">
+                <a:spcBef>
+                  <a:spcPts val="0"/>
+                </a:spcBef>
+                <a:spcAft>
+                  <a:spcPts val="0"/>
+                </a:spcAft>
+                <a:buNone/>
+              </a:pPr>
+              <a:endParaRPr/>
+            </a:p>
+          </p:txBody>
+        </p:sp>
+        <p:sp>
+          <p:nvSpPr>
+            <p:cNvPr id="392" name="Google Shape;392;p22"/>
+            <p:cNvSpPr txBox="1"/>
+            <p:nvPr/>
+          </p:nvSpPr>
+          <p:spPr>
+            <a:xfrm>
+              <a:off x="1469201" y="4191064"/>
+              <a:ext cx="1024800" cy="361500"/>
+            </a:xfrm>
+            <a:prstGeom prst="rect">
+              <a:avLst/>
+            </a:prstGeom>
+            <a:noFill/>
+            <a:ln>
+              <a:noFill/>
+            </a:ln>
+          </p:spPr>
+          <p:txBody>
+            <a:bodyPr spcFirstLastPara="1" wrap="square" lIns="91425" tIns="91425" rIns="91425" bIns="91425" anchor="ctr" anchorCtr="0">
+              <a:noAutofit/>
+            </a:bodyPr>
+            <a:lstStyle/>
+            <a:p>
+              <a:pPr marL="0" lvl="0" indent="0" algn="ctr" rtl="0">
+                <a:spcBef>
+                  <a:spcPts val="0"/>
+                </a:spcBef>
+                <a:spcAft>
+                  <a:spcPts val="0"/>
+                </a:spcAft>
+                <a:buNone/>
+              </a:pPr>
+              <a:r>
+                <a:rPr lang="en" sz="2000">
+                  <a:solidFill>
+                    <a:srgbClr val="FFFFFF"/>
+                  </a:solidFill>
+                  <a:latin typeface="Fira Sans Extra Condensed Medium"/>
+                  <a:ea typeface="Fira Sans Extra Condensed Medium"/>
+                  <a:cs typeface="Fira Sans Extra Condensed Medium"/>
+                  <a:sym typeface="Fira Sans Extra Condensed Medium"/>
+                </a:rPr>
+                <a:t>Venus</a:t>
+              </a:r>
+              <a:endParaRPr sz="2000">
+                <a:solidFill>
+                  <a:srgbClr val="FFFFFF"/>
+                </a:solidFill>
+                <a:latin typeface="Fira Sans Extra Condensed Medium"/>
+                <a:ea typeface="Fira Sans Extra Condensed Medium"/>
+                <a:cs typeface="Fira Sans Extra Condensed Medium"/>
+                <a:sym typeface="Fira Sans Extra Condensed Medium"/>
+              </a:endParaRPr>
+            </a:p>
+          </p:txBody>
+        </p:sp>
+        <p:sp>
+          <p:nvSpPr>
+            <p:cNvPr id="393" name="Google Shape;393;p22"/>
+            <p:cNvSpPr/>
+            <p:nvPr/>
+          </p:nvSpPr>
+          <p:spPr>
+            <a:xfrm>
+              <a:off x="2784227" y="4024876"/>
+              <a:ext cx="3575700" cy="708900"/>
+            </a:xfrm>
+            <a:prstGeom prst="rect">
+              <a:avLst/>
+            </a:prstGeom>
+            <a:solidFill>
+              <a:schemeClr val="accent4"/>
+            </a:solidFill>
+            <a:ln>
+              <a:noFill/>
+            </a:ln>
+          </p:spPr>
+          <p:txBody>
+            <a:bodyPr spcFirstLastPara="1" wrap="square" lIns="91425" tIns="91425" rIns="91425" bIns="91425" anchor="ctr" anchorCtr="0">
+              <a:noAutofit/>
+            </a:bodyPr>
+            <a:lstStyle/>
+            <a:p>
+              <a:pPr marL="0" lvl="0" indent="0" algn="l" rtl="0">
+                <a:spcBef>
+                  <a:spcPts val="0"/>
+                </a:spcBef>
+                <a:spcAft>
+                  <a:spcPts val="0"/>
+                </a:spcAft>
+                <a:buNone/>
+              </a:pPr>
+              <a:endParaRPr/>
+            </a:p>
+          </p:txBody>
+        </p:sp>
+        <p:sp>
+          <p:nvSpPr>
+            <p:cNvPr id="394" name="Google Shape;394;p22"/>
+            <p:cNvSpPr txBox="1"/>
+            <p:nvPr/>
+          </p:nvSpPr>
+          <p:spPr>
+            <a:xfrm flipH="1">
+              <a:off x="2964493" y="4114176"/>
+              <a:ext cx="3215100" cy="530400"/>
+            </a:xfrm>
+            <a:prstGeom prst="rect">
+              <a:avLst/>
+            </a:prstGeom>
+            <a:noFill/>
+            <a:ln>
+              <a:noFill/>
+            </a:ln>
+          </p:spPr>
+          <p:txBody>
+            <a:bodyPr spcFirstLastPara="1" wrap="square" lIns="91425" tIns="91425" rIns="91425" bIns="91425" anchor="ctr" anchorCtr="0">
+              <a:noAutofit/>
+            </a:bodyPr>
+            <a:lstStyle/>
+            <a:p>
+              <a:pPr marL="0" lvl="0" indent="0" algn="ctr" rtl="0">
+                <a:spcBef>
+                  <a:spcPts val="0"/>
+                </a:spcBef>
+                <a:spcAft>
+                  <a:spcPts val="0"/>
+                </a:spcAft>
+                <a:buNone/>
+              </a:pPr>
+              <a:r>
+                <a:rPr lang="en" sz="1200">
+                  <a:solidFill>
+                    <a:schemeClr val="lt1"/>
+                  </a:solidFill>
+                  <a:latin typeface="Roboto"/>
+                  <a:ea typeface="Roboto"/>
+                  <a:cs typeface="Roboto"/>
+                  <a:sym typeface="Roboto"/>
+                </a:rPr>
+                <a:t>Venus has a beautiful name and also is terrible hot</a:t>
+              </a:r>
+              <a:endParaRPr sz="1200">
+                <a:solidFill>
+                  <a:schemeClr val="lt1"/>
+                </a:solidFill>
+                <a:latin typeface="Roboto"/>
+                <a:ea typeface="Roboto"/>
+                <a:cs typeface="Roboto"/>
+                <a:sym typeface="Roboto"/>
+              </a:endParaRPr>
+            </a:p>
+          </p:txBody>
+        </p:sp>
+        <p:sp>
+          <p:nvSpPr>
+            <p:cNvPr id="395" name="Google Shape;395;p22"/>
+            <p:cNvSpPr/>
+            <p:nvPr/>
+          </p:nvSpPr>
+          <p:spPr>
+            <a:xfrm>
+              <a:off x="6457587" y="4026721"/>
+              <a:ext cx="1409700" cy="709200"/>
+            </a:xfrm>
+            <a:prstGeom prst="rect">
+              <a:avLst/>
+            </a:prstGeom>
+            <a:solidFill>
+              <a:schemeClr val="accent4"/>
+            </a:solidFill>
+            <a:ln>
+              <a:noFill/>
+            </a:ln>
+          </p:spPr>
+          <p:txBody>
+            <a:bodyPr spcFirstLastPara="1" wrap="square" lIns="91425" tIns="91425" rIns="91425" bIns="91425" anchor="ctr" anchorCtr="0">
+              <a:noAutofit/>
+            </a:bodyPr>
+            <a:lstStyle/>
+            <a:p>
+              <a:pPr marL="0" lvl="0" indent="0" algn="l" rtl="0">
+                <a:spcBef>
+                  <a:spcPts val="0"/>
+                </a:spcBef>
+                <a:spcAft>
+                  <a:spcPts val="0"/>
+                </a:spcAft>
+                <a:buNone/>
+              </a:pPr>
+              <a:endParaRPr/>
+            </a:p>
+          </p:txBody>
+        </p:sp>
+        <p:grpSp>
+          <p:nvGrpSpPr>
+            <p:cNvPr id="12" name="Google Shape;396;p22"/>
+            <p:cNvGrpSpPr/>
+            <p:nvPr/>
+          </p:nvGrpSpPr>
+          <p:grpSpPr>
+            <a:xfrm>
+              <a:off x="6936154" y="4154985"/>
+              <a:ext cx="452700" cy="452700"/>
+              <a:chOff x="6936154" y="2587635"/>
+              <a:chExt cx="452700" cy="452700"/>
+            </a:xfrm>
+          </p:grpSpPr>
+          <p:sp>
+            <p:nvSpPr>
+              <p:cNvPr id="397" name="Google Shape;397;p22"/>
+              <p:cNvSpPr/>
+              <p:nvPr/>
+            </p:nvSpPr>
+            <p:spPr>
+              <a:xfrm>
+                <a:off x="6936154" y="2587635"/>
+                <a:ext cx="452700" cy="452700"/>
+              </a:xfrm>
+              <a:prstGeom prst="ellipse">
+                <a:avLst/>
+              </a:prstGeom>
+              <a:solidFill>
+                <a:schemeClr val="lt1"/>
+              </a:solidFill>
+              <a:ln>
+                <a:noFill/>
+              </a:ln>
+            </p:spPr>
+            <p:txBody>
+              <a:bodyPr spcFirstLastPara="1" wrap="square" lIns="91425" tIns="91425" rIns="91425" bIns="91425" anchor="ctr" anchorCtr="0">
+                <a:noAutofit/>
+              </a:bodyPr>
+              <a:lstStyle/>
+              <a:p>
+                <a:pPr marL="0" lvl="0" indent="0" algn="l" rtl="0">
+                  <a:spcBef>
+                    <a:spcPts val="0"/>
+                  </a:spcBef>
+                  <a:spcAft>
+                    <a:spcPts val="0"/>
+                  </a:spcAft>
+                  <a:buNone/>
+                </a:pPr>
+                <a:endParaRPr/>
+              </a:p>
+            </p:txBody>
+          </p:sp>
+          <p:sp>
+            <p:nvSpPr>
+              <p:cNvPr id="398" name="Google Shape;398;p22"/>
+              <p:cNvSpPr/>
+              <p:nvPr/>
+            </p:nvSpPr>
+            <p:spPr>
+              <a:xfrm>
+                <a:off x="7025281" y="2689448"/>
+                <a:ext cx="274532" cy="274551"/>
+              </a:xfrm>
+              <a:custGeom>
+                <a:avLst/>
+                <a:gdLst/>
+                <a:ahLst/>
+                <a:cxnLst/>
+                <a:rect l="l" t="t" r="r" b="b"/>
+                <a:pathLst>
+                  <a:path w="6239" h="6093" extrusionOk="0">
+                    <a:moveTo>
+                      <a:pt x="763" y="1"/>
+                    </a:moveTo>
+                    <a:cubicBezTo>
+                      <a:pt x="598" y="1"/>
+                      <a:pt x="430" y="60"/>
+                      <a:pt x="301" y="189"/>
+                    </a:cubicBezTo>
+                    <a:cubicBezTo>
+                      <a:pt x="34" y="422"/>
+                      <a:pt x="34" y="889"/>
+                      <a:pt x="301" y="1156"/>
+                    </a:cubicBezTo>
+                    <a:lnTo>
+                      <a:pt x="2169" y="3057"/>
+                    </a:lnTo>
+                    <a:lnTo>
+                      <a:pt x="268" y="4925"/>
+                    </a:lnTo>
+                    <a:cubicBezTo>
+                      <a:pt x="1" y="5192"/>
+                      <a:pt x="1" y="5593"/>
+                      <a:pt x="234" y="5859"/>
+                    </a:cubicBezTo>
+                    <a:cubicBezTo>
+                      <a:pt x="376" y="6001"/>
+                      <a:pt x="565" y="6077"/>
+                      <a:pt x="751" y="6077"/>
+                    </a:cubicBezTo>
+                    <a:cubicBezTo>
+                      <a:pt x="915" y="6077"/>
+                      <a:pt x="1076" y="6018"/>
+                      <a:pt x="1202" y="5893"/>
+                    </a:cubicBezTo>
+                    <a:lnTo>
+                      <a:pt x="3103" y="3991"/>
+                    </a:lnTo>
+                    <a:lnTo>
+                      <a:pt x="4971" y="5893"/>
+                    </a:lnTo>
+                    <a:cubicBezTo>
+                      <a:pt x="5104" y="6026"/>
+                      <a:pt x="5280" y="6093"/>
+                      <a:pt x="5455" y="6093"/>
+                    </a:cubicBezTo>
+                    <a:cubicBezTo>
+                      <a:pt x="5630" y="6093"/>
+                      <a:pt x="5805" y="6026"/>
+                      <a:pt x="5938" y="5893"/>
+                    </a:cubicBezTo>
+                    <a:cubicBezTo>
+                      <a:pt x="6205" y="5626"/>
+                      <a:pt x="6205" y="5192"/>
+                      <a:pt x="5938" y="4959"/>
+                    </a:cubicBezTo>
+                    <a:lnTo>
+                      <a:pt x="4070" y="3057"/>
+                    </a:lnTo>
+                    <a:lnTo>
+                      <a:pt x="5972" y="1189"/>
+                    </a:lnTo>
+                    <a:cubicBezTo>
+                      <a:pt x="6239" y="923"/>
+                      <a:pt x="6239" y="489"/>
+                      <a:pt x="5972" y="222"/>
+                    </a:cubicBezTo>
+                    <a:cubicBezTo>
+                      <a:pt x="5838" y="89"/>
+                      <a:pt x="5663" y="22"/>
+                      <a:pt x="5488" y="22"/>
+                    </a:cubicBezTo>
+                    <a:cubicBezTo>
+                      <a:pt x="5313" y="22"/>
+                      <a:pt x="5138" y="89"/>
+                      <a:pt x="5004" y="222"/>
+                    </a:cubicBezTo>
+                    <a:lnTo>
+                      <a:pt x="3136" y="2090"/>
+                    </a:lnTo>
+                    <a:lnTo>
+                      <a:pt x="1235" y="189"/>
+                    </a:lnTo>
+                    <a:cubicBezTo>
+                      <a:pt x="1114" y="68"/>
+                      <a:pt x="940" y="1"/>
+                      <a:pt x="763" y="1"/>
+                    </a:cubicBezTo>
+                    <a:close/>
+                  </a:path>
+                </a:pathLst>
+              </a:custGeom>
+              <a:solidFill>
+                <a:schemeClr val="accent4"/>
+              </a:solidFill>
+              <a:ln>
+                <a:noFill/>
+              </a:ln>
+            </p:spPr>
+            <p:txBody>
+              <a:bodyPr spcFirstLastPara="1" wrap="square" lIns="91425" tIns="91425" rIns="91425" bIns="91425" anchor="ctr" anchorCtr="0">
+                <a:noAutofit/>
+              </a:bodyPr>
+              <a:lstStyle/>
+              <a:p>
+                <a:pPr marL="0" lvl="0" indent="0" algn="l" rtl="0">
+                  <a:spcBef>
+                    <a:spcPts val="0"/>
+                  </a:spcBef>
+                  <a:spcAft>
+                    <a:spcPts val="0"/>
+                  </a:spcAft>
+                  <a:buNone/>
+                </a:pPr>
+                <a:endParaRPr/>
+              </a:p>
+            </p:txBody>
+          </p:sp>
+        </p:grpSp>
+      </p:grpSp>
+      <p:sp>
+        <p:nvSpPr>
+          <p:cNvPr id="48" name="Rectangle 47"/>
+          <p:cNvSpPr/>
+          <p:nvPr/>
+        </p:nvSpPr>
+        <p:spPr>
+          <a:xfrm>
+            <a:off x="6317585" y="2526341"/>
+            <a:ext cx="2826415" cy="369332"/>
+          </a:xfrm>
+          <a:prstGeom prst="rect">
+            <a:avLst/>
+          </a:prstGeom>
+        </p:spPr>
+        <p:txBody>
+          <a:bodyPr wrap="square">
+            <a:spAutoFit/>
+          </a:bodyPr>
+          <a:lstStyle/>
+          <a:p>
+            <a:r>
+              <a:rPr lang="en-US" dirty="0" smtClean="0"/>
+              <a:t>class Child extends Parent {...}</a:t>
+            </a:r>
+            <a:endParaRPr lang="en-US" dirty="0"/>
+          </a:p>
+        </p:txBody>
+      </p:sp>
+    </p:spTree>
+  </p:cSld>
+  <p:clrMapOvr>
+    <a:masterClrMapping/>
+  </p:clrMapOvr>
+</p:sld>
+</file>
+
+<file path=ppt/slides/slide17.xml><?xml version="1.0" encoding="utf-8"?>
+<p:sld xmlns:a="http://schemas.openxmlformats.org/drawingml/2006/main" xmlns:r="http://schemas.openxmlformats.org/officeDocument/2006/relationships" xmlns:p="http://schemas.openxmlformats.org/presentationml/2006/main">
+  <p:cSld>
+    <p:spTree>
+      <p:nvGrpSpPr>
+        <p:cNvPr id="1" name="Shape 352"/>
+        <p:cNvGrpSpPr/>
+        <p:nvPr/>
+      </p:nvGrpSpPr>
+      <p:grpSpPr>
+        <a:xfrm>
+          <a:off x="0" y="0"/>
+          <a:ext cx="0" cy="0"/>
+          <a:chOff x="0" y="0"/>
+          <a:chExt cx="0" cy="0"/>
+        </a:xfrm>
+      </p:grpSpPr>
+      <p:sp>
+        <p:nvSpPr>
+          <p:cNvPr id="353" name="Google Shape;353;p22"/>
+          <p:cNvSpPr txBox="1">
+            <a:spLocks noGrp="1"/>
+          </p:cNvSpPr>
+          <p:nvPr>
+            <p:ph type="title"/>
+          </p:nvPr>
+        </p:nvSpPr>
+        <p:spPr>
+          <a:xfrm>
+            <a:off x="609600" y="304800"/>
+            <a:ext cx="8534400" cy="596800"/>
+          </a:xfrm>
+          <a:prstGeom prst="rect">
+            <a:avLst/>
+          </a:prstGeom>
+        </p:spPr>
+        <p:txBody>
+          <a:bodyPr spcFirstLastPara="1" wrap="square" lIns="91425" tIns="91425" rIns="91425" bIns="91425" anchor="ctr" anchorCtr="0">
+            <a:noAutofit/>
+          </a:bodyPr>
+          <a:lstStyle/>
+          <a:p>
+            <a:pPr lvl="0">
+              <a:spcBef>
+                <a:spcPts val="0"/>
+              </a:spcBef>
+            </a:pPr>
+            <a:r>
+              <a:rPr lang="en-US" b="1" dirty="0" smtClean="0"/>
+              <a:t>Object-Oriented </a:t>
+            </a:r>
+            <a:r>
+              <a:rPr lang="en-US" b="1" dirty="0" err="1" smtClean="0"/>
+              <a:t>TypeScript</a:t>
+            </a:r>
+            <a:r>
+              <a:rPr lang="en-US" b="1" dirty="0" smtClean="0"/>
+              <a:t> (OOP)</a:t>
+            </a:r>
+            <a:endParaRPr/>
+          </a:p>
+        </p:txBody>
+      </p:sp>
+      <p:grpSp>
+        <p:nvGrpSpPr>
+          <p:cNvPr id="2" name="Google Shape;354;p22"/>
+          <p:cNvGrpSpPr/>
+          <p:nvPr/>
+        </p:nvGrpSpPr>
+        <p:grpSpPr>
+          <a:xfrm>
+            <a:off x="2215627" y="1524000"/>
+            <a:ext cx="4712913" cy="800321"/>
+            <a:chOff x="3557650" y="1238091"/>
+            <a:chExt cx="3507600" cy="416922"/>
+          </a:xfrm>
+        </p:grpSpPr>
+        <p:sp>
+          <p:nvSpPr>
+            <p:cNvPr id="355" name="Google Shape;355;p22"/>
+            <p:cNvSpPr/>
+            <p:nvPr/>
+          </p:nvSpPr>
+          <p:spPr>
+            <a:xfrm>
+              <a:off x="3557650" y="1304913"/>
+              <a:ext cx="3507600" cy="350100"/>
+            </a:xfrm>
+            <a:prstGeom prst="rect">
+              <a:avLst/>
+            </a:prstGeom>
+            <a:solidFill>
+              <a:schemeClr val="lt2"/>
+            </a:solidFill>
+            <a:ln>
+              <a:noFill/>
+            </a:ln>
+          </p:spPr>
+          <p:txBody>
+            <a:bodyPr spcFirstLastPara="1" wrap="square" lIns="91425" tIns="91425" rIns="91425" bIns="91425" anchor="ctr" anchorCtr="0">
+              <a:noAutofit/>
+            </a:bodyPr>
+            <a:lstStyle/>
+            <a:p>
+              <a:pPr marL="0" lvl="0" indent="0" algn="l" rtl="0">
+                <a:spcBef>
+                  <a:spcPts val="0"/>
+                </a:spcBef>
+                <a:spcAft>
+                  <a:spcPts val="0"/>
+                </a:spcAft>
+                <a:buNone/>
+              </a:pPr>
+              <a:endParaRPr/>
+            </a:p>
+          </p:txBody>
+        </p:sp>
+        <p:sp>
+          <p:nvSpPr>
+            <p:cNvPr id="356" name="Google Shape;356;p22"/>
+            <p:cNvSpPr txBox="1"/>
+            <p:nvPr/>
+          </p:nvSpPr>
+          <p:spPr>
+            <a:xfrm>
+              <a:off x="4460707" y="1238091"/>
+              <a:ext cx="1506255" cy="354600"/>
+            </a:xfrm>
+            <a:prstGeom prst="rect">
+              <a:avLst/>
+            </a:prstGeom>
+            <a:noFill/>
+            <a:ln>
+              <a:noFill/>
+            </a:ln>
+          </p:spPr>
+          <p:txBody>
+            <a:bodyPr spcFirstLastPara="1" wrap="square" lIns="91425" tIns="91425" rIns="91425" bIns="91425" anchor="ctr" anchorCtr="0">
+              <a:noAutofit/>
+            </a:bodyPr>
+            <a:lstStyle/>
+            <a:p>
+              <a:pPr algn="ctr">
+                <a:lnSpc>
+                  <a:spcPct val="115000"/>
+                </a:lnSpc>
+              </a:pPr>
+              <a:r>
+                <a:rPr lang="en-US" sz="2400" b="1" dirty="0" smtClean="0"/>
+                <a:t>Description</a:t>
+              </a:r>
+              <a:endParaRPr lang="en-US" sz="2400" b="1" dirty="0">
+                <a:latin typeface="Calibri"/>
+                <a:ea typeface="Calibri"/>
+                <a:cs typeface="Times New Roman"/>
+              </a:endParaRPr>
+            </a:p>
+          </p:txBody>
+        </p:sp>
+      </p:grpSp>
+      <p:grpSp>
+        <p:nvGrpSpPr>
+          <p:cNvPr id="3" name="Google Shape;357;p22"/>
+          <p:cNvGrpSpPr/>
+          <p:nvPr/>
+        </p:nvGrpSpPr>
+        <p:grpSpPr>
+          <a:xfrm>
+            <a:off x="1" y="1600199"/>
+            <a:ext cx="2910599" cy="724605"/>
+            <a:chOff x="1156557" y="1210604"/>
+            <a:chExt cx="1529856" cy="384800"/>
+          </a:xfrm>
+        </p:grpSpPr>
+        <p:sp>
+          <p:nvSpPr>
+            <p:cNvPr id="358" name="Google Shape;358;p22"/>
+            <p:cNvSpPr/>
+            <p:nvPr/>
+          </p:nvSpPr>
+          <p:spPr>
+            <a:xfrm>
+              <a:off x="1276713" y="1238104"/>
+              <a:ext cx="1409700" cy="357300"/>
+            </a:xfrm>
+            <a:prstGeom prst="rect">
+              <a:avLst/>
+            </a:prstGeom>
+            <a:solidFill>
+              <a:schemeClr val="lt2"/>
+            </a:solidFill>
+            <a:ln>
+              <a:noFill/>
+            </a:ln>
+          </p:spPr>
+          <p:txBody>
+            <a:bodyPr spcFirstLastPara="1" wrap="square" lIns="91425" tIns="91425" rIns="91425" bIns="91425" anchor="ctr" anchorCtr="0">
+              <a:noAutofit/>
+            </a:bodyPr>
+            <a:lstStyle/>
+            <a:p>
+              <a:pPr marL="0" lvl="0" indent="0" algn="l" rtl="0">
+                <a:spcBef>
+                  <a:spcPts val="0"/>
+                </a:spcBef>
+                <a:spcAft>
+                  <a:spcPts val="0"/>
+                </a:spcAft>
+                <a:buNone/>
+              </a:pPr>
+              <a:endParaRPr/>
+            </a:p>
+          </p:txBody>
+        </p:sp>
+        <p:sp>
+          <p:nvSpPr>
+            <p:cNvPr id="359" name="Google Shape;359;p22"/>
+            <p:cNvSpPr txBox="1"/>
+            <p:nvPr/>
+          </p:nvSpPr>
+          <p:spPr>
+            <a:xfrm>
+              <a:off x="1156557" y="1210604"/>
+              <a:ext cx="1220700" cy="361500"/>
+            </a:xfrm>
+            <a:prstGeom prst="rect">
+              <a:avLst/>
+            </a:prstGeom>
+            <a:noFill/>
+            <a:ln>
+              <a:noFill/>
+            </a:ln>
+          </p:spPr>
+          <p:txBody>
+            <a:bodyPr spcFirstLastPara="1" wrap="square" lIns="91425" tIns="91425" rIns="91425" bIns="91425" anchor="ctr" anchorCtr="0">
+              <a:noAutofit/>
+            </a:bodyPr>
+            <a:lstStyle/>
+            <a:p>
+              <a:pPr lvl="0" algn="ctr"/>
+              <a:r>
+                <a:rPr lang="en-US" sz="2400" b="1" dirty="0" smtClean="0"/>
+                <a:t>Feature</a:t>
+              </a:r>
+              <a:endParaRPr sz="2400">
+                <a:latin typeface="Fira Sans Extra Condensed Medium"/>
+                <a:ea typeface="Fira Sans Extra Condensed Medium"/>
+                <a:cs typeface="Fira Sans Extra Condensed Medium"/>
+                <a:sym typeface="Fira Sans Extra Condensed Medium"/>
+              </a:endParaRPr>
+            </a:p>
+          </p:txBody>
+        </p:sp>
+      </p:grpSp>
+      <p:grpSp>
+        <p:nvGrpSpPr>
+          <p:cNvPr id="4" name="Google Shape;360;p22"/>
+          <p:cNvGrpSpPr/>
+          <p:nvPr/>
+        </p:nvGrpSpPr>
+        <p:grpSpPr>
+          <a:xfrm>
+            <a:off x="6233431" y="1523998"/>
+            <a:ext cx="2910569" cy="803635"/>
+            <a:chOff x="6457613" y="1170759"/>
+            <a:chExt cx="1529857" cy="426769"/>
+          </a:xfrm>
+        </p:grpSpPr>
+        <p:sp>
+          <p:nvSpPr>
+            <p:cNvPr id="361" name="Google Shape;361;p22"/>
+            <p:cNvSpPr/>
+            <p:nvPr/>
+          </p:nvSpPr>
+          <p:spPr>
+            <a:xfrm>
+              <a:off x="6457613" y="1240228"/>
+              <a:ext cx="1409700" cy="357300"/>
+            </a:xfrm>
+            <a:prstGeom prst="rect">
+              <a:avLst/>
+            </a:prstGeom>
+            <a:solidFill>
+              <a:schemeClr val="lt2"/>
+            </a:solidFill>
+            <a:ln>
+              <a:noFill/>
+            </a:ln>
+          </p:spPr>
+          <p:txBody>
+            <a:bodyPr spcFirstLastPara="1" wrap="square" lIns="91425" tIns="91425" rIns="91425" bIns="91425" anchor="ctr" anchorCtr="0">
+              <a:noAutofit/>
+            </a:bodyPr>
+            <a:lstStyle/>
+            <a:p>
+              <a:pPr marL="0" lvl="0" indent="0" algn="l" rtl="0">
+                <a:spcBef>
+                  <a:spcPts val="0"/>
+                </a:spcBef>
+                <a:spcAft>
+                  <a:spcPts val="0"/>
+                </a:spcAft>
+                <a:buNone/>
+              </a:pPr>
+              <a:endParaRPr/>
+            </a:p>
+          </p:txBody>
+        </p:sp>
+        <p:sp>
+          <p:nvSpPr>
+            <p:cNvPr id="362" name="Google Shape;362;p22"/>
+            <p:cNvSpPr txBox="1"/>
+            <p:nvPr/>
+          </p:nvSpPr>
+          <p:spPr>
+            <a:xfrm>
+              <a:off x="6766770" y="1170759"/>
+              <a:ext cx="1220700" cy="361500"/>
+            </a:xfrm>
+            <a:prstGeom prst="rect">
+              <a:avLst/>
+            </a:prstGeom>
+            <a:noFill/>
+            <a:ln>
+              <a:noFill/>
+            </a:ln>
+          </p:spPr>
+          <p:txBody>
+            <a:bodyPr spcFirstLastPara="1" wrap="square" lIns="91425" tIns="91425" rIns="91425" bIns="91425" anchor="ctr" anchorCtr="0">
+              <a:noAutofit/>
+            </a:bodyPr>
+            <a:lstStyle/>
+            <a:p>
+              <a:pPr algn="ctr">
+                <a:lnSpc>
+                  <a:spcPct val="115000"/>
+                </a:lnSpc>
+              </a:pPr>
+              <a:r>
+                <a:rPr lang="en-US" sz="2400" b="1" dirty="0" smtClean="0"/>
+                <a:t>Example</a:t>
+              </a:r>
+              <a:endParaRPr lang="en-US" sz="2400" b="1" dirty="0">
+                <a:latin typeface="Calibri"/>
+                <a:ea typeface="Calibri"/>
+                <a:cs typeface="Times New Roman"/>
+              </a:endParaRPr>
+            </a:p>
+          </p:txBody>
+        </p:sp>
+      </p:grpSp>
+      <p:grpSp>
+        <p:nvGrpSpPr>
+          <p:cNvPr id="5" name="Google Shape;363;p22"/>
+          <p:cNvGrpSpPr/>
+          <p:nvPr/>
+        </p:nvGrpSpPr>
+        <p:grpSpPr>
+          <a:xfrm>
+            <a:off x="228600" y="2219717"/>
+            <a:ext cx="8686800" cy="1356028"/>
+            <a:chOff x="1276687" y="1664787"/>
+            <a:chExt cx="6590600" cy="720117"/>
+          </a:xfrm>
+        </p:grpSpPr>
+        <p:sp>
+          <p:nvSpPr>
+            <p:cNvPr id="364" name="Google Shape;364;p22"/>
+            <p:cNvSpPr/>
+            <p:nvPr/>
+          </p:nvSpPr>
+          <p:spPr>
+            <a:xfrm>
+              <a:off x="1276687" y="1673579"/>
+              <a:ext cx="1409700" cy="709200"/>
+            </a:xfrm>
+            <a:prstGeom prst="rect">
+              <a:avLst/>
+            </a:prstGeom>
+            <a:solidFill>
+              <a:schemeClr val="accent1"/>
+            </a:solidFill>
+            <a:ln>
+              <a:noFill/>
+            </a:ln>
+          </p:spPr>
+          <p:txBody>
+            <a:bodyPr spcFirstLastPara="1" wrap="square" lIns="91425" tIns="91425" rIns="91425" bIns="91425" anchor="ctr" anchorCtr="0">
+              <a:noAutofit/>
+            </a:bodyPr>
+            <a:lstStyle/>
+            <a:p>
+              <a:pPr marL="0" lvl="0" indent="0" algn="l" rtl="0">
+                <a:spcBef>
+                  <a:spcPts val="0"/>
+                </a:spcBef>
+                <a:spcAft>
+                  <a:spcPts val="0"/>
+                </a:spcAft>
+                <a:buNone/>
+              </a:pPr>
+              <a:endParaRPr/>
+            </a:p>
+          </p:txBody>
+        </p:sp>
+        <p:sp>
+          <p:nvSpPr>
+            <p:cNvPr id="365" name="Google Shape;365;p22"/>
+            <p:cNvSpPr txBox="1"/>
+            <p:nvPr/>
+          </p:nvSpPr>
+          <p:spPr>
+            <a:xfrm>
+              <a:off x="1469201" y="1831357"/>
+              <a:ext cx="1024800" cy="361500"/>
+            </a:xfrm>
+            <a:prstGeom prst="rect">
+              <a:avLst/>
+            </a:prstGeom>
+            <a:noFill/>
+            <a:ln>
+              <a:noFill/>
+            </a:ln>
+          </p:spPr>
+          <p:txBody>
+            <a:bodyPr spcFirstLastPara="1" wrap="square" lIns="91425" tIns="91425" rIns="91425" bIns="91425" anchor="ctr" anchorCtr="0">
+              <a:noAutofit/>
+            </a:bodyPr>
+            <a:lstStyle/>
+            <a:p>
+              <a:pPr algn="ctr"/>
+              <a:r>
+                <a:rPr lang="en-US" sz="2000" b="1" dirty="0" smtClean="0"/>
+                <a:t>Inheritance</a:t>
+              </a:r>
+              <a:endParaRPr lang="en-US" sz="2000" dirty="0" smtClean="0"/>
+            </a:p>
+            <a:p>
+              <a:pPr marL="0" lvl="0" indent="0" algn="ctr" rtl="0">
+                <a:spcBef>
+                  <a:spcPts val="0"/>
+                </a:spcBef>
+                <a:spcAft>
+                  <a:spcPts val="0"/>
+                </a:spcAft>
+                <a:buNone/>
+              </a:pPr>
+              <a:endParaRPr sz="2000">
+                <a:solidFill>
+                  <a:srgbClr val="FFFFFF"/>
+                </a:solidFill>
+                <a:latin typeface="Fira Sans Extra Condensed Medium"/>
+                <a:ea typeface="Fira Sans Extra Condensed Medium"/>
+                <a:cs typeface="Fira Sans Extra Condensed Medium"/>
+                <a:sym typeface="Fira Sans Extra Condensed Medium"/>
+              </a:endParaRPr>
+            </a:p>
+          </p:txBody>
+        </p:sp>
+        <p:sp>
+          <p:nvSpPr>
+            <p:cNvPr id="366" name="Google Shape;366;p22"/>
+            <p:cNvSpPr/>
+            <p:nvPr/>
+          </p:nvSpPr>
+          <p:spPr>
+            <a:xfrm>
+              <a:off x="2784227" y="1664787"/>
+              <a:ext cx="3575700" cy="708900"/>
+            </a:xfrm>
+            <a:prstGeom prst="rect">
+              <a:avLst/>
+            </a:prstGeom>
+            <a:solidFill>
+              <a:schemeClr val="accent1"/>
+            </a:solidFill>
+            <a:ln>
+              <a:noFill/>
+            </a:ln>
+          </p:spPr>
+          <p:txBody>
+            <a:bodyPr spcFirstLastPara="1" wrap="square" lIns="91425" tIns="91425" rIns="91425" bIns="91425" anchor="ctr" anchorCtr="0">
+              <a:noAutofit/>
+            </a:bodyPr>
+            <a:lstStyle/>
+            <a:p>
+              <a:pPr marL="0" lvl="0" indent="0" algn="l" rtl="0">
+                <a:spcBef>
+                  <a:spcPts val="0"/>
+                </a:spcBef>
+                <a:spcAft>
+                  <a:spcPts val="0"/>
+                </a:spcAft>
+                <a:buNone/>
+              </a:pPr>
+              <a:endParaRPr/>
+            </a:p>
+          </p:txBody>
+        </p:sp>
+        <p:sp>
+          <p:nvSpPr>
+            <p:cNvPr id="367" name="Google Shape;367;p22"/>
+            <p:cNvSpPr txBox="1"/>
+            <p:nvPr/>
+          </p:nvSpPr>
+          <p:spPr>
+            <a:xfrm>
+              <a:off x="2964508" y="1763032"/>
+              <a:ext cx="3215100" cy="530400"/>
+            </a:xfrm>
+            <a:prstGeom prst="rect">
+              <a:avLst/>
+            </a:prstGeom>
+            <a:noFill/>
+            <a:ln>
+              <a:noFill/>
+            </a:ln>
+          </p:spPr>
+          <p:txBody>
+            <a:bodyPr spcFirstLastPara="1" wrap="square" lIns="91425" tIns="91425" rIns="91425" bIns="91425" anchor="ctr" anchorCtr="0">
+              <a:noAutofit/>
+            </a:bodyPr>
+            <a:lstStyle/>
+            <a:p>
+              <a:pPr lvl="0" algn="ctr"/>
+              <a:r>
+                <a:rPr lang="en-US" sz="1200" dirty="0" smtClean="0"/>
+                <a:t>Enables a class to inherit from another class.</a:t>
+              </a:r>
+              <a:endParaRPr sz="1200">
+                <a:solidFill>
+                  <a:schemeClr val="lt1"/>
+                </a:solidFill>
+                <a:latin typeface="Roboto"/>
+                <a:ea typeface="Roboto"/>
+                <a:cs typeface="Roboto"/>
+                <a:sym typeface="Roboto"/>
+              </a:endParaRPr>
+            </a:p>
+          </p:txBody>
+        </p:sp>
+        <p:sp>
+          <p:nvSpPr>
+            <p:cNvPr id="368" name="Google Shape;368;p22"/>
+            <p:cNvSpPr/>
+            <p:nvPr/>
+          </p:nvSpPr>
+          <p:spPr>
+            <a:xfrm>
+              <a:off x="6457587" y="1675704"/>
+              <a:ext cx="1409700" cy="709200"/>
+            </a:xfrm>
+            <a:prstGeom prst="rect">
+              <a:avLst/>
+            </a:prstGeom>
+            <a:solidFill>
+              <a:schemeClr val="accent1"/>
+            </a:solidFill>
+            <a:ln>
+              <a:noFill/>
+            </a:ln>
+          </p:spPr>
+          <p:txBody>
+            <a:bodyPr spcFirstLastPara="1" wrap="square" lIns="91425" tIns="91425" rIns="91425" bIns="91425" anchor="ctr" anchorCtr="0">
+              <a:noAutofit/>
+            </a:bodyPr>
+            <a:lstStyle/>
+            <a:p>
+              <a:pPr marL="0" lvl="0" indent="0" algn="l" rtl="0">
+                <a:spcBef>
+                  <a:spcPts val="0"/>
+                </a:spcBef>
+                <a:spcAft>
+                  <a:spcPts val="0"/>
+                </a:spcAft>
+                <a:buNone/>
+              </a:pPr>
+              <a:endParaRPr/>
+            </a:p>
+          </p:txBody>
+        </p:sp>
+      </p:grpSp>
+      <p:grpSp>
+        <p:nvGrpSpPr>
+          <p:cNvPr id="6" name="Google Shape;372;p22"/>
+          <p:cNvGrpSpPr/>
+          <p:nvPr/>
+        </p:nvGrpSpPr>
+        <p:grpSpPr>
+          <a:xfrm>
+            <a:off x="228600" y="3268645"/>
+            <a:ext cx="8686800" cy="1350333"/>
+            <a:chOff x="1276687" y="2451484"/>
+            <a:chExt cx="6590600" cy="717093"/>
+          </a:xfrm>
+        </p:grpSpPr>
+        <p:sp>
+          <p:nvSpPr>
+            <p:cNvPr id="373" name="Google Shape;373;p22"/>
+            <p:cNvSpPr/>
+            <p:nvPr/>
+          </p:nvSpPr>
+          <p:spPr>
+            <a:xfrm>
+              <a:off x="1276687" y="2457252"/>
+              <a:ext cx="1409700" cy="709200"/>
+            </a:xfrm>
+            <a:prstGeom prst="rect">
+              <a:avLst/>
+            </a:prstGeom>
+            <a:solidFill>
+              <a:schemeClr val="accent2"/>
+            </a:solidFill>
+            <a:ln>
+              <a:noFill/>
+            </a:ln>
+          </p:spPr>
+          <p:txBody>
+            <a:bodyPr spcFirstLastPara="1" wrap="square" lIns="91425" tIns="91425" rIns="91425" bIns="91425" anchor="ctr" anchorCtr="0">
+              <a:noAutofit/>
+            </a:bodyPr>
+            <a:lstStyle/>
+            <a:p>
+              <a:pPr marL="0" lvl="0" indent="0" algn="l" rtl="0">
+                <a:spcBef>
+                  <a:spcPts val="0"/>
+                </a:spcBef>
+                <a:spcAft>
+                  <a:spcPts val="0"/>
+                </a:spcAft>
+                <a:buNone/>
+              </a:pPr>
+              <a:endParaRPr/>
+            </a:p>
+          </p:txBody>
+        </p:sp>
+        <p:sp>
+          <p:nvSpPr>
+            <p:cNvPr id="374" name="Google Shape;374;p22"/>
+            <p:cNvSpPr txBox="1"/>
+            <p:nvPr/>
+          </p:nvSpPr>
+          <p:spPr>
+            <a:xfrm>
+              <a:off x="1469201" y="2617926"/>
+              <a:ext cx="1024800" cy="361500"/>
+            </a:xfrm>
+            <a:prstGeom prst="rect">
+              <a:avLst/>
+            </a:prstGeom>
+            <a:noFill/>
+            <a:ln>
+              <a:noFill/>
+            </a:ln>
+          </p:spPr>
+          <p:txBody>
+            <a:bodyPr spcFirstLastPara="1" wrap="square" lIns="91425" tIns="91425" rIns="91425" bIns="91425" anchor="ctr" anchorCtr="0">
+              <a:noAutofit/>
+            </a:bodyPr>
+            <a:lstStyle/>
+            <a:p>
+              <a:pPr marL="0" lvl="0" indent="0" algn="ctr" rtl="0">
+                <a:spcBef>
+                  <a:spcPts val="0"/>
+                </a:spcBef>
+                <a:spcAft>
+                  <a:spcPts val="0"/>
+                </a:spcAft>
+                <a:buNone/>
+              </a:pPr>
+              <a:r>
+                <a:rPr lang="en" sz="2000">
+                  <a:solidFill>
+                    <a:srgbClr val="FFFFFF"/>
+                  </a:solidFill>
+                  <a:latin typeface="Fira Sans Extra Condensed Medium"/>
+                  <a:ea typeface="Fira Sans Extra Condensed Medium"/>
+                  <a:cs typeface="Fira Sans Extra Condensed Medium"/>
+                  <a:sym typeface="Fira Sans Extra Condensed Medium"/>
+                </a:rPr>
+                <a:t>Mars</a:t>
+              </a:r>
+              <a:endParaRPr sz="2000">
+                <a:solidFill>
+                  <a:srgbClr val="FFFFFF"/>
+                </a:solidFill>
+                <a:latin typeface="Fira Sans Extra Condensed Medium"/>
+                <a:ea typeface="Fira Sans Extra Condensed Medium"/>
+                <a:cs typeface="Fira Sans Extra Condensed Medium"/>
+                <a:sym typeface="Fira Sans Extra Condensed Medium"/>
+              </a:endParaRPr>
+            </a:p>
+          </p:txBody>
+        </p:sp>
+        <p:sp>
+          <p:nvSpPr>
+            <p:cNvPr id="375" name="Google Shape;375;p22"/>
+            <p:cNvSpPr/>
+            <p:nvPr/>
+          </p:nvSpPr>
+          <p:spPr>
+            <a:xfrm>
+              <a:off x="2784227" y="2451484"/>
+              <a:ext cx="3575700" cy="708900"/>
+            </a:xfrm>
+            <a:prstGeom prst="rect">
+              <a:avLst/>
+            </a:prstGeom>
+            <a:solidFill>
+              <a:schemeClr val="accent2"/>
+            </a:solidFill>
+            <a:ln>
+              <a:noFill/>
+            </a:ln>
+          </p:spPr>
+          <p:txBody>
+            <a:bodyPr spcFirstLastPara="1" wrap="square" lIns="91425" tIns="91425" rIns="91425" bIns="91425" anchor="ctr" anchorCtr="0">
+              <a:noAutofit/>
+            </a:bodyPr>
+            <a:lstStyle/>
+            <a:p>
+              <a:pPr marL="0" lvl="0" indent="0" algn="l" rtl="0">
+                <a:spcBef>
+                  <a:spcPts val="0"/>
+                </a:spcBef>
+                <a:spcAft>
+                  <a:spcPts val="0"/>
+                </a:spcAft>
+                <a:buNone/>
+              </a:pPr>
+              <a:endParaRPr/>
+            </a:p>
+          </p:txBody>
+        </p:sp>
+        <p:sp>
+          <p:nvSpPr>
+            <p:cNvPr id="376" name="Google Shape;376;p22"/>
+            <p:cNvSpPr txBox="1"/>
+            <p:nvPr/>
+          </p:nvSpPr>
+          <p:spPr>
+            <a:xfrm>
+              <a:off x="2964508" y="2540783"/>
+              <a:ext cx="3215100" cy="530400"/>
+            </a:xfrm>
+            <a:prstGeom prst="rect">
+              <a:avLst/>
+            </a:prstGeom>
+            <a:noFill/>
+            <a:ln>
+              <a:noFill/>
+            </a:ln>
+          </p:spPr>
+          <p:txBody>
+            <a:bodyPr spcFirstLastPara="1" wrap="square" lIns="91425" tIns="91425" rIns="91425" bIns="91425" anchor="ctr" anchorCtr="0">
+              <a:noAutofit/>
+            </a:bodyPr>
+            <a:lstStyle/>
+            <a:p>
+              <a:pPr marL="0" lvl="0" indent="0" algn="ctr" rtl="0">
+                <a:spcBef>
+                  <a:spcPts val="0"/>
+                </a:spcBef>
+                <a:spcAft>
+                  <a:spcPts val="0"/>
+                </a:spcAft>
+                <a:buNone/>
+              </a:pPr>
+              <a:r>
+                <a:rPr lang="en" sz="1200">
+                  <a:solidFill>
+                    <a:schemeClr val="lt1"/>
+                  </a:solidFill>
+                  <a:latin typeface="Roboto"/>
+                  <a:ea typeface="Roboto"/>
+                  <a:cs typeface="Roboto"/>
+                  <a:sym typeface="Roboto"/>
+                </a:rPr>
+                <a:t>Mars despite being red and also actually is a very cold place</a:t>
+              </a:r>
+              <a:endParaRPr sz="1200">
+                <a:solidFill>
+                  <a:schemeClr val="lt1"/>
+                </a:solidFill>
+                <a:latin typeface="Roboto"/>
+                <a:ea typeface="Roboto"/>
+                <a:cs typeface="Roboto"/>
+                <a:sym typeface="Roboto"/>
+              </a:endParaRPr>
+            </a:p>
+          </p:txBody>
+        </p:sp>
+        <p:sp>
+          <p:nvSpPr>
+            <p:cNvPr id="377" name="Google Shape;377;p22"/>
+            <p:cNvSpPr/>
+            <p:nvPr/>
+          </p:nvSpPr>
+          <p:spPr>
+            <a:xfrm>
+              <a:off x="6457587" y="2459377"/>
+              <a:ext cx="1409700" cy="709200"/>
+            </a:xfrm>
+            <a:prstGeom prst="rect">
+              <a:avLst/>
+            </a:prstGeom>
+            <a:solidFill>
+              <a:schemeClr val="accent2"/>
+            </a:solidFill>
+            <a:ln>
+              <a:noFill/>
+            </a:ln>
+          </p:spPr>
+          <p:txBody>
+            <a:bodyPr spcFirstLastPara="1" wrap="square" lIns="91425" tIns="91425" rIns="91425" bIns="91425" anchor="ctr" anchorCtr="0">
+              <a:noAutofit/>
+            </a:bodyPr>
+            <a:lstStyle/>
+            <a:p>
+              <a:pPr marL="0" lvl="0" indent="0" algn="l" rtl="0">
+                <a:spcBef>
+                  <a:spcPts val="0"/>
+                </a:spcBef>
+                <a:spcAft>
+                  <a:spcPts val="0"/>
+                </a:spcAft>
+                <a:buNone/>
+              </a:pPr>
+              <a:endParaRPr/>
+            </a:p>
+          </p:txBody>
+        </p:sp>
+        <p:grpSp>
+          <p:nvGrpSpPr>
+            <p:cNvPr id="7" name="Google Shape;378;p22"/>
+            <p:cNvGrpSpPr/>
+            <p:nvPr/>
+          </p:nvGrpSpPr>
+          <p:grpSpPr>
+            <a:xfrm>
+              <a:off x="6936154" y="2587635"/>
+              <a:ext cx="452700" cy="452700"/>
+              <a:chOff x="6936154" y="2587635"/>
+              <a:chExt cx="452700" cy="452700"/>
+            </a:xfrm>
+          </p:grpSpPr>
+          <p:sp>
+            <p:nvSpPr>
+              <p:cNvPr id="379" name="Google Shape;379;p22"/>
+              <p:cNvSpPr/>
+              <p:nvPr/>
+            </p:nvSpPr>
+            <p:spPr>
+              <a:xfrm>
+                <a:off x="6936154" y="2587635"/>
+                <a:ext cx="452700" cy="452700"/>
+              </a:xfrm>
+              <a:prstGeom prst="ellipse">
+                <a:avLst/>
+              </a:prstGeom>
+              <a:solidFill>
+                <a:schemeClr val="lt1"/>
+              </a:solidFill>
+              <a:ln>
+                <a:noFill/>
+              </a:ln>
+            </p:spPr>
+            <p:txBody>
+              <a:bodyPr spcFirstLastPara="1" wrap="square" lIns="91425" tIns="91425" rIns="91425" bIns="91425" anchor="ctr" anchorCtr="0">
+                <a:noAutofit/>
+              </a:bodyPr>
+              <a:lstStyle/>
+              <a:p>
+                <a:pPr marL="0" lvl="0" indent="0" algn="l" rtl="0">
+                  <a:spcBef>
+                    <a:spcPts val="0"/>
+                  </a:spcBef>
+                  <a:spcAft>
+                    <a:spcPts val="0"/>
+                  </a:spcAft>
+                  <a:buNone/>
+                </a:pPr>
+                <a:endParaRPr/>
+              </a:p>
+            </p:txBody>
+          </p:sp>
+          <p:sp>
+            <p:nvSpPr>
+              <p:cNvPr id="380" name="Google Shape;380;p22"/>
+              <p:cNvSpPr/>
+              <p:nvPr/>
+            </p:nvSpPr>
+            <p:spPr>
+              <a:xfrm>
+                <a:off x="7025281" y="2689448"/>
+                <a:ext cx="274532" cy="274551"/>
+              </a:xfrm>
+              <a:custGeom>
+                <a:avLst/>
+                <a:gdLst/>
+                <a:ahLst/>
+                <a:cxnLst/>
+                <a:rect l="l" t="t" r="r" b="b"/>
+                <a:pathLst>
+                  <a:path w="6239" h="6093" extrusionOk="0">
+                    <a:moveTo>
+                      <a:pt x="763" y="1"/>
+                    </a:moveTo>
+                    <a:cubicBezTo>
+                      <a:pt x="598" y="1"/>
+                      <a:pt x="430" y="60"/>
+                      <a:pt x="301" y="189"/>
+                    </a:cubicBezTo>
+                    <a:cubicBezTo>
+                      <a:pt x="34" y="422"/>
+                      <a:pt x="34" y="889"/>
+                      <a:pt x="301" y="1156"/>
+                    </a:cubicBezTo>
+                    <a:lnTo>
+                      <a:pt x="2169" y="3057"/>
+                    </a:lnTo>
+                    <a:lnTo>
+                      <a:pt x="268" y="4925"/>
+                    </a:lnTo>
+                    <a:cubicBezTo>
+                      <a:pt x="1" y="5192"/>
+                      <a:pt x="1" y="5593"/>
+                      <a:pt x="234" y="5859"/>
+                    </a:cubicBezTo>
+                    <a:cubicBezTo>
+                      <a:pt x="376" y="6001"/>
+                      <a:pt x="565" y="6077"/>
+                      <a:pt x="751" y="6077"/>
+                    </a:cubicBezTo>
+                    <a:cubicBezTo>
+                      <a:pt x="915" y="6077"/>
+                      <a:pt x="1076" y="6018"/>
+                      <a:pt x="1202" y="5893"/>
+                    </a:cubicBezTo>
+                    <a:lnTo>
+                      <a:pt x="3103" y="3991"/>
+                    </a:lnTo>
+                    <a:lnTo>
+                      <a:pt x="4971" y="5893"/>
+                    </a:lnTo>
+                    <a:cubicBezTo>
+                      <a:pt x="5104" y="6026"/>
+                      <a:pt x="5280" y="6093"/>
+                      <a:pt x="5455" y="6093"/>
+                    </a:cubicBezTo>
+                    <a:cubicBezTo>
+                      <a:pt x="5630" y="6093"/>
+                      <a:pt x="5805" y="6026"/>
+                      <a:pt x="5938" y="5893"/>
+                    </a:cubicBezTo>
+                    <a:cubicBezTo>
+                      <a:pt x="6205" y="5626"/>
+                      <a:pt x="6205" y="5192"/>
+                      <a:pt x="5938" y="4959"/>
+                    </a:cubicBezTo>
+                    <a:lnTo>
+                      <a:pt x="4070" y="3057"/>
+                    </a:lnTo>
+                    <a:lnTo>
+                      <a:pt x="5972" y="1189"/>
+                    </a:lnTo>
+                    <a:cubicBezTo>
+                      <a:pt x="6239" y="923"/>
+                      <a:pt x="6239" y="489"/>
+                      <a:pt x="5972" y="222"/>
+                    </a:cubicBezTo>
+                    <a:cubicBezTo>
+                      <a:pt x="5838" y="89"/>
+                      <a:pt x="5663" y="22"/>
+                      <a:pt x="5488" y="22"/>
+                    </a:cubicBezTo>
+                    <a:cubicBezTo>
+                      <a:pt x="5313" y="22"/>
+                      <a:pt x="5138" y="89"/>
+                      <a:pt x="5004" y="222"/>
+                    </a:cubicBezTo>
+                    <a:lnTo>
+                      <a:pt x="3136" y="2090"/>
+                    </a:lnTo>
+                    <a:lnTo>
+                      <a:pt x="1235" y="189"/>
+                    </a:lnTo>
+                    <a:cubicBezTo>
+                      <a:pt x="1114" y="68"/>
+                      <a:pt x="940" y="1"/>
+                      <a:pt x="763" y="1"/>
+                    </a:cubicBezTo>
+                    <a:close/>
+                  </a:path>
+                </a:pathLst>
+              </a:custGeom>
+              <a:solidFill>
+                <a:schemeClr val="accent2"/>
+              </a:solidFill>
+              <a:ln>
+                <a:noFill/>
+              </a:ln>
+            </p:spPr>
+            <p:txBody>
+              <a:bodyPr spcFirstLastPara="1" wrap="square" lIns="91425" tIns="91425" rIns="91425" bIns="91425" anchor="ctr" anchorCtr="0">
+                <a:noAutofit/>
+              </a:bodyPr>
+              <a:lstStyle/>
+              <a:p>
+                <a:pPr marL="0" lvl="0" indent="0" algn="l" rtl="0">
+                  <a:spcBef>
+                    <a:spcPts val="0"/>
+                  </a:spcBef>
+                  <a:spcAft>
+                    <a:spcPts val="0"/>
+                  </a:spcAft>
+                  <a:buNone/>
+                </a:pPr>
+                <a:endParaRPr/>
+              </a:p>
+            </p:txBody>
+          </p:sp>
+        </p:grpSp>
+      </p:grpSp>
+      <p:grpSp>
+        <p:nvGrpSpPr>
+          <p:cNvPr id="8" name="Google Shape;381;p22"/>
+          <p:cNvGrpSpPr/>
+          <p:nvPr/>
+        </p:nvGrpSpPr>
+        <p:grpSpPr>
+          <a:xfrm>
+            <a:off x="228600" y="4317573"/>
+            <a:ext cx="8686800" cy="1344639"/>
+            <a:chOff x="1276687" y="3238180"/>
+            <a:chExt cx="6590600" cy="714069"/>
+          </a:xfrm>
+        </p:grpSpPr>
+        <p:sp>
+          <p:nvSpPr>
+            <p:cNvPr id="382" name="Google Shape;382;p22"/>
+            <p:cNvSpPr/>
+            <p:nvPr/>
+          </p:nvSpPr>
+          <p:spPr>
+            <a:xfrm>
+              <a:off x="1276687" y="3240924"/>
+              <a:ext cx="1409700" cy="709200"/>
+            </a:xfrm>
+            <a:prstGeom prst="rect">
+              <a:avLst/>
+            </a:prstGeom>
+            <a:solidFill>
+              <a:schemeClr val="accent3"/>
+            </a:solidFill>
+            <a:ln>
+              <a:noFill/>
+            </a:ln>
+          </p:spPr>
+          <p:txBody>
+            <a:bodyPr spcFirstLastPara="1" wrap="square" lIns="91425" tIns="91425" rIns="91425" bIns="91425" anchor="ctr" anchorCtr="0">
+              <a:noAutofit/>
+            </a:bodyPr>
+            <a:lstStyle/>
+            <a:p>
+              <a:pPr marL="0" lvl="0" indent="0" algn="l" rtl="0">
+                <a:spcBef>
+                  <a:spcPts val="0"/>
+                </a:spcBef>
+                <a:spcAft>
+                  <a:spcPts val="0"/>
+                </a:spcAft>
+                <a:buNone/>
+              </a:pPr>
+              <a:endParaRPr/>
+            </a:p>
+          </p:txBody>
+        </p:sp>
+        <p:sp>
+          <p:nvSpPr>
+            <p:cNvPr id="383" name="Google Shape;383;p22"/>
+            <p:cNvSpPr txBox="1"/>
+            <p:nvPr/>
+          </p:nvSpPr>
+          <p:spPr>
+            <a:xfrm>
+              <a:off x="1469201" y="3404495"/>
+              <a:ext cx="1024800" cy="361500"/>
+            </a:xfrm>
+            <a:prstGeom prst="rect">
+              <a:avLst/>
+            </a:prstGeom>
+            <a:noFill/>
+            <a:ln>
+              <a:noFill/>
+            </a:ln>
+          </p:spPr>
+          <p:txBody>
+            <a:bodyPr spcFirstLastPara="1" wrap="square" lIns="91425" tIns="91425" rIns="91425" bIns="91425" anchor="ctr" anchorCtr="0">
+              <a:noAutofit/>
+            </a:bodyPr>
+            <a:lstStyle/>
+            <a:p>
+              <a:pPr marL="0" lvl="0" indent="0" algn="ctr" rtl="0">
+                <a:spcBef>
+                  <a:spcPts val="0"/>
+                </a:spcBef>
+                <a:spcAft>
+                  <a:spcPts val="0"/>
+                </a:spcAft>
+                <a:buNone/>
+              </a:pPr>
+              <a:r>
+                <a:rPr lang="en" sz="2000">
+                  <a:solidFill>
+                    <a:srgbClr val="FFFFFF"/>
+                  </a:solidFill>
+                  <a:latin typeface="Fira Sans Extra Condensed Medium"/>
+                  <a:ea typeface="Fira Sans Extra Condensed Medium"/>
+                  <a:cs typeface="Fira Sans Extra Condensed Medium"/>
+                  <a:sym typeface="Fira Sans Extra Condensed Medium"/>
+                </a:rPr>
+                <a:t>Jupiter</a:t>
+              </a:r>
+              <a:endParaRPr sz="2000">
+                <a:solidFill>
+                  <a:srgbClr val="FFFFFF"/>
+                </a:solidFill>
+                <a:latin typeface="Fira Sans Extra Condensed Medium"/>
+                <a:ea typeface="Fira Sans Extra Condensed Medium"/>
+                <a:cs typeface="Fira Sans Extra Condensed Medium"/>
+                <a:sym typeface="Fira Sans Extra Condensed Medium"/>
+              </a:endParaRPr>
+            </a:p>
+          </p:txBody>
+        </p:sp>
+        <p:sp>
+          <p:nvSpPr>
+            <p:cNvPr id="384" name="Google Shape;384;p22"/>
+            <p:cNvSpPr/>
+            <p:nvPr/>
+          </p:nvSpPr>
+          <p:spPr>
+            <a:xfrm>
+              <a:off x="2784227" y="3238180"/>
+              <a:ext cx="3575700" cy="708900"/>
+            </a:xfrm>
+            <a:prstGeom prst="rect">
+              <a:avLst/>
+            </a:prstGeom>
+            <a:solidFill>
+              <a:schemeClr val="accent3"/>
+            </a:solidFill>
+            <a:ln>
+              <a:noFill/>
+            </a:ln>
+          </p:spPr>
+          <p:txBody>
+            <a:bodyPr spcFirstLastPara="1" wrap="square" lIns="91425" tIns="91425" rIns="91425" bIns="91425" anchor="ctr" anchorCtr="0">
+              <a:noAutofit/>
+            </a:bodyPr>
+            <a:lstStyle/>
+            <a:p>
+              <a:pPr marL="0" lvl="0" indent="0" algn="l" rtl="0">
+                <a:spcBef>
+                  <a:spcPts val="0"/>
+                </a:spcBef>
+                <a:spcAft>
+                  <a:spcPts val="0"/>
+                </a:spcAft>
+                <a:buNone/>
+              </a:pPr>
+              <a:endParaRPr/>
+            </a:p>
+          </p:txBody>
+        </p:sp>
+        <p:sp>
+          <p:nvSpPr>
+            <p:cNvPr id="385" name="Google Shape;385;p22"/>
+            <p:cNvSpPr txBox="1"/>
+            <p:nvPr/>
+          </p:nvSpPr>
+          <p:spPr>
+            <a:xfrm flipH="1">
+              <a:off x="2964493" y="3327479"/>
+              <a:ext cx="3215100" cy="530400"/>
+            </a:xfrm>
+            <a:prstGeom prst="rect">
+              <a:avLst/>
+            </a:prstGeom>
+            <a:noFill/>
+            <a:ln>
+              <a:noFill/>
+            </a:ln>
+          </p:spPr>
+          <p:txBody>
+            <a:bodyPr spcFirstLastPara="1" wrap="square" lIns="91425" tIns="91425" rIns="91425" bIns="91425" anchor="ctr" anchorCtr="0">
+              <a:noAutofit/>
+            </a:bodyPr>
+            <a:lstStyle/>
+            <a:p>
+              <a:pPr marL="0" lvl="0" indent="0" algn="ctr" rtl="0">
+                <a:spcBef>
+                  <a:spcPts val="0"/>
+                </a:spcBef>
+                <a:spcAft>
+                  <a:spcPts val="0"/>
+                </a:spcAft>
+                <a:buNone/>
+              </a:pPr>
+              <a:r>
+                <a:rPr lang="en" sz="1200">
+                  <a:solidFill>
+                    <a:schemeClr val="lt1"/>
+                  </a:solidFill>
+                  <a:latin typeface="Roboto"/>
+                  <a:ea typeface="Roboto"/>
+                  <a:cs typeface="Roboto"/>
+                  <a:sym typeface="Roboto"/>
+                </a:rPr>
+                <a:t>Jupiter the biggest planet of the Solar System and is also a gas giant</a:t>
+              </a:r>
+              <a:endParaRPr sz="1200">
+                <a:solidFill>
+                  <a:schemeClr val="lt1"/>
+                </a:solidFill>
+                <a:latin typeface="Roboto"/>
+                <a:ea typeface="Roboto"/>
+                <a:cs typeface="Roboto"/>
+                <a:sym typeface="Roboto"/>
+              </a:endParaRPr>
+            </a:p>
+          </p:txBody>
+        </p:sp>
+        <p:sp>
+          <p:nvSpPr>
+            <p:cNvPr id="386" name="Google Shape;386;p22"/>
+            <p:cNvSpPr/>
+            <p:nvPr/>
+          </p:nvSpPr>
+          <p:spPr>
+            <a:xfrm>
+              <a:off x="6457587" y="3243049"/>
+              <a:ext cx="1409700" cy="709200"/>
+            </a:xfrm>
+            <a:prstGeom prst="rect">
+              <a:avLst/>
+            </a:prstGeom>
+            <a:solidFill>
+              <a:schemeClr val="accent3"/>
+            </a:solidFill>
+            <a:ln>
+              <a:noFill/>
+            </a:ln>
+          </p:spPr>
+          <p:txBody>
+            <a:bodyPr spcFirstLastPara="1" wrap="square" lIns="91425" tIns="91425" rIns="91425" bIns="91425" anchor="ctr" anchorCtr="0">
+              <a:noAutofit/>
+            </a:bodyPr>
+            <a:lstStyle/>
+            <a:p>
+              <a:pPr marL="0" lvl="0" indent="0" algn="l" rtl="0">
+                <a:spcBef>
+                  <a:spcPts val="0"/>
+                </a:spcBef>
+                <a:spcAft>
+                  <a:spcPts val="0"/>
+                </a:spcAft>
+                <a:buNone/>
+              </a:pPr>
+              <a:endParaRPr/>
+            </a:p>
+          </p:txBody>
+        </p:sp>
+        <p:grpSp>
+          <p:nvGrpSpPr>
+            <p:cNvPr id="9" name="Google Shape;387;p22"/>
+            <p:cNvGrpSpPr/>
+            <p:nvPr/>
+          </p:nvGrpSpPr>
+          <p:grpSpPr>
+            <a:xfrm>
+              <a:off x="6936141" y="3371307"/>
+              <a:ext cx="452700" cy="452700"/>
+              <a:chOff x="6936066" y="1831357"/>
+              <a:chExt cx="452700" cy="452700"/>
+            </a:xfrm>
+          </p:grpSpPr>
+          <p:sp>
+            <p:nvSpPr>
+              <p:cNvPr id="388" name="Google Shape;388;p22"/>
+              <p:cNvSpPr/>
+              <p:nvPr/>
+            </p:nvSpPr>
+            <p:spPr>
+              <a:xfrm>
+                <a:off x="6936066" y="1831357"/>
+                <a:ext cx="452700" cy="452700"/>
+              </a:xfrm>
+              <a:prstGeom prst="ellipse">
+                <a:avLst/>
+              </a:prstGeom>
+              <a:solidFill>
+                <a:schemeClr val="lt1"/>
+              </a:solidFill>
+              <a:ln>
+                <a:noFill/>
+              </a:ln>
+            </p:spPr>
+            <p:txBody>
+              <a:bodyPr spcFirstLastPara="1" wrap="square" lIns="91425" tIns="91425" rIns="91425" bIns="91425" anchor="ctr" anchorCtr="0">
+                <a:noAutofit/>
+              </a:bodyPr>
+              <a:lstStyle/>
+              <a:p>
+                <a:pPr marL="0" lvl="0" indent="0" algn="l" rtl="0">
+                  <a:spcBef>
+                    <a:spcPts val="0"/>
+                  </a:spcBef>
+                  <a:spcAft>
+                    <a:spcPts val="0"/>
+                  </a:spcAft>
+                  <a:buNone/>
+                </a:pPr>
+                <a:endParaRPr/>
+              </a:p>
+            </p:txBody>
+          </p:sp>
+          <p:sp>
+            <p:nvSpPr>
+              <p:cNvPr id="389" name="Google Shape;389;p22"/>
+              <p:cNvSpPr/>
+              <p:nvPr/>
+            </p:nvSpPr>
+            <p:spPr>
+              <a:xfrm>
+                <a:off x="7009649" y="1945777"/>
+                <a:ext cx="305669" cy="223995"/>
+              </a:xfrm>
+              <a:custGeom>
+                <a:avLst/>
+                <a:gdLst/>
+                <a:ahLst/>
+                <a:cxnLst/>
+                <a:rect l="l" t="t" r="r" b="b"/>
+                <a:pathLst>
+                  <a:path w="7439" h="5452" extrusionOk="0">
+                    <a:moveTo>
+                      <a:pt x="6688" y="0"/>
+                    </a:moveTo>
+                    <a:cubicBezTo>
+                      <a:pt x="6501" y="0"/>
+                      <a:pt x="6317" y="85"/>
+                      <a:pt x="6171" y="248"/>
+                    </a:cubicBezTo>
+                    <a:lnTo>
+                      <a:pt x="3103" y="3717"/>
+                    </a:lnTo>
+                    <a:lnTo>
+                      <a:pt x="1301" y="1349"/>
+                    </a:lnTo>
+                    <a:cubicBezTo>
+                      <a:pt x="1183" y="1171"/>
+                      <a:pt x="982" y="1075"/>
+                      <a:pt x="776" y="1075"/>
+                    </a:cubicBezTo>
+                    <a:cubicBezTo>
+                      <a:pt x="634" y="1075"/>
+                      <a:pt x="490" y="1120"/>
+                      <a:pt x="367" y="1215"/>
+                    </a:cubicBezTo>
+                    <a:cubicBezTo>
+                      <a:pt x="67" y="1415"/>
+                      <a:pt x="0" y="1849"/>
+                      <a:pt x="234" y="2149"/>
+                    </a:cubicBezTo>
+                    <a:lnTo>
+                      <a:pt x="2502" y="5185"/>
+                    </a:lnTo>
+                    <a:cubicBezTo>
+                      <a:pt x="2602" y="5352"/>
+                      <a:pt x="2802" y="5452"/>
+                      <a:pt x="3002" y="5452"/>
+                    </a:cubicBezTo>
+                    <a:lnTo>
+                      <a:pt x="3036" y="5452"/>
+                    </a:lnTo>
+                    <a:cubicBezTo>
+                      <a:pt x="3236" y="5452"/>
+                      <a:pt x="3436" y="5385"/>
+                      <a:pt x="3570" y="5251"/>
+                    </a:cubicBezTo>
+                    <a:lnTo>
+                      <a:pt x="7205" y="1149"/>
+                    </a:lnTo>
+                    <a:cubicBezTo>
+                      <a:pt x="7439" y="848"/>
+                      <a:pt x="7406" y="415"/>
+                      <a:pt x="7139" y="181"/>
+                    </a:cubicBezTo>
+                    <a:cubicBezTo>
+                      <a:pt x="7002" y="60"/>
+                      <a:pt x="6844" y="0"/>
+                      <a:pt x="6688" y="0"/>
+                    </a:cubicBezTo>
+                    <a:close/>
+                  </a:path>
+                </a:pathLst>
+              </a:custGeom>
+              <a:solidFill>
+                <a:schemeClr val="accent3"/>
+              </a:solidFill>
+              <a:ln>
+                <a:noFill/>
+              </a:ln>
+            </p:spPr>
+            <p:txBody>
+              <a:bodyPr spcFirstLastPara="1" wrap="square" lIns="91425" tIns="91425" rIns="91425" bIns="91425" anchor="ctr" anchorCtr="0">
+                <a:noAutofit/>
+              </a:bodyPr>
+              <a:lstStyle/>
+              <a:p>
+                <a:pPr marL="0" lvl="0" indent="0" algn="l" rtl="0">
+                  <a:spcBef>
+                    <a:spcPts val="0"/>
+                  </a:spcBef>
+                  <a:spcAft>
+                    <a:spcPts val="0"/>
+                  </a:spcAft>
+                  <a:buNone/>
+                </a:pPr>
+                <a:endParaRPr/>
+              </a:p>
+            </p:txBody>
+          </p:sp>
+        </p:grpSp>
+      </p:grpSp>
+      <p:grpSp>
+        <p:nvGrpSpPr>
+          <p:cNvPr id="10" name="Google Shape;390;p22"/>
+          <p:cNvGrpSpPr/>
+          <p:nvPr/>
+        </p:nvGrpSpPr>
+        <p:grpSpPr>
+          <a:xfrm>
+            <a:off x="228600" y="5366129"/>
+            <a:ext cx="8686800" cy="1339471"/>
+            <a:chOff x="1276687" y="4024596"/>
+            <a:chExt cx="6590600" cy="711325"/>
+          </a:xfrm>
+        </p:grpSpPr>
+        <p:sp>
+          <p:nvSpPr>
+            <p:cNvPr id="391" name="Google Shape;391;p22"/>
+            <p:cNvSpPr/>
+            <p:nvPr/>
+          </p:nvSpPr>
+          <p:spPr>
+            <a:xfrm>
+              <a:off x="1276687" y="4024596"/>
+              <a:ext cx="1409700" cy="709200"/>
+            </a:xfrm>
+            <a:prstGeom prst="rect">
+              <a:avLst/>
+            </a:prstGeom>
+            <a:solidFill>
+              <a:schemeClr val="accent4"/>
+            </a:solidFill>
+            <a:ln>
+              <a:noFill/>
+            </a:ln>
+          </p:spPr>
+          <p:txBody>
+            <a:bodyPr spcFirstLastPara="1" wrap="square" lIns="91425" tIns="91425" rIns="91425" bIns="91425" anchor="ctr" anchorCtr="0">
+              <a:noAutofit/>
+            </a:bodyPr>
+            <a:lstStyle/>
+            <a:p>
+              <a:pPr marL="0" lvl="0" indent="0" algn="l" rtl="0">
+                <a:spcBef>
+                  <a:spcPts val="0"/>
+                </a:spcBef>
+                <a:spcAft>
+                  <a:spcPts val="0"/>
+                </a:spcAft>
+                <a:buNone/>
+              </a:pPr>
+              <a:endParaRPr/>
+            </a:p>
+          </p:txBody>
+        </p:sp>
+        <p:sp>
+          <p:nvSpPr>
+            <p:cNvPr id="392" name="Google Shape;392;p22"/>
+            <p:cNvSpPr txBox="1"/>
+            <p:nvPr/>
+          </p:nvSpPr>
+          <p:spPr>
+            <a:xfrm>
+              <a:off x="1469201" y="4191064"/>
+              <a:ext cx="1024800" cy="361500"/>
+            </a:xfrm>
+            <a:prstGeom prst="rect">
+              <a:avLst/>
+            </a:prstGeom>
+            <a:noFill/>
+            <a:ln>
+              <a:noFill/>
+            </a:ln>
+          </p:spPr>
+          <p:txBody>
+            <a:bodyPr spcFirstLastPara="1" wrap="square" lIns="91425" tIns="91425" rIns="91425" bIns="91425" anchor="ctr" anchorCtr="0">
+              <a:noAutofit/>
+            </a:bodyPr>
+            <a:lstStyle/>
+            <a:p>
+              <a:pPr marL="0" lvl="0" indent="0" algn="ctr" rtl="0">
+                <a:spcBef>
+                  <a:spcPts val="0"/>
+                </a:spcBef>
+                <a:spcAft>
+                  <a:spcPts val="0"/>
+                </a:spcAft>
+                <a:buNone/>
+              </a:pPr>
+              <a:r>
+                <a:rPr lang="en" sz="2000">
+                  <a:solidFill>
+                    <a:srgbClr val="FFFFFF"/>
+                  </a:solidFill>
+                  <a:latin typeface="Fira Sans Extra Condensed Medium"/>
+                  <a:ea typeface="Fira Sans Extra Condensed Medium"/>
+                  <a:cs typeface="Fira Sans Extra Condensed Medium"/>
+                  <a:sym typeface="Fira Sans Extra Condensed Medium"/>
+                </a:rPr>
+                <a:t>Venus</a:t>
+              </a:r>
+              <a:endParaRPr sz="2000">
+                <a:solidFill>
+                  <a:srgbClr val="FFFFFF"/>
+                </a:solidFill>
+                <a:latin typeface="Fira Sans Extra Condensed Medium"/>
+                <a:ea typeface="Fira Sans Extra Condensed Medium"/>
+                <a:cs typeface="Fira Sans Extra Condensed Medium"/>
+                <a:sym typeface="Fira Sans Extra Condensed Medium"/>
+              </a:endParaRPr>
+            </a:p>
+          </p:txBody>
+        </p:sp>
+        <p:sp>
+          <p:nvSpPr>
+            <p:cNvPr id="393" name="Google Shape;393;p22"/>
+            <p:cNvSpPr/>
+            <p:nvPr/>
+          </p:nvSpPr>
+          <p:spPr>
+            <a:xfrm>
+              <a:off x="2784227" y="4024876"/>
+              <a:ext cx="3575700" cy="708900"/>
+            </a:xfrm>
+            <a:prstGeom prst="rect">
+              <a:avLst/>
+            </a:prstGeom>
+            <a:solidFill>
+              <a:schemeClr val="accent4"/>
+            </a:solidFill>
+            <a:ln>
+              <a:noFill/>
+            </a:ln>
+          </p:spPr>
+          <p:txBody>
+            <a:bodyPr spcFirstLastPara="1" wrap="square" lIns="91425" tIns="91425" rIns="91425" bIns="91425" anchor="ctr" anchorCtr="0">
+              <a:noAutofit/>
+            </a:bodyPr>
+            <a:lstStyle/>
+            <a:p>
+              <a:pPr marL="0" lvl="0" indent="0" algn="l" rtl="0">
+                <a:spcBef>
+                  <a:spcPts val="0"/>
+                </a:spcBef>
+                <a:spcAft>
+                  <a:spcPts val="0"/>
+                </a:spcAft>
+                <a:buNone/>
+              </a:pPr>
+              <a:endParaRPr/>
+            </a:p>
+          </p:txBody>
+        </p:sp>
+        <p:sp>
+          <p:nvSpPr>
+            <p:cNvPr id="394" name="Google Shape;394;p22"/>
+            <p:cNvSpPr txBox="1"/>
+            <p:nvPr/>
+          </p:nvSpPr>
+          <p:spPr>
+            <a:xfrm flipH="1">
+              <a:off x="2964493" y="4114176"/>
+              <a:ext cx="3215100" cy="530400"/>
+            </a:xfrm>
+            <a:prstGeom prst="rect">
+              <a:avLst/>
+            </a:prstGeom>
+            <a:noFill/>
+            <a:ln>
+              <a:noFill/>
+            </a:ln>
+          </p:spPr>
+          <p:txBody>
+            <a:bodyPr spcFirstLastPara="1" wrap="square" lIns="91425" tIns="91425" rIns="91425" bIns="91425" anchor="ctr" anchorCtr="0">
+              <a:noAutofit/>
+            </a:bodyPr>
+            <a:lstStyle/>
+            <a:p>
+              <a:pPr marL="0" lvl="0" indent="0" algn="ctr" rtl="0">
+                <a:spcBef>
+                  <a:spcPts val="0"/>
+                </a:spcBef>
+                <a:spcAft>
+                  <a:spcPts val="0"/>
+                </a:spcAft>
+                <a:buNone/>
+              </a:pPr>
+              <a:r>
+                <a:rPr lang="en" sz="1200">
+                  <a:solidFill>
+                    <a:schemeClr val="lt1"/>
+                  </a:solidFill>
+                  <a:latin typeface="Roboto"/>
+                  <a:ea typeface="Roboto"/>
+                  <a:cs typeface="Roboto"/>
+                  <a:sym typeface="Roboto"/>
+                </a:rPr>
+                <a:t>Venus has a beautiful name and also is terrible hot</a:t>
+              </a:r>
+              <a:endParaRPr sz="1200">
+                <a:solidFill>
+                  <a:schemeClr val="lt1"/>
+                </a:solidFill>
+                <a:latin typeface="Roboto"/>
+                <a:ea typeface="Roboto"/>
+                <a:cs typeface="Roboto"/>
+                <a:sym typeface="Roboto"/>
+              </a:endParaRPr>
+            </a:p>
+          </p:txBody>
+        </p:sp>
+        <p:sp>
+          <p:nvSpPr>
+            <p:cNvPr id="395" name="Google Shape;395;p22"/>
+            <p:cNvSpPr/>
+            <p:nvPr/>
+          </p:nvSpPr>
+          <p:spPr>
+            <a:xfrm>
+              <a:off x="6457587" y="4026721"/>
+              <a:ext cx="1409700" cy="709200"/>
+            </a:xfrm>
+            <a:prstGeom prst="rect">
+              <a:avLst/>
+            </a:prstGeom>
+            <a:solidFill>
+              <a:schemeClr val="accent4"/>
+            </a:solidFill>
+            <a:ln>
+              <a:noFill/>
+            </a:ln>
+          </p:spPr>
+          <p:txBody>
+            <a:bodyPr spcFirstLastPara="1" wrap="square" lIns="91425" tIns="91425" rIns="91425" bIns="91425" anchor="ctr" anchorCtr="0">
+              <a:noAutofit/>
+            </a:bodyPr>
+            <a:lstStyle/>
+            <a:p>
+              <a:pPr marL="0" lvl="0" indent="0" algn="l" rtl="0">
+                <a:spcBef>
+                  <a:spcPts val="0"/>
+                </a:spcBef>
+                <a:spcAft>
+                  <a:spcPts val="0"/>
+                </a:spcAft>
+                <a:buNone/>
+              </a:pPr>
+              <a:endParaRPr/>
+            </a:p>
+          </p:txBody>
+        </p:sp>
+        <p:grpSp>
+          <p:nvGrpSpPr>
+            <p:cNvPr id="11" name="Google Shape;396;p22"/>
+            <p:cNvGrpSpPr/>
+            <p:nvPr/>
+          </p:nvGrpSpPr>
+          <p:grpSpPr>
+            <a:xfrm>
+              <a:off x="6936154" y="4154985"/>
+              <a:ext cx="452700" cy="452700"/>
+              <a:chOff x="6936154" y="2587635"/>
+              <a:chExt cx="452700" cy="452700"/>
+            </a:xfrm>
+          </p:grpSpPr>
+          <p:sp>
+            <p:nvSpPr>
+              <p:cNvPr id="397" name="Google Shape;397;p22"/>
+              <p:cNvSpPr/>
+              <p:nvPr/>
+            </p:nvSpPr>
+            <p:spPr>
+              <a:xfrm>
+                <a:off x="6936154" y="2587635"/>
+                <a:ext cx="452700" cy="452700"/>
+              </a:xfrm>
+              <a:prstGeom prst="ellipse">
+                <a:avLst/>
+              </a:prstGeom>
+              <a:solidFill>
+                <a:schemeClr val="lt1"/>
+              </a:solidFill>
+              <a:ln>
+                <a:noFill/>
+              </a:ln>
+            </p:spPr>
+            <p:txBody>
+              <a:bodyPr spcFirstLastPara="1" wrap="square" lIns="91425" tIns="91425" rIns="91425" bIns="91425" anchor="ctr" anchorCtr="0">
+                <a:noAutofit/>
+              </a:bodyPr>
+              <a:lstStyle/>
+              <a:p>
+                <a:pPr marL="0" lvl="0" indent="0" algn="l" rtl="0">
+                  <a:spcBef>
+                    <a:spcPts val="0"/>
+                  </a:spcBef>
+                  <a:spcAft>
+                    <a:spcPts val="0"/>
+                  </a:spcAft>
+                  <a:buNone/>
+                </a:pPr>
+                <a:endParaRPr/>
+              </a:p>
+            </p:txBody>
+          </p:sp>
+          <p:sp>
+            <p:nvSpPr>
+              <p:cNvPr id="398" name="Google Shape;398;p22"/>
+              <p:cNvSpPr/>
+              <p:nvPr/>
+            </p:nvSpPr>
+            <p:spPr>
+              <a:xfrm>
+                <a:off x="7025281" y="2689448"/>
+                <a:ext cx="274532" cy="274551"/>
+              </a:xfrm>
+              <a:custGeom>
+                <a:avLst/>
+                <a:gdLst/>
+                <a:ahLst/>
+                <a:cxnLst/>
+                <a:rect l="l" t="t" r="r" b="b"/>
+                <a:pathLst>
+                  <a:path w="6239" h="6093" extrusionOk="0">
+                    <a:moveTo>
+                      <a:pt x="763" y="1"/>
+                    </a:moveTo>
+                    <a:cubicBezTo>
+                      <a:pt x="598" y="1"/>
+                      <a:pt x="430" y="60"/>
+                      <a:pt x="301" y="189"/>
+                    </a:cubicBezTo>
+                    <a:cubicBezTo>
+                      <a:pt x="34" y="422"/>
+                      <a:pt x="34" y="889"/>
+                      <a:pt x="301" y="1156"/>
+                    </a:cubicBezTo>
+                    <a:lnTo>
+                      <a:pt x="2169" y="3057"/>
+                    </a:lnTo>
+                    <a:lnTo>
+                      <a:pt x="268" y="4925"/>
+                    </a:lnTo>
+                    <a:cubicBezTo>
+                      <a:pt x="1" y="5192"/>
+                      <a:pt x="1" y="5593"/>
+                      <a:pt x="234" y="5859"/>
+                    </a:cubicBezTo>
+                    <a:cubicBezTo>
+                      <a:pt x="376" y="6001"/>
+                      <a:pt x="565" y="6077"/>
+                      <a:pt x="751" y="6077"/>
+                    </a:cubicBezTo>
+                    <a:cubicBezTo>
+                      <a:pt x="915" y="6077"/>
+                      <a:pt x="1076" y="6018"/>
+                      <a:pt x="1202" y="5893"/>
+                    </a:cubicBezTo>
+                    <a:lnTo>
+                      <a:pt x="3103" y="3991"/>
+                    </a:lnTo>
+                    <a:lnTo>
+                      <a:pt x="4971" y="5893"/>
+                    </a:lnTo>
+                    <a:cubicBezTo>
+                      <a:pt x="5104" y="6026"/>
+                      <a:pt x="5280" y="6093"/>
+                      <a:pt x="5455" y="6093"/>
+                    </a:cubicBezTo>
+                    <a:cubicBezTo>
+                      <a:pt x="5630" y="6093"/>
+                      <a:pt x="5805" y="6026"/>
+                      <a:pt x="5938" y="5893"/>
+                    </a:cubicBezTo>
+                    <a:cubicBezTo>
+                      <a:pt x="6205" y="5626"/>
+                      <a:pt x="6205" y="5192"/>
+                      <a:pt x="5938" y="4959"/>
+                    </a:cubicBezTo>
+                    <a:lnTo>
+                      <a:pt x="4070" y="3057"/>
+                    </a:lnTo>
+                    <a:lnTo>
+                      <a:pt x="5972" y="1189"/>
+                    </a:lnTo>
+                    <a:cubicBezTo>
+                      <a:pt x="6239" y="923"/>
+                      <a:pt x="6239" y="489"/>
+                      <a:pt x="5972" y="222"/>
+                    </a:cubicBezTo>
+                    <a:cubicBezTo>
+                      <a:pt x="5838" y="89"/>
+                      <a:pt x="5663" y="22"/>
+                      <a:pt x="5488" y="22"/>
+                    </a:cubicBezTo>
+                    <a:cubicBezTo>
+                      <a:pt x="5313" y="22"/>
+                      <a:pt x="5138" y="89"/>
+                      <a:pt x="5004" y="222"/>
+                    </a:cubicBezTo>
+                    <a:lnTo>
+                      <a:pt x="3136" y="2090"/>
+                    </a:lnTo>
+                    <a:lnTo>
+                      <a:pt x="1235" y="189"/>
+                    </a:lnTo>
+                    <a:cubicBezTo>
+                      <a:pt x="1114" y="68"/>
+                      <a:pt x="940" y="1"/>
+                      <a:pt x="763" y="1"/>
+                    </a:cubicBezTo>
+                    <a:close/>
+                  </a:path>
+                </a:pathLst>
+              </a:custGeom>
+              <a:solidFill>
+                <a:schemeClr val="accent4"/>
+              </a:solidFill>
+              <a:ln>
+                <a:noFill/>
+              </a:ln>
+            </p:spPr>
+            <p:txBody>
+              <a:bodyPr spcFirstLastPara="1" wrap="square" lIns="91425" tIns="91425" rIns="91425" bIns="91425" anchor="ctr" anchorCtr="0">
+                <a:noAutofit/>
+              </a:bodyPr>
+              <a:lstStyle/>
+              <a:p>
+                <a:pPr marL="0" lvl="0" indent="0" algn="l" rtl="0">
+                  <a:spcBef>
+                    <a:spcPts val="0"/>
+                  </a:spcBef>
+                  <a:spcAft>
+                    <a:spcPts val="0"/>
+                  </a:spcAft>
+                  <a:buNone/>
+                </a:pPr>
+                <a:endParaRPr/>
+              </a:p>
+            </p:txBody>
+          </p:sp>
+        </p:grpSp>
+      </p:grpSp>
+      <p:sp>
+        <p:nvSpPr>
+          <p:cNvPr id="48" name="Rectangle 47"/>
+          <p:cNvSpPr/>
+          <p:nvPr/>
+        </p:nvSpPr>
+        <p:spPr>
+          <a:xfrm>
+            <a:off x="6317585" y="2667000"/>
+            <a:ext cx="2826415" cy="369332"/>
+          </a:xfrm>
+          <a:prstGeom prst="rect">
+            <a:avLst/>
+          </a:prstGeom>
+        </p:spPr>
+        <p:txBody>
+          <a:bodyPr wrap="none">
+            <a:spAutoFit/>
+          </a:bodyPr>
+          <a:lstStyle/>
+          <a:p>
+            <a:r>
+              <a:rPr lang="en-US" dirty="0" smtClean="0"/>
+              <a:t>class Child extends Parent {...}</a:t>
+            </a:r>
+            <a:endParaRPr lang="en-US" dirty="0"/>
+          </a:p>
+        </p:txBody>
+      </p:sp>
+    </p:spTree>
+  </p:cSld>
+  <p:clrMapOvr>
+    <a:masterClrMapping/>
+  </p:clrMapOvr>
+</p:sld>
+</file>
+
+<file path=ppt/slides/slide18.xml><?xml version="1.0" encoding="utf-8"?>
+<p:sld xmlns:a="http://schemas.openxmlformats.org/drawingml/2006/main" xmlns:r="http://schemas.openxmlformats.org/officeDocument/2006/relationships" xmlns:p="http://schemas.openxmlformats.org/presentationml/2006/main">
+  <p:cSld>
+    <p:spTree>
+      <p:nvGrpSpPr>
+        <p:cNvPr id="1" name=""/>
+        <p:cNvGrpSpPr/>
+        <p:nvPr/>
+      </p:nvGrpSpPr>
+      <p:grpSpPr>
+        <a:xfrm>
+          <a:off x="0" y="0"/>
+          <a:ext cx="0" cy="0"/>
+          <a:chOff x="0" y="0"/>
+          <a:chExt cx="0" cy="0"/>
+        </a:xfrm>
+      </p:grpSpPr>
+      <p:sp>
+        <p:nvSpPr>
+          <p:cNvPr id="2" name="Title 1"/>
+          <p:cNvSpPr>
+            <a:spLocks noGrp="1"/>
+          </p:cNvSpPr>
+          <p:nvPr>
+            <p:ph type="title"/>
+          </p:nvPr>
+        </p:nvSpPr>
+        <p:spPr/>
+        <p:txBody>
+          <a:bodyPr>
+            <a:normAutofit fontScale="90000"/>
+          </a:bodyPr>
+          <a:lstStyle/>
+          <a:p>
+            <a:r>
+              <a:rPr lang="en-US" b="1" dirty="0" err="1" smtClean="0"/>
+              <a:t>TypeScript</a:t>
+            </a:r>
+            <a:r>
+              <a:rPr lang="en-US" b="1" dirty="0" smtClean="0"/>
+              <a:t> &amp; JavaScript </a:t>
+            </a:r>
+            <a:r>
+              <a:rPr lang="en-US" b="1" dirty="0" smtClean="0"/>
+              <a:t>Interoperability</a:t>
+            </a:r>
+            <a:endParaRPr lang="en-US" dirty="0"/>
+          </a:p>
+        </p:txBody>
+      </p:sp>
+      <p:sp>
+        <p:nvSpPr>
+          <p:cNvPr id="3" name="Content Placeholder 2"/>
+          <p:cNvSpPr>
+            <a:spLocks noGrp="1"/>
+          </p:cNvSpPr>
+          <p:nvPr>
+            <p:ph sz="quarter" idx="1"/>
+          </p:nvPr>
+        </p:nvSpPr>
+        <p:spPr/>
+        <p:txBody>
+          <a:bodyPr/>
+          <a:lstStyle/>
+          <a:p>
+            <a:endParaRPr lang="en-US" dirty="0"/>
+          </a:p>
+        </p:txBody>
+      </p:sp>
+    </p:spTree>
+  </p:cSld>
+  <p:clrMapOvr>
+    <a:masterClrMapping/>
+  </p:clrMapOvr>
+</p:sld>
+</file>
+
+<file path=ppt/slides/slide19.xml><?xml version="1.0" encoding="utf-8"?>
 <p:sld xmlns:a="http://schemas.openxmlformats.org/drawingml/2006/main" xmlns:r="http://schemas.openxmlformats.org/officeDocument/2006/relationships" xmlns:p="http://schemas.openxmlformats.org/presentationml/2006/main">
   <p:cSld>
     <p:spTree>
@@ -11400,7 +18870,127 @@
 </p:sld>
 </file>
 
-<file path=ppt/slides/slide14.xml><?xml version="1.0" encoding="utf-8"?>
+<file path=ppt/slides/slide2.xml><?xml version="1.0" encoding="utf-8"?>
+<p:sld xmlns:a="http://schemas.openxmlformats.org/drawingml/2006/main" xmlns:r="http://schemas.openxmlformats.org/officeDocument/2006/relationships" xmlns:p="http://schemas.openxmlformats.org/presentationml/2006/main">
+  <p:cSld>
+    <p:spTree>
+      <p:nvGrpSpPr>
+        <p:cNvPr id="1" name=""/>
+        <p:cNvGrpSpPr/>
+        <p:nvPr/>
+      </p:nvGrpSpPr>
+      <p:grpSpPr>
+        <a:xfrm>
+          <a:off x="0" y="0"/>
+          <a:ext cx="0" cy="0"/>
+          <a:chOff x="0" y="0"/>
+          <a:chExt cx="0" cy="0"/>
+        </a:xfrm>
+      </p:grpSpPr>
+      <p:sp>
+        <p:nvSpPr>
+          <p:cNvPr id="2" name="Title 1"/>
+          <p:cNvSpPr>
+            <a:spLocks noGrp="1"/>
+          </p:cNvSpPr>
+          <p:nvPr>
+            <p:ph type="title"/>
+          </p:nvPr>
+        </p:nvSpPr>
+        <p:spPr/>
+        <p:txBody>
+          <a:bodyPr/>
+          <a:lstStyle/>
+          <a:p>
+            <a:r>
+              <a:rPr lang="en-US" dirty="0" smtClean="0"/>
+              <a:t>Contents</a:t>
+            </a:r>
+            <a:endParaRPr lang="en-US" dirty="0"/>
+          </a:p>
+        </p:txBody>
+      </p:sp>
+      <p:sp>
+        <p:nvSpPr>
+          <p:cNvPr id="3" name="Content Placeholder 2"/>
+          <p:cNvSpPr>
+            <a:spLocks noGrp="1"/>
+          </p:cNvSpPr>
+          <p:nvPr>
+            <p:ph sz="quarter" idx="1"/>
+          </p:nvPr>
+        </p:nvSpPr>
+        <p:spPr/>
+        <p:txBody>
+          <a:bodyPr>
+            <a:normAutofit/>
+          </a:bodyPr>
+          <a:lstStyle/>
+          <a:p>
+            <a:r>
+              <a:rPr lang="en-US" dirty="0" err="1" smtClean="0"/>
+              <a:t>Javascript</a:t>
+            </a:r>
+            <a:r>
+              <a:rPr lang="en-US" dirty="0" smtClean="0"/>
+              <a:t> Typescript and Bootstrap</a:t>
+            </a:r>
+          </a:p>
+          <a:p>
+            <a:r>
+              <a:rPr lang="en-US" dirty="0" err="1" smtClean="0"/>
+              <a:t>Mongodb</a:t>
+            </a:r>
+            <a:endParaRPr lang="en-US" dirty="0" smtClean="0"/>
+          </a:p>
+          <a:p>
+            <a:r>
+              <a:rPr lang="en-US" dirty="0" err="1" smtClean="0"/>
+              <a:t>Vue</a:t>
+            </a:r>
+            <a:r>
+              <a:rPr lang="en-US" dirty="0" smtClean="0"/>
+              <a:t> </a:t>
+            </a:r>
+            <a:r>
+              <a:rPr lang="en-US" dirty="0" err="1" smtClean="0"/>
+              <a:t>js</a:t>
+            </a:r>
+            <a:endParaRPr lang="en-US" dirty="0" smtClean="0"/>
+          </a:p>
+          <a:p>
+            <a:r>
+              <a:rPr lang="en-US" dirty="0" smtClean="0"/>
+              <a:t>Asp.net core</a:t>
+            </a:r>
+          </a:p>
+          <a:p>
+            <a:r>
+              <a:rPr lang="en-US" dirty="0" err="1" smtClean="0"/>
+              <a:t>Revv</a:t>
+            </a:r>
+            <a:r>
+              <a:rPr lang="en-US" dirty="0" smtClean="0"/>
+              <a:t> domain</a:t>
+            </a:r>
+          </a:p>
+          <a:p>
+            <a:pPr>
+              <a:buNone/>
+            </a:pPr>
+            <a:endParaRPr lang="en-US" dirty="0" smtClean="0"/>
+          </a:p>
+        </p:txBody>
+      </p:sp>
+    </p:spTree>
+  </p:cSld>
+  <p:clrMapOvr>
+    <a:masterClrMapping/>
+  </p:clrMapOvr>
+</p:sld>
+</file>
+
+<file path=ppt/slides/slide20.xml><?xml version="1.0" encoding="utf-8"?>
 <p:sld xmlns:a="http://schemas.openxmlformats.org/drawingml/2006/main" xmlns:r="http://schemas.openxmlformats.org/officeDocument/2006/relationships" xmlns:p="http://schemas.openxmlformats.org/presentationml/2006/main">
   <p:cSld>
     <p:spTree>
@@ -11600,7 +19190,7 @@
 </p:sld>
 </file>
 
-<file path=ppt/slides/slide15.xml><?xml version="1.0" encoding="utf-8"?>
+<file path=ppt/slides/slide21.xml><?xml version="1.0" encoding="utf-8"?>
 <p:sld xmlns:a="http://schemas.openxmlformats.org/drawingml/2006/main" xmlns:r="http://schemas.openxmlformats.org/officeDocument/2006/relationships" xmlns:p="http://schemas.openxmlformats.org/presentationml/2006/main">
   <p:cSld>
     <p:spTree>
@@ -13874,7 +21464,7 @@
 </p:sld>
 </file>
 
-<file path=ppt/slides/slide16.xml><?xml version="1.0" encoding="utf-8"?>
+<file path=ppt/slides/slide22.xml><?xml version="1.0" encoding="utf-8"?>
 <p:sld xmlns:a="http://schemas.openxmlformats.org/drawingml/2006/main" xmlns:r="http://schemas.openxmlformats.org/officeDocument/2006/relationships" xmlns:p="http://schemas.openxmlformats.org/presentationml/2006/main">
   <p:cSld>
     <p:spTree>
@@ -16356,7 +23946,7 @@
 </p:sld>
 </file>
 
-<file path=ppt/slides/slide17.xml><?xml version="1.0" encoding="utf-8"?>
+<file path=ppt/slides/slide23.xml><?xml version="1.0" encoding="utf-8"?>
 <p:sld xmlns:a="http://schemas.openxmlformats.org/drawingml/2006/main" xmlns:r="http://schemas.openxmlformats.org/officeDocument/2006/relationships" xmlns:p="http://schemas.openxmlformats.org/presentationml/2006/main">
   <p:cSld>
     <p:spTree>
@@ -16541,7 +24131,7 @@
 </p:sld>
 </file>
 
-<file path=ppt/slides/slide18.xml><?xml version="1.0" encoding="utf-8"?>
+<file path=ppt/slides/slide24.xml><?xml version="1.0" encoding="utf-8"?>
 <p:sld xmlns:a="http://schemas.openxmlformats.org/drawingml/2006/main" xmlns:r="http://schemas.openxmlformats.org/officeDocument/2006/relationships" xmlns:p="http://schemas.openxmlformats.org/presentationml/2006/main">
   <p:cSld>
     <p:spTree>
@@ -16719,7 +24309,7 @@
 </p:sld>
 </file>
 
-<file path=ppt/slides/slide19.xml><?xml version="1.0" encoding="utf-8"?>
+<file path=ppt/slides/slide25.xml><?xml version="1.0" encoding="utf-8"?>
 <p:sld xmlns:a="http://schemas.openxmlformats.org/drawingml/2006/main" xmlns:r="http://schemas.openxmlformats.org/officeDocument/2006/relationships" xmlns:p="http://schemas.openxmlformats.org/presentationml/2006/main">
   <p:cSld>
     <p:spTree>
@@ -16848,206 +24438,7 @@
 </p:sld>
 </file>
 
-<file path=ppt/slides/slide2.xml><?xml version="1.0" encoding="utf-8"?>
-<p:sld xmlns:a="http://schemas.openxmlformats.org/drawingml/2006/main" xmlns:r="http://schemas.openxmlformats.org/officeDocument/2006/relationships" xmlns:p="http://schemas.openxmlformats.org/presentationml/2006/main">
-  <p:cSld>
-    <p:spTree>
-      <p:nvGrpSpPr>
-        <p:cNvPr id="1" name=""/>
-        <p:cNvGrpSpPr/>
-        <p:nvPr/>
-      </p:nvGrpSpPr>
-      <p:grpSpPr>
-        <a:xfrm>
-          <a:off x="0" y="0"/>
-          <a:ext cx="0" cy="0"/>
-          <a:chOff x="0" y="0"/>
-          <a:chExt cx="0" cy="0"/>
-        </a:xfrm>
-      </p:grpSpPr>
-      <p:sp>
-        <p:nvSpPr>
-          <p:cNvPr id="2" name="Title 1"/>
-          <p:cNvSpPr>
-            <a:spLocks noGrp="1"/>
-          </p:cNvSpPr>
-          <p:nvPr>
-            <p:ph type="title"/>
-          </p:nvPr>
-        </p:nvSpPr>
-        <p:spPr/>
-        <p:txBody>
-          <a:bodyPr/>
-          <a:lstStyle/>
-          <a:p>
-            <a:r>
-              <a:rPr lang="en-US" dirty="0" smtClean="0"/>
-              <a:t>Contents</a:t>
-            </a:r>
-            <a:endParaRPr lang="en-US" dirty="0"/>
-          </a:p>
-        </p:txBody>
-      </p:sp>
-      <p:sp>
-        <p:nvSpPr>
-          <p:cNvPr id="3" name="Content Placeholder 2"/>
-          <p:cNvSpPr>
-            <a:spLocks noGrp="1"/>
-          </p:cNvSpPr>
-          <p:nvPr>
-            <p:ph sz="quarter" idx="1"/>
-          </p:nvPr>
-        </p:nvSpPr>
-        <p:spPr/>
-        <p:txBody>
-          <a:bodyPr>
-            <a:normAutofit/>
-          </a:bodyPr>
-          <a:lstStyle/>
-          <a:p>
-            <a:r>
-              <a:rPr lang="en-US" dirty="0" err="1" smtClean="0"/>
-              <a:t>Javascript</a:t>
-            </a:r>
-            <a:r>
-              <a:rPr lang="en-US" dirty="0" smtClean="0"/>
-              <a:t> Typescript and Bootstrap</a:t>
-            </a:r>
-          </a:p>
-          <a:p>
-            <a:r>
-              <a:rPr lang="en-US" dirty="0" err="1" smtClean="0"/>
-              <a:t>Mongodb</a:t>
-            </a:r>
-            <a:endParaRPr lang="en-US" dirty="0" smtClean="0"/>
-          </a:p>
-          <a:p>
-            <a:r>
-              <a:rPr lang="en-US" dirty="0" err="1" smtClean="0"/>
-              <a:t>Vue</a:t>
-            </a:r>
-            <a:r>
-              <a:rPr lang="en-US" dirty="0" smtClean="0"/>
-              <a:t> </a:t>
-            </a:r>
-            <a:r>
-              <a:rPr lang="en-US" dirty="0" err="1" smtClean="0"/>
-              <a:t>js</a:t>
-            </a:r>
-            <a:endParaRPr lang="en-US" dirty="0" smtClean="0"/>
-          </a:p>
-          <a:p>
-            <a:r>
-              <a:rPr lang="en-US" dirty="0" smtClean="0"/>
-              <a:t>Asp.net core</a:t>
-            </a:r>
-          </a:p>
-          <a:p>
-            <a:r>
-              <a:rPr lang="en-US" dirty="0" err="1" smtClean="0"/>
-              <a:t>Revv</a:t>
-            </a:r>
-            <a:r>
-              <a:rPr lang="en-US" dirty="0" smtClean="0"/>
-              <a:t> domain</a:t>
-            </a:r>
-          </a:p>
-          <a:p>
-            <a:pPr>
-              <a:buNone/>
-            </a:pPr>
-            <a:endParaRPr lang="en-US" dirty="0" smtClean="0"/>
-          </a:p>
-        </p:txBody>
-      </p:sp>
-    </p:spTree>
-  </p:cSld>
-  <p:clrMapOvr>
-    <a:masterClrMapping/>
-  </p:clrMapOvr>
-</p:sld>
-</file>
-
-<file path=ppt/slides/slide20.xml><?xml version="1.0" encoding="utf-8"?>
-<p:sld xmlns:a="http://schemas.openxmlformats.org/drawingml/2006/main" xmlns:r="http://schemas.openxmlformats.org/officeDocument/2006/relationships" xmlns:p="http://schemas.openxmlformats.org/presentationml/2006/main">
-  <p:cSld>
-    <p:spTree>
-      <p:nvGrpSpPr>
-        <p:cNvPr id="1" name=""/>
-        <p:cNvGrpSpPr/>
-        <p:nvPr/>
-      </p:nvGrpSpPr>
-      <p:grpSpPr>
-        <a:xfrm>
-          <a:off x="0" y="0"/>
-          <a:ext cx="0" cy="0"/>
-          <a:chOff x="0" y="0"/>
-          <a:chExt cx="0" cy="0"/>
-        </a:xfrm>
-      </p:grpSpPr>
-      <p:sp>
-        <p:nvSpPr>
-          <p:cNvPr id="2" name="Title 1"/>
-          <p:cNvSpPr>
-            <a:spLocks noGrp="1"/>
-          </p:cNvSpPr>
-          <p:nvPr>
-            <p:ph type="title"/>
-          </p:nvPr>
-        </p:nvSpPr>
-        <p:spPr/>
-        <p:txBody>
-          <a:bodyPr/>
-          <a:lstStyle/>
-          <a:p>
-            <a:r>
-              <a:rPr lang="en-US" dirty="0" smtClean="0"/>
-              <a:t>Software testing</a:t>
-            </a:r>
-            <a:endParaRPr lang="en-US" dirty="0"/>
-          </a:p>
-        </p:txBody>
-      </p:sp>
-      <p:sp>
-        <p:nvSpPr>
-          <p:cNvPr id="3" name="Content Placeholder 2"/>
-          <p:cNvSpPr>
-            <a:spLocks noGrp="1"/>
-          </p:cNvSpPr>
-          <p:nvPr>
-            <p:ph sz="quarter" idx="1"/>
-          </p:nvPr>
-        </p:nvSpPr>
-        <p:spPr/>
-        <p:txBody>
-          <a:bodyPr/>
-          <a:lstStyle/>
-          <a:p>
-            <a:r>
-              <a:rPr lang="en-US" dirty="0" smtClean="0"/>
-              <a:t>Test Scenarios </a:t>
-            </a:r>
-            <a:r>
-              <a:rPr lang="en-US" dirty="0" smtClean="0"/>
-              <a:t>Test </a:t>
-            </a:r>
-            <a:r>
-              <a:rPr lang="en-US" dirty="0" smtClean="0"/>
-              <a:t>Cases</a:t>
-            </a:r>
-            <a:endParaRPr lang="en-US" dirty="0"/>
-          </a:p>
-        </p:txBody>
-      </p:sp>
-    </p:spTree>
-  </p:cSld>
-  <p:clrMapOvr>
-    <a:masterClrMapping/>
-  </p:clrMapOvr>
-</p:sld>
-</file>
-
-<file path=ppt/slides/slide21.xml><?xml version="1.0" encoding="utf-8"?>
+<file path=ppt/slides/slide26.xml><?xml version="1.0" encoding="utf-8"?>
 <p:sld xmlns:a="http://schemas.openxmlformats.org/drawingml/2006/main" xmlns:r="http://schemas.openxmlformats.org/officeDocument/2006/relationships" xmlns:p="http://schemas.openxmlformats.org/presentationml/2006/main">
   <p:cSld>
     <p:spTree>
@@ -25930,4 +33321,287 @@
   <a:objectDefaults/>
   <a:extraClrSchemeLst/>
 </a:theme>
+</file>
+
+<file path=ppt/theme/theme2.xml><?xml version="1.0" encoding="utf-8"?>
+<a:theme xmlns:a="http://schemas.openxmlformats.org/drawingml/2006/main" name="Office Theme">
+  <a:themeElements>
+    <a:clrScheme name="Office">
+      <a:dk1>
+        <a:sysClr val="windowText" lastClr="000000"/>
+      </a:dk1>
+      <a:lt1>
+        <a:sysClr val="window" lastClr="FFFFFF"/>
+      </a:lt1>
+      <a:dk2>
+        <a:srgbClr val="1F497D"/>
+      </a:dk2>
+      <a:lt2>
+        <a:srgbClr val="EEECE1"/>
+      </a:lt2>
+      <a:accent1>
+        <a:srgbClr val="4F81BD"/>
+      </a:accent1>
+      <a:accent2>
+        <a:srgbClr val="C0504D"/>
+      </a:accent2>
+      <a:accent3>
+        <a:srgbClr val="9BBB59"/>
+      </a:accent3>
+      <a:accent4>
+        <a:srgbClr val="8064A2"/>
+      </a:accent4>
+      <a:accent5>
+        <a:srgbClr val="4BACC6"/>
+      </a:accent5>
+      <a:accent6>
+        <a:srgbClr val="F79646"/>
+      </a:accent6>
+      <a:hlink>
+        <a:srgbClr val="0000FF"/>
+      </a:hlink>
+      <a:folHlink>
+        <a:srgbClr val="800080"/>
+      </a:folHlink>
+    </a:clrScheme>
+    <a:fontScheme name="Office">
+      <a:majorFont>
+        <a:latin typeface="Calibri"/>
+        <a:ea typeface=""/>
+        <a:cs typeface=""/>
+        <a:font script="Jpan" typeface="ＭＳ Ｐゴシック"/>
+        <a:font script="Hang" typeface="맑은 고딕"/>
+        <a:font script="Hans" typeface="宋体"/>
+        <a:font script="Hant" typeface="新細明體"/>
+        <a:font script="Arab" typeface="Times New Roman"/>
+        <a:font script="Hebr" typeface="Times New Roman"/>
+        <a:font script="Thai" typeface="Angsana New"/>
+        <a:font script="Ethi" typeface="Nyala"/>
+        <a:font script="Beng" typeface="Vrinda"/>
+        <a:font script="Gujr" typeface="Shruti"/>
+        <a:font script="Khmr" typeface="MoolBoran"/>
+        <a:font script="Knda" typeface="Tunga"/>
+        <a:font script="Guru" typeface="Raavi"/>
+        <a:font script="Cans" typeface="Euphemia"/>
+        <a:font script="Cher" typeface="Plantagenet Cherokee"/>
+        <a:font script="Yiii" typeface="Microsoft Yi Baiti"/>
+        <a:font script="Tibt" typeface="Microsoft Himalaya"/>
+        <a:font script="Thaa" typeface="MV Boli"/>
+        <a:font script="Deva" typeface="Mangal"/>
+        <a:font script="Telu" typeface="Gautami"/>
+        <a:font script="Taml" typeface="Latha"/>
+        <a:font script="Syrc" typeface="Estrangelo Edessa"/>
+        <a:font script="Orya" typeface="Kalinga"/>
+        <a:font script="Mlym" typeface="Kartika"/>
+        <a:font script="Laoo" typeface="DokChampa"/>
+        <a:font script="Sinh" typeface="Iskoola Pota"/>
+        <a:font script="Mong" typeface="Mongolian Baiti"/>
+        <a:font script="Viet" typeface="Times New Roman"/>
+        <a:font script="Uigh" typeface="Microsoft Uighur"/>
+      </a:majorFont>
+      <a:minorFont>
+        <a:latin typeface="Calibri"/>
+        <a:ea typeface=""/>
+        <a:cs typeface=""/>
+        <a:font script="Jpan" typeface="ＭＳ Ｐゴシック"/>
+        <a:font script="Hang" typeface="맑은 고딕"/>
+        <a:font script="Hans" typeface="宋体"/>
+        <a:font script="Hant" typeface="新細明體"/>
+        <a:font script="Arab" typeface="Arial"/>
+        <a:font script="Hebr" typeface="Arial"/>
+        <a:font script="Thai" typeface="Cordia New"/>
+        <a:font script="Ethi" typeface="Nyala"/>
+        <a:font script="Beng" typeface="Vrinda"/>
+        <a:font script="Gujr" typeface="Shruti"/>
+        <a:font script="Khmr" typeface="DaunPenh"/>
+        <a:font script="Knda" typeface="Tunga"/>
+        <a:font script="Guru" typeface="Raavi"/>
+        <a:font script="Cans" typeface="Euphemia"/>
+        <a:font script="Cher" typeface="Plantagenet Cherokee"/>
+        <a:font script="Yiii" typeface="Microsoft Yi Baiti"/>
+        <a:font script="Tibt" typeface="Microsoft Himalaya"/>
+        <a:font script="Thaa" typeface="MV Boli"/>
+        <a:font script="Deva" typeface="Mangal"/>
+        <a:font script="Telu" typeface="Gautami"/>
+        <a:font script="Taml" typeface="Latha"/>
+        <a:font script="Syrc" typeface="Estrangelo Edessa"/>
+        <a:font script="Orya" typeface="Kalinga"/>
+        <a:font script="Mlym" typeface="Kartika"/>
+        <a:font script="Laoo" typeface="DokChampa"/>
+        <a:font script="Sinh" typeface="Iskoola Pota"/>
+        <a:font script="Mong" typeface="Mongolian Baiti"/>
+        <a:font script="Viet" typeface="Arial"/>
+        <a:font script="Uigh" typeface="Microsoft Uighur"/>
+      </a:minorFont>
+    </a:fontScheme>
+    <a:fmtScheme name="Office">
+      <a:fillStyleLst>
+        <a:solidFill>
+          <a:schemeClr val="phClr"/>
+        </a:solidFill>
+        <a:gradFill rotWithShape="1">
+          <a:gsLst>
+            <a:gs pos="0">
+              <a:schemeClr val="phClr">
+                <a:tint val="50000"/>
+                <a:satMod val="300000"/>
+              </a:schemeClr>
+            </a:gs>
+            <a:gs pos="35000">
+              <a:schemeClr val="phClr">
+                <a:tint val="37000"/>
+                <a:satMod val="300000"/>
+              </a:schemeClr>
+            </a:gs>
+            <a:gs pos="100000">
+              <a:schemeClr val="phClr">
+                <a:tint val="15000"/>
+                <a:satMod val="350000"/>
+              </a:schemeClr>
+            </a:gs>
+          </a:gsLst>
+          <a:lin ang="16200000" scaled="1"/>
+        </a:gradFill>
+        <a:gradFill rotWithShape="1">
+          <a:gsLst>
+            <a:gs pos="0">
+              <a:schemeClr val="phClr">
+                <a:shade val="51000"/>
+                <a:satMod val="130000"/>
+              </a:schemeClr>
+            </a:gs>
+            <a:gs pos="80000">
+              <a:schemeClr val="phClr">
+                <a:shade val="93000"/>
+                <a:satMod val="130000"/>
+              </a:schemeClr>
+            </a:gs>
+            <a:gs pos="100000">
+              <a:schemeClr val="phClr">
+                <a:shade val="94000"/>
+                <a:satMod val="135000"/>
+              </a:schemeClr>
+            </a:gs>
+          </a:gsLst>
+          <a:lin ang="16200000" scaled="0"/>
+        </a:gradFill>
+      </a:fillStyleLst>
+      <a:lnStyleLst>
+        <a:ln w="9525" cap="flat" cmpd="sng" algn="ctr">
+          <a:solidFill>
+            <a:schemeClr val="phClr">
+              <a:shade val="95000"/>
+              <a:satMod val="105000"/>
+            </a:schemeClr>
+          </a:solidFill>
+          <a:prstDash val="solid"/>
+        </a:ln>
+        <a:ln w="25400" cap="flat" cmpd="sng" algn="ctr">
+          <a:solidFill>
+            <a:schemeClr val="phClr"/>
+          </a:solidFill>
+          <a:prstDash val="solid"/>
+        </a:ln>
+        <a:ln w="38100" cap="flat" cmpd="sng" algn="ctr">
+          <a:solidFill>
+            <a:schemeClr val="phClr"/>
+          </a:solidFill>
+          <a:prstDash val="solid"/>
+        </a:ln>
+      </a:lnStyleLst>
+      <a:effectStyleLst>
+        <a:effectStyle>
+          <a:effectLst>
+            <a:outerShdw blurRad="40000" dist="20000" dir="5400000" rotWithShape="0">
+              <a:srgbClr val="000000">
+                <a:alpha val="38000"/>
+              </a:srgbClr>
+            </a:outerShdw>
+          </a:effectLst>
+        </a:effectStyle>
+        <a:effectStyle>
+          <a:effectLst>
+            <a:outerShdw blurRad="40000" dist="23000" dir="5400000" rotWithShape="0">
+              <a:srgbClr val="000000">
+                <a:alpha val="35000"/>
+              </a:srgbClr>
+            </a:outerShdw>
+          </a:effectLst>
+        </a:effectStyle>
+        <a:effectStyle>
+          <a:effectLst>
+            <a:outerShdw blurRad="40000" dist="23000" dir="5400000" rotWithShape="0">
+              <a:srgbClr val="000000">
+                <a:alpha val="35000"/>
+              </a:srgbClr>
+            </a:outerShdw>
+          </a:effectLst>
+          <a:scene3d>
+            <a:camera prst="orthographicFront">
+              <a:rot lat="0" lon="0" rev="0"/>
+            </a:camera>
+            <a:lightRig rig="threePt" dir="t">
+              <a:rot lat="0" lon="0" rev="1200000"/>
+            </a:lightRig>
+          </a:scene3d>
+          <a:sp3d>
+            <a:bevelT w="63500" h="25400"/>
+          </a:sp3d>
+        </a:effectStyle>
+      </a:effectStyleLst>
+      <a:bgFillStyleLst>
+        <a:solidFill>
+          <a:schemeClr val="phClr"/>
+        </a:solidFill>
+        <a:gradFill rotWithShape="1">
+          <a:gsLst>
+            <a:gs pos="0">
+              <a:schemeClr val="phClr">
+                <a:tint val="40000"/>
+                <a:satMod val="350000"/>
+              </a:schemeClr>
+            </a:gs>
+            <a:gs pos="40000">
+              <a:schemeClr val="phClr">
+                <a:tint val="45000"/>
+                <a:shade val="99000"/>
+                <a:satMod val="350000"/>
+              </a:schemeClr>
+            </a:gs>
+            <a:gs pos="100000">
+              <a:schemeClr val="phClr">
+                <a:shade val="20000"/>
+                <a:satMod val="255000"/>
+              </a:schemeClr>
+            </a:gs>
+          </a:gsLst>
+          <a:path path="circle">
+            <a:fillToRect l="50000" t="-80000" r="50000" b="180000"/>
+          </a:path>
+        </a:gradFill>
+        <a:gradFill rotWithShape="1">
+          <a:gsLst>
+            <a:gs pos="0">
+              <a:schemeClr val="phClr">
+                <a:tint val="80000"/>
+                <a:satMod val="300000"/>
+              </a:schemeClr>
+            </a:gs>
+            <a:gs pos="100000">
+              <a:schemeClr val="phClr">
+                <a:shade val="30000"/>
+                <a:satMod val="200000"/>
+              </a:schemeClr>
+            </a:gs>
+          </a:gsLst>
+          <a:path path="circle">
+            <a:fillToRect l="50000" t="50000" r="50000" b="50000"/>
+          </a:path>
+        </a:gradFill>
+      </a:bgFillStyleLst>
+    </a:fmtScheme>
+  </a:themeElements>
+  <a:objectDefaults/>
+  <a:extraClrSchemeLst/>
+</a:theme>
 </file>